--- a/卒業論文/2014/吉野聡志/最終発表/最終発表スライド.pptx
+++ b/卒業論文/2014/吉野聡志/最終発表/最終発表スライド.pptx
@@ -5,7 +5,7 @@
     <p:sldMasterId id="2147483660" r:id="rId1"/>
   </p:sldMasterIdLst>
   <p:notesMasterIdLst>
-    <p:notesMasterId r:id="rId22"/>
+    <p:notesMasterId r:id="rId19"/>
   </p:notesMasterIdLst>
   <p:sldIdLst>
     <p:sldId id="256" r:id="rId2"/>
@@ -13,21 +13,18 @@
     <p:sldId id="260" r:id="rId4"/>
     <p:sldId id="261" r:id="rId5"/>
     <p:sldId id="262" r:id="rId6"/>
-    <p:sldId id="263" r:id="rId7"/>
-    <p:sldId id="264" r:id="rId8"/>
-    <p:sldId id="265" r:id="rId9"/>
-    <p:sldId id="266" r:id="rId10"/>
-    <p:sldId id="267" r:id="rId11"/>
-    <p:sldId id="268" r:id="rId12"/>
-    <p:sldId id="269" r:id="rId13"/>
-    <p:sldId id="270" r:id="rId14"/>
-    <p:sldId id="271" r:id="rId15"/>
-    <p:sldId id="272" r:id="rId16"/>
-    <p:sldId id="273" r:id="rId17"/>
-    <p:sldId id="274" r:id="rId18"/>
-    <p:sldId id="275" r:id="rId19"/>
-    <p:sldId id="276" r:id="rId20"/>
-    <p:sldId id="277" r:id="rId21"/>
+    <p:sldId id="282" r:id="rId7"/>
+    <p:sldId id="283" r:id="rId8"/>
+    <p:sldId id="266" r:id="rId9"/>
+    <p:sldId id="278" r:id="rId10"/>
+    <p:sldId id="280" r:id="rId11"/>
+    <p:sldId id="274" r:id="rId12"/>
+    <p:sldId id="286" r:id="rId13"/>
+    <p:sldId id="279" r:id="rId14"/>
+    <p:sldId id="281" r:id="rId15"/>
+    <p:sldId id="287" r:id="rId16"/>
+    <p:sldId id="284" r:id="rId17"/>
+    <p:sldId id="285" r:id="rId18"/>
   </p:sldIdLst>
   <p:sldSz cx="9144000" cy="6858000" type="screen4x3"/>
   <p:notesSz cx="6858000" cy="9144000"/>
@@ -216,7 +213,7 @@
           <a:p>
             <a:fld id="{826E46EC-C173-479E-AB21-DB129F19D8CA}" type="datetimeFigureOut">
               <a:rPr kumimoji="1" lang="ja-JP" altLang="en-US" smtClean="0"/>
-              <a:t>2016/1/22</a:t>
+              <a:t>2016/2/4</a:t>
             </a:fld>
             <a:endParaRPr kumimoji="1" lang="ja-JP" altLang="en-US"/>
           </a:p>
@@ -562,9 +559,72 @@
           <a:p>
             <a:r>
               <a:rPr kumimoji="1" lang="ja-JP" altLang="en-US" dirty="0" smtClean="0"/>
-              <a:t>特徴語とは</a:t>
-            </a:r>
-            <a:endParaRPr kumimoji="1" lang="ja-JP" altLang="en-US" dirty="0"/>
+              <a:t>長い。伏線を回収できていない。</a:t>
+            </a:r>
+            <a:endParaRPr kumimoji="1" lang="en-US" altLang="ja-JP" dirty="0" smtClean="0"/>
+          </a:p>
+          <a:p>
+            <a:endParaRPr kumimoji="1" lang="en-US" altLang="ja-JP" dirty="0" smtClean="0"/>
+          </a:p>
+          <a:p>
+            <a:endParaRPr kumimoji="1" lang="en-US" altLang="ja-JP" dirty="0" smtClean="0"/>
+          </a:p>
+          <a:p>
+            <a:r>
+              <a:rPr kumimoji="1" lang="ja-JP" altLang="en-US" dirty="0" smtClean="0"/>
+              <a:t>赤字に対する答えがない→要らない説</a:t>
+            </a:r>
+            <a:endParaRPr kumimoji="1" lang="en-US" altLang="ja-JP" dirty="0" smtClean="0"/>
+          </a:p>
+          <a:p>
+            <a:r>
+              <a:rPr kumimoji="1" lang="ja-JP" altLang="en-US" dirty="0" smtClean="0"/>
+              <a:t>伏線はちゃんと回収する</a:t>
+            </a:r>
+            <a:endParaRPr kumimoji="1" lang="en-US" altLang="ja-JP" dirty="0" smtClean="0"/>
+          </a:p>
+          <a:p>
+            <a:endParaRPr kumimoji="1" lang="en-US" altLang="ja-JP" dirty="0" smtClean="0"/>
+          </a:p>
+          <a:p>
+            <a:r>
+              <a:rPr kumimoji="1" lang="ja-JP" altLang="en-US" dirty="0" smtClean="0"/>
+              <a:t>うまくストーリー作らないと「だから何？」ってなる</a:t>
+            </a:r>
+            <a:endParaRPr kumimoji="1" lang="en-US" altLang="ja-JP" dirty="0" smtClean="0"/>
+          </a:p>
+          <a:p>
+            <a:endParaRPr kumimoji="1" lang="en-US" altLang="ja-JP" dirty="0" smtClean="0"/>
+          </a:p>
+          <a:p>
+            <a:r>
+              <a:rPr kumimoji="1" lang="ja-JP" altLang="en-US" dirty="0" smtClean="0"/>
+              <a:t>ツール説明に重きを置く手もある→三宅がそっちに該当する</a:t>
+            </a:r>
+            <a:endParaRPr kumimoji="1" lang="en-US" altLang="ja-JP" dirty="0" smtClean="0"/>
+          </a:p>
+          <a:p>
+            <a:r>
+              <a:rPr kumimoji="1" lang="ja-JP" altLang="en-US" dirty="0" smtClean="0"/>
+              <a:t>そうするならば</a:t>
+            </a:r>
+            <a:r>
+              <a:rPr kumimoji="1" lang="en-US" altLang="ja-JP" dirty="0" err="1" smtClean="0"/>
+              <a:t>MeCab</a:t>
+            </a:r>
+            <a:r>
+              <a:rPr kumimoji="1" lang="ja-JP" altLang="en-US" dirty="0" smtClean="0"/>
+              <a:t>とか</a:t>
+            </a:r>
+            <a:r>
+              <a:rPr kumimoji="1" lang="en-US" altLang="ja-JP" dirty="0" smtClean="0"/>
+              <a:t>TFIDF</a:t>
+            </a:r>
+            <a:r>
+              <a:rPr kumimoji="1" lang="ja-JP" altLang="en-US" dirty="0" smtClean="0"/>
+              <a:t>の話が使える</a:t>
+            </a:r>
+            <a:endParaRPr kumimoji="1" lang="en-US" altLang="ja-JP" dirty="0" smtClean="0"/>
           </a:p>
         </p:txBody>
       </p:sp>
@@ -585,7 +645,7 @@
           <a:p>
             <a:fld id="{6E700183-32A0-4418-AA1B-34390FE871CB}" type="slidenum">
               <a:rPr kumimoji="1" lang="ja-JP" altLang="en-US" smtClean="0"/>
-              <a:t>3</a:t>
+              <a:t>2</a:t>
             </a:fld>
             <a:endParaRPr kumimoji="1" lang="ja-JP" altLang="en-US"/>
           </a:p>
@@ -594,7 +654,464 @@
     </p:spTree>
     <p:extLst>
       <p:ext uri="{BB962C8B-B14F-4D97-AF65-F5344CB8AC3E}">
-        <p14:creationId xmlns:p14="http://schemas.microsoft.com/office/powerpoint/2010/main" val="2213661519"/>
+        <p14:creationId xmlns:p14="http://schemas.microsoft.com/office/powerpoint/2010/main" val="2267250718"/>
+      </p:ext>
+    </p:extLst>
+  </p:cSld>
+  <p:clrMapOvr>
+    <a:masterClrMapping/>
+  </p:clrMapOvr>
+</p:notes>
+</file>
+
+<file path=ppt/notesSlides/notesSlide10.xml><?xml version="1.0" encoding="utf-8"?>
+<p:notes xmlns:a="http://schemas.openxmlformats.org/drawingml/2006/main" xmlns:r="http://schemas.openxmlformats.org/officeDocument/2006/relationships" xmlns:p="http://schemas.openxmlformats.org/presentationml/2006/main">
+  <p:cSld>
+    <p:spTree>
+      <p:nvGrpSpPr>
+        <p:cNvPr id="1" name=""/>
+        <p:cNvGrpSpPr/>
+        <p:nvPr/>
+      </p:nvGrpSpPr>
+      <p:grpSpPr>
+        <a:xfrm>
+          <a:off x="0" y="0"/>
+          <a:ext cx="0" cy="0"/>
+          <a:chOff x="0" y="0"/>
+          <a:chExt cx="0" cy="0"/>
+        </a:xfrm>
+      </p:grpSpPr>
+      <p:sp>
+        <p:nvSpPr>
+          <p:cNvPr id="2" name="スライド イメージ プレースホルダー 1"/>
+          <p:cNvSpPr>
+            <a:spLocks noGrp="1" noRot="1" noChangeAspect="1"/>
+          </p:cNvSpPr>
+          <p:nvPr>
+            <p:ph type="sldImg"/>
+          </p:nvPr>
+        </p:nvSpPr>
+        <p:spPr/>
+      </p:sp>
+      <p:sp>
+        <p:nvSpPr>
+          <p:cNvPr id="3" name="ノート プレースホルダー 2"/>
+          <p:cNvSpPr>
+            <a:spLocks noGrp="1"/>
+          </p:cNvSpPr>
+          <p:nvPr>
+            <p:ph type="body" idx="1"/>
+          </p:nvPr>
+        </p:nvSpPr>
+        <p:spPr/>
+        <p:txBody>
+          <a:bodyPr/>
+          <a:lstStyle/>
+          <a:p>
+            <a:r>
+              <a:rPr kumimoji="1" lang="ja-JP" altLang="en-US" dirty="0" smtClean="0"/>
+              <a:t>下村</a:t>
+            </a:r>
+            <a:endParaRPr kumimoji="1" lang="en-US" altLang="ja-JP" dirty="0" smtClean="0"/>
+          </a:p>
+          <a:p>
+            <a:endParaRPr kumimoji="1" lang="en-US" altLang="ja-JP" dirty="0" smtClean="0"/>
+          </a:p>
+          <a:p>
+            <a:r>
+              <a:rPr kumimoji="1" lang="ja-JP" altLang="en-US" dirty="0" smtClean="0"/>
+              <a:t>飯テロの例を載せる</a:t>
+            </a:r>
+            <a:endParaRPr kumimoji="1" lang="ja-JP" altLang="en-US" dirty="0"/>
+          </a:p>
+        </p:txBody>
+      </p:sp>
+      <p:sp>
+        <p:nvSpPr>
+          <p:cNvPr id="4" name="スライド番号プレースホルダー 3"/>
+          <p:cNvSpPr>
+            <a:spLocks noGrp="1"/>
+          </p:cNvSpPr>
+          <p:nvPr>
+            <p:ph type="sldNum" sz="quarter" idx="10"/>
+          </p:nvPr>
+        </p:nvSpPr>
+        <p:spPr/>
+        <p:txBody>
+          <a:bodyPr/>
+          <a:lstStyle/>
+          <a:p>
+            <a:fld id="{6E700183-32A0-4418-AA1B-34390FE871CB}" type="slidenum">
+              <a:rPr kumimoji="1" lang="ja-JP" altLang="en-US" smtClean="0"/>
+              <a:t>11</a:t>
+            </a:fld>
+            <a:endParaRPr kumimoji="1" lang="ja-JP" altLang="en-US"/>
+          </a:p>
+        </p:txBody>
+      </p:sp>
+    </p:spTree>
+    <p:extLst>
+      <p:ext uri="{BB962C8B-B14F-4D97-AF65-F5344CB8AC3E}">
+        <p14:creationId xmlns:p14="http://schemas.microsoft.com/office/powerpoint/2010/main" val="3861642112"/>
+      </p:ext>
+    </p:extLst>
+  </p:cSld>
+  <p:clrMapOvr>
+    <a:masterClrMapping/>
+  </p:clrMapOvr>
+</p:notes>
+</file>
+
+<file path=ppt/notesSlides/notesSlide11.xml><?xml version="1.0" encoding="utf-8"?>
+<p:notes xmlns:a="http://schemas.openxmlformats.org/drawingml/2006/main" xmlns:r="http://schemas.openxmlformats.org/officeDocument/2006/relationships" xmlns:p="http://schemas.openxmlformats.org/presentationml/2006/main">
+  <p:cSld>
+    <p:spTree>
+      <p:nvGrpSpPr>
+        <p:cNvPr id="1" name=""/>
+        <p:cNvGrpSpPr/>
+        <p:nvPr/>
+      </p:nvGrpSpPr>
+      <p:grpSpPr>
+        <a:xfrm>
+          <a:off x="0" y="0"/>
+          <a:ext cx="0" cy="0"/>
+          <a:chOff x="0" y="0"/>
+          <a:chExt cx="0" cy="0"/>
+        </a:xfrm>
+      </p:grpSpPr>
+      <p:sp>
+        <p:nvSpPr>
+          <p:cNvPr id="2" name="スライド イメージ プレースホルダー 1"/>
+          <p:cNvSpPr>
+            <a:spLocks noGrp="1" noRot="1" noChangeAspect="1"/>
+          </p:cNvSpPr>
+          <p:nvPr>
+            <p:ph type="sldImg"/>
+          </p:nvPr>
+        </p:nvSpPr>
+        <p:spPr/>
+      </p:sp>
+      <p:sp>
+        <p:nvSpPr>
+          <p:cNvPr id="3" name="ノート プレースホルダー 2"/>
+          <p:cNvSpPr>
+            <a:spLocks noGrp="1"/>
+          </p:cNvSpPr>
+          <p:nvPr>
+            <p:ph type="body" idx="1"/>
+          </p:nvPr>
+        </p:nvSpPr>
+        <p:spPr/>
+        <p:txBody>
+          <a:bodyPr/>
+          <a:lstStyle/>
+          <a:p>
+            <a:r>
+              <a:rPr kumimoji="1" lang="ja-JP" altLang="en-US" dirty="0" smtClean="0"/>
+              <a:t>アイマスと高橋由伸引退</a:t>
+            </a:r>
+            <a:endParaRPr kumimoji="1" lang="ja-JP" altLang="en-US" dirty="0"/>
+          </a:p>
+        </p:txBody>
+      </p:sp>
+      <p:sp>
+        <p:nvSpPr>
+          <p:cNvPr id="4" name="スライド番号プレースホルダー 3"/>
+          <p:cNvSpPr>
+            <a:spLocks noGrp="1"/>
+          </p:cNvSpPr>
+          <p:nvPr>
+            <p:ph type="sldNum" sz="quarter" idx="10"/>
+          </p:nvPr>
+        </p:nvSpPr>
+        <p:spPr/>
+        <p:txBody>
+          <a:bodyPr/>
+          <a:lstStyle/>
+          <a:p>
+            <a:fld id="{6E700183-32A0-4418-AA1B-34390FE871CB}" type="slidenum">
+              <a:rPr kumimoji="1" lang="ja-JP" altLang="en-US" smtClean="0"/>
+              <a:t>14</a:t>
+            </a:fld>
+            <a:endParaRPr kumimoji="1" lang="ja-JP" altLang="en-US"/>
+          </a:p>
+        </p:txBody>
+      </p:sp>
+    </p:spTree>
+    <p:extLst>
+      <p:ext uri="{BB962C8B-B14F-4D97-AF65-F5344CB8AC3E}">
+        <p14:creationId xmlns:p14="http://schemas.microsoft.com/office/powerpoint/2010/main" val="1666940436"/>
+      </p:ext>
+    </p:extLst>
+  </p:cSld>
+  <p:clrMapOvr>
+    <a:masterClrMapping/>
+  </p:clrMapOvr>
+</p:notes>
+</file>
+
+<file path=ppt/notesSlides/notesSlide12.xml><?xml version="1.0" encoding="utf-8"?>
+<p:notes xmlns:a="http://schemas.openxmlformats.org/drawingml/2006/main" xmlns:r="http://schemas.openxmlformats.org/officeDocument/2006/relationships" xmlns:p="http://schemas.openxmlformats.org/presentationml/2006/main">
+  <p:cSld>
+    <p:spTree>
+      <p:nvGrpSpPr>
+        <p:cNvPr id="1" name=""/>
+        <p:cNvGrpSpPr/>
+        <p:nvPr/>
+      </p:nvGrpSpPr>
+      <p:grpSpPr>
+        <a:xfrm>
+          <a:off x="0" y="0"/>
+          <a:ext cx="0" cy="0"/>
+          <a:chOff x="0" y="0"/>
+          <a:chExt cx="0" cy="0"/>
+        </a:xfrm>
+      </p:grpSpPr>
+      <p:sp>
+        <p:nvSpPr>
+          <p:cNvPr id="2" name="スライド イメージ プレースホルダー 1"/>
+          <p:cNvSpPr>
+            <a:spLocks noGrp="1" noRot="1" noChangeAspect="1"/>
+          </p:cNvSpPr>
+          <p:nvPr>
+            <p:ph type="sldImg"/>
+          </p:nvPr>
+        </p:nvSpPr>
+        <p:spPr/>
+      </p:sp>
+      <p:sp>
+        <p:nvSpPr>
+          <p:cNvPr id="3" name="ノート プレースホルダー 2"/>
+          <p:cNvSpPr>
+            <a:spLocks noGrp="1"/>
+          </p:cNvSpPr>
+          <p:nvPr>
+            <p:ph type="body" idx="1"/>
+          </p:nvPr>
+        </p:nvSpPr>
+        <p:spPr/>
+        <p:txBody>
+          <a:bodyPr/>
+          <a:lstStyle/>
+          <a:p>
+            <a:r>
+              <a:rPr kumimoji="1" lang="ja-JP" altLang="en-US" dirty="0" smtClean="0"/>
+              <a:t>泉</a:t>
+            </a:r>
+            <a:endParaRPr kumimoji="1" lang="en-US" altLang="ja-JP" dirty="0" smtClean="0"/>
+          </a:p>
+          <a:p>
+            <a:r>
+              <a:rPr kumimoji="1" lang="ja-JP" altLang="en-US" dirty="0" smtClean="0"/>
+              <a:t>下村との比較</a:t>
+            </a:r>
+            <a:endParaRPr kumimoji="1" lang="en-US" altLang="ja-JP" dirty="0" smtClean="0"/>
+          </a:p>
+        </p:txBody>
+      </p:sp>
+      <p:sp>
+        <p:nvSpPr>
+          <p:cNvPr id="4" name="スライド番号プレースホルダー 3"/>
+          <p:cNvSpPr>
+            <a:spLocks noGrp="1"/>
+          </p:cNvSpPr>
+          <p:nvPr>
+            <p:ph type="sldNum" sz="quarter" idx="10"/>
+          </p:nvPr>
+        </p:nvSpPr>
+        <p:spPr/>
+        <p:txBody>
+          <a:bodyPr/>
+          <a:lstStyle/>
+          <a:p>
+            <a:fld id="{6E700183-32A0-4418-AA1B-34390FE871CB}" type="slidenum">
+              <a:rPr kumimoji="1" lang="ja-JP" altLang="en-US" smtClean="0"/>
+              <a:t>15</a:t>
+            </a:fld>
+            <a:endParaRPr kumimoji="1" lang="ja-JP" altLang="en-US"/>
+          </a:p>
+        </p:txBody>
+      </p:sp>
+    </p:spTree>
+    <p:extLst>
+      <p:ext uri="{BB962C8B-B14F-4D97-AF65-F5344CB8AC3E}">
+        <p14:creationId xmlns:p14="http://schemas.microsoft.com/office/powerpoint/2010/main" val="1275641633"/>
+      </p:ext>
+    </p:extLst>
+  </p:cSld>
+  <p:clrMapOvr>
+    <a:masterClrMapping/>
+  </p:clrMapOvr>
+</p:notes>
+</file>
+
+<file path=ppt/notesSlides/notesSlide13.xml><?xml version="1.0" encoding="utf-8"?>
+<p:notes xmlns:a="http://schemas.openxmlformats.org/drawingml/2006/main" xmlns:r="http://schemas.openxmlformats.org/officeDocument/2006/relationships" xmlns:p="http://schemas.openxmlformats.org/presentationml/2006/main">
+  <p:cSld>
+    <p:spTree>
+      <p:nvGrpSpPr>
+        <p:cNvPr id="1" name=""/>
+        <p:cNvGrpSpPr/>
+        <p:nvPr/>
+      </p:nvGrpSpPr>
+      <p:grpSpPr>
+        <a:xfrm>
+          <a:off x="0" y="0"/>
+          <a:ext cx="0" cy="0"/>
+          <a:chOff x="0" y="0"/>
+          <a:chExt cx="0" cy="0"/>
+        </a:xfrm>
+      </p:grpSpPr>
+      <p:sp>
+        <p:nvSpPr>
+          <p:cNvPr id="2" name="スライド イメージ プレースホルダー 1"/>
+          <p:cNvSpPr>
+            <a:spLocks noGrp="1" noRot="1" noChangeAspect="1"/>
+          </p:cNvSpPr>
+          <p:nvPr>
+            <p:ph type="sldImg"/>
+          </p:nvPr>
+        </p:nvSpPr>
+        <p:spPr/>
+      </p:sp>
+      <p:sp>
+        <p:nvSpPr>
+          <p:cNvPr id="3" name="ノート プレースホルダー 2"/>
+          <p:cNvSpPr>
+            <a:spLocks noGrp="1"/>
+          </p:cNvSpPr>
+          <p:nvPr>
+            <p:ph type="body" idx="1"/>
+          </p:nvPr>
+        </p:nvSpPr>
+        <p:spPr/>
+        <p:txBody>
+          <a:bodyPr/>
+          <a:lstStyle/>
+          <a:p>
+            <a:r>
+              <a:rPr kumimoji="1" lang="ja-JP" altLang="en-US" dirty="0" smtClean="0"/>
+              <a:t>ニーズを読み取る→ニーズの一部を読み取る</a:t>
+            </a:r>
+            <a:endParaRPr kumimoji="1" lang="ja-JP" altLang="en-US" dirty="0"/>
+          </a:p>
+        </p:txBody>
+      </p:sp>
+      <p:sp>
+        <p:nvSpPr>
+          <p:cNvPr id="4" name="スライド番号プレースホルダー 3"/>
+          <p:cNvSpPr>
+            <a:spLocks noGrp="1"/>
+          </p:cNvSpPr>
+          <p:nvPr>
+            <p:ph type="sldNum" sz="quarter" idx="10"/>
+          </p:nvPr>
+        </p:nvSpPr>
+        <p:spPr/>
+        <p:txBody>
+          <a:bodyPr/>
+          <a:lstStyle/>
+          <a:p>
+            <a:fld id="{6E700183-32A0-4418-AA1B-34390FE871CB}" type="slidenum">
+              <a:rPr kumimoji="1" lang="ja-JP" altLang="en-US" smtClean="0"/>
+              <a:t>16</a:t>
+            </a:fld>
+            <a:endParaRPr kumimoji="1" lang="ja-JP" altLang="en-US"/>
+          </a:p>
+        </p:txBody>
+      </p:sp>
+    </p:spTree>
+    <p:extLst>
+      <p:ext uri="{BB962C8B-B14F-4D97-AF65-F5344CB8AC3E}">
+        <p14:creationId xmlns:p14="http://schemas.microsoft.com/office/powerpoint/2010/main" val="600696844"/>
+      </p:ext>
+    </p:extLst>
+  </p:cSld>
+  <p:clrMapOvr>
+    <a:masterClrMapping/>
+  </p:clrMapOvr>
+</p:notes>
+</file>
+
+<file path=ppt/notesSlides/notesSlide14.xml><?xml version="1.0" encoding="utf-8"?>
+<p:notes xmlns:a="http://schemas.openxmlformats.org/drawingml/2006/main" xmlns:r="http://schemas.openxmlformats.org/officeDocument/2006/relationships" xmlns:p="http://schemas.openxmlformats.org/presentationml/2006/main">
+  <p:cSld>
+    <p:spTree>
+      <p:nvGrpSpPr>
+        <p:cNvPr id="1" name=""/>
+        <p:cNvGrpSpPr/>
+        <p:nvPr/>
+      </p:nvGrpSpPr>
+      <p:grpSpPr>
+        <a:xfrm>
+          <a:off x="0" y="0"/>
+          <a:ext cx="0" cy="0"/>
+          <a:chOff x="0" y="0"/>
+          <a:chExt cx="0" cy="0"/>
+        </a:xfrm>
+      </p:grpSpPr>
+      <p:sp>
+        <p:nvSpPr>
+          <p:cNvPr id="2" name="スライド イメージ プレースホルダー 1"/>
+          <p:cNvSpPr>
+            <a:spLocks noGrp="1" noRot="1" noChangeAspect="1"/>
+          </p:cNvSpPr>
+          <p:nvPr>
+            <p:ph type="sldImg"/>
+          </p:nvPr>
+        </p:nvSpPr>
+        <p:spPr/>
+      </p:sp>
+      <p:sp>
+        <p:nvSpPr>
+          <p:cNvPr id="3" name="ノート プレースホルダー 2"/>
+          <p:cNvSpPr>
+            <a:spLocks noGrp="1"/>
+          </p:cNvSpPr>
+          <p:nvPr>
+            <p:ph type="body" idx="1"/>
+          </p:nvPr>
+        </p:nvSpPr>
+        <p:spPr/>
+        <p:txBody>
+          <a:bodyPr/>
+          <a:lstStyle/>
+          <a:p>
+            <a:r>
+              <a:rPr kumimoji="1" lang="ja-JP" altLang="en-US" dirty="0" smtClean="0"/>
+              <a:t>ヒアリングしたことを述べる</a:t>
+            </a:r>
+            <a:endParaRPr kumimoji="1" lang="ja-JP" altLang="en-US" dirty="0"/>
+          </a:p>
+        </p:txBody>
+      </p:sp>
+      <p:sp>
+        <p:nvSpPr>
+          <p:cNvPr id="4" name="スライド番号プレースホルダー 3"/>
+          <p:cNvSpPr>
+            <a:spLocks noGrp="1"/>
+          </p:cNvSpPr>
+          <p:nvPr>
+            <p:ph type="sldNum" sz="quarter" idx="10"/>
+          </p:nvPr>
+        </p:nvSpPr>
+        <p:spPr/>
+        <p:txBody>
+          <a:bodyPr/>
+          <a:lstStyle/>
+          <a:p>
+            <a:fld id="{6E700183-32A0-4418-AA1B-34390FE871CB}" type="slidenum">
+              <a:rPr kumimoji="1" lang="ja-JP" altLang="en-US" smtClean="0"/>
+              <a:t>17</a:t>
+            </a:fld>
+            <a:endParaRPr kumimoji="1" lang="ja-JP" altLang="en-US"/>
+          </a:p>
+        </p:txBody>
+      </p:sp>
+    </p:spTree>
+    <p:extLst>
+      <p:ext uri="{BB962C8B-B14F-4D97-AF65-F5344CB8AC3E}">
+        <p14:creationId xmlns:p14="http://schemas.microsoft.com/office/powerpoint/2010/main" val="719274028"/>
       </p:ext>
     </p:extLst>
   </p:cSld>
@@ -649,12 +1166,8 @@
           <a:lstStyle/>
           <a:p>
             <a:r>
-              <a:rPr kumimoji="1" lang="en-US" altLang="ja-JP" dirty="0" err="1" smtClean="0"/>
-              <a:t>MeCab</a:t>
-            </a:r>
-            <a:r>
               <a:rPr kumimoji="1" lang="ja-JP" altLang="en-US" dirty="0" smtClean="0"/>
-              <a:t>はオープンソースの形態素解析エンジン</a:t>
+              <a:t>特徴語とは</a:t>
             </a:r>
             <a:endParaRPr kumimoji="1" lang="en-US" altLang="ja-JP" dirty="0" smtClean="0"/>
           </a:p>
@@ -663,34 +1176,18 @@
           </a:p>
           <a:p>
             <a:r>
+              <a:rPr kumimoji="1" lang="ja-JP" altLang="en-US" dirty="0" smtClean="0"/>
+              <a:t>目的に流れがあるのは</a:t>
+            </a:r>
+            <a:r>
               <a:rPr kumimoji="1" lang="en-US" altLang="ja-JP" dirty="0" smtClean="0"/>
-              <a:t>TF</a:t>
-            </a:r>
+              <a:t>×</a:t>
+            </a:r>
+          </a:p>
+          <a:p>
             <a:r>
               <a:rPr kumimoji="1" lang="ja-JP" altLang="en-US" dirty="0" smtClean="0"/>
-              <a:t>とは</a:t>
-            </a:r>
-            <a:endParaRPr kumimoji="1" lang="en-US" altLang="ja-JP" dirty="0" smtClean="0"/>
-          </a:p>
-          <a:p>
-            <a:r>
-              <a:rPr kumimoji="1" lang="en-US" altLang="ja-JP" dirty="0" smtClean="0"/>
-              <a:t>IDF</a:t>
-            </a:r>
-            <a:r>
-              <a:rPr kumimoji="1" lang="ja-JP" altLang="en-US" dirty="0" smtClean="0"/>
-              <a:t>とは</a:t>
-            </a:r>
-            <a:endParaRPr kumimoji="1" lang="en-US" altLang="ja-JP" dirty="0" smtClean="0"/>
-          </a:p>
-          <a:p>
-            <a:r>
-              <a:rPr kumimoji="1" lang="en-US" altLang="ja-JP" dirty="0" smtClean="0"/>
-              <a:t>TFIDF</a:t>
-            </a:r>
-            <a:r>
-              <a:rPr kumimoji="1" lang="ja-JP" altLang="en-US" dirty="0" smtClean="0"/>
-              <a:t>とは</a:t>
+              <a:t>最終的に何がしたいのかだけを書く</a:t>
             </a:r>
             <a:endParaRPr kumimoji="1" lang="ja-JP" altLang="en-US" dirty="0"/>
           </a:p>
@@ -713,7 +1210,7 @@
           <a:p>
             <a:fld id="{6E700183-32A0-4418-AA1B-34390FE871CB}" type="slidenum">
               <a:rPr kumimoji="1" lang="ja-JP" altLang="en-US" smtClean="0"/>
-              <a:t>5</a:t>
+              <a:t>3</a:t>
             </a:fld>
             <a:endParaRPr kumimoji="1" lang="ja-JP" altLang="en-US"/>
           </a:p>
@@ -722,7 +1219,7 @@
     </p:spTree>
     <p:extLst>
       <p:ext uri="{BB962C8B-B14F-4D97-AF65-F5344CB8AC3E}">
-        <p14:creationId xmlns:p14="http://schemas.microsoft.com/office/powerpoint/2010/main" val="2525354841"/>
+        <p14:creationId xmlns:p14="http://schemas.microsoft.com/office/powerpoint/2010/main" val="2213661519"/>
       </p:ext>
     </p:extLst>
   </p:cSld>
@@ -778,13 +1275,73 @@
           <a:p>
             <a:r>
               <a:rPr kumimoji="1" lang="en-US" altLang="ja-JP" dirty="0" smtClean="0"/>
-              <a:t>※</a:t>
+              <a:t>Ubuntu</a:t>
             </a:r>
             <a:r>
               <a:rPr kumimoji="1" lang="ja-JP" altLang="en-US" dirty="0" smtClean="0"/>
-              <a:t>リツイートについての説明</a:t>
-            </a:r>
-            <a:endParaRPr kumimoji="1" lang="ja-JP" altLang="en-US" dirty="0"/>
+              <a:t>とか</a:t>
+            </a:r>
+            <a:r>
+              <a:rPr kumimoji="1" lang="en-US" altLang="ja-JP" dirty="0" smtClean="0"/>
+              <a:t>Python</a:t>
+            </a:r>
+            <a:r>
+              <a:rPr kumimoji="1" lang="ja-JP" altLang="en-US" dirty="0" smtClean="0"/>
+              <a:t>とか書いてるのは余計</a:t>
+            </a:r>
+            <a:endParaRPr kumimoji="1" lang="en-US" altLang="ja-JP" dirty="0" smtClean="0"/>
+          </a:p>
+          <a:p>
+            <a:r>
+              <a:rPr kumimoji="1" lang="ja-JP" altLang="en-US" dirty="0" smtClean="0"/>
+              <a:t>でも入れてもいいよ</a:t>
+            </a:r>
+            <a:endParaRPr kumimoji="1" lang="en-US" altLang="ja-JP" dirty="0" smtClean="0"/>
+          </a:p>
+          <a:p>
+            <a:r>
+              <a:rPr kumimoji="1" lang="ja-JP" altLang="en-US" dirty="0" smtClean="0"/>
+              <a:t>でもこのスライドで出すのは違う、最後の細かい話で</a:t>
+            </a:r>
+            <a:endParaRPr kumimoji="1" lang="en-US" altLang="ja-JP" dirty="0" smtClean="0"/>
+          </a:p>
+          <a:p>
+            <a:r>
+              <a:rPr kumimoji="1" lang="ja-JP" altLang="en-US" dirty="0" smtClean="0"/>
+              <a:t>矢吹研</a:t>
+            </a:r>
+            <a:r>
+              <a:rPr kumimoji="1" lang="en-US" altLang="ja-JP" dirty="0" smtClean="0"/>
+              <a:t>3</a:t>
+            </a:r>
+            <a:r>
+              <a:rPr kumimoji="1" lang="ja-JP" altLang="en-US" dirty="0" smtClean="0"/>
+              <a:t>年</a:t>
+            </a:r>
+            <a:r>
+              <a:rPr kumimoji="1" lang="en-US" altLang="ja-JP" dirty="0" smtClean="0"/>
+              <a:t>5</a:t>
+            </a:r>
+            <a:r>
+              <a:rPr kumimoji="1" lang="ja-JP" altLang="en-US" dirty="0" smtClean="0"/>
+              <a:t>人→</a:t>
+            </a:r>
+            <a:r>
+              <a:rPr kumimoji="1" lang="en-US" altLang="ja-JP" dirty="0" smtClean="0"/>
+              <a:t>Twitter</a:t>
+            </a:r>
+            <a:r>
+              <a:rPr kumimoji="1" lang="ja-JP" altLang="en-US" dirty="0" smtClean="0"/>
+              <a:t>ユーザ</a:t>
+            </a:r>
+            <a:endParaRPr kumimoji="1" lang="en-US" altLang="ja-JP" dirty="0" smtClean="0"/>
+          </a:p>
+          <a:p>
+            <a:r>
+              <a:rPr kumimoji="1" lang="ja-JP" altLang="en-US" dirty="0" smtClean="0"/>
+              <a:t>どういう感じでヒアリングしたのか、ヒアリングのしかたが曖昧だったことを断っておく</a:t>
+            </a:r>
+            <a:endParaRPr kumimoji="1" lang="en-US" altLang="ja-JP" dirty="0" smtClean="0"/>
           </a:p>
         </p:txBody>
       </p:sp>
@@ -805,7 +1362,7 @@
           <a:p>
             <a:fld id="{6E700183-32A0-4418-AA1B-34390FE871CB}" type="slidenum">
               <a:rPr kumimoji="1" lang="ja-JP" altLang="en-US" smtClean="0"/>
-              <a:t>7</a:t>
+              <a:t>4</a:t>
             </a:fld>
             <a:endParaRPr kumimoji="1" lang="ja-JP" altLang="en-US"/>
           </a:p>
@@ -814,7 +1371,7 @@
     </p:spTree>
     <p:extLst>
       <p:ext uri="{BB962C8B-B14F-4D97-AF65-F5344CB8AC3E}">
-        <p14:creationId xmlns:p14="http://schemas.microsoft.com/office/powerpoint/2010/main" val="3276018927"/>
+        <p14:creationId xmlns:p14="http://schemas.microsoft.com/office/powerpoint/2010/main" val="2265178126"/>
       </p:ext>
     </p:extLst>
   </p:cSld>
@@ -869,12 +1426,39 @@
           <a:lstStyle/>
           <a:p>
             <a:r>
+              <a:rPr kumimoji="1" lang="ja-JP" altLang="en-US" dirty="0" smtClean="0"/>
+              <a:t>「</a:t>
+            </a:r>
+            <a:r>
               <a:rPr kumimoji="1" lang="en-US" altLang="ja-JP" dirty="0" smtClean="0"/>
-              <a:t>※</a:t>
+              <a:t>TF</a:t>
             </a:r>
             <a:r>
               <a:rPr kumimoji="1" lang="ja-JP" altLang="en-US" dirty="0" smtClean="0"/>
-              <a:t>あらかじめスライドの印刷物を先生方に配布，前スライドと比較（見比べてもらう）</a:t>
+              <a:t>」「</a:t>
+            </a:r>
+            <a:r>
+              <a:rPr kumimoji="1" lang="en-US" altLang="ja-JP" dirty="0" smtClean="0"/>
+              <a:t>IDF</a:t>
+            </a:r>
+            <a:r>
+              <a:rPr kumimoji="1" lang="ja-JP" altLang="en-US" dirty="0" smtClean="0"/>
+              <a:t>」「</a:t>
+            </a:r>
+            <a:r>
+              <a:rPr kumimoji="1" lang="en-US" altLang="ja-JP" dirty="0" smtClean="0"/>
+              <a:t>TFIDF</a:t>
+            </a:r>
+            <a:r>
+              <a:rPr kumimoji="1" lang="ja-JP" altLang="en-US" dirty="0" smtClean="0"/>
+              <a:t>」要らない</a:t>
+            </a:r>
+            <a:endParaRPr kumimoji="1" lang="en-US" altLang="ja-JP" dirty="0" smtClean="0"/>
+          </a:p>
+          <a:p>
+            <a:r>
+              <a:rPr kumimoji="1" lang="ja-JP" altLang="en-US" dirty="0" smtClean="0"/>
+              <a:t>「総論」から「各論」へ</a:t>
             </a:r>
             <a:endParaRPr kumimoji="1" lang="ja-JP" altLang="en-US" dirty="0"/>
           </a:p>
@@ -897,7 +1481,7 @@
           <a:p>
             <a:fld id="{6E700183-32A0-4418-AA1B-34390FE871CB}" type="slidenum">
               <a:rPr kumimoji="1" lang="ja-JP" altLang="en-US" smtClean="0"/>
-              <a:t>8</a:t>
+              <a:t>5</a:t>
             </a:fld>
             <a:endParaRPr kumimoji="1" lang="ja-JP" altLang="en-US"/>
           </a:p>
@@ -906,7 +1490,7 @@
     </p:spTree>
     <p:extLst>
       <p:ext uri="{BB962C8B-B14F-4D97-AF65-F5344CB8AC3E}">
-        <p14:creationId xmlns:p14="http://schemas.microsoft.com/office/powerpoint/2010/main" val="1884769363"/>
+        <p14:creationId xmlns:p14="http://schemas.microsoft.com/office/powerpoint/2010/main" val="2525354841"/>
       </p:ext>
     </p:extLst>
   </p:cSld>
@@ -962,7 +1546,29 @@
           <a:p>
             <a:r>
               <a:rPr kumimoji="1" lang="ja-JP" altLang="en-US" dirty="0" smtClean="0"/>
-              <a:t>泉</a:t>
+              <a:t>タイムラインについての説明（主に下田先生向け）</a:t>
+            </a:r>
+            <a:endParaRPr kumimoji="1" lang="en-US" altLang="ja-JP" dirty="0" smtClean="0"/>
+          </a:p>
+          <a:p>
+            <a:r>
+              <a:rPr kumimoji="1" lang="ja-JP" altLang="en-US" dirty="0" smtClean="0"/>
+              <a:t>・タイムラインという画面が</a:t>
+            </a:r>
+            <a:r>
+              <a:rPr kumimoji="1" lang="en-US" altLang="ja-JP" dirty="0" smtClean="0"/>
+              <a:t>Twitter</a:t>
+            </a:r>
+            <a:r>
+              <a:rPr kumimoji="1" lang="ja-JP" altLang="en-US" dirty="0" smtClean="0"/>
+              <a:t>の基本</a:t>
+            </a:r>
+            <a:endParaRPr kumimoji="1" lang="en-US" altLang="ja-JP" dirty="0" smtClean="0"/>
+          </a:p>
+          <a:p>
+            <a:r>
+              <a:rPr kumimoji="1" lang="ja-JP" altLang="en-US" dirty="0" smtClean="0"/>
+              <a:t>・自分のユーザとフォローしたユーザのつぶやきが時系列に表示される</a:t>
             </a:r>
             <a:endParaRPr kumimoji="1" lang="ja-JP" altLang="en-US" dirty="0"/>
           </a:p>
@@ -985,7 +1591,7 @@
           <a:p>
             <a:fld id="{6E700183-32A0-4418-AA1B-34390FE871CB}" type="slidenum">
               <a:rPr kumimoji="1" lang="ja-JP" altLang="en-US" smtClean="0"/>
-              <a:t>9</a:t>
+              <a:t>6</a:t>
             </a:fld>
             <a:endParaRPr kumimoji="1" lang="ja-JP" altLang="en-US"/>
           </a:p>
@@ -994,7 +1600,7 @@
     </p:spTree>
     <p:extLst>
       <p:ext uri="{BB962C8B-B14F-4D97-AF65-F5344CB8AC3E}">
-        <p14:creationId xmlns:p14="http://schemas.microsoft.com/office/powerpoint/2010/main" val="2375600620"/>
+        <p14:creationId xmlns:p14="http://schemas.microsoft.com/office/powerpoint/2010/main" val="4224042331"/>
       </p:ext>
     </p:extLst>
   </p:cSld>
@@ -1050,7 +1656,7 @@
           <a:p>
             <a:r>
               <a:rPr kumimoji="1" lang="ja-JP" altLang="en-US" dirty="0" smtClean="0"/>
-              <a:t>板倉</a:t>
+              <a:t>簡単に言うと「頻繁に出現し、かつ関連する単語同士を結んだネットワーク」</a:t>
             </a:r>
             <a:endParaRPr kumimoji="1" lang="ja-JP" altLang="en-US" dirty="0"/>
           </a:p>
@@ -1073,7 +1679,7 @@
           <a:p>
             <a:fld id="{6E700183-32A0-4418-AA1B-34390FE871CB}" type="slidenum">
               <a:rPr kumimoji="1" lang="ja-JP" altLang="en-US" smtClean="0"/>
-              <a:t>11</a:t>
+              <a:t>7</a:t>
             </a:fld>
             <a:endParaRPr kumimoji="1" lang="ja-JP" altLang="en-US"/>
           </a:p>
@@ -1082,7 +1688,7 @@
     </p:spTree>
     <p:extLst>
       <p:ext uri="{BB962C8B-B14F-4D97-AF65-F5344CB8AC3E}">
-        <p14:creationId xmlns:p14="http://schemas.microsoft.com/office/powerpoint/2010/main" val="1586447757"/>
+        <p14:creationId xmlns:p14="http://schemas.microsoft.com/office/powerpoint/2010/main" val="2135192657"/>
       </p:ext>
     </p:extLst>
   </p:cSld>
@@ -1138,9 +1744,57 @@
           <a:p>
             <a:r>
               <a:rPr kumimoji="1" lang="ja-JP" altLang="en-US" dirty="0" smtClean="0"/>
-              <a:t>川手</a:t>
-            </a:r>
-            <a:endParaRPr kumimoji="1" lang="ja-JP" altLang="en-US" dirty="0"/>
+              <a:t>本当は</a:t>
+            </a:r>
+            <a:r>
+              <a:rPr kumimoji="1" lang="en-US" altLang="ja-JP" dirty="0" smtClean="0"/>
+              <a:t>6</a:t>
+            </a:r>
+            <a:r>
+              <a:rPr kumimoji="1" lang="ja-JP" altLang="en-US" dirty="0" smtClean="0"/>
+              <a:t>人分の結果があることを言っておく</a:t>
+            </a:r>
+            <a:endParaRPr kumimoji="1" lang="en-US" altLang="ja-JP" dirty="0" smtClean="0"/>
+          </a:p>
+          <a:p>
+            <a:r>
+              <a:rPr kumimoji="1" lang="ja-JP" altLang="en-US" dirty="0" smtClean="0"/>
+              <a:t>「ここでは</a:t>
+            </a:r>
+            <a:r>
+              <a:rPr kumimoji="1" lang="en-US" altLang="ja-JP" dirty="0" smtClean="0"/>
+              <a:t>2</a:t>
+            </a:r>
+            <a:r>
+              <a:rPr kumimoji="1" lang="ja-JP" altLang="en-US" dirty="0" smtClean="0"/>
+              <a:t>人のユーザのタイムラインを分析した結果を見比べたいと思います。」</a:t>
+            </a:r>
+            <a:endParaRPr kumimoji="1" lang="en-US" altLang="ja-JP" dirty="0" smtClean="0"/>
+          </a:p>
+          <a:p>
+            <a:r>
+              <a:rPr kumimoji="1" lang="ja-JP" altLang="en-US" dirty="0" smtClean="0"/>
+              <a:t>泉</a:t>
+            </a:r>
+            <a:endParaRPr kumimoji="1" lang="en-US" altLang="ja-JP" dirty="0" smtClean="0"/>
+          </a:p>
+          <a:p>
+            <a:r>
+              <a:rPr kumimoji="1" lang="en-US" altLang="ja-JP" dirty="0" smtClean="0"/>
+              <a:t>bot</a:t>
+            </a:r>
+            <a:r>
+              <a:rPr kumimoji="1" lang="ja-JP" altLang="en-US" dirty="0" smtClean="0"/>
+              <a:t>について</a:t>
+            </a:r>
+            <a:endParaRPr kumimoji="1" lang="en-US" altLang="ja-JP" dirty="0" smtClean="0"/>
+          </a:p>
+          <a:p>
+            <a:r>
+              <a:rPr kumimoji="1" lang="ja-JP" altLang="en-US" dirty="0" smtClean="0"/>
+              <a:t>ここは「ヒアリング」の結果だというのが分かるようにする</a:t>
+            </a:r>
+            <a:endParaRPr kumimoji="1" lang="en-US" altLang="ja-JP" dirty="0" smtClean="0"/>
           </a:p>
         </p:txBody>
       </p:sp>
@@ -1161,7 +1815,7 @@
           <a:p>
             <a:fld id="{6E700183-32A0-4418-AA1B-34390FE871CB}" type="slidenum">
               <a:rPr kumimoji="1" lang="ja-JP" altLang="en-US" smtClean="0"/>
-              <a:t>13</a:t>
+              <a:t>8</a:t>
             </a:fld>
             <a:endParaRPr kumimoji="1" lang="ja-JP" altLang="en-US"/>
           </a:p>
@@ -1170,7 +1824,7 @@
     </p:spTree>
     <p:extLst>
       <p:ext uri="{BB962C8B-B14F-4D97-AF65-F5344CB8AC3E}">
-        <p14:creationId xmlns:p14="http://schemas.microsoft.com/office/powerpoint/2010/main" val="2372874665"/>
+        <p14:creationId xmlns:p14="http://schemas.microsoft.com/office/powerpoint/2010/main" val="2375600620"/>
       </p:ext>
     </p:extLst>
   </p:cSld>
@@ -1225,8 +1879,55 @@
           <a:lstStyle/>
           <a:p>
             <a:r>
+              <a:rPr kumimoji="1" lang="en-US" altLang="ja-JP" dirty="0" smtClean="0"/>
+              <a:t>@</a:t>
+            </a:r>
+            <a:r>
+              <a:rPr kumimoji="1" lang="en-US" altLang="ja-JP" dirty="0" err="1" smtClean="0"/>
+              <a:t>eririn_bot</a:t>
+            </a:r>
+            <a:r>
               <a:rPr kumimoji="1" lang="ja-JP" altLang="en-US" dirty="0" smtClean="0"/>
-              <a:t>島田</a:t>
+              <a:t>や</a:t>
+            </a:r>
+            <a:r>
+              <a:rPr kumimoji="1" lang="en-US" altLang="ja-JP" dirty="0" smtClean="0"/>
+              <a:t>@</a:t>
+            </a:r>
+            <a:r>
+              <a:rPr kumimoji="1" lang="en-US" altLang="ja-JP" dirty="0" err="1" smtClean="0"/>
+              <a:t>eriko_bot</a:t>
+            </a:r>
+            <a:r>
+              <a:rPr kumimoji="1" lang="en-US" altLang="ja-JP" dirty="0" smtClean="0"/>
+              <a:t>:</a:t>
+            </a:r>
+            <a:r>
+              <a:rPr kumimoji="1" lang="ja-JP" altLang="en-US" dirty="0" smtClean="0"/>
+              <a:t>中村繪里子の</a:t>
+            </a:r>
+            <a:r>
+              <a:rPr kumimoji="1" lang="en-US" altLang="ja-JP" dirty="0" smtClean="0"/>
+              <a:t>bot</a:t>
+            </a:r>
+            <a:r>
+              <a:rPr kumimoji="1" lang="ja-JP" altLang="en-US" dirty="0" smtClean="0"/>
+              <a:t>（声優・中村繪里子の発言やつぶやき等を</a:t>
+            </a:r>
+            <a:r>
+              <a:rPr kumimoji="1" lang="en-US" altLang="ja-JP" dirty="0" smtClean="0"/>
+              <a:t>bot</a:t>
+            </a:r>
+            <a:r>
+              <a:rPr kumimoji="1" lang="ja-JP" altLang="en-US" dirty="0" smtClean="0"/>
+              <a:t>化）</a:t>
+            </a:r>
+            <a:endParaRPr kumimoji="1" lang="en-US" altLang="ja-JP" dirty="0" smtClean="0"/>
+          </a:p>
+          <a:p>
+            <a:r>
+              <a:rPr kumimoji="1" lang="ja-JP" altLang="en-US" dirty="0" smtClean="0"/>
+              <a:t>ヒアリングでは「声優」としか言ってなかったけど実は「中村繪里子」の情報を欲しがっていた</a:t>
             </a:r>
             <a:endParaRPr kumimoji="1" lang="ja-JP" altLang="en-US" dirty="0"/>
           </a:p>
@@ -1249,7 +1950,7 @@
           <a:p>
             <a:fld id="{6E700183-32A0-4418-AA1B-34390FE871CB}" type="slidenum">
               <a:rPr kumimoji="1" lang="ja-JP" altLang="en-US" smtClean="0"/>
-              <a:t>15</a:t>
+              <a:t>9</a:t>
             </a:fld>
             <a:endParaRPr kumimoji="1" lang="ja-JP" altLang="en-US"/>
           </a:p>
@@ -1258,7 +1959,7 @@
     </p:spTree>
     <p:extLst>
       <p:ext uri="{BB962C8B-B14F-4D97-AF65-F5344CB8AC3E}">
-        <p14:creationId xmlns:p14="http://schemas.microsoft.com/office/powerpoint/2010/main" val="2485260418"/>
+        <p14:creationId xmlns:p14="http://schemas.microsoft.com/office/powerpoint/2010/main" val="3196155559"/>
       </p:ext>
     </p:extLst>
   </p:cSld>
@@ -1314,7 +2015,7 @@
           <a:p>
             <a:r>
               <a:rPr kumimoji="1" lang="ja-JP" altLang="en-US" dirty="0" smtClean="0"/>
-              <a:t>下村</a:t>
+              <a:t>中村繪里子</a:t>
             </a:r>
             <a:endParaRPr kumimoji="1" lang="ja-JP" altLang="en-US" dirty="0"/>
           </a:p>
@@ -1337,7 +2038,7 @@
           <a:p>
             <a:fld id="{6E700183-32A0-4418-AA1B-34390FE871CB}" type="slidenum">
               <a:rPr kumimoji="1" lang="ja-JP" altLang="en-US" smtClean="0"/>
-              <a:t>17</a:t>
+              <a:t>10</a:t>
             </a:fld>
             <a:endParaRPr kumimoji="1" lang="ja-JP" altLang="en-US"/>
           </a:p>
@@ -1346,7 +2047,7 @@
     </p:spTree>
     <p:extLst>
       <p:ext uri="{BB962C8B-B14F-4D97-AF65-F5344CB8AC3E}">
-        <p14:creationId xmlns:p14="http://schemas.microsoft.com/office/powerpoint/2010/main" val="3861642112"/>
+        <p14:creationId xmlns:p14="http://schemas.microsoft.com/office/powerpoint/2010/main" val="1960290504"/>
       </p:ext>
     </p:extLst>
   </p:cSld>
@@ -1487,7 +2188,7 @@
           <a:p>
             <a:fld id="{09DBCCF7-DBC0-4846-851D-5E8954A432E4}" type="datetimeFigureOut">
               <a:rPr kumimoji="1" lang="ja-JP" altLang="en-US" smtClean="0"/>
-              <a:t>2016/1/22</a:t>
+              <a:t>2016/2/4</a:t>
             </a:fld>
             <a:endParaRPr kumimoji="1" lang="ja-JP" altLang="en-US"/>
           </a:p>
@@ -1689,7 +2390,7 @@
           <a:p>
             <a:fld id="{09DBCCF7-DBC0-4846-851D-5E8954A432E4}" type="datetimeFigureOut">
               <a:rPr kumimoji="1" lang="ja-JP" altLang="en-US" smtClean="0"/>
-              <a:t>2016/1/22</a:t>
+              <a:t>2016/2/4</a:t>
             </a:fld>
             <a:endParaRPr kumimoji="1" lang="ja-JP" altLang="en-US"/>
           </a:p>
@@ -1901,7 +2602,7 @@
           <a:p>
             <a:fld id="{09DBCCF7-DBC0-4846-851D-5E8954A432E4}" type="datetimeFigureOut">
               <a:rPr kumimoji="1" lang="ja-JP" altLang="en-US" smtClean="0"/>
-              <a:t>2016/1/22</a:t>
+              <a:t>2016/2/4</a:t>
             </a:fld>
             <a:endParaRPr kumimoji="1" lang="ja-JP" altLang="en-US"/>
           </a:p>
@@ -2103,7 +2804,7 @@
           <a:p>
             <a:fld id="{09DBCCF7-DBC0-4846-851D-5E8954A432E4}" type="datetimeFigureOut">
               <a:rPr kumimoji="1" lang="ja-JP" altLang="en-US" smtClean="0"/>
-              <a:t>2016/1/22</a:t>
+              <a:t>2016/2/4</a:t>
             </a:fld>
             <a:endParaRPr kumimoji="1" lang="ja-JP" altLang="en-US"/>
           </a:p>
@@ -2347,7 +3048,7 @@
           <a:p>
             <a:fld id="{09DBCCF7-DBC0-4846-851D-5E8954A432E4}" type="datetimeFigureOut">
               <a:rPr kumimoji="1" lang="ja-JP" altLang="en-US" smtClean="0"/>
-              <a:t>2016/1/22</a:t>
+              <a:t>2016/2/4</a:t>
             </a:fld>
             <a:endParaRPr kumimoji="1" lang="ja-JP" altLang="en-US"/>
           </a:p>
@@ -2643,7 +3344,7 @@
           <a:p>
             <a:fld id="{09DBCCF7-DBC0-4846-851D-5E8954A432E4}" type="datetimeFigureOut">
               <a:rPr kumimoji="1" lang="ja-JP" altLang="en-US" smtClean="0"/>
-              <a:t>2016/1/22</a:t>
+              <a:t>2016/2/4</a:t>
             </a:fld>
             <a:endParaRPr kumimoji="1" lang="ja-JP" altLang="en-US"/>
           </a:p>
@@ -3074,7 +3775,7 @@
           <a:p>
             <a:fld id="{09DBCCF7-DBC0-4846-851D-5E8954A432E4}" type="datetimeFigureOut">
               <a:rPr kumimoji="1" lang="ja-JP" altLang="en-US" smtClean="0"/>
-              <a:t>2016/1/22</a:t>
+              <a:t>2016/2/4</a:t>
             </a:fld>
             <a:endParaRPr kumimoji="1" lang="ja-JP" altLang="en-US"/>
           </a:p>
@@ -3192,7 +3893,7 @@
           <a:p>
             <a:fld id="{09DBCCF7-DBC0-4846-851D-5E8954A432E4}" type="datetimeFigureOut">
               <a:rPr kumimoji="1" lang="ja-JP" altLang="en-US" smtClean="0"/>
-              <a:t>2016/1/22</a:t>
+              <a:t>2016/2/4</a:t>
             </a:fld>
             <a:endParaRPr kumimoji="1" lang="ja-JP" altLang="en-US"/>
           </a:p>
@@ -3287,7 +3988,7 @@
           <a:p>
             <a:fld id="{09DBCCF7-DBC0-4846-851D-5E8954A432E4}" type="datetimeFigureOut">
               <a:rPr kumimoji="1" lang="ja-JP" altLang="en-US" smtClean="0"/>
-              <a:t>2016/1/22</a:t>
+              <a:t>2016/2/4</a:t>
             </a:fld>
             <a:endParaRPr kumimoji="1" lang="ja-JP" altLang="en-US"/>
           </a:p>
@@ -3596,7 +4297,7 @@
           <a:p>
             <a:fld id="{09DBCCF7-DBC0-4846-851D-5E8954A432E4}" type="datetimeFigureOut">
               <a:rPr kumimoji="1" lang="ja-JP" altLang="en-US" smtClean="0"/>
-              <a:t>2016/1/22</a:t>
+              <a:t>2016/2/4</a:t>
             </a:fld>
             <a:endParaRPr kumimoji="1" lang="ja-JP" altLang="en-US"/>
           </a:p>
@@ -3853,7 +4554,7 @@
           <a:p>
             <a:fld id="{09DBCCF7-DBC0-4846-851D-5E8954A432E4}" type="datetimeFigureOut">
               <a:rPr kumimoji="1" lang="ja-JP" altLang="en-US" smtClean="0"/>
-              <a:t>2016/1/22</a:t>
+              <a:t>2016/2/4</a:t>
             </a:fld>
             <a:endParaRPr kumimoji="1" lang="ja-JP" altLang="en-US"/>
           </a:p>
@@ -4098,7 +4799,7 @@
           <a:p>
             <a:fld id="{09DBCCF7-DBC0-4846-851D-5E8954A432E4}" type="datetimeFigureOut">
               <a:rPr kumimoji="1" lang="ja-JP" altLang="en-US" smtClean="0"/>
-              <a:t>2016/1/22</a:t>
+              <a:t>2016/2/4</a:t>
             </a:fld>
             <a:endParaRPr kumimoji="1" lang="ja-JP" altLang="en-US"/>
           </a:p>
@@ -4515,8 +5216,8 @@
         </p:nvSpPr>
         <p:spPr>
           <a:xfrm>
-            <a:off x="685800" y="1382485"/>
-            <a:ext cx="7772400" cy="1746477"/>
+            <a:off x="498348" y="697993"/>
+            <a:ext cx="8147304" cy="2912554"/>
           </a:xfrm>
         </p:spPr>
         <p:txBody>
@@ -4525,6 +5226,11 @@
           </a:bodyPr>
           <a:lstStyle/>
           <a:p>
+            <a:pPr>
+              <a:lnSpc>
+                <a:spcPct val="150000"/>
+              </a:lnSpc>
+            </a:pPr>
             <a:r>
               <a:rPr kumimoji="1" lang="en-US" altLang="ja-JP" sz="4800" dirty="0" smtClean="0">
                 <a:latin typeface="メイリオ" panose="020B0604030504040204" pitchFamily="50" charset="-128"/>
@@ -4569,6 +5275,11 @@
           <a:bodyPr/>
           <a:lstStyle/>
           <a:p>
+            <a:pPr>
+              <a:lnSpc>
+                <a:spcPct val="150000"/>
+              </a:lnSpc>
+            </a:pPr>
             <a:r>
               <a:rPr kumimoji="1" lang="ja-JP" altLang="en-US" dirty="0" smtClean="0">
                 <a:latin typeface="メイリオ" panose="020B0604030504040204" pitchFamily="50" charset="-128"/>
@@ -4641,6 +5352,13 @@
   <p:clrMapOvr>
     <a:masterClrMapping/>
   </p:clrMapOvr>
+  <p:timing>
+    <p:tnLst>
+      <p:par>
+        <p:cTn id="1" dur="indefinite" restart="never" nodeType="tmRoot"/>
+      </p:par>
+    </p:tnLst>
+  </p:timing>
 </p:sld>
 </file>
 
@@ -4702,8 +5420,39 @@
             <p:ph idx="1"/>
           </p:nvPr>
         </p:nvPicPr>
+        <p:blipFill rotWithShape="1">
+          <a:blip r:embed="rId3">
+            <a:extLst>
+              <a:ext uri="{28A0092B-C50C-407E-A947-70E740481C1C}">
+                <a14:useLocalDpi xmlns:a14="http://schemas.microsoft.com/office/drawing/2010/main" val="0"/>
+              </a:ext>
+            </a:extLst>
+          </a:blip>
+          <a:srcRect t="47705" r="51966"/>
+          <a:stretch/>
+        </p:blipFill>
+        <p:spPr>
+          <a:xfrm>
+            <a:off x="149068" y="1463040"/>
+            <a:ext cx="4733524" cy="5163661"/>
+          </a:xfrm>
+          <a:ln w="3175">
+            <a:solidFill>
+              <a:schemeClr val="tx1"/>
+            </a:solidFill>
+          </a:ln>
+        </p:spPr>
+      </p:pic>
+      <p:pic>
+        <p:nvPicPr>
+          <p:cNvPr id="5" name="コンテンツ プレースホルダー 3"/>
+          <p:cNvPicPr>
+            <a:picLocks noChangeAspect="1"/>
+          </p:cNvPicPr>
+          <p:nvPr/>
+        </p:nvPicPr>
         <p:blipFill>
-          <a:blip r:embed="rId2" cstate="print">
+          <a:blip r:embed="rId4" cstate="print">
             <a:extLst>
               <a:ext uri="{28A0092B-C50C-407E-A947-70E740481C1C}">
                 <a14:useLocalDpi xmlns:a14="http://schemas.microsoft.com/office/drawing/2010/main" val="0"/>
@@ -4716,21 +5465,130 @@
         </p:blipFill>
         <p:spPr>
           <a:xfrm>
-            <a:off x="224209" y="1419223"/>
-            <a:ext cx="8695582" cy="4891265"/>
+            <a:off x="6042309" y="1966134"/>
+            <a:ext cx="2926305" cy="2932176"/>
           </a:xfrm>
+          <a:prstGeom prst="rect">
+            <a:avLst/>
+          </a:prstGeom>
+          <a:ln w="3175">
+            <a:solidFill>
+              <a:schemeClr val="tx1"/>
+            </a:solidFill>
+          </a:ln>
         </p:spPr>
       </p:pic>
+      <p:sp>
+        <p:nvSpPr>
+          <p:cNvPr id="6" name="正方形/長方形 5"/>
+          <p:cNvSpPr/>
+          <p:nvPr/>
+        </p:nvSpPr>
+        <p:spPr>
+          <a:xfrm>
+            <a:off x="5949696" y="3383280"/>
+            <a:ext cx="1463040" cy="1628855"/>
+          </a:xfrm>
+          <a:prstGeom prst="rect">
+            <a:avLst/>
+          </a:prstGeom>
+          <a:noFill/>
+          <a:ln w="19050">
+            <a:solidFill>
+              <a:srgbClr val="C00000"/>
+            </a:solidFill>
+          </a:ln>
+        </p:spPr>
+        <p:style>
+          <a:lnRef idx="2">
+            <a:schemeClr val="accent1">
+              <a:shade val="50000"/>
+            </a:schemeClr>
+          </a:lnRef>
+          <a:fillRef idx="1">
+            <a:schemeClr val="accent1"/>
+          </a:fillRef>
+          <a:effectRef idx="0">
+            <a:schemeClr val="accent1"/>
+          </a:effectRef>
+          <a:fontRef idx="minor">
+            <a:schemeClr val="lt1"/>
+          </a:fontRef>
+        </p:style>
+        <p:txBody>
+          <a:bodyPr rtlCol="0" anchor="ctr"/>
+          <a:lstStyle/>
+          <a:p>
+            <a:pPr algn="ctr"/>
+            <a:endParaRPr kumimoji="1" lang="ja-JP" altLang="en-US"/>
+          </a:p>
+        </p:txBody>
+      </p:sp>
+      <p:sp>
+        <p:nvSpPr>
+          <p:cNvPr id="7" name="上矢印 6"/>
+          <p:cNvSpPr/>
+          <p:nvPr/>
+        </p:nvSpPr>
+        <p:spPr>
+          <a:xfrm rot="16200000">
+            <a:off x="5209107" y="3982792"/>
+            <a:ext cx="377952" cy="845755"/>
+          </a:xfrm>
+          <a:prstGeom prst="upArrow">
+            <a:avLst/>
+          </a:prstGeom>
+          <a:solidFill>
+            <a:srgbClr val="C00000"/>
+          </a:solidFill>
+          <a:ln>
+            <a:solidFill>
+              <a:srgbClr val="C00000"/>
+            </a:solidFill>
+          </a:ln>
+        </p:spPr>
+        <p:style>
+          <a:lnRef idx="2">
+            <a:schemeClr val="accent1">
+              <a:shade val="50000"/>
+            </a:schemeClr>
+          </a:lnRef>
+          <a:fillRef idx="1">
+            <a:schemeClr val="accent1"/>
+          </a:fillRef>
+          <a:effectRef idx="0">
+            <a:schemeClr val="accent1"/>
+          </a:effectRef>
+          <a:fontRef idx="minor">
+            <a:schemeClr val="lt1"/>
+          </a:fontRef>
+        </p:style>
+        <p:txBody>
+          <a:bodyPr rtlCol="0" anchor="ctr"/>
+          <a:lstStyle/>
+          <a:p>
+            <a:pPr algn="ctr"/>
+            <a:endParaRPr kumimoji="1" lang="ja-JP" altLang="en-US"/>
+          </a:p>
+        </p:txBody>
+      </p:sp>
     </p:spTree>
     <p:extLst>
       <p:ext uri="{BB962C8B-B14F-4D97-AF65-F5344CB8AC3E}">
-        <p14:creationId xmlns:p14="http://schemas.microsoft.com/office/powerpoint/2010/main" val="1919523376"/>
+        <p14:creationId xmlns:p14="http://schemas.microsoft.com/office/powerpoint/2010/main" val="2881720420"/>
       </p:ext>
     </p:extLst>
   </p:cSld>
   <p:clrMapOvr>
     <a:masterClrMapping/>
   </p:clrMapOvr>
+  <p:timing>
+    <p:tnLst>
+      <p:par>
+        <p:cTn id="1" dur="indefinite" restart="never" nodeType="tmRoot"/>
+      </p:par>
+    </p:tnLst>
+  </p:timing>
 </p:sld>
 </file>
 
@@ -4784,7 +5642,7 @@
       </p:sp>
       <p:sp>
         <p:nvSpPr>
-          <p:cNvPr id="3" name="コンテンツ プレースホルダー 2"/>
+          <p:cNvPr id="4" name="コンテンツ プレースホルダー 2"/>
           <p:cNvSpPr>
             <a:spLocks noGrp="1"/>
           </p:cNvSpPr>
@@ -4792,31 +5650,45 @@
             <p:ph idx="1"/>
           </p:nvPr>
         </p:nvSpPr>
-        <p:spPr/>
+        <p:spPr>
+          <a:xfrm>
+            <a:off x="628650" y="1825624"/>
+            <a:ext cx="7886700" cy="5032375"/>
+          </a:xfrm>
+        </p:spPr>
         <p:txBody>
           <a:bodyPr/>
           <a:lstStyle/>
           <a:p>
-            <a:pPr>
+            <a:pPr marL="0" indent="0">
               <a:lnSpc>
                 <a:spcPct val="150000"/>
               </a:lnSpc>
+              <a:buNone/>
             </a:pPr>
             <a:r>
-              <a:rPr kumimoji="1" lang="ja-JP" altLang="en-US" dirty="0" smtClean="0">
-                <a:latin typeface="メイリオ" panose="020B0604030504040204" pitchFamily="50" charset="-128"/>
-                <a:ea typeface="メイリオ" panose="020B0604030504040204" pitchFamily="50" charset="-128"/>
-                <a:cs typeface="メイリオ" panose="020B0604030504040204" pitchFamily="50" charset="-128"/>
-              </a:rPr>
-              <a:t>協力者</a:t>
-            </a:r>
-            <a:r>
-              <a:rPr lang="en-US" altLang="ja-JP" dirty="0">
+              <a:rPr lang="ja-JP" altLang="en-US" dirty="0" smtClean="0">
+                <a:latin typeface="メイリオ" panose="020B0604030504040204" pitchFamily="50" charset="-128"/>
+                <a:ea typeface="メイリオ" panose="020B0604030504040204" pitchFamily="50" charset="-128"/>
+                <a:cs typeface="メイリオ" panose="020B0604030504040204" pitchFamily="50" charset="-128"/>
+              </a:rPr>
+              <a:t>ヒアリングで得られたユーザ</a:t>
+            </a:r>
+            <a:r>
+              <a:rPr lang="en-US" altLang="ja-JP" dirty="0" smtClean="0">
                 <a:latin typeface="メイリオ" panose="020B0604030504040204" pitchFamily="50" charset="-128"/>
                 <a:ea typeface="メイリオ" panose="020B0604030504040204" pitchFamily="50" charset="-128"/>
                 <a:cs typeface="メイリオ" panose="020B0604030504040204" pitchFamily="50" charset="-128"/>
               </a:rPr>
               <a:t>B</a:t>
+            </a:r>
+            <a:r>
+              <a:rPr lang="ja-JP" altLang="en-US" dirty="0" smtClean="0">
+                <a:latin typeface="メイリオ" panose="020B0604030504040204" pitchFamily="50" charset="-128"/>
+                <a:ea typeface="メイリオ" panose="020B0604030504040204" pitchFamily="50" charset="-128"/>
+                <a:cs typeface="メイリオ" panose="020B0604030504040204" pitchFamily="50" charset="-128"/>
+              </a:rPr>
+              <a:t>の関心事項</a:t>
             </a:r>
             <a:endParaRPr kumimoji="1" lang="en-US" altLang="ja-JP" dirty="0" smtClean="0">
               <a:latin typeface="メイリオ" panose="020B0604030504040204" pitchFamily="50" charset="-128"/>
@@ -4825,133 +5697,72 @@
             </a:endParaRPr>
           </a:p>
           <a:p>
-            <a:pPr marL="457200" lvl="1" indent="0">
+            <a:pPr lvl="1">
               <a:lnSpc>
                 <a:spcPct val="150000"/>
               </a:lnSpc>
-              <a:buNone/>
             </a:pPr>
             <a:r>
-              <a:rPr lang="ja-JP" altLang="en-US" dirty="0">
-                <a:latin typeface="メイリオ" panose="020B0604030504040204" pitchFamily="50" charset="-128"/>
-                <a:ea typeface="メイリオ" panose="020B0604030504040204" pitchFamily="50" charset="-128"/>
-                <a:cs typeface="メイリオ" panose="020B0604030504040204" pitchFamily="50" charset="-128"/>
-              </a:rPr>
-              <a:t>利用</a:t>
-            </a:r>
-            <a:r>
-              <a:rPr lang="ja-JP" altLang="en-US" dirty="0" smtClean="0">
-                <a:latin typeface="メイリオ" panose="020B0604030504040204" pitchFamily="50" charset="-128"/>
-                <a:ea typeface="メイリオ" panose="020B0604030504040204" pitchFamily="50" charset="-128"/>
-                <a:cs typeface="メイリオ" panose="020B0604030504040204" pitchFamily="50" charset="-128"/>
-              </a:rPr>
-              <a:t>スタイル</a:t>
-            </a:r>
-            <a:endParaRPr lang="en-US" altLang="ja-JP" dirty="0" smtClean="0">
+              <a:rPr kumimoji="1" lang="ja-JP" altLang="en-US" dirty="0" smtClean="0">
+                <a:latin typeface="メイリオ" panose="020B0604030504040204" pitchFamily="50" charset="-128"/>
+                <a:ea typeface="メイリオ" panose="020B0604030504040204" pitchFamily="50" charset="-128"/>
+                <a:cs typeface="メイリオ" panose="020B0604030504040204" pitchFamily="50" charset="-128"/>
+              </a:rPr>
+              <a:t>ゲーム「アイドルマスター」</a:t>
+            </a:r>
+            <a:endParaRPr kumimoji="1" lang="en-US" altLang="ja-JP" dirty="0" smtClean="0">
               <a:latin typeface="メイリオ" panose="020B0604030504040204" pitchFamily="50" charset="-128"/>
               <a:ea typeface="メイリオ" panose="020B0604030504040204" pitchFamily="50" charset="-128"/>
               <a:cs typeface="メイリオ" panose="020B0604030504040204" pitchFamily="50" charset="-128"/>
             </a:endParaRPr>
           </a:p>
           <a:p>
-            <a:pPr marL="914400" lvl="2" indent="0">
+            <a:pPr lvl="1">
               <a:lnSpc>
                 <a:spcPct val="150000"/>
               </a:lnSpc>
-              <a:buNone/>
             </a:pPr>
             <a:r>
+              <a:rPr lang="ja-JP" altLang="en-US" dirty="0">
+                <a:latin typeface="メイリオ" panose="020B0604030504040204" pitchFamily="50" charset="-128"/>
+                <a:ea typeface="メイリオ" panose="020B0604030504040204" pitchFamily="50" charset="-128"/>
+                <a:cs typeface="メイリオ" panose="020B0604030504040204" pitchFamily="50" charset="-128"/>
+              </a:rPr>
+              <a:t>飯</a:t>
+            </a:r>
+            <a:r>
               <a:rPr lang="ja-JP" altLang="en-US" dirty="0" smtClean="0">
                 <a:latin typeface="メイリオ" panose="020B0604030504040204" pitchFamily="50" charset="-128"/>
                 <a:ea typeface="メイリオ" panose="020B0604030504040204" pitchFamily="50" charset="-128"/>
                 <a:cs typeface="メイリオ" panose="020B0604030504040204" pitchFamily="50" charset="-128"/>
               </a:rPr>
-              <a:t>タイムラインの閲覧</a:t>
-            </a:r>
-            <a:endParaRPr lang="en-US" altLang="ja-JP" dirty="0" smtClean="0">
+              <a:t>テロ画像</a:t>
+            </a:r>
+            <a:endParaRPr lang="en-US" altLang="ja-JP" dirty="0">
               <a:latin typeface="メイリオ" panose="020B0604030504040204" pitchFamily="50" charset="-128"/>
               <a:ea typeface="メイリオ" panose="020B0604030504040204" pitchFamily="50" charset="-128"/>
               <a:cs typeface="メイリオ" panose="020B0604030504040204" pitchFamily="50" charset="-128"/>
             </a:endParaRPr>
           </a:p>
-          <a:p>
-            <a:pPr marL="457200" lvl="1" indent="0">
-              <a:lnSpc>
-                <a:spcPct val="150000"/>
-              </a:lnSpc>
-              <a:buNone/>
-            </a:pPr>
-            <a:r>
-              <a:rPr lang="ja-JP" altLang="en-US" dirty="0" smtClean="0">
-                <a:latin typeface="メイリオ" panose="020B0604030504040204" pitchFamily="50" charset="-128"/>
-                <a:ea typeface="メイリオ" panose="020B0604030504040204" pitchFamily="50" charset="-128"/>
-                <a:cs typeface="メイリオ" panose="020B0604030504040204" pitchFamily="50" charset="-128"/>
-              </a:rPr>
-              <a:t>関心事項</a:t>
-            </a:r>
-            <a:endParaRPr lang="en-US" altLang="ja-JP" dirty="0" smtClean="0">
-              <a:latin typeface="メイリオ" panose="020B0604030504040204" pitchFamily="50" charset="-128"/>
-              <a:ea typeface="メイリオ" panose="020B0604030504040204" pitchFamily="50" charset="-128"/>
-              <a:cs typeface="メイリオ" panose="020B0604030504040204" pitchFamily="50" charset="-128"/>
-            </a:endParaRPr>
-          </a:p>
-          <a:p>
-            <a:pPr marL="914400" lvl="2" indent="0">
-              <a:lnSpc>
-                <a:spcPct val="150000"/>
-              </a:lnSpc>
-              <a:buNone/>
-            </a:pPr>
-            <a:r>
-              <a:rPr kumimoji="1" lang="ja-JP" altLang="en-US" dirty="0" smtClean="0">
-                <a:latin typeface="メイリオ" panose="020B0604030504040204" pitchFamily="50" charset="-128"/>
-                <a:ea typeface="メイリオ" panose="020B0604030504040204" pitchFamily="50" charset="-128"/>
-                <a:cs typeface="メイリオ" panose="020B0604030504040204" pitchFamily="50" charset="-128"/>
-              </a:rPr>
-              <a:t>公式アカウント（ゲーム「アイドルマスター」等）の</a:t>
-            </a:r>
-            <a:r>
-              <a:rPr lang="ja-JP" altLang="en-US" dirty="0">
-                <a:latin typeface="メイリオ" panose="020B0604030504040204" pitchFamily="50" charset="-128"/>
-                <a:ea typeface="メイリオ" panose="020B0604030504040204" pitchFamily="50" charset="-128"/>
-                <a:cs typeface="メイリオ" panose="020B0604030504040204" pitchFamily="50" charset="-128"/>
-              </a:rPr>
-              <a:t>　</a:t>
-            </a:r>
-            <a:r>
-              <a:rPr lang="ja-JP" altLang="en-US" dirty="0" smtClean="0">
-                <a:latin typeface="メイリオ" panose="020B0604030504040204" pitchFamily="50" charset="-128"/>
-                <a:ea typeface="メイリオ" panose="020B0604030504040204" pitchFamily="50" charset="-128"/>
-                <a:cs typeface="メイリオ" panose="020B0604030504040204" pitchFamily="50" charset="-128"/>
-              </a:rPr>
-              <a:t>　</a:t>
-            </a:r>
-            <a:r>
-              <a:rPr kumimoji="1" lang="ja-JP" altLang="en-US" dirty="0" smtClean="0">
-                <a:latin typeface="メイリオ" panose="020B0604030504040204" pitchFamily="50" charset="-128"/>
-                <a:ea typeface="メイリオ" panose="020B0604030504040204" pitchFamily="50" charset="-128"/>
-                <a:cs typeface="メイリオ" panose="020B0604030504040204" pitchFamily="50" charset="-128"/>
-              </a:rPr>
-              <a:t>つぶやき</a:t>
-            </a:r>
-            <a:endParaRPr kumimoji="1" lang="ja-JP" altLang="en-US" dirty="0">
-              <a:latin typeface="メイリオ" panose="020B0604030504040204" pitchFamily="50" charset="-128"/>
-              <a:ea typeface="メイリオ" panose="020B0604030504040204" pitchFamily="50" charset="-128"/>
-              <a:cs typeface="メイリオ" panose="020B0604030504040204" pitchFamily="50" charset="-128"/>
-            </a:endParaRPr>
-          </a:p>
         </p:txBody>
       </p:sp>
     </p:spTree>
     <p:extLst>
       <p:ext uri="{BB962C8B-B14F-4D97-AF65-F5344CB8AC3E}">
-        <p14:creationId xmlns:p14="http://schemas.microsoft.com/office/powerpoint/2010/main" val="567741005"/>
+        <p14:creationId xmlns:p14="http://schemas.microsoft.com/office/powerpoint/2010/main" val="4002511072"/>
       </p:ext>
     </p:extLst>
   </p:cSld>
   <p:clrMapOvr>
     <a:masterClrMapping/>
   </p:clrMapOvr>
+  <p:timing>
+    <p:tnLst>
+      <p:par>
+        <p:cTn id="1" dur="indefinite" restart="never" nodeType="tmRoot"/>
+      </p:par>
+    </p:tnLst>
+  </p:timing>
 </p:sld>
 </file>
 
@@ -4972,49 +5783,16 @@
           <a:chExt cx="0" cy="0"/>
         </a:xfrm>
       </p:grpSpPr>
-      <p:sp>
-        <p:nvSpPr>
-          <p:cNvPr id="2" name="タイトル 1"/>
-          <p:cNvSpPr>
-            <a:spLocks noGrp="1"/>
-          </p:cNvSpPr>
-          <p:nvPr>
-            <p:ph type="title"/>
-          </p:nvPr>
-        </p:nvSpPr>
-        <p:spPr/>
-        <p:txBody>
-          <a:bodyPr/>
-          <a:lstStyle/>
-          <a:p>
-            <a:r>
-              <a:rPr kumimoji="1" lang="ja-JP" altLang="en-US" dirty="0" smtClean="0">
-                <a:latin typeface="メイリオ" panose="020B0604030504040204" pitchFamily="50" charset="-128"/>
-                <a:ea typeface="メイリオ" panose="020B0604030504040204" pitchFamily="50" charset="-128"/>
-                <a:cs typeface="メイリオ" panose="020B0604030504040204" pitchFamily="50" charset="-128"/>
-              </a:rPr>
-              <a:t>結果</a:t>
-            </a:r>
-            <a:endParaRPr kumimoji="1" lang="ja-JP" altLang="en-US" dirty="0">
-              <a:latin typeface="メイリオ" panose="020B0604030504040204" pitchFamily="50" charset="-128"/>
-              <a:ea typeface="メイリオ" panose="020B0604030504040204" pitchFamily="50" charset="-128"/>
-              <a:cs typeface="メイリオ" panose="020B0604030504040204" pitchFamily="50" charset="-128"/>
-            </a:endParaRPr>
-          </a:p>
-        </p:txBody>
-      </p:sp>
       <p:pic>
         <p:nvPicPr>
-          <p:cNvPr id="4" name="コンテンツ プレースホルダー 3"/>
+          <p:cNvPr id="11" name="図 10"/>
           <p:cNvPicPr>
-            <a:picLocks noGrp="1" noChangeAspect="1"/>
+            <a:picLocks noChangeAspect="1"/>
           </p:cNvPicPr>
-          <p:nvPr>
-            <p:ph idx="1"/>
-          </p:nvPr>
+          <p:nvPr/>
         </p:nvPicPr>
         <p:blipFill>
-          <a:blip r:embed="rId2" cstate="print">
+          <a:blip r:embed="rId2">
             <a:extLst>
               <a:ext uri="{28A0092B-C50C-407E-A947-70E740481C1C}">
                 <a14:useLocalDpi xmlns:a14="http://schemas.microsoft.com/office/drawing/2010/main" val="0"/>
@@ -5027,21 +5805,274 @@
         </p:blipFill>
         <p:spPr>
           <a:xfrm>
-            <a:off x="253210" y="1624456"/>
-            <a:ext cx="8637580" cy="4858639"/>
+            <a:off x="431615" y="0"/>
+            <a:ext cx="4202545" cy="6858000"/>
           </a:xfrm>
+          <a:prstGeom prst="rect">
+            <a:avLst/>
+          </a:prstGeom>
+        </p:spPr>
+      </p:pic>
+      <p:sp>
+        <p:nvSpPr>
+          <p:cNvPr id="5" name="正方形/長方形 4"/>
+          <p:cNvSpPr/>
+          <p:nvPr/>
+        </p:nvSpPr>
+        <p:spPr>
+          <a:xfrm>
+            <a:off x="1435100" y="6407150"/>
+            <a:ext cx="360364" cy="169863"/>
+          </a:xfrm>
+          <a:prstGeom prst="rect">
+            <a:avLst/>
+          </a:prstGeom>
+          <a:noFill/>
+          <a:ln w="12700">
+            <a:solidFill>
+              <a:srgbClr val="C00000"/>
+            </a:solidFill>
+          </a:ln>
+        </p:spPr>
+        <p:style>
+          <a:lnRef idx="2">
+            <a:schemeClr val="accent1">
+              <a:shade val="50000"/>
+            </a:schemeClr>
+          </a:lnRef>
+          <a:fillRef idx="1">
+            <a:schemeClr val="accent1"/>
+          </a:fillRef>
+          <a:effectRef idx="0">
+            <a:schemeClr val="accent1"/>
+          </a:effectRef>
+          <a:fontRef idx="minor">
+            <a:schemeClr val="lt1"/>
+          </a:fontRef>
+        </p:style>
+        <p:txBody>
+          <a:bodyPr rtlCol="0" anchor="ctr"/>
+          <a:lstStyle/>
+          <a:p>
+            <a:pPr algn="ctr"/>
+            <a:endParaRPr kumimoji="1" lang="ja-JP" altLang="en-US"/>
+          </a:p>
+        </p:txBody>
+      </p:sp>
+      <p:sp>
+        <p:nvSpPr>
+          <p:cNvPr id="6" name="上矢印 5"/>
+          <p:cNvSpPr/>
+          <p:nvPr/>
+        </p:nvSpPr>
+        <p:spPr>
+          <a:xfrm rot="4743030">
+            <a:off x="3651587" y="4185102"/>
+            <a:ext cx="284225" cy="3841458"/>
+          </a:xfrm>
+          <a:prstGeom prst="upArrow">
+            <a:avLst>
+              <a:gd name="adj1" fmla="val 22081"/>
+              <a:gd name="adj2" fmla="val 50000"/>
+            </a:avLst>
+          </a:prstGeom>
+          <a:solidFill>
+            <a:srgbClr val="C00000"/>
+          </a:solidFill>
+          <a:ln>
+            <a:solidFill>
+              <a:srgbClr val="C00000"/>
+            </a:solidFill>
+          </a:ln>
+        </p:spPr>
+        <p:style>
+          <a:lnRef idx="2">
+            <a:schemeClr val="accent1">
+              <a:shade val="50000"/>
+            </a:schemeClr>
+          </a:lnRef>
+          <a:fillRef idx="1">
+            <a:schemeClr val="accent1"/>
+          </a:fillRef>
+          <a:effectRef idx="0">
+            <a:schemeClr val="accent1"/>
+          </a:effectRef>
+          <a:fontRef idx="minor">
+            <a:schemeClr val="lt1"/>
+          </a:fontRef>
+        </p:style>
+        <p:txBody>
+          <a:bodyPr rtlCol="0" anchor="ctr"/>
+          <a:lstStyle/>
+          <a:p>
+            <a:pPr algn="ctr"/>
+            <a:endParaRPr kumimoji="1" lang="ja-JP" altLang="en-US"/>
+          </a:p>
+        </p:txBody>
+      </p:sp>
+      <p:sp>
+        <p:nvSpPr>
+          <p:cNvPr id="9" name="テキスト ボックス 8"/>
+          <p:cNvSpPr txBox="1"/>
+          <p:nvPr/>
+        </p:nvSpPr>
+        <p:spPr>
+          <a:xfrm>
+            <a:off x="5071585" y="426362"/>
+            <a:ext cx="3796190" cy="3970318"/>
+          </a:xfrm>
+          <a:prstGeom prst="rect">
+            <a:avLst/>
+          </a:prstGeom>
+          <a:noFill/>
+        </p:spPr>
+        <p:txBody>
+          <a:bodyPr wrap="square" rtlCol="0">
+            <a:spAutoFit/>
+          </a:bodyPr>
+          <a:lstStyle/>
+          <a:p>
+            <a:pPr>
+              <a:lnSpc>
+                <a:spcPct val="150000"/>
+              </a:lnSpc>
+            </a:pPr>
+            <a:r>
+              <a:rPr lang="en-US" altLang="ja-JP" sz="2800" dirty="0">
+                <a:latin typeface="メイリオ" panose="020B0604030504040204" pitchFamily="50" charset="-128"/>
+                <a:ea typeface="メイリオ" panose="020B0604030504040204" pitchFamily="50" charset="-128"/>
+                <a:cs typeface="メイリオ" panose="020B0604030504040204" pitchFamily="50" charset="-128"/>
+              </a:rPr>
+              <a:t>※</a:t>
+            </a:r>
+            <a:r>
+              <a:rPr lang="ja-JP" altLang="en-US" sz="2800" dirty="0">
+                <a:latin typeface="メイリオ" panose="020B0604030504040204" pitchFamily="50" charset="-128"/>
+                <a:ea typeface="メイリオ" panose="020B0604030504040204" pitchFamily="50" charset="-128"/>
+                <a:cs typeface="メイリオ" panose="020B0604030504040204" pitchFamily="50" charset="-128"/>
+              </a:rPr>
+              <a:t>飯テロ</a:t>
+            </a:r>
+            <a:r>
+              <a:rPr lang="ja-JP" altLang="en-US" sz="2800" dirty="0" smtClean="0">
+                <a:latin typeface="メイリオ" panose="020B0604030504040204" pitchFamily="50" charset="-128"/>
+                <a:ea typeface="メイリオ" panose="020B0604030504040204" pitchFamily="50" charset="-128"/>
+                <a:cs typeface="メイリオ" panose="020B0604030504040204" pitchFamily="50" charset="-128"/>
+              </a:rPr>
+              <a:t>：</a:t>
+            </a:r>
+            <a:endParaRPr lang="en-US" altLang="ja-JP" sz="2800" dirty="0" smtClean="0">
+              <a:latin typeface="メイリオ" panose="020B0604030504040204" pitchFamily="50" charset="-128"/>
+              <a:ea typeface="メイリオ" panose="020B0604030504040204" pitchFamily="50" charset="-128"/>
+              <a:cs typeface="メイリオ" panose="020B0604030504040204" pitchFamily="50" charset="-128"/>
+            </a:endParaRPr>
+          </a:p>
+          <a:p>
+            <a:pPr>
+              <a:lnSpc>
+                <a:spcPct val="150000"/>
+              </a:lnSpc>
+            </a:pPr>
+            <a:r>
+              <a:rPr lang="ja-JP" altLang="en-US" sz="2800" dirty="0" smtClean="0">
+                <a:latin typeface="メイリオ" panose="020B0604030504040204" pitchFamily="50" charset="-128"/>
+                <a:ea typeface="メイリオ" panose="020B0604030504040204" pitchFamily="50" charset="-128"/>
+                <a:cs typeface="メイリオ" panose="020B0604030504040204" pitchFamily="50" charset="-128"/>
+              </a:rPr>
+              <a:t>深夜の時間帯に　　　美味しそう</a:t>
+            </a:r>
+            <a:r>
+              <a:rPr lang="ja-JP" altLang="en-US" sz="2800" dirty="0">
+                <a:latin typeface="メイリオ" panose="020B0604030504040204" pitchFamily="50" charset="-128"/>
+                <a:ea typeface="メイリオ" panose="020B0604030504040204" pitchFamily="50" charset="-128"/>
+                <a:cs typeface="メイリオ" panose="020B0604030504040204" pitchFamily="50" charset="-128"/>
+              </a:rPr>
+              <a:t>な食べ物の写真を投稿し</a:t>
+            </a:r>
+            <a:r>
+              <a:rPr lang="ja-JP" altLang="en-US" sz="2800" dirty="0" smtClean="0">
+                <a:latin typeface="メイリオ" panose="020B0604030504040204" pitchFamily="50" charset="-128"/>
+                <a:ea typeface="メイリオ" panose="020B0604030504040204" pitchFamily="50" charset="-128"/>
+                <a:cs typeface="メイリオ" panose="020B0604030504040204" pitchFamily="50" charset="-128"/>
+              </a:rPr>
+              <a:t>，それを見た者の空腹感を誘発</a:t>
+            </a:r>
+            <a:r>
+              <a:rPr lang="ja-JP" altLang="en-US" sz="2800" dirty="0">
+                <a:latin typeface="メイリオ" panose="020B0604030504040204" pitchFamily="50" charset="-128"/>
+                <a:ea typeface="メイリオ" panose="020B0604030504040204" pitchFamily="50" charset="-128"/>
+                <a:cs typeface="メイリオ" panose="020B0604030504040204" pitchFamily="50" charset="-128"/>
+              </a:rPr>
+              <a:t>する</a:t>
+            </a:r>
+            <a:r>
+              <a:rPr lang="ja-JP" altLang="en-US" sz="2800" dirty="0" smtClean="0">
+                <a:latin typeface="メイリオ" panose="020B0604030504040204" pitchFamily="50" charset="-128"/>
+                <a:ea typeface="メイリオ" panose="020B0604030504040204" pitchFamily="50" charset="-128"/>
+                <a:cs typeface="メイリオ" panose="020B0604030504040204" pitchFamily="50" charset="-128"/>
+              </a:rPr>
+              <a:t>行為</a:t>
+            </a:r>
+            <a:endParaRPr lang="ja-JP" altLang="en-US" sz="2800" dirty="0">
+              <a:latin typeface="メイリオ" panose="020B0604030504040204" pitchFamily="50" charset="-128"/>
+              <a:ea typeface="メイリオ" panose="020B0604030504040204" pitchFamily="50" charset="-128"/>
+              <a:cs typeface="メイリオ" panose="020B0604030504040204" pitchFamily="50" charset="-128"/>
+            </a:endParaRPr>
+          </a:p>
+        </p:txBody>
+      </p:sp>
+      <p:pic>
+        <p:nvPicPr>
+          <p:cNvPr id="10" name="図 9"/>
+          <p:cNvPicPr>
+            <a:picLocks noChangeAspect="1"/>
+          </p:cNvPicPr>
+          <p:nvPr/>
+        </p:nvPicPr>
+        <p:blipFill>
+          <a:blip r:embed="rId3">
+            <a:extLst>
+              <a:ext uri="{28A0092B-C50C-407E-A947-70E740481C1C}">
+                <a14:useLocalDpi xmlns:a14="http://schemas.microsoft.com/office/drawing/2010/main" val="0"/>
+              </a:ext>
+            </a:extLst>
+          </a:blip>
+          <a:stretch>
+            <a:fillRect/>
+          </a:stretch>
+        </p:blipFill>
+        <p:spPr>
+          <a:xfrm>
+            <a:off x="5763956" y="5212258"/>
+            <a:ext cx="1876687" cy="800212"/>
+          </a:xfrm>
+          <a:prstGeom prst="rect">
+            <a:avLst/>
+          </a:prstGeom>
+          <a:ln w="28575">
+            <a:solidFill>
+              <a:srgbClr val="C00000"/>
+            </a:solidFill>
+          </a:ln>
         </p:spPr>
       </p:pic>
     </p:spTree>
     <p:extLst>
       <p:ext uri="{BB962C8B-B14F-4D97-AF65-F5344CB8AC3E}">
-        <p14:creationId xmlns:p14="http://schemas.microsoft.com/office/powerpoint/2010/main" val="1166683822"/>
+        <p14:creationId xmlns:p14="http://schemas.microsoft.com/office/powerpoint/2010/main" val="797762450"/>
       </p:ext>
     </p:extLst>
   </p:cSld>
   <p:clrMapOvr>
     <a:masterClrMapping/>
   </p:clrMapOvr>
+  <p:timing>
+    <p:tnLst>
+      <p:par>
+        <p:cTn id="1" dur="indefinite" restart="never" nodeType="tmRoot"/>
+      </p:par>
+    </p:tnLst>
+  </p:timing>
 </p:sld>
 </file>
 
@@ -5062,6 +6093,35 @@
           <a:chExt cx="0" cy="0"/>
         </a:xfrm>
       </p:grpSpPr>
+      <p:pic>
+        <p:nvPicPr>
+          <p:cNvPr id="4" name="コンテンツ プレースホルダー 3"/>
+          <p:cNvPicPr>
+            <a:picLocks noGrp="1" noChangeAspect="1"/>
+          </p:cNvPicPr>
+          <p:nvPr>
+            <p:ph idx="1"/>
+          </p:nvPr>
+        </p:nvPicPr>
+        <p:blipFill>
+          <a:blip r:embed="rId2">
+            <a:extLst>
+              <a:ext uri="{28A0092B-C50C-407E-A947-70E740481C1C}">
+                <a14:useLocalDpi xmlns:a14="http://schemas.microsoft.com/office/drawing/2010/main" val="0"/>
+              </a:ext>
+            </a:extLst>
+          </a:blip>
+          <a:stretch>
+            <a:fillRect/>
+          </a:stretch>
+        </p:blipFill>
+        <p:spPr>
+          <a:xfrm>
+            <a:off x="1383893" y="0"/>
+            <a:ext cx="6546901" cy="6858000"/>
+          </a:xfrm>
+        </p:spPr>
+      </p:pic>
       <p:sp>
         <p:nvSpPr>
           <p:cNvPr id="2" name="タイトル 1"/>
@@ -5093,151 +6153,10 @@
           </a:p>
         </p:txBody>
       </p:sp>
-      <p:sp>
-        <p:nvSpPr>
-          <p:cNvPr id="5" name="コンテンツ プレースホルダー 2"/>
-          <p:cNvSpPr>
-            <a:spLocks noGrp="1"/>
-          </p:cNvSpPr>
-          <p:nvPr>
-            <p:ph idx="1"/>
-          </p:nvPr>
-        </p:nvSpPr>
-        <p:spPr>
-          <a:xfrm>
-            <a:off x="628650" y="1825625"/>
-            <a:ext cx="7886700" cy="4351338"/>
-          </a:xfrm>
-        </p:spPr>
-        <p:txBody>
-          <a:bodyPr/>
-          <a:lstStyle/>
-          <a:p>
-            <a:pPr>
-              <a:lnSpc>
-                <a:spcPct val="150000"/>
-              </a:lnSpc>
-            </a:pPr>
-            <a:r>
-              <a:rPr kumimoji="1" lang="ja-JP" altLang="en-US" dirty="0" smtClean="0">
-                <a:latin typeface="メイリオ" panose="020B0604030504040204" pitchFamily="50" charset="-128"/>
-                <a:ea typeface="メイリオ" panose="020B0604030504040204" pitchFamily="50" charset="-128"/>
-                <a:cs typeface="メイリオ" panose="020B0604030504040204" pitchFamily="50" charset="-128"/>
-              </a:rPr>
-              <a:t>協力者</a:t>
-            </a:r>
-            <a:r>
-              <a:rPr lang="en-US" altLang="ja-JP" dirty="0">
-                <a:latin typeface="メイリオ" panose="020B0604030504040204" pitchFamily="50" charset="-128"/>
-                <a:ea typeface="メイリオ" panose="020B0604030504040204" pitchFamily="50" charset="-128"/>
-                <a:cs typeface="メイリオ" panose="020B0604030504040204" pitchFamily="50" charset="-128"/>
-              </a:rPr>
-              <a:t>C</a:t>
-            </a:r>
-            <a:endParaRPr kumimoji="1" lang="en-US" altLang="ja-JP" dirty="0" smtClean="0">
-              <a:latin typeface="メイリオ" panose="020B0604030504040204" pitchFamily="50" charset="-128"/>
-              <a:ea typeface="メイリオ" panose="020B0604030504040204" pitchFamily="50" charset="-128"/>
-              <a:cs typeface="メイリオ" panose="020B0604030504040204" pitchFamily="50" charset="-128"/>
-            </a:endParaRPr>
-          </a:p>
-          <a:p>
-            <a:pPr marL="457200" lvl="1" indent="0">
-              <a:lnSpc>
-                <a:spcPct val="150000"/>
-              </a:lnSpc>
-              <a:buNone/>
-            </a:pPr>
-            <a:r>
-              <a:rPr lang="ja-JP" altLang="en-US" dirty="0">
-                <a:latin typeface="メイリオ" panose="020B0604030504040204" pitchFamily="50" charset="-128"/>
-                <a:ea typeface="メイリオ" panose="020B0604030504040204" pitchFamily="50" charset="-128"/>
-                <a:cs typeface="メイリオ" panose="020B0604030504040204" pitchFamily="50" charset="-128"/>
-              </a:rPr>
-              <a:t>利用</a:t>
-            </a:r>
-            <a:r>
-              <a:rPr lang="ja-JP" altLang="en-US" dirty="0" smtClean="0">
-                <a:latin typeface="メイリオ" panose="020B0604030504040204" pitchFamily="50" charset="-128"/>
-                <a:ea typeface="メイリオ" panose="020B0604030504040204" pitchFamily="50" charset="-128"/>
-                <a:cs typeface="メイリオ" panose="020B0604030504040204" pitchFamily="50" charset="-128"/>
-              </a:rPr>
-              <a:t>スタイル</a:t>
-            </a:r>
-            <a:endParaRPr lang="en-US" altLang="ja-JP" dirty="0" smtClean="0">
-              <a:latin typeface="メイリオ" panose="020B0604030504040204" pitchFamily="50" charset="-128"/>
-              <a:ea typeface="メイリオ" panose="020B0604030504040204" pitchFamily="50" charset="-128"/>
-              <a:cs typeface="メイリオ" panose="020B0604030504040204" pitchFamily="50" charset="-128"/>
-            </a:endParaRPr>
-          </a:p>
-          <a:p>
-            <a:pPr marL="914400" lvl="2" indent="0">
-              <a:lnSpc>
-                <a:spcPct val="150000"/>
-              </a:lnSpc>
-              <a:buNone/>
-            </a:pPr>
-            <a:r>
-              <a:rPr lang="ja-JP" altLang="en-US" dirty="0" smtClean="0">
-                <a:latin typeface="メイリオ" panose="020B0604030504040204" pitchFamily="50" charset="-128"/>
-                <a:ea typeface="メイリオ" panose="020B0604030504040204" pitchFamily="50" charset="-128"/>
-                <a:cs typeface="メイリオ" panose="020B0604030504040204" pitchFamily="50" charset="-128"/>
-              </a:rPr>
-              <a:t>自分の思っていることや，面白い出来事をつぶやきにして発信する</a:t>
-            </a:r>
-            <a:endParaRPr kumimoji="1" lang="en-US" altLang="ja-JP" dirty="0" smtClean="0">
-              <a:latin typeface="メイリオ" panose="020B0604030504040204" pitchFamily="50" charset="-128"/>
-              <a:ea typeface="メイリオ" panose="020B0604030504040204" pitchFamily="50" charset="-128"/>
-              <a:cs typeface="メイリオ" panose="020B0604030504040204" pitchFamily="50" charset="-128"/>
-            </a:endParaRPr>
-          </a:p>
-          <a:p>
-            <a:pPr marL="457200" lvl="1" indent="0">
-              <a:lnSpc>
-                <a:spcPct val="150000"/>
-              </a:lnSpc>
-              <a:buNone/>
-            </a:pPr>
-            <a:r>
-              <a:rPr lang="ja-JP" altLang="en-US" dirty="0" smtClean="0">
-                <a:latin typeface="メイリオ" panose="020B0604030504040204" pitchFamily="50" charset="-128"/>
-                <a:ea typeface="メイリオ" panose="020B0604030504040204" pitchFamily="50" charset="-128"/>
-                <a:cs typeface="メイリオ" panose="020B0604030504040204" pitchFamily="50" charset="-128"/>
-              </a:rPr>
-              <a:t>関心事項</a:t>
-            </a:r>
-            <a:endParaRPr lang="en-US" altLang="ja-JP" dirty="0" smtClean="0">
-              <a:latin typeface="メイリオ" panose="020B0604030504040204" pitchFamily="50" charset="-128"/>
-              <a:ea typeface="メイリオ" panose="020B0604030504040204" pitchFamily="50" charset="-128"/>
-              <a:cs typeface="メイリオ" panose="020B0604030504040204" pitchFamily="50" charset="-128"/>
-            </a:endParaRPr>
-          </a:p>
-          <a:p>
-            <a:pPr marL="914400" lvl="2" indent="0">
-              <a:lnSpc>
-                <a:spcPct val="150000"/>
-              </a:lnSpc>
-              <a:buNone/>
-            </a:pPr>
-            <a:r>
-              <a:rPr kumimoji="1" lang="ja-JP" altLang="en-US" dirty="0" smtClean="0">
-                <a:latin typeface="メイリオ" panose="020B0604030504040204" pitchFamily="50" charset="-128"/>
-                <a:ea typeface="メイリオ" panose="020B0604030504040204" pitchFamily="50" charset="-128"/>
-                <a:cs typeface="メイリオ" panose="020B0604030504040204" pitchFamily="50" charset="-128"/>
-              </a:rPr>
-              <a:t>つぶやきをして共感を得られているかどうか</a:t>
-            </a:r>
-            <a:endParaRPr kumimoji="1" lang="ja-JP" altLang="en-US" dirty="0">
-              <a:latin typeface="メイリオ" panose="020B0604030504040204" pitchFamily="50" charset="-128"/>
-              <a:ea typeface="メイリオ" panose="020B0604030504040204" pitchFamily="50" charset="-128"/>
-              <a:cs typeface="メイリオ" panose="020B0604030504040204" pitchFamily="50" charset="-128"/>
-            </a:endParaRPr>
-          </a:p>
-        </p:txBody>
-      </p:sp>
     </p:spTree>
     <p:extLst>
       <p:ext uri="{BB962C8B-B14F-4D97-AF65-F5344CB8AC3E}">
-        <p14:creationId xmlns:p14="http://schemas.microsoft.com/office/powerpoint/2010/main" val="441405348"/>
+        <p14:creationId xmlns:p14="http://schemas.microsoft.com/office/powerpoint/2010/main" val="1195963404"/>
       </p:ext>
     </p:extLst>
   </p:cSld>
@@ -5312,8 +6231,73 @@
             <p:ph idx="1"/>
           </p:nvPr>
         </p:nvPicPr>
+        <p:blipFill rotWithShape="1">
+          <a:blip r:embed="rId3">
+            <a:extLst>
+              <a:ext uri="{28A0092B-C50C-407E-A947-70E740481C1C}">
+                <a14:useLocalDpi xmlns:a14="http://schemas.microsoft.com/office/drawing/2010/main" val="0"/>
+              </a:ext>
+            </a:extLst>
+          </a:blip>
+          <a:srcRect t="41821" r="69958" b="25396"/>
+          <a:stretch/>
+        </p:blipFill>
+        <p:spPr>
+          <a:xfrm>
+            <a:off x="501650" y="2005424"/>
+            <a:ext cx="3727892" cy="4261264"/>
+          </a:xfrm>
+          <a:ln w="3175">
+            <a:solidFill>
+              <a:schemeClr val="tx1"/>
+            </a:solidFill>
+          </a:ln>
+        </p:spPr>
+      </p:pic>
+      <p:pic>
+        <p:nvPicPr>
+          <p:cNvPr id="5" name="コンテンツ プレースホルダー 3"/>
+          <p:cNvPicPr>
+            <a:picLocks noChangeAspect="1"/>
+          </p:cNvPicPr>
+          <p:nvPr/>
+        </p:nvPicPr>
+        <p:blipFill rotWithShape="1">
+          <a:blip r:embed="rId3">
+            <a:extLst>
+              <a:ext uri="{28A0092B-C50C-407E-A947-70E740481C1C}">
+                <a14:useLocalDpi xmlns:a14="http://schemas.microsoft.com/office/drawing/2010/main" val="0"/>
+              </a:ext>
+            </a:extLst>
+          </a:blip>
+          <a:srcRect l="34171" r="39199" b="86489"/>
+          <a:stretch/>
+        </p:blipFill>
+        <p:spPr>
+          <a:xfrm>
+            <a:off x="4937759" y="704362"/>
+            <a:ext cx="3711703" cy="1972653"/>
+          </a:xfrm>
+          <a:prstGeom prst="rect">
+            <a:avLst/>
+          </a:prstGeom>
+          <a:ln w="3175">
+            <a:solidFill>
+              <a:schemeClr val="tx1"/>
+            </a:solidFill>
+          </a:ln>
+        </p:spPr>
+      </p:pic>
+      <p:pic>
+        <p:nvPicPr>
+          <p:cNvPr id="6" name="コンテンツ プレースホルダー 3"/>
+          <p:cNvPicPr>
+            <a:picLocks noChangeAspect="1"/>
+          </p:cNvPicPr>
+          <p:nvPr/>
+        </p:nvPicPr>
         <p:blipFill>
-          <a:blip r:embed="rId2" cstate="print">
+          <a:blip r:embed="rId4" cstate="print">
             <a:extLst>
               <a:ext uri="{28A0092B-C50C-407E-A947-70E740481C1C}">
                 <a14:useLocalDpi xmlns:a14="http://schemas.microsoft.com/office/drawing/2010/main" val="0"/>
@@ -5326,15 +6310,211 @@
         </p:blipFill>
         <p:spPr>
           <a:xfrm>
-            <a:off x="106906" y="1423288"/>
-            <a:ext cx="9190286" cy="5169536"/>
+            <a:off x="6260693" y="3901440"/>
+            <a:ext cx="2694413" cy="2822448"/>
           </a:xfrm>
+          <a:prstGeom prst="rect">
+            <a:avLst/>
+          </a:prstGeom>
+          <a:ln w="3175">
+            <a:solidFill>
+              <a:schemeClr val="tx1"/>
+            </a:solidFill>
+          </a:ln>
         </p:spPr>
       </p:pic>
+      <p:sp>
+        <p:nvSpPr>
+          <p:cNvPr id="7" name="正方形/長方形 6"/>
+          <p:cNvSpPr/>
+          <p:nvPr/>
+        </p:nvSpPr>
+        <p:spPr>
+          <a:xfrm>
+            <a:off x="6144768" y="5132832"/>
+            <a:ext cx="865632" cy="777240"/>
+          </a:xfrm>
+          <a:prstGeom prst="rect">
+            <a:avLst/>
+          </a:prstGeom>
+          <a:noFill/>
+          <a:ln w="19050">
+            <a:solidFill>
+              <a:srgbClr val="C00000"/>
+            </a:solidFill>
+          </a:ln>
+        </p:spPr>
+        <p:style>
+          <a:lnRef idx="2">
+            <a:schemeClr val="accent1">
+              <a:shade val="50000"/>
+            </a:schemeClr>
+          </a:lnRef>
+          <a:fillRef idx="1">
+            <a:schemeClr val="accent1"/>
+          </a:fillRef>
+          <a:effectRef idx="0">
+            <a:schemeClr val="accent1"/>
+          </a:effectRef>
+          <a:fontRef idx="minor">
+            <a:schemeClr val="lt1"/>
+          </a:fontRef>
+        </p:style>
+        <p:txBody>
+          <a:bodyPr rtlCol="0" anchor="ctr"/>
+          <a:lstStyle/>
+          <a:p>
+            <a:pPr algn="ctr"/>
+            <a:endParaRPr kumimoji="1" lang="ja-JP" altLang="en-US"/>
+          </a:p>
+        </p:txBody>
+      </p:sp>
+      <p:sp>
+        <p:nvSpPr>
+          <p:cNvPr id="8" name="正方形/長方形 7"/>
+          <p:cNvSpPr/>
+          <p:nvPr/>
+        </p:nvSpPr>
+        <p:spPr>
+          <a:xfrm>
+            <a:off x="7126315" y="3747436"/>
+            <a:ext cx="774101" cy="605108"/>
+          </a:xfrm>
+          <a:prstGeom prst="rect">
+            <a:avLst/>
+          </a:prstGeom>
+          <a:noFill/>
+          <a:ln w="19050">
+            <a:solidFill>
+              <a:srgbClr val="C00000"/>
+            </a:solidFill>
+          </a:ln>
+        </p:spPr>
+        <p:style>
+          <a:lnRef idx="2">
+            <a:schemeClr val="accent1">
+              <a:shade val="50000"/>
+            </a:schemeClr>
+          </a:lnRef>
+          <a:fillRef idx="1">
+            <a:schemeClr val="accent1"/>
+          </a:fillRef>
+          <a:effectRef idx="0">
+            <a:schemeClr val="accent1"/>
+          </a:effectRef>
+          <a:fontRef idx="minor">
+            <a:schemeClr val="lt1"/>
+          </a:fontRef>
+        </p:style>
+        <p:txBody>
+          <a:bodyPr rtlCol="0" anchor="ctr"/>
+          <a:lstStyle/>
+          <a:p>
+            <a:pPr algn="ctr"/>
+            <a:endParaRPr kumimoji="1" lang="ja-JP" altLang="en-US"/>
+          </a:p>
+        </p:txBody>
+      </p:sp>
+      <p:sp>
+        <p:nvSpPr>
+          <p:cNvPr id="13" name="上矢印 12"/>
+          <p:cNvSpPr/>
+          <p:nvPr/>
+        </p:nvSpPr>
+        <p:spPr>
+          <a:xfrm rot="20321457">
+            <a:off x="7089194" y="2789347"/>
+            <a:ext cx="377952" cy="845755"/>
+          </a:xfrm>
+          <a:prstGeom prst="upArrow">
+            <a:avLst/>
+          </a:prstGeom>
+          <a:solidFill>
+            <a:srgbClr val="C00000"/>
+          </a:solidFill>
+          <a:ln>
+            <a:solidFill>
+              <a:srgbClr val="C00000"/>
+            </a:solidFill>
+          </a:ln>
+        </p:spPr>
+        <p:style>
+          <a:lnRef idx="2">
+            <a:schemeClr val="accent1">
+              <a:shade val="50000"/>
+            </a:schemeClr>
+          </a:lnRef>
+          <a:fillRef idx="1">
+            <a:schemeClr val="accent1"/>
+          </a:fillRef>
+          <a:effectRef idx="0">
+            <a:schemeClr val="accent1"/>
+          </a:effectRef>
+          <a:fontRef idx="minor">
+            <a:schemeClr val="lt1"/>
+          </a:fontRef>
+        </p:style>
+        <p:txBody>
+          <a:bodyPr rtlCol="0" anchor="ctr"/>
+          <a:lstStyle/>
+          <a:p>
+            <a:pPr algn="ctr"/>
+            <a:endParaRPr kumimoji="1" lang="ja-JP" altLang="en-US"/>
+          </a:p>
+        </p:txBody>
+      </p:sp>
+      <p:sp>
+        <p:nvSpPr>
+          <p:cNvPr id="14" name="上矢印 13"/>
+          <p:cNvSpPr/>
+          <p:nvPr/>
+        </p:nvSpPr>
+        <p:spPr>
+          <a:xfrm rot="16200000">
+            <a:off x="5033194" y="4761919"/>
+            <a:ext cx="377952" cy="1625746"/>
+          </a:xfrm>
+          <a:prstGeom prst="upArrow">
+            <a:avLst/>
+          </a:prstGeom>
+          <a:solidFill>
+            <a:srgbClr val="C00000"/>
+          </a:solidFill>
+          <a:ln>
+            <a:solidFill>
+              <a:srgbClr val="C00000"/>
+            </a:solidFill>
+          </a:ln>
+        </p:spPr>
+        <p:style>
+          <a:lnRef idx="2">
+            <a:schemeClr val="accent1">
+              <a:shade val="50000"/>
+            </a:schemeClr>
+          </a:lnRef>
+          <a:fillRef idx="1">
+            <a:schemeClr val="accent1"/>
+          </a:fillRef>
+          <a:effectRef idx="0">
+            <a:schemeClr val="accent1"/>
+          </a:effectRef>
+          <a:fontRef idx="minor">
+            <a:schemeClr val="lt1"/>
+          </a:fontRef>
+        </p:style>
+        <p:txBody>
+          <a:bodyPr rtlCol="0" anchor="ctr"/>
+          <a:lstStyle/>
+          <a:p>
+            <a:pPr algn="ctr"/>
+            <a:endParaRPr kumimoji="1" lang="ja-JP" altLang="en-US"/>
+          </a:p>
+        </p:txBody>
+      </p:sp>
     </p:spTree>
     <p:extLst>
       <p:ext uri="{BB962C8B-B14F-4D97-AF65-F5344CB8AC3E}">
-        <p14:creationId xmlns:p14="http://schemas.microsoft.com/office/powerpoint/2010/main" val="434100852"/>
+        <p14:creationId xmlns:p14="http://schemas.microsoft.com/office/powerpoint/2010/main" val="2956396312"/>
       </p:ext>
     </p:extLst>
   </p:cSld>
@@ -5399,209 +6579,185 @@
           </a:p>
         </p:txBody>
       </p:sp>
-      <p:sp>
-        <p:nvSpPr>
-          <p:cNvPr id="4" name="コンテンツ プレースホルダー 2"/>
-          <p:cNvSpPr>
-            <a:spLocks noGrp="1"/>
-          </p:cNvSpPr>
+      <p:pic>
+        <p:nvPicPr>
+          <p:cNvPr id="4" name="コンテンツ プレースホルダー 3"/>
+          <p:cNvPicPr>
+            <a:picLocks noGrp="1" noChangeAspect="1"/>
+          </p:cNvPicPr>
           <p:nvPr>
             <p:ph idx="1"/>
           </p:nvPr>
-        </p:nvSpPr>
+        </p:nvPicPr>
+        <p:blipFill rotWithShape="1">
+          <a:blip r:embed="rId3">
+            <a:extLst>
+              <a:ext uri="{28A0092B-C50C-407E-A947-70E740481C1C}">
+                <a14:useLocalDpi xmlns:a14="http://schemas.microsoft.com/office/drawing/2010/main" val="0"/>
+              </a:ext>
+            </a:extLst>
+          </a:blip>
+          <a:srcRect t="47705" r="51966"/>
+          <a:stretch/>
+        </p:blipFill>
         <p:spPr>
           <a:xfrm>
-            <a:off x="628650" y="1825625"/>
-            <a:ext cx="7886700" cy="4351338"/>
+            <a:off x="149068" y="1463040"/>
+            <a:ext cx="4733524" cy="5163661"/>
           </a:xfrm>
+          <a:ln w="3175">
+            <a:solidFill>
+              <a:schemeClr val="tx1"/>
+            </a:solidFill>
+          </a:ln>
         </p:spPr>
-        <p:txBody>
-          <a:bodyPr/>
-          <a:lstStyle/>
-          <a:p>
-            <a:pPr>
-              <a:lnSpc>
-                <a:spcPct val="150000"/>
-              </a:lnSpc>
-            </a:pPr>
-            <a:r>
-              <a:rPr kumimoji="1" lang="ja-JP" altLang="en-US" dirty="0" smtClean="0">
-                <a:latin typeface="メイリオ" panose="020B0604030504040204" pitchFamily="50" charset="-128"/>
-                <a:ea typeface="メイリオ" panose="020B0604030504040204" pitchFamily="50" charset="-128"/>
-                <a:cs typeface="メイリオ" panose="020B0604030504040204" pitchFamily="50" charset="-128"/>
-              </a:rPr>
-              <a:t>協力者</a:t>
-            </a:r>
-            <a:r>
-              <a:rPr kumimoji="1" lang="en-US" altLang="ja-JP" dirty="0" smtClean="0">
-                <a:latin typeface="メイリオ" panose="020B0604030504040204" pitchFamily="50" charset="-128"/>
-                <a:ea typeface="メイリオ" panose="020B0604030504040204" pitchFamily="50" charset="-128"/>
-                <a:cs typeface="メイリオ" panose="020B0604030504040204" pitchFamily="50" charset="-128"/>
-              </a:rPr>
-              <a:t>D</a:t>
-            </a:r>
-          </a:p>
-          <a:p>
-            <a:pPr marL="457200" lvl="1" indent="0">
-              <a:lnSpc>
-                <a:spcPct val="150000"/>
-              </a:lnSpc>
-              <a:buNone/>
-            </a:pPr>
-            <a:r>
-              <a:rPr lang="ja-JP" altLang="en-US" dirty="0">
-                <a:latin typeface="メイリオ" panose="020B0604030504040204" pitchFamily="50" charset="-128"/>
-                <a:ea typeface="メイリオ" panose="020B0604030504040204" pitchFamily="50" charset="-128"/>
-                <a:cs typeface="メイリオ" panose="020B0604030504040204" pitchFamily="50" charset="-128"/>
-              </a:rPr>
-              <a:t>利用</a:t>
-            </a:r>
-            <a:r>
-              <a:rPr lang="ja-JP" altLang="en-US" dirty="0" smtClean="0">
-                <a:latin typeface="メイリオ" panose="020B0604030504040204" pitchFamily="50" charset="-128"/>
-                <a:ea typeface="メイリオ" panose="020B0604030504040204" pitchFamily="50" charset="-128"/>
-                <a:cs typeface="メイリオ" panose="020B0604030504040204" pitchFamily="50" charset="-128"/>
-              </a:rPr>
-              <a:t>スタイル</a:t>
-            </a:r>
-            <a:endParaRPr lang="en-US" altLang="ja-JP" dirty="0" smtClean="0">
-              <a:latin typeface="メイリオ" panose="020B0604030504040204" pitchFamily="50" charset="-128"/>
-              <a:ea typeface="メイリオ" panose="020B0604030504040204" pitchFamily="50" charset="-128"/>
-              <a:cs typeface="メイリオ" panose="020B0604030504040204" pitchFamily="50" charset="-128"/>
-            </a:endParaRPr>
-          </a:p>
-          <a:p>
-            <a:pPr lvl="2">
-              <a:lnSpc>
-                <a:spcPct val="150000"/>
-              </a:lnSpc>
-            </a:pPr>
-            <a:r>
-              <a:rPr lang="ja-JP" altLang="en-US" dirty="0">
-                <a:latin typeface="メイリオ" panose="020B0604030504040204" pitchFamily="50" charset="-128"/>
-                <a:ea typeface="メイリオ" panose="020B0604030504040204" pitchFamily="50" charset="-128"/>
-                <a:cs typeface="メイリオ" panose="020B0604030504040204" pitchFamily="50" charset="-128"/>
-              </a:rPr>
-              <a:t>趣味に</a:t>
-            </a:r>
-            <a:r>
-              <a:rPr lang="ja-JP" altLang="en-US" dirty="0" smtClean="0">
-                <a:latin typeface="メイリオ" panose="020B0604030504040204" pitchFamily="50" charset="-128"/>
-                <a:ea typeface="メイリオ" panose="020B0604030504040204" pitchFamily="50" charset="-128"/>
-                <a:cs typeface="メイリオ" panose="020B0604030504040204" pitchFamily="50" charset="-128"/>
-              </a:rPr>
-              <a:t>関する情報収集</a:t>
-            </a:r>
-            <a:endParaRPr kumimoji="1" lang="en-US" altLang="ja-JP" dirty="0" smtClean="0">
-              <a:latin typeface="メイリオ" panose="020B0604030504040204" pitchFamily="50" charset="-128"/>
-              <a:ea typeface="メイリオ" panose="020B0604030504040204" pitchFamily="50" charset="-128"/>
-              <a:cs typeface="メイリオ" panose="020B0604030504040204" pitchFamily="50" charset="-128"/>
-            </a:endParaRPr>
-          </a:p>
-          <a:p>
-            <a:pPr lvl="2">
-              <a:lnSpc>
-                <a:spcPct val="150000"/>
-              </a:lnSpc>
-            </a:pPr>
-            <a:r>
-              <a:rPr lang="ja-JP" altLang="en-US" dirty="0" smtClean="0">
-                <a:latin typeface="メイリオ" panose="020B0604030504040204" pitchFamily="50" charset="-128"/>
-                <a:ea typeface="メイリオ" panose="020B0604030504040204" pitchFamily="50" charset="-128"/>
-                <a:cs typeface="メイリオ" panose="020B0604030504040204" pitchFamily="50" charset="-128"/>
-              </a:rPr>
-              <a:t>フォロワーとの会話</a:t>
-            </a:r>
-            <a:endParaRPr kumimoji="1" lang="en-US" altLang="ja-JP" dirty="0" smtClean="0">
-              <a:latin typeface="メイリオ" panose="020B0604030504040204" pitchFamily="50" charset="-128"/>
-              <a:ea typeface="メイリオ" panose="020B0604030504040204" pitchFamily="50" charset="-128"/>
-              <a:cs typeface="メイリオ" panose="020B0604030504040204" pitchFamily="50" charset="-128"/>
-            </a:endParaRPr>
-          </a:p>
-          <a:p>
-            <a:pPr marL="457200" lvl="1" indent="0">
-              <a:lnSpc>
-                <a:spcPct val="150000"/>
-              </a:lnSpc>
-              <a:buNone/>
-            </a:pPr>
-            <a:r>
-              <a:rPr lang="ja-JP" altLang="en-US" dirty="0" smtClean="0">
-                <a:latin typeface="メイリオ" panose="020B0604030504040204" pitchFamily="50" charset="-128"/>
-                <a:ea typeface="メイリオ" panose="020B0604030504040204" pitchFamily="50" charset="-128"/>
-                <a:cs typeface="メイリオ" panose="020B0604030504040204" pitchFamily="50" charset="-128"/>
-              </a:rPr>
-              <a:t>関心事項</a:t>
-            </a:r>
-            <a:endParaRPr lang="en-US" altLang="ja-JP" dirty="0" smtClean="0">
-              <a:latin typeface="メイリオ" panose="020B0604030504040204" pitchFamily="50" charset="-128"/>
-              <a:ea typeface="メイリオ" panose="020B0604030504040204" pitchFamily="50" charset="-128"/>
-              <a:cs typeface="メイリオ" panose="020B0604030504040204" pitchFamily="50" charset="-128"/>
-            </a:endParaRPr>
-          </a:p>
-          <a:p>
-            <a:pPr lvl="2">
-              <a:lnSpc>
-                <a:spcPct val="150000"/>
-              </a:lnSpc>
-            </a:pPr>
-            <a:r>
-              <a:rPr lang="ja-JP" altLang="en-US" dirty="0" smtClean="0">
-                <a:latin typeface="メイリオ" panose="020B0604030504040204" pitchFamily="50" charset="-128"/>
-                <a:ea typeface="メイリオ" panose="020B0604030504040204" pitchFamily="50" charset="-128"/>
-                <a:cs typeface="メイリオ" panose="020B0604030504040204" pitchFamily="50" charset="-128"/>
-              </a:rPr>
-              <a:t>ゲーム（ブラウザゲーム「艦隊これ</a:t>
-            </a:r>
-            <a:r>
-              <a:rPr lang="ja-JP" altLang="en-US" dirty="0" err="1" smtClean="0">
-                <a:latin typeface="メイリオ" panose="020B0604030504040204" pitchFamily="50" charset="-128"/>
-                <a:ea typeface="メイリオ" panose="020B0604030504040204" pitchFamily="50" charset="-128"/>
-                <a:cs typeface="メイリオ" panose="020B0604030504040204" pitchFamily="50" charset="-128"/>
-              </a:rPr>
-              <a:t>くしょん</a:t>
-            </a:r>
-            <a:r>
-              <a:rPr lang="ja-JP" altLang="en-US" dirty="0" smtClean="0">
-                <a:latin typeface="メイリオ" panose="020B0604030504040204" pitchFamily="50" charset="-128"/>
-                <a:ea typeface="メイリオ" panose="020B0604030504040204" pitchFamily="50" charset="-128"/>
-                <a:cs typeface="メイリオ" panose="020B0604030504040204" pitchFamily="50" charset="-128"/>
-              </a:rPr>
-              <a:t>」等）</a:t>
-            </a:r>
-            <a:endParaRPr lang="en-US" altLang="ja-JP" dirty="0" smtClean="0">
-              <a:latin typeface="メイリオ" panose="020B0604030504040204" pitchFamily="50" charset="-128"/>
-              <a:ea typeface="メイリオ" panose="020B0604030504040204" pitchFamily="50" charset="-128"/>
-              <a:cs typeface="メイリオ" panose="020B0604030504040204" pitchFamily="50" charset="-128"/>
-            </a:endParaRPr>
-          </a:p>
-          <a:p>
-            <a:pPr lvl="2">
-              <a:lnSpc>
-                <a:spcPct val="150000"/>
-              </a:lnSpc>
-            </a:pPr>
-            <a:r>
-              <a:rPr kumimoji="1" lang="ja-JP" altLang="en-US" dirty="0">
-                <a:latin typeface="メイリオ" panose="020B0604030504040204" pitchFamily="50" charset="-128"/>
-                <a:ea typeface="メイリオ" panose="020B0604030504040204" pitchFamily="50" charset="-128"/>
-                <a:cs typeface="メイリオ" panose="020B0604030504040204" pitchFamily="50" charset="-128"/>
-              </a:rPr>
-              <a:t>イラスト</a:t>
-            </a:r>
+      </p:pic>
+      <p:pic>
+        <p:nvPicPr>
+          <p:cNvPr id="5" name="コンテンツ プレースホルダー 3"/>
+          <p:cNvPicPr>
+            <a:picLocks noChangeAspect="1"/>
+          </p:cNvPicPr>
+          <p:nvPr/>
+        </p:nvPicPr>
+        <p:blipFill>
+          <a:blip r:embed="rId4" cstate="print">
+            <a:extLst>
+              <a:ext uri="{28A0092B-C50C-407E-A947-70E740481C1C}">
+                <a14:useLocalDpi xmlns:a14="http://schemas.microsoft.com/office/drawing/2010/main" val="0"/>
+              </a:ext>
+            </a:extLst>
+          </a:blip>
+          <a:stretch>
+            <a:fillRect/>
+          </a:stretch>
+        </p:blipFill>
+        <p:spPr>
+          <a:xfrm>
+            <a:off x="6042309" y="1966134"/>
+            <a:ext cx="2926305" cy="2932176"/>
+          </a:xfrm>
+          <a:prstGeom prst="rect">
+            <a:avLst/>
+          </a:prstGeom>
+          <a:ln w="3175">
+            <a:solidFill>
+              <a:schemeClr val="tx1"/>
+            </a:solidFill>
+          </a:ln>
+        </p:spPr>
+      </p:pic>
+      <p:sp>
+        <p:nvSpPr>
+          <p:cNvPr id="6" name="正方形/長方形 5"/>
+          <p:cNvSpPr/>
+          <p:nvPr/>
+        </p:nvSpPr>
+        <p:spPr>
+          <a:xfrm>
+            <a:off x="5949696" y="3383280"/>
+            <a:ext cx="1463040" cy="1628855"/>
+          </a:xfrm>
+          <a:prstGeom prst="rect">
+            <a:avLst/>
+          </a:prstGeom>
+          <a:noFill/>
+          <a:ln w="19050">
+            <a:solidFill>
+              <a:srgbClr val="C00000"/>
+            </a:solidFill>
+          </a:ln>
+        </p:spPr>
+        <p:style>
+          <a:lnRef idx="2">
+            <a:schemeClr val="accent1">
+              <a:shade val="50000"/>
+            </a:schemeClr>
+          </a:lnRef>
+          <a:fillRef idx="1">
+            <a:schemeClr val="accent1"/>
+          </a:fillRef>
+          <a:effectRef idx="0">
+            <a:schemeClr val="accent1"/>
+          </a:effectRef>
+          <a:fontRef idx="minor">
+            <a:schemeClr val="lt1"/>
+          </a:fontRef>
+        </p:style>
+        <p:txBody>
+          <a:bodyPr rtlCol="0" anchor="ctr"/>
+          <a:lstStyle/>
+          <a:p>
+            <a:pPr algn="ctr"/>
+            <a:endParaRPr kumimoji="1" lang="ja-JP" altLang="en-US"/>
+          </a:p>
+        </p:txBody>
+      </p:sp>
+      <p:sp>
+        <p:nvSpPr>
+          <p:cNvPr id="7" name="上矢印 6"/>
+          <p:cNvSpPr/>
+          <p:nvPr/>
+        </p:nvSpPr>
+        <p:spPr>
+          <a:xfrm rot="16200000">
+            <a:off x="5209107" y="3982792"/>
+            <a:ext cx="377952" cy="845755"/>
+          </a:xfrm>
+          <a:prstGeom prst="upArrow">
+            <a:avLst/>
+          </a:prstGeom>
+          <a:solidFill>
+            <a:srgbClr val="C00000"/>
+          </a:solidFill>
+          <a:ln>
+            <a:solidFill>
+              <a:srgbClr val="C00000"/>
+            </a:solidFill>
+          </a:ln>
+        </p:spPr>
+        <p:style>
+          <a:lnRef idx="2">
+            <a:schemeClr val="accent1">
+              <a:shade val="50000"/>
+            </a:schemeClr>
+          </a:lnRef>
+          <a:fillRef idx="1">
+            <a:schemeClr val="accent1"/>
+          </a:fillRef>
+          <a:effectRef idx="0">
+            <a:schemeClr val="accent1"/>
+          </a:effectRef>
+          <a:fontRef idx="minor">
+            <a:schemeClr val="lt1"/>
+          </a:fontRef>
+        </p:style>
+        <p:txBody>
+          <a:bodyPr rtlCol="0" anchor="ctr"/>
+          <a:lstStyle/>
+          <a:p>
+            <a:pPr algn="ctr"/>
+            <a:endParaRPr kumimoji="1" lang="ja-JP" altLang="en-US"/>
           </a:p>
         </p:txBody>
       </p:sp>
     </p:spTree>
     <p:extLst>
       <p:ext uri="{BB962C8B-B14F-4D97-AF65-F5344CB8AC3E}">
-        <p14:creationId xmlns:p14="http://schemas.microsoft.com/office/powerpoint/2010/main" val="3770863893"/>
+        <p14:creationId xmlns:p14="http://schemas.microsoft.com/office/powerpoint/2010/main" val="1461641921"/>
       </p:ext>
     </p:extLst>
   </p:cSld>
   <p:clrMapOvr>
     <a:masterClrMapping/>
   </p:clrMapOvr>
+  <p:timing>
+    <p:tnLst>
+      <p:par>
+        <p:cTn id="1" dur="indefinite" restart="never" nodeType="tmRoot"/>
+      </p:par>
+    </p:tnLst>
+  </p:timing>
 </p:sld>
 </file>
 
@@ -5643,7 +6799,7 @@
                 <a:ea typeface="メイリオ" panose="020B0604030504040204" pitchFamily="50" charset="-128"/>
                 <a:cs typeface="メイリオ" panose="020B0604030504040204" pitchFamily="50" charset="-128"/>
               </a:rPr>
-              <a:t>結果</a:t>
+              <a:t>考察</a:t>
             </a:r>
             <a:endParaRPr kumimoji="1" lang="ja-JP" altLang="en-US" dirty="0">
               <a:latin typeface="メイリオ" panose="020B0604030504040204" pitchFamily="50" charset="-128"/>
@@ -5653,45 +6809,107 @@
           </a:p>
         </p:txBody>
       </p:sp>
-      <p:pic>
-        <p:nvPicPr>
-          <p:cNvPr id="4" name="コンテンツ プレースホルダー 3"/>
-          <p:cNvPicPr>
-            <a:picLocks noGrp="1" noChangeAspect="1"/>
-          </p:cNvPicPr>
+      <p:sp>
+        <p:nvSpPr>
+          <p:cNvPr id="3" name="コンテンツ プレースホルダー 2"/>
+          <p:cNvSpPr>
+            <a:spLocks noGrp="1"/>
+          </p:cNvSpPr>
           <p:nvPr>
             <p:ph idx="1"/>
           </p:nvPr>
-        </p:nvPicPr>
-        <p:blipFill>
-          <a:blip r:embed="rId2" cstate="print">
-            <a:extLst>
-              <a:ext uri="{28A0092B-C50C-407E-A947-70E740481C1C}">
-                <a14:useLocalDpi xmlns:a14="http://schemas.microsoft.com/office/drawing/2010/main" val="0"/>
-              </a:ext>
-            </a:extLst>
-          </a:blip>
-          <a:stretch>
-            <a:fillRect/>
-          </a:stretch>
-        </p:blipFill>
+        </p:nvSpPr>
         <p:spPr>
           <a:xfrm>
-            <a:off x="173792" y="1690689"/>
-            <a:ext cx="8653836" cy="4867783"/>
+            <a:off x="552069" y="1825625"/>
+            <a:ext cx="8039862" cy="4351338"/>
           </a:xfrm>
         </p:spPr>
-      </p:pic>
+        <p:txBody>
+          <a:bodyPr/>
+          <a:lstStyle/>
+          <a:p>
+            <a:pPr>
+              <a:lnSpc>
+                <a:spcPct val="150000"/>
+              </a:lnSpc>
+            </a:pPr>
+            <a:r>
+              <a:rPr kumimoji="1" lang="ja-JP" altLang="en-US" dirty="0" smtClean="0">
+                <a:latin typeface="メイリオ" panose="020B0604030504040204" pitchFamily="50" charset="-128"/>
+                <a:ea typeface="メイリオ" panose="020B0604030504040204" pitchFamily="50" charset="-128"/>
+                <a:cs typeface="メイリオ" panose="020B0604030504040204" pitchFamily="50" charset="-128"/>
+              </a:rPr>
+              <a:t>どのユーザにおいても関心事項やそれに関連　する単語の出現や共起が見られ，本研究の　　手法を用いて</a:t>
+            </a:r>
+            <a:r>
+              <a:rPr kumimoji="1" lang="en-US" altLang="ja-JP" dirty="0" smtClean="0">
+                <a:latin typeface="メイリオ" panose="020B0604030504040204" pitchFamily="50" charset="-128"/>
+                <a:ea typeface="メイリオ" panose="020B0604030504040204" pitchFamily="50" charset="-128"/>
+                <a:cs typeface="メイリオ" panose="020B0604030504040204" pitchFamily="50" charset="-128"/>
+              </a:rPr>
+              <a:t>Twitter</a:t>
+            </a:r>
+            <a:r>
+              <a:rPr kumimoji="1" lang="ja-JP" altLang="en-US" dirty="0" smtClean="0">
+                <a:latin typeface="メイリオ" panose="020B0604030504040204" pitchFamily="50" charset="-128"/>
+                <a:ea typeface="メイリオ" panose="020B0604030504040204" pitchFamily="50" charset="-128"/>
+                <a:cs typeface="メイリオ" panose="020B0604030504040204" pitchFamily="50" charset="-128"/>
+              </a:rPr>
+              <a:t>に対する顕在的・潜在的なニーズの一部を読み取ることは可能といえる</a:t>
+            </a:r>
+            <a:endParaRPr kumimoji="1" lang="en-US" altLang="ja-JP" dirty="0" smtClean="0">
+              <a:latin typeface="メイリオ" panose="020B0604030504040204" pitchFamily="50" charset="-128"/>
+              <a:ea typeface="メイリオ" panose="020B0604030504040204" pitchFamily="50" charset="-128"/>
+              <a:cs typeface="メイリオ" panose="020B0604030504040204" pitchFamily="50" charset="-128"/>
+            </a:endParaRPr>
+          </a:p>
+          <a:p>
+            <a:pPr marL="0" indent="0">
+              <a:lnSpc>
+                <a:spcPct val="150000"/>
+              </a:lnSpc>
+              <a:buNone/>
+            </a:pPr>
+            <a:r>
+              <a:rPr kumimoji="1" lang="ja-JP" altLang="en-US" dirty="0" smtClean="0">
+                <a:solidFill>
+                  <a:srgbClr val="C00000"/>
+                </a:solidFill>
+                <a:latin typeface="メイリオ" panose="020B0604030504040204" pitchFamily="50" charset="-128"/>
+                <a:ea typeface="メイリオ" panose="020B0604030504040204" pitchFamily="50" charset="-128"/>
+                <a:cs typeface="メイリオ" panose="020B0604030504040204" pitchFamily="50" charset="-128"/>
+              </a:rPr>
+              <a:t>→マーケティングにもこの手法を適用できる</a:t>
+            </a:r>
+            <a:endParaRPr kumimoji="1" lang="en-US" altLang="ja-JP" dirty="0" smtClean="0">
+              <a:solidFill>
+                <a:srgbClr val="C00000"/>
+              </a:solidFill>
+              <a:latin typeface="メイリオ" panose="020B0604030504040204" pitchFamily="50" charset="-128"/>
+              <a:ea typeface="メイリオ" panose="020B0604030504040204" pitchFamily="50" charset="-128"/>
+              <a:cs typeface="メイリオ" panose="020B0604030504040204" pitchFamily="50" charset="-128"/>
+            </a:endParaRPr>
+          </a:p>
+        </p:txBody>
+      </p:sp>
     </p:spTree>
     <p:extLst>
       <p:ext uri="{BB962C8B-B14F-4D97-AF65-F5344CB8AC3E}">
-        <p14:creationId xmlns:p14="http://schemas.microsoft.com/office/powerpoint/2010/main" val="3115051537"/>
+        <p14:creationId xmlns:p14="http://schemas.microsoft.com/office/powerpoint/2010/main" val="637260775"/>
       </p:ext>
     </p:extLst>
   </p:cSld>
   <p:clrMapOvr>
     <a:masterClrMapping/>
   </p:clrMapOvr>
+  <p:timing>
+    <p:tnLst>
+      <p:par>
+        <p:cTn id="1" dur="indefinite" restart="never" nodeType="tmRoot"/>
+      </p:par>
+    </p:tnLst>
+  </p:timing>
 </p:sld>
 </file>
 
@@ -5733,7 +6951,7 @@
                 <a:ea typeface="メイリオ" panose="020B0604030504040204" pitchFamily="50" charset="-128"/>
                 <a:cs typeface="メイリオ" panose="020B0604030504040204" pitchFamily="50" charset="-128"/>
               </a:rPr>
-              <a:t>結果</a:t>
+              <a:t>結論</a:t>
             </a:r>
             <a:endParaRPr kumimoji="1" lang="ja-JP" altLang="en-US" dirty="0">
               <a:latin typeface="メイリオ" panose="020B0604030504040204" pitchFamily="50" charset="-128"/>
@@ -5745,7 +6963,7 @@
       </p:sp>
       <p:sp>
         <p:nvSpPr>
-          <p:cNvPr id="4" name="コンテンツ プレースホルダー 2"/>
+          <p:cNvPr id="3" name="コンテンツ プレースホルダー 2"/>
           <p:cNvSpPr>
             <a:spLocks noGrp="1"/>
           </p:cNvSpPr>
@@ -5753,12 +6971,7 @@
             <p:ph idx="1"/>
           </p:nvPr>
         </p:nvSpPr>
-        <p:spPr>
-          <a:xfrm>
-            <a:off x="628650" y="1825625"/>
-            <a:ext cx="7886700" cy="4351338"/>
-          </a:xfrm>
-        </p:spPr>
+        <p:spPr/>
         <p:txBody>
           <a:bodyPr/>
           <a:lstStyle/>
@@ -5774,15 +6987,43 @@
                 <a:ea typeface="メイリオ" panose="020B0604030504040204" pitchFamily="50" charset="-128"/>
                 <a:cs typeface="メイリオ" panose="020B0604030504040204" pitchFamily="50" charset="-128"/>
               </a:rPr>
-              <a:t>協力者</a:t>
-            </a:r>
-            <a:r>
-              <a:rPr lang="en-US" altLang="ja-JP" dirty="0">
-                <a:latin typeface="メイリオ" panose="020B0604030504040204" pitchFamily="50" charset="-128"/>
-                <a:ea typeface="メイリオ" panose="020B0604030504040204" pitchFamily="50" charset="-128"/>
-                <a:cs typeface="メイリオ" panose="020B0604030504040204" pitchFamily="50" charset="-128"/>
-              </a:rPr>
-              <a:t>E</a:t>
+              <a:t>複数ユーザの</a:t>
+            </a:r>
+            <a:r>
+              <a:rPr kumimoji="1" lang="en-US" altLang="ja-JP" dirty="0" smtClean="0">
+                <a:latin typeface="メイリオ" panose="020B0604030504040204" pitchFamily="50" charset="-128"/>
+                <a:ea typeface="メイリオ" panose="020B0604030504040204" pitchFamily="50" charset="-128"/>
+                <a:cs typeface="メイリオ" panose="020B0604030504040204" pitchFamily="50" charset="-128"/>
+              </a:rPr>
+              <a:t>Twitter</a:t>
+            </a:r>
+            <a:r>
+              <a:rPr lang="ja-JP" altLang="en-US" dirty="0" smtClean="0">
+                <a:latin typeface="メイリオ" panose="020B0604030504040204" pitchFamily="50" charset="-128"/>
+                <a:ea typeface="メイリオ" panose="020B0604030504040204" pitchFamily="50" charset="-128"/>
+                <a:cs typeface="メイリオ" panose="020B0604030504040204" pitchFamily="50" charset="-128"/>
+              </a:rPr>
+              <a:t>タイムラインから，　　ツイートの本文のみを取得した</a:t>
+            </a:r>
+            <a:endParaRPr lang="en-US" altLang="ja-JP" dirty="0" smtClean="0">
+              <a:latin typeface="メイリオ" panose="020B0604030504040204" pitchFamily="50" charset="-128"/>
+              <a:ea typeface="メイリオ" panose="020B0604030504040204" pitchFamily="50" charset="-128"/>
+              <a:cs typeface="メイリオ" panose="020B0604030504040204" pitchFamily="50" charset="-128"/>
+            </a:endParaRPr>
+          </a:p>
+          <a:p>
+            <a:pPr>
+              <a:lnSpc>
+                <a:spcPct val="150000"/>
+              </a:lnSpc>
+            </a:pPr>
+            <a:r>
+              <a:rPr kumimoji="1" lang="ja-JP" altLang="en-US" dirty="0" smtClean="0">
+                <a:latin typeface="メイリオ" panose="020B0604030504040204" pitchFamily="50" charset="-128"/>
+                <a:ea typeface="メイリオ" panose="020B0604030504040204" pitchFamily="50" charset="-128"/>
+                <a:cs typeface="メイリオ" panose="020B0604030504040204" pitchFamily="50" charset="-128"/>
+              </a:rPr>
+              <a:t>共起ネットワークを描画することにより，　　タイムライン上にある単語同士の結びつきを　可視化し，事前にヒアリングした内容や他のユーザの結果と比較した</a:t>
             </a:r>
             <a:endParaRPr kumimoji="1" lang="en-US" altLang="ja-JP" dirty="0" smtClean="0">
               <a:latin typeface="メイリオ" panose="020B0604030504040204" pitchFamily="50" charset="-128"/>
@@ -5790,402 +7031,12 @@
               <a:cs typeface="メイリオ" panose="020B0604030504040204" pitchFamily="50" charset="-128"/>
             </a:endParaRPr>
           </a:p>
-          <a:p>
-            <a:pPr marL="457200" lvl="1" indent="0">
-              <a:lnSpc>
-                <a:spcPct val="150000"/>
-              </a:lnSpc>
-              <a:buNone/>
-            </a:pPr>
-            <a:r>
-              <a:rPr lang="ja-JP" altLang="en-US" dirty="0">
-                <a:latin typeface="メイリオ" panose="020B0604030504040204" pitchFamily="50" charset="-128"/>
-                <a:ea typeface="メイリオ" panose="020B0604030504040204" pitchFamily="50" charset="-128"/>
-                <a:cs typeface="メイリオ" panose="020B0604030504040204" pitchFamily="50" charset="-128"/>
-              </a:rPr>
-              <a:t>利用</a:t>
-            </a:r>
-            <a:r>
-              <a:rPr lang="ja-JP" altLang="en-US" dirty="0" smtClean="0">
-                <a:latin typeface="メイリオ" panose="020B0604030504040204" pitchFamily="50" charset="-128"/>
-                <a:ea typeface="メイリオ" panose="020B0604030504040204" pitchFamily="50" charset="-128"/>
-                <a:cs typeface="メイリオ" panose="020B0604030504040204" pitchFamily="50" charset="-128"/>
-              </a:rPr>
-              <a:t>スタイル</a:t>
-            </a:r>
-            <a:endParaRPr lang="en-US" altLang="ja-JP" dirty="0" smtClean="0">
-              <a:latin typeface="メイリオ" panose="020B0604030504040204" pitchFamily="50" charset="-128"/>
-              <a:ea typeface="メイリオ" panose="020B0604030504040204" pitchFamily="50" charset="-128"/>
-              <a:cs typeface="メイリオ" panose="020B0604030504040204" pitchFamily="50" charset="-128"/>
-            </a:endParaRPr>
-          </a:p>
-          <a:p>
-            <a:pPr lvl="2">
-              <a:lnSpc>
-                <a:spcPct val="150000"/>
-              </a:lnSpc>
-            </a:pPr>
-            <a:r>
-              <a:rPr kumimoji="1" lang="ja-JP" altLang="en-US" dirty="0" smtClean="0">
-                <a:latin typeface="メイリオ" panose="020B0604030504040204" pitchFamily="50" charset="-128"/>
-                <a:ea typeface="メイリオ" panose="020B0604030504040204" pitchFamily="50" charset="-128"/>
-                <a:cs typeface="メイリオ" panose="020B0604030504040204" pitchFamily="50" charset="-128"/>
-              </a:rPr>
-              <a:t>タイムラインの閲覧</a:t>
-            </a:r>
-            <a:endParaRPr kumimoji="1" lang="en-US" altLang="ja-JP" dirty="0" smtClean="0">
-              <a:latin typeface="メイリオ" panose="020B0604030504040204" pitchFamily="50" charset="-128"/>
-              <a:ea typeface="メイリオ" panose="020B0604030504040204" pitchFamily="50" charset="-128"/>
-              <a:cs typeface="メイリオ" panose="020B0604030504040204" pitchFamily="50" charset="-128"/>
-            </a:endParaRPr>
-          </a:p>
-          <a:p>
-            <a:pPr lvl="2">
-              <a:lnSpc>
-                <a:spcPct val="150000"/>
-              </a:lnSpc>
-            </a:pPr>
-            <a:r>
-              <a:rPr lang="ja-JP" altLang="en-US" dirty="0">
-                <a:latin typeface="メイリオ" panose="020B0604030504040204" pitchFamily="50" charset="-128"/>
-                <a:ea typeface="メイリオ" panose="020B0604030504040204" pitchFamily="50" charset="-128"/>
-                <a:cs typeface="メイリオ" panose="020B0604030504040204" pitchFamily="50" charset="-128"/>
-              </a:rPr>
-              <a:t>画像の投稿</a:t>
-            </a:r>
-            <a:endParaRPr kumimoji="1" lang="en-US" altLang="ja-JP" dirty="0" smtClean="0">
-              <a:latin typeface="メイリオ" panose="020B0604030504040204" pitchFamily="50" charset="-128"/>
-              <a:ea typeface="メイリオ" panose="020B0604030504040204" pitchFamily="50" charset="-128"/>
-              <a:cs typeface="メイリオ" panose="020B0604030504040204" pitchFamily="50" charset="-128"/>
-            </a:endParaRPr>
-          </a:p>
-          <a:p>
-            <a:pPr marL="457200" lvl="1" indent="0">
-              <a:lnSpc>
-                <a:spcPct val="150000"/>
-              </a:lnSpc>
-              <a:buNone/>
-            </a:pPr>
-            <a:r>
-              <a:rPr lang="ja-JP" altLang="en-US" dirty="0">
-                <a:latin typeface="メイリオ" panose="020B0604030504040204" pitchFamily="50" charset="-128"/>
-                <a:ea typeface="メイリオ" panose="020B0604030504040204" pitchFamily="50" charset="-128"/>
-                <a:cs typeface="メイリオ" panose="020B0604030504040204" pitchFamily="50" charset="-128"/>
-              </a:rPr>
-              <a:t>関心</a:t>
-            </a:r>
-            <a:r>
-              <a:rPr lang="ja-JP" altLang="en-US" dirty="0" smtClean="0">
-                <a:latin typeface="メイリオ" panose="020B0604030504040204" pitchFamily="50" charset="-128"/>
-                <a:ea typeface="メイリオ" panose="020B0604030504040204" pitchFamily="50" charset="-128"/>
-                <a:cs typeface="メイリオ" panose="020B0604030504040204" pitchFamily="50" charset="-128"/>
-              </a:rPr>
-              <a:t>事項</a:t>
-            </a:r>
-            <a:endParaRPr lang="en-US" altLang="ja-JP" dirty="0" smtClean="0">
-              <a:latin typeface="メイリオ" panose="020B0604030504040204" pitchFamily="50" charset="-128"/>
-              <a:ea typeface="メイリオ" panose="020B0604030504040204" pitchFamily="50" charset="-128"/>
-              <a:cs typeface="メイリオ" panose="020B0604030504040204" pitchFamily="50" charset="-128"/>
-            </a:endParaRPr>
-          </a:p>
-          <a:p>
-            <a:pPr lvl="2">
-              <a:lnSpc>
-                <a:spcPct val="150000"/>
-              </a:lnSpc>
-            </a:pPr>
-            <a:r>
-              <a:rPr kumimoji="1" lang="ja-JP" altLang="en-US" dirty="0" smtClean="0">
-                <a:latin typeface="メイリオ" panose="020B0604030504040204" pitchFamily="50" charset="-128"/>
-                <a:ea typeface="メイリオ" panose="020B0604030504040204" pitchFamily="50" charset="-128"/>
-                <a:cs typeface="メイリオ" panose="020B0604030504040204" pitchFamily="50" charset="-128"/>
-              </a:rPr>
-              <a:t>ゲーム「アイドルマスター」</a:t>
-            </a:r>
-            <a:endParaRPr kumimoji="1" lang="en-US" altLang="ja-JP" dirty="0" smtClean="0">
-              <a:latin typeface="メイリオ" panose="020B0604030504040204" pitchFamily="50" charset="-128"/>
-              <a:ea typeface="メイリオ" panose="020B0604030504040204" pitchFamily="50" charset="-128"/>
-              <a:cs typeface="メイリオ" panose="020B0604030504040204" pitchFamily="50" charset="-128"/>
-            </a:endParaRPr>
-          </a:p>
-          <a:p>
-            <a:pPr lvl="2">
-              <a:lnSpc>
-                <a:spcPct val="150000"/>
-              </a:lnSpc>
-            </a:pPr>
-            <a:r>
-              <a:rPr lang="ja-JP" altLang="en-US" dirty="0">
-                <a:latin typeface="メイリオ" panose="020B0604030504040204" pitchFamily="50" charset="-128"/>
-                <a:ea typeface="メイリオ" panose="020B0604030504040204" pitchFamily="50" charset="-128"/>
-                <a:cs typeface="メイリオ" panose="020B0604030504040204" pitchFamily="50" charset="-128"/>
-              </a:rPr>
-              <a:t>飯</a:t>
-            </a:r>
-            <a:r>
-              <a:rPr lang="ja-JP" altLang="en-US" dirty="0" smtClean="0">
-                <a:latin typeface="メイリオ" panose="020B0604030504040204" pitchFamily="50" charset="-128"/>
-                <a:ea typeface="メイリオ" panose="020B0604030504040204" pitchFamily="50" charset="-128"/>
-                <a:cs typeface="メイリオ" panose="020B0604030504040204" pitchFamily="50" charset="-128"/>
-              </a:rPr>
-              <a:t>テロ画像</a:t>
-            </a:r>
-            <a:endParaRPr kumimoji="1" lang="ja-JP" altLang="en-US" dirty="0">
-              <a:latin typeface="メイリオ" panose="020B0604030504040204" pitchFamily="50" charset="-128"/>
-              <a:ea typeface="メイリオ" panose="020B0604030504040204" pitchFamily="50" charset="-128"/>
-              <a:cs typeface="メイリオ" panose="020B0604030504040204" pitchFamily="50" charset="-128"/>
-            </a:endParaRPr>
-          </a:p>
         </p:txBody>
       </p:sp>
     </p:spTree>
     <p:extLst>
       <p:ext uri="{BB962C8B-B14F-4D97-AF65-F5344CB8AC3E}">
-        <p14:creationId xmlns:p14="http://schemas.microsoft.com/office/powerpoint/2010/main" val="4002511072"/>
-      </p:ext>
-    </p:extLst>
-  </p:cSld>
-  <p:clrMapOvr>
-    <a:masterClrMapping/>
-  </p:clrMapOvr>
-</p:sld>
-</file>
-
-<file path=ppt/slides/slide18.xml><?xml version="1.0" encoding="utf-8"?>
-<p:sld xmlns:a="http://schemas.openxmlformats.org/drawingml/2006/main" xmlns:r="http://schemas.openxmlformats.org/officeDocument/2006/relationships" xmlns:p="http://schemas.openxmlformats.org/presentationml/2006/main">
-  <p:cSld>
-    <p:spTree>
-      <p:nvGrpSpPr>
-        <p:cNvPr id="1" name=""/>
-        <p:cNvGrpSpPr/>
-        <p:nvPr/>
-      </p:nvGrpSpPr>
-      <p:grpSpPr>
-        <a:xfrm>
-          <a:off x="0" y="0"/>
-          <a:ext cx="0" cy="0"/>
-          <a:chOff x="0" y="0"/>
-          <a:chExt cx="0" cy="0"/>
-        </a:xfrm>
-      </p:grpSpPr>
-      <p:sp>
-        <p:nvSpPr>
-          <p:cNvPr id="2" name="タイトル 1"/>
-          <p:cNvSpPr>
-            <a:spLocks noGrp="1"/>
-          </p:cNvSpPr>
-          <p:nvPr>
-            <p:ph type="title"/>
-          </p:nvPr>
-        </p:nvSpPr>
-        <p:spPr/>
-        <p:txBody>
-          <a:bodyPr/>
-          <a:lstStyle/>
-          <a:p>
-            <a:r>
-              <a:rPr kumimoji="1" lang="ja-JP" altLang="en-US" dirty="0" smtClean="0">
-                <a:latin typeface="メイリオ" panose="020B0604030504040204" pitchFamily="50" charset="-128"/>
-                <a:ea typeface="メイリオ" panose="020B0604030504040204" pitchFamily="50" charset="-128"/>
-                <a:cs typeface="メイリオ" panose="020B0604030504040204" pitchFamily="50" charset="-128"/>
-              </a:rPr>
-              <a:t>結果</a:t>
-            </a:r>
-            <a:endParaRPr kumimoji="1" lang="ja-JP" altLang="en-US" dirty="0">
-              <a:latin typeface="メイリオ" panose="020B0604030504040204" pitchFamily="50" charset="-128"/>
-              <a:ea typeface="メイリオ" panose="020B0604030504040204" pitchFamily="50" charset="-128"/>
-              <a:cs typeface="メイリオ" panose="020B0604030504040204" pitchFamily="50" charset="-128"/>
-            </a:endParaRPr>
-          </a:p>
-        </p:txBody>
-      </p:sp>
-      <p:pic>
-        <p:nvPicPr>
-          <p:cNvPr id="4" name="コンテンツ プレースホルダー 3"/>
-          <p:cNvPicPr>
-            <a:picLocks noGrp="1" noChangeAspect="1"/>
-          </p:cNvPicPr>
-          <p:nvPr>
-            <p:ph idx="1"/>
-          </p:nvPr>
-        </p:nvPicPr>
-        <p:blipFill>
-          <a:blip r:embed="rId2" cstate="print">
-            <a:extLst>
-              <a:ext uri="{28A0092B-C50C-407E-A947-70E740481C1C}">
-                <a14:useLocalDpi xmlns:a14="http://schemas.microsoft.com/office/drawing/2010/main" val="0"/>
-              </a:ext>
-            </a:extLst>
-          </a:blip>
-          <a:stretch>
-            <a:fillRect/>
-          </a:stretch>
-        </p:blipFill>
-        <p:spPr>
-          <a:xfrm>
-            <a:off x="329240" y="1690689"/>
-            <a:ext cx="8686348" cy="4886071"/>
-          </a:xfrm>
-        </p:spPr>
-      </p:pic>
-    </p:spTree>
-    <p:extLst>
-      <p:ext uri="{BB962C8B-B14F-4D97-AF65-F5344CB8AC3E}">
-        <p14:creationId xmlns:p14="http://schemas.microsoft.com/office/powerpoint/2010/main" val="1875395006"/>
-      </p:ext>
-    </p:extLst>
-  </p:cSld>
-  <p:clrMapOvr>
-    <a:masterClrMapping/>
-  </p:clrMapOvr>
-</p:sld>
-</file>
-
-<file path=ppt/slides/slide19.xml><?xml version="1.0" encoding="utf-8"?>
-<p:sld xmlns:a="http://schemas.openxmlformats.org/drawingml/2006/main" xmlns:r="http://schemas.openxmlformats.org/officeDocument/2006/relationships" xmlns:p="http://schemas.openxmlformats.org/presentationml/2006/main">
-  <p:cSld>
-    <p:spTree>
-      <p:nvGrpSpPr>
-        <p:cNvPr id="1" name=""/>
-        <p:cNvGrpSpPr/>
-        <p:nvPr/>
-      </p:nvGrpSpPr>
-      <p:grpSpPr>
-        <a:xfrm>
-          <a:off x="0" y="0"/>
-          <a:ext cx="0" cy="0"/>
-          <a:chOff x="0" y="0"/>
-          <a:chExt cx="0" cy="0"/>
-        </a:xfrm>
-      </p:grpSpPr>
-      <p:sp>
-        <p:nvSpPr>
-          <p:cNvPr id="2" name="タイトル 1"/>
-          <p:cNvSpPr>
-            <a:spLocks noGrp="1"/>
-          </p:cNvSpPr>
-          <p:nvPr>
-            <p:ph type="title"/>
-          </p:nvPr>
-        </p:nvSpPr>
-        <p:spPr/>
-        <p:txBody>
-          <a:bodyPr/>
-          <a:lstStyle/>
-          <a:p>
-            <a:r>
-              <a:rPr kumimoji="1" lang="ja-JP" altLang="en-US" dirty="0" smtClean="0">
-                <a:latin typeface="メイリオ" panose="020B0604030504040204" pitchFamily="50" charset="-128"/>
-                <a:ea typeface="メイリオ" panose="020B0604030504040204" pitchFamily="50" charset="-128"/>
-                <a:cs typeface="メイリオ" panose="020B0604030504040204" pitchFamily="50" charset="-128"/>
-              </a:rPr>
-              <a:t>考察と結論</a:t>
-            </a:r>
-            <a:endParaRPr kumimoji="1" lang="ja-JP" altLang="en-US" dirty="0">
-              <a:latin typeface="メイリオ" panose="020B0604030504040204" pitchFamily="50" charset="-128"/>
-              <a:ea typeface="メイリオ" panose="020B0604030504040204" pitchFamily="50" charset="-128"/>
-              <a:cs typeface="メイリオ" panose="020B0604030504040204" pitchFamily="50" charset="-128"/>
-            </a:endParaRPr>
-          </a:p>
-        </p:txBody>
-      </p:sp>
-      <p:sp>
-        <p:nvSpPr>
-          <p:cNvPr id="3" name="コンテンツ プレースホルダー 2"/>
-          <p:cNvSpPr>
-            <a:spLocks noGrp="1"/>
-          </p:cNvSpPr>
-          <p:nvPr>
-            <p:ph idx="1"/>
-          </p:nvPr>
-        </p:nvSpPr>
-        <p:spPr>
-          <a:xfrm>
-            <a:off x="628650" y="1778000"/>
-            <a:ext cx="7886700" cy="5437632"/>
-          </a:xfrm>
-        </p:spPr>
-        <p:txBody>
-          <a:bodyPr/>
-          <a:lstStyle/>
-          <a:p>
-            <a:pPr>
-              <a:lnSpc>
-                <a:spcPct val="150000"/>
-              </a:lnSpc>
-            </a:pPr>
-            <a:r>
-              <a:rPr kumimoji="1" lang="ja-JP" altLang="en-US" dirty="0" smtClean="0">
-                <a:latin typeface="メイリオ" panose="020B0604030504040204" pitchFamily="50" charset="-128"/>
-                <a:ea typeface="メイリオ" panose="020B0604030504040204" pitchFamily="50" charset="-128"/>
-                <a:cs typeface="メイリオ" panose="020B0604030504040204" pitchFamily="50" charset="-128"/>
-              </a:rPr>
-              <a:t>どの人においても関心事項と特徴語の一致が　見られ，本研究の手法を用いて</a:t>
-            </a:r>
-            <a:r>
-              <a:rPr kumimoji="1" lang="en-US" altLang="ja-JP" dirty="0" smtClean="0">
-                <a:latin typeface="メイリオ" panose="020B0604030504040204" pitchFamily="50" charset="-128"/>
-                <a:ea typeface="メイリオ" panose="020B0604030504040204" pitchFamily="50" charset="-128"/>
-                <a:cs typeface="メイリオ" panose="020B0604030504040204" pitchFamily="50" charset="-128"/>
-              </a:rPr>
-              <a:t>Twitter</a:t>
-            </a:r>
-            <a:r>
-              <a:rPr kumimoji="1" lang="ja-JP" altLang="en-US" dirty="0" err="1" smtClean="0">
-                <a:latin typeface="メイリオ" panose="020B0604030504040204" pitchFamily="50" charset="-128"/>
-                <a:ea typeface="メイリオ" panose="020B0604030504040204" pitchFamily="50" charset="-128"/>
-                <a:cs typeface="メイリオ" panose="020B0604030504040204" pitchFamily="50" charset="-128"/>
-              </a:rPr>
-              <a:t>への</a:t>
-            </a:r>
-            <a:r>
-              <a:rPr kumimoji="1" lang="ja-JP" altLang="en-US" dirty="0" smtClean="0">
-                <a:latin typeface="メイリオ" panose="020B0604030504040204" pitchFamily="50" charset="-128"/>
-                <a:ea typeface="メイリオ" panose="020B0604030504040204" pitchFamily="50" charset="-128"/>
-                <a:cs typeface="メイリオ" panose="020B0604030504040204" pitchFamily="50" charset="-128"/>
-              </a:rPr>
-              <a:t>ニーズを読み取るのは十分に可能といえる</a:t>
-            </a:r>
-            <a:endParaRPr kumimoji="1" lang="en-US" altLang="ja-JP" dirty="0" smtClean="0">
-              <a:latin typeface="メイリオ" panose="020B0604030504040204" pitchFamily="50" charset="-128"/>
-              <a:ea typeface="メイリオ" panose="020B0604030504040204" pitchFamily="50" charset="-128"/>
-              <a:cs typeface="メイリオ" panose="020B0604030504040204" pitchFamily="50" charset="-128"/>
-            </a:endParaRPr>
-          </a:p>
-          <a:p>
-            <a:pPr>
-              <a:lnSpc>
-                <a:spcPct val="150000"/>
-              </a:lnSpc>
-            </a:pPr>
-            <a:r>
-              <a:rPr lang="ja-JP" altLang="en-US" dirty="0">
-                <a:latin typeface="メイリオ" panose="020B0604030504040204" pitchFamily="50" charset="-128"/>
-                <a:ea typeface="メイリオ" panose="020B0604030504040204" pitchFamily="50" charset="-128"/>
-                <a:cs typeface="メイリオ" panose="020B0604030504040204" pitchFamily="50" charset="-128"/>
-              </a:rPr>
-              <a:t>直接的</a:t>
-            </a:r>
-            <a:r>
-              <a:rPr lang="ja-JP" altLang="en-US" dirty="0" smtClean="0">
-                <a:latin typeface="メイリオ" panose="020B0604030504040204" pitchFamily="50" charset="-128"/>
-                <a:ea typeface="メイリオ" panose="020B0604030504040204" pitchFamily="50" charset="-128"/>
-                <a:cs typeface="メイリオ" panose="020B0604030504040204" pitchFamily="50" charset="-128"/>
-              </a:rPr>
-              <a:t>な一致がなくとも関心事項に関連する　単語もワードクラウドに現れている</a:t>
-            </a:r>
-            <a:endParaRPr kumimoji="1" lang="en-US" altLang="ja-JP" dirty="0" smtClean="0">
-              <a:latin typeface="メイリオ" panose="020B0604030504040204" pitchFamily="50" charset="-128"/>
-              <a:ea typeface="メイリオ" panose="020B0604030504040204" pitchFamily="50" charset="-128"/>
-              <a:cs typeface="メイリオ" panose="020B0604030504040204" pitchFamily="50" charset="-128"/>
-            </a:endParaRPr>
-          </a:p>
-        </p:txBody>
-      </p:sp>
-    </p:spTree>
-    <p:extLst>
-      <p:ext uri="{BB962C8B-B14F-4D97-AF65-F5344CB8AC3E}">
-        <p14:creationId xmlns:p14="http://schemas.microsoft.com/office/powerpoint/2010/main" val="3318253176"/>
+        <p14:creationId xmlns:p14="http://schemas.microsoft.com/office/powerpoint/2010/main" val="4142836924"/>
       </p:ext>
     </p:extLst>
   </p:cSld>
@@ -6255,30 +7106,59 @@
         </p:nvSpPr>
         <p:spPr>
           <a:xfrm>
-            <a:off x="628650" y="1825624"/>
-            <a:ext cx="7886700" cy="5032375"/>
+            <a:off x="542544" y="1335024"/>
+            <a:ext cx="8058912" cy="5522975"/>
           </a:xfrm>
         </p:spPr>
         <p:txBody>
-          <a:bodyPr/>
+          <a:bodyPr>
+            <a:normAutofit/>
+          </a:bodyPr>
           <a:lstStyle/>
           <a:p>
             <a:pPr marL="0" indent="0">
               <a:lnSpc>
-                <a:spcPct val="100000"/>
+                <a:spcPct val="150000"/>
               </a:lnSpc>
               <a:buNone/>
             </a:pPr>
             <a:r>
-              <a:rPr kumimoji="1" lang="ja-JP" altLang="en-US" dirty="0" smtClean="0">
-                <a:latin typeface="メイリオ" panose="020B0604030504040204" pitchFamily="50" charset="-128"/>
-                <a:ea typeface="メイリオ" panose="020B0604030504040204" pitchFamily="50" charset="-128"/>
-                <a:cs typeface="メイリオ" panose="020B0604030504040204" pitchFamily="50" charset="-128"/>
-              </a:rPr>
-              <a:t>世界的に人気な</a:t>
-            </a:r>
-            <a:r>
-              <a:rPr kumimoji="1" lang="en-US" altLang="ja-JP" dirty="0" smtClean="0">
+              <a:rPr kumimoji="1" lang="en-US" altLang="ja-JP" sz="4000" dirty="0" smtClean="0">
+                <a:solidFill>
+                  <a:srgbClr val="00B0F0"/>
+                </a:solidFill>
+                <a:latin typeface="メイリオ" panose="020B0604030504040204" pitchFamily="50" charset="-128"/>
+                <a:ea typeface="メイリオ" panose="020B0604030504040204" pitchFamily="50" charset="-128"/>
+                <a:cs typeface="メイリオ" panose="020B0604030504040204" pitchFamily="50" charset="-128"/>
+              </a:rPr>
+              <a:t>Twitter</a:t>
+            </a:r>
+            <a:r>
+              <a:rPr lang="ja-JP" altLang="en-US" dirty="0">
+                <a:latin typeface="メイリオ" panose="020B0604030504040204" pitchFamily="50" charset="-128"/>
+                <a:ea typeface="メイリオ" panose="020B0604030504040204" pitchFamily="50" charset="-128"/>
+                <a:cs typeface="メイリオ" panose="020B0604030504040204" pitchFamily="50" charset="-128"/>
+              </a:rPr>
+              <a:t>：</a:t>
+            </a:r>
+            <a:r>
+              <a:rPr lang="ja-JP" altLang="en-US" dirty="0" smtClean="0">
+                <a:latin typeface="メイリオ" panose="020B0604030504040204" pitchFamily="50" charset="-128"/>
+                <a:ea typeface="メイリオ" panose="020B0604030504040204" pitchFamily="50" charset="-128"/>
+                <a:cs typeface="メイリオ" panose="020B0604030504040204" pitchFamily="50" charset="-128"/>
+              </a:rPr>
+              <a:t>世界的</a:t>
+            </a:r>
+            <a:r>
+              <a:rPr lang="ja-JP" altLang="en-US" dirty="0">
+                <a:latin typeface="メイリオ" panose="020B0604030504040204" pitchFamily="50" charset="-128"/>
+                <a:ea typeface="メイリオ" panose="020B0604030504040204" pitchFamily="50" charset="-128"/>
+                <a:cs typeface="メイリオ" panose="020B0604030504040204" pitchFamily="50" charset="-128"/>
+              </a:rPr>
+              <a:t>に人気な</a:t>
+            </a:r>
+            <a:r>
+              <a:rPr lang="en-US" altLang="ja-JP" dirty="0">
                 <a:latin typeface="メイリオ" panose="020B0604030504040204" pitchFamily="50" charset="-128"/>
                 <a:ea typeface="メイリオ" panose="020B0604030504040204" pitchFamily="50" charset="-128"/>
                 <a:cs typeface="メイリオ" panose="020B0604030504040204" pitchFamily="50" charset="-128"/>
@@ -6286,26 +7166,23 @@
               <a:t>SNS</a:t>
             </a:r>
             <a:r>
-              <a:rPr kumimoji="1" lang="ja-JP" altLang="en-US" dirty="0" smtClean="0">
-                <a:latin typeface="メイリオ" panose="020B0604030504040204" pitchFamily="50" charset="-128"/>
-                <a:ea typeface="メイリオ" panose="020B0604030504040204" pitchFamily="50" charset="-128"/>
-                <a:cs typeface="メイリオ" panose="020B0604030504040204" pitchFamily="50" charset="-128"/>
-              </a:rPr>
-              <a:t>のひとつに</a:t>
-            </a:r>
-            <a:r>
-              <a:rPr kumimoji="1" lang="en-US" altLang="ja-JP" dirty="0" smtClean="0">
-                <a:latin typeface="メイリオ" panose="020B0604030504040204" pitchFamily="50" charset="-128"/>
-                <a:ea typeface="メイリオ" panose="020B0604030504040204" pitchFamily="50" charset="-128"/>
-                <a:cs typeface="メイリオ" panose="020B0604030504040204" pitchFamily="50" charset="-128"/>
-              </a:rPr>
-              <a:t>Twitter</a:t>
-            </a:r>
+              <a:rPr lang="ja-JP" altLang="en-US" dirty="0">
+                <a:latin typeface="メイリオ" panose="020B0604030504040204" pitchFamily="50" charset="-128"/>
+                <a:ea typeface="メイリオ" panose="020B0604030504040204" pitchFamily="50" charset="-128"/>
+                <a:cs typeface="メイリオ" panose="020B0604030504040204" pitchFamily="50" charset="-128"/>
+              </a:rPr>
+              <a:t>のひとつ</a:t>
+            </a:r>
+            <a:endParaRPr kumimoji="1" lang="en-US" altLang="ja-JP" dirty="0" smtClean="0">
+              <a:latin typeface="メイリオ" panose="020B0604030504040204" pitchFamily="50" charset="-128"/>
+              <a:ea typeface="メイリオ" panose="020B0604030504040204" pitchFamily="50" charset="-128"/>
+              <a:cs typeface="メイリオ" panose="020B0604030504040204" pitchFamily="50" charset="-128"/>
+            </a:endParaRPr>
           </a:p>
           <a:p>
             <a:pPr lvl="1">
               <a:lnSpc>
-                <a:spcPct val="100000"/>
+                <a:spcPct val="150000"/>
               </a:lnSpc>
             </a:pPr>
             <a:r>
@@ -6325,7 +7202,7 @@
           <a:p>
             <a:pPr lvl="1">
               <a:lnSpc>
-                <a:spcPct val="100000"/>
+                <a:spcPct val="150000"/>
               </a:lnSpc>
             </a:pPr>
             <a:r>
@@ -6342,20 +7219,8 @@
                 <a:ea typeface="メイリオ" panose="020B0604030504040204" pitchFamily="50" charset="-128"/>
                 <a:cs typeface="メイリオ" panose="020B0604030504040204" pitchFamily="50" charset="-128"/>
               </a:rPr>
-              <a:t>スタイルも千差万別</a:t>
-            </a:r>
-            <a:endParaRPr kumimoji="1" lang="en-US" altLang="ja-JP" dirty="0" smtClean="0">
-              <a:latin typeface="メイリオ" panose="020B0604030504040204" pitchFamily="50" charset="-128"/>
-              <a:ea typeface="メイリオ" panose="020B0604030504040204" pitchFamily="50" charset="-128"/>
-              <a:cs typeface="メイリオ" panose="020B0604030504040204" pitchFamily="50" charset="-128"/>
-            </a:endParaRPr>
-          </a:p>
-          <a:p>
-            <a:pPr>
-              <a:lnSpc>
-                <a:spcPct val="100000"/>
-              </a:lnSpc>
-            </a:pPr>
+              <a:t>スタイルは千差万別</a:t>
+            </a:r>
             <a:endParaRPr lang="en-US" altLang="ja-JP" dirty="0">
               <a:latin typeface="メイリオ" panose="020B0604030504040204" pitchFamily="50" charset="-128"/>
               <a:ea typeface="メイリオ" panose="020B0604030504040204" pitchFamily="50" charset="-128"/>
@@ -6363,10 +7228,11 @@
             </a:endParaRPr>
           </a:p>
           <a:p>
-            <a:pPr>
+            <a:pPr marL="457200" lvl="1" indent="0">
               <a:lnSpc>
-                <a:spcPct val="100000"/>
+                <a:spcPct val="150000"/>
               </a:lnSpc>
+              <a:buNone/>
             </a:pPr>
             <a:endParaRPr kumimoji="1" lang="en-US" altLang="ja-JP" dirty="0" smtClean="0">
               <a:latin typeface="メイリオ" panose="020B0604030504040204" pitchFamily="50" charset="-128"/>
@@ -6382,7 +7248,7 @@
               <a:buNone/>
             </a:pPr>
             <a:r>
-              <a:rPr kumimoji="1" lang="ja-JP" altLang="en-US" dirty="0" smtClean="0">
+              <a:rPr lang="ja-JP" altLang="en-US" dirty="0" smtClean="0">
                 <a:solidFill>
                   <a:srgbClr val="C00000"/>
                 </a:solidFill>
@@ -6390,10 +7256,10 @@
                 <a:ea typeface="メイリオ" panose="020B0604030504040204" pitchFamily="50" charset="-128"/>
                 <a:cs typeface="メイリオ" panose="020B0604030504040204" pitchFamily="50" charset="-128"/>
               </a:rPr>
-              <a:t>ユーザの</a:t>
-            </a:r>
-            <a:r>
-              <a:rPr kumimoji="1" lang="en-US" altLang="ja-JP" dirty="0" smtClean="0">
+              <a:t>ユーザ</a:t>
+            </a:r>
+            <a:r>
+              <a:rPr lang="ja-JP" altLang="en-US" dirty="0">
                 <a:solidFill>
                   <a:srgbClr val="C00000"/>
                 </a:solidFill>
@@ -6401,10 +7267,10 @@
                 <a:ea typeface="メイリオ" panose="020B0604030504040204" pitchFamily="50" charset="-128"/>
                 <a:cs typeface="メイリオ" panose="020B0604030504040204" pitchFamily="50" charset="-128"/>
               </a:rPr>
-              <a:t>Twitter</a:t>
-            </a:r>
-            <a:r>
-              <a:rPr kumimoji="1" lang="ja-JP" altLang="en-US" dirty="0" smtClean="0">
+              <a:t>ごと</a:t>
+            </a:r>
+            <a:r>
+              <a:rPr lang="ja-JP" altLang="en-US" dirty="0" smtClean="0">
                 <a:solidFill>
                   <a:srgbClr val="C00000"/>
                 </a:solidFill>
@@ -6412,9 +7278,64 @@
                 <a:ea typeface="メイリオ" panose="020B0604030504040204" pitchFamily="50" charset="-128"/>
                 <a:cs typeface="メイリオ" panose="020B0604030504040204" pitchFamily="50" charset="-128"/>
               </a:rPr>
-              <a:t>に対するニーズを明確化すれば</a:t>
-            </a:r>
-            <a:endParaRPr kumimoji="1" lang="en-US" altLang="ja-JP" dirty="0" smtClean="0">
+              <a:t>の</a:t>
+            </a:r>
+            <a:r>
+              <a:rPr lang="en-US" altLang="ja-JP" dirty="0">
+                <a:solidFill>
+                  <a:srgbClr val="C00000"/>
+                </a:solidFill>
+                <a:latin typeface="メイリオ" panose="020B0604030504040204" pitchFamily="50" charset="-128"/>
+                <a:ea typeface="メイリオ" panose="020B0604030504040204" pitchFamily="50" charset="-128"/>
+                <a:cs typeface="メイリオ" panose="020B0604030504040204" pitchFamily="50" charset="-128"/>
+              </a:rPr>
+              <a:t>Twitter</a:t>
+            </a:r>
+            <a:r>
+              <a:rPr lang="ja-JP" altLang="en-US" dirty="0">
+                <a:solidFill>
+                  <a:srgbClr val="C00000"/>
+                </a:solidFill>
+                <a:latin typeface="メイリオ" panose="020B0604030504040204" pitchFamily="50" charset="-128"/>
+                <a:ea typeface="メイリオ" panose="020B0604030504040204" pitchFamily="50" charset="-128"/>
+                <a:cs typeface="メイリオ" panose="020B0604030504040204" pitchFamily="50" charset="-128"/>
+              </a:rPr>
+              <a:t>に対するニーズを</a:t>
+            </a:r>
+            <a:r>
+              <a:rPr lang="ja-JP" altLang="en-US" dirty="0" smtClean="0">
+                <a:solidFill>
+                  <a:srgbClr val="C00000"/>
+                </a:solidFill>
+                <a:latin typeface="メイリオ" panose="020B0604030504040204" pitchFamily="50" charset="-128"/>
+                <a:ea typeface="メイリオ" panose="020B0604030504040204" pitchFamily="50" charset="-128"/>
+                <a:cs typeface="メイリオ" panose="020B0604030504040204" pitchFamily="50" charset="-128"/>
+              </a:rPr>
+              <a:t>明確に　すれば，マーケティング</a:t>
+            </a:r>
+            <a:r>
+              <a:rPr lang="ja-JP" altLang="en-US" dirty="0">
+                <a:solidFill>
+                  <a:srgbClr val="C00000"/>
+                </a:solidFill>
+                <a:latin typeface="メイリオ" panose="020B0604030504040204" pitchFamily="50" charset="-128"/>
+                <a:ea typeface="メイリオ" panose="020B0604030504040204" pitchFamily="50" charset="-128"/>
+                <a:cs typeface="メイリオ" panose="020B0604030504040204" pitchFamily="50" charset="-128"/>
+              </a:rPr>
+              <a:t>で</a:t>
+            </a:r>
+            <a:r>
+              <a:rPr lang="ja-JP" altLang="en-US" dirty="0" smtClean="0">
+                <a:solidFill>
+                  <a:srgbClr val="C00000"/>
+                </a:solidFill>
+                <a:latin typeface="メイリオ" panose="020B0604030504040204" pitchFamily="50" charset="-128"/>
+                <a:ea typeface="メイリオ" panose="020B0604030504040204" pitchFamily="50" charset="-128"/>
+                <a:cs typeface="メイリオ" panose="020B0604030504040204" pitchFamily="50" charset="-128"/>
+              </a:rPr>
+              <a:t>ターゲットユーザを　絞りやすくなるのでは？</a:t>
+            </a:r>
+            <a:endParaRPr lang="en-US" altLang="ja-JP" dirty="0">
               <a:solidFill>
                 <a:srgbClr val="C00000"/>
               </a:solidFill>
@@ -6423,66 +7344,6 @@
               <a:cs typeface="メイリオ" panose="020B0604030504040204" pitchFamily="50" charset="-128"/>
             </a:endParaRPr>
           </a:p>
-          <a:p>
-            <a:pPr marL="0" indent="0">
-              <a:lnSpc>
-                <a:spcPct val="150000"/>
-              </a:lnSpc>
-              <a:buNone/>
-            </a:pPr>
-            <a:r>
-              <a:rPr kumimoji="1" lang="ja-JP" altLang="en-US" dirty="0" smtClean="0">
-                <a:solidFill>
-                  <a:srgbClr val="C00000"/>
-                </a:solidFill>
-                <a:latin typeface="メイリオ" panose="020B0604030504040204" pitchFamily="50" charset="-128"/>
-                <a:ea typeface="メイリオ" panose="020B0604030504040204" pitchFamily="50" charset="-128"/>
-                <a:cs typeface="メイリオ" panose="020B0604030504040204" pitchFamily="50" charset="-128"/>
-              </a:rPr>
-              <a:t>他の</a:t>
-            </a:r>
-            <a:r>
-              <a:rPr kumimoji="1" lang="en-US" altLang="ja-JP" dirty="0" smtClean="0">
-                <a:solidFill>
-                  <a:srgbClr val="C00000"/>
-                </a:solidFill>
-                <a:latin typeface="メイリオ" panose="020B0604030504040204" pitchFamily="50" charset="-128"/>
-                <a:ea typeface="メイリオ" panose="020B0604030504040204" pitchFamily="50" charset="-128"/>
-                <a:cs typeface="メイリオ" panose="020B0604030504040204" pitchFamily="50" charset="-128"/>
-              </a:rPr>
-              <a:t>SNS</a:t>
-            </a:r>
-            <a:r>
-              <a:rPr lang="ja-JP" altLang="en-US" dirty="0">
-                <a:solidFill>
-                  <a:srgbClr val="C00000"/>
-                </a:solidFill>
-                <a:latin typeface="メイリオ" panose="020B0604030504040204" pitchFamily="50" charset="-128"/>
-                <a:ea typeface="メイリオ" panose="020B0604030504040204" pitchFamily="50" charset="-128"/>
-                <a:cs typeface="メイリオ" panose="020B0604030504040204" pitchFamily="50" charset="-128"/>
-              </a:rPr>
-              <a:t>と</a:t>
-            </a:r>
-            <a:r>
-              <a:rPr kumimoji="1" lang="ja-JP" altLang="en-US" dirty="0" smtClean="0">
-                <a:solidFill>
-                  <a:srgbClr val="C00000"/>
-                </a:solidFill>
-                <a:latin typeface="メイリオ" panose="020B0604030504040204" pitchFamily="50" charset="-128"/>
-                <a:ea typeface="メイリオ" panose="020B0604030504040204" pitchFamily="50" charset="-128"/>
-                <a:cs typeface="メイリオ" panose="020B0604030504040204" pitchFamily="50" charset="-128"/>
-              </a:rPr>
-              <a:t>の差別化を図りやすくなるのでは？</a:t>
-            </a:r>
-            <a:endParaRPr kumimoji="1" lang="en-US" altLang="ja-JP" dirty="0" smtClean="0">
-              <a:solidFill>
-                <a:srgbClr val="C00000"/>
-              </a:solidFill>
-              <a:latin typeface="メイリオ" panose="020B0604030504040204" pitchFamily="50" charset="-128"/>
-              <a:ea typeface="メイリオ" panose="020B0604030504040204" pitchFamily="50" charset="-128"/>
-              <a:cs typeface="メイリオ" panose="020B0604030504040204" pitchFamily="50" charset="-128"/>
-            </a:endParaRPr>
-          </a:p>
         </p:txBody>
       </p:sp>
       <p:sp>
@@ -6493,8 +7354,8 @@
         </p:nvSpPr>
         <p:spPr>
           <a:xfrm>
-            <a:off x="4082143" y="3338286"/>
-            <a:ext cx="979714" cy="933268"/>
+            <a:off x="3911455" y="3544900"/>
+            <a:ext cx="979714" cy="748509"/>
           </a:xfrm>
           <a:prstGeom prst="downArrow">
             <a:avLst/>
@@ -6527,7 +7388,7 @@
           <a:lstStyle/>
           <a:p>
             <a:pPr algn="ctr"/>
-            <a:endParaRPr kumimoji="1" lang="ja-JP" altLang="en-US"/>
+            <a:endParaRPr kumimoji="1" lang="ja-JP" altLang="en-US" dirty="0"/>
           </a:p>
         </p:txBody>
       </p:sp>
@@ -6551,180 +7412,6 @@
 </p:sld>
 </file>
 
-<file path=ppt/slides/slide20.xml><?xml version="1.0" encoding="utf-8"?>
-<p:sld xmlns:a="http://schemas.openxmlformats.org/drawingml/2006/main" xmlns:r="http://schemas.openxmlformats.org/officeDocument/2006/relationships" xmlns:p="http://schemas.openxmlformats.org/presentationml/2006/main">
-  <p:cSld>
-    <p:spTree>
-      <p:nvGrpSpPr>
-        <p:cNvPr id="1" name=""/>
-        <p:cNvGrpSpPr/>
-        <p:nvPr/>
-      </p:nvGrpSpPr>
-      <p:grpSpPr>
-        <a:xfrm>
-          <a:off x="0" y="0"/>
-          <a:ext cx="0" cy="0"/>
-          <a:chOff x="0" y="0"/>
-          <a:chExt cx="0" cy="0"/>
-        </a:xfrm>
-      </p:grpSpPr>
-      <p:sp>
-        <p:nvSpPr>
-          <p:cNvPr id="2" name="タイトル 1"/>
-          <p:cNvSpPr>
-            <a:spLocks noGrp="1"/>
-          </p:cNvSpPr>
-          <p:nvPr>
-            <p:ph type="title"/>
-          </p:nvPr>
-        </p:nvSpPr>
-        <p:spPr/>
-        <p:txBody>
-          <a:bodyPr/>
-          <a:lstStyle/>
-          <a:p>
-            <a:r>
-              <a:rPr lang="ja-JP" altLang="en-US" dirty="0">
-                <a:latin typeface="メイリオ" panose="020B0604030504040204" pitchFamily="50" charset="-128"/>
-                <a:ea typeface="メイリオ" panose="020B0604030504040204" pitchFamily="50" charset="-128"/>
-                <a:cs typeface="メイリオ" panose="020B0604030504040204" pitchFamily="50" charset="-128"/>
-              </a:rPr>
-              <a:t>考察と結論</a:t>
-            </a:r>
-            <a:endParaRPr kumimoji="1" lang="ja-JP" altLang="en-US" dirty="0"/>
-          </a:p>
-        </p:txBody>
-      </p:sp>
-      <p:sp>
-        <p:nvSpPr>
-          <p:cNvPr id="3" name="コンテンツ プレースホルダー 2"/>
-          <p:cNvSpPr>
-            <a:spLocks noGrp="1"/>
-          </p:cNvSpPr>
-          <p:nvPr>
-            <p:ph idx="1"/>
-          </p:nvPr>
-        </p:nvSpPr>
-        <p:spPr/>
-        <p:txBody>
-          <a:bodyPr/>
-          <a:lstStyle/>
-          <a:p>
-            <a:pPr marL="0" indent="0">
-              <a:lnSpc>
-                <a:spcPct val="150000"/>
-              </a:lnSpc>
-              <a:buNone/>
-            </a:pPr>
-            <a:r>
-              <a:rPr lang="ja-JP" altLang="en-US" dirty="0" smtClean="0">
-                <a:latin typeface="メイリオ" panose="020B0604030504040204" pitchFamily="50" charset="-128"/>
-                <a:ea typeface="メイリオ" panose="020B0604030504040204" pitchFamily="50" charset="-128"/>
-                <a:cs typeface="メイリオ" panose="020B0604030504040204" pitchFamily="50" charset="-128"/>
-              </a:rPr>
-              <a:t>全く一致</a:t>
-            </a:r>
-            <a:r>
-              <a:rPr lang="ja-JP" altLang="en-US" dirty="0">
-                <a:latin typeface="メイリオ" panose="020B0604030504040204" pitchFamily="50" charset="-128"/>
-                <a:ea typeface="メイリオ" panose="020B0604030504040204" pitchFamily="50" charset="-128"/>
-                <a:cs typeface="メイリオ" panose="020B0604030504040204" pitchFamily="50" charset="-128"/>
-              </a:rPr>
-              <a:t>しないものも多くあり，潜在的</a:t>
-            </a:r>
-            <a:r>
-              <a:rPr lang="ja-JP" altLang="en-US" dirty="0" smtClean="0">
-                <a:latin typeface="メイリオ" panose="020B0604030504040204" pitchFamily="50" charset="-128"/>
-                <a:ea typeface="メイリオ" panose="020B0604030504040204" pitchFamily="50" charset="-128"/>
-                <a:cs typeface="メイリオ" panose="020B0604030504040204" pitchFamily="50" charset="-128"/>
-              </a:rPr>
-              <a:t>な　ニーズ</a:t>
-            </a:r>
-            <a:r>
-              <a:rPr lang="ja-JP" altLang="en-US" dirty="0">
-                <a:latin typeface="メイリオ" panose="020B0604030504040204" pitchFamily="50" charset="-128"/>
-                <a:ea typeface="メイリオ" panose="020B0604030504040204" pitchFamily="50" charset="-128"/>
-                <a:cs typeface="メイリオ" panose="020B0604030504040204" pitchFamily="50" charset="-128"/>
-              </a:rPr>
-              <a:t>を予測する材料に</a:t>
-            </a:r>
-            <a:r>
-              <a:rPr lang="ja-JP" altLang="en-US" dirty="0" smtClean="0">
-                <a:latin typeface="メイリオ" panose="020B0604030504040204" pitchFamily="50" charset="-128"/>
-                <a:ea typeface="メイリオ" panose="020B0604030504040204" pitchFamily="50" charset="-128"/>
-                <a:cs typeface="メイリオ" panose="020B0604030504040204" pitchFamily="50" charset="-128"/>
-              </a:rPr>
-              <a:t>なりうる．</a:t>
-            </a:r>
-            <a:r>
-              <a:rPr lang="ja-JP" altLang="en-US" dirty="0">
-                <a:latin typeface="メイリオ" panose="020B0604030504040204" pitchFamily="50" charset="-128"/>
-                <a:ea typeface="メイリオ" panose="020B0604030504040204" pitchFamily="50" charset="-128"/>
-                <a:cs typeface="メイリオ" panose="020B0604030504040204" pitchFamily="50" charset="-128"/>
-              </a:rPr>
-              <a:t>　</a:t>
-            </a:r>
-            <a:r>
-              <a:rPr lang="ja-JP" altLang="en-US" dirty="0" smtClean="0">
-                <a:latin typeface="メイリオ" panose="020B0604030504040204" pitchFamily="50" charset="-128"/>
-                <a:ea typeface="メイリオ" panose="020B0604030504040204" pitchFamily="50" charset="-128"/>
-                <a:cs typeface="メイリオ" panose="020B0604030504040204" pitchFamily="50" charset="-128"/>
-              </a:rPr>
-              <a:t>　　　　　　　　　しかしユーザ</a:t>
-            </a:r>
-            <a:r>
-              <a:rPr lang="ja-JP" altLang="en-US" dirty="0">
-                <a:latin typeface="メイリオ" panose="020B0604030504040204" pitchFamily="50" charset="-128"/>
-                <a:ea typeface="メイリオ" panose="020B0604030504040204" pitchFamily="50" charset="-128"/>
-                <a:cs typeface="メイリオ" panose="020B0604030504040204" pitchFamily="50" charset="-128"/>
-              </a:rPr>
-              <a:t>が他のユーザをフォローする基準は人それぞれであるため，予測の際は他の</a:t>
-            </a:r>
-            <a:r>
-              <a:rPr lang="ja-JP" altLang="en-US" dirty="0" smtClean="0">
-                <a:latin typeface="メイリオ" panose="020B0604030504040204" pitchFamily="50" charset="-128"/>
-                <a:ea typeface="メイリオ" panose="020B0604030504040204" pitchFamily="50" charset="-128"/>
-                <a:cs typeface="メイリオ" panose="020B0604030504040204" pitchFamily="50" charset="-128"/>
-              </a:rPr>
-              <a:t>有用な</a:t>
-            </a:r>
-            <a:r>
-              <a:rPr lang="ja-JP" altLang="en-US" dirty="0">
-                <a:latin typeface="メイリオ" panose="020B0604030504040204" pitchFamily="50" charset="-128"/>
-                <a:ea typeface="メイリオ" panose="020B0604030504040204" pitchFamily="50" charset="-128"/>
-                <a:cs typeface="メイリオ" panose="020B0604030504040204" pitchFamily="50" charset="-128"/>
-              </a:rPr>
-              <a:t>情報も同時に得る必要が</a:t>
-            </a:r>
-            <a:r>
-              <a:rPr lang="ja-JP" altLang="en-US" dirty="0" smtClean="0">
-                <a:latin typeface="メイリオ" panose="020B0604030504040204" pitchFamily="50" charset="-128"/>
-                <a:ea typeface="メイリオ" panose="020B0604030504040204" pitchFamily="50" charset="-128"/>
-                <a:cs typeface="メイリオ" panose="020B0604030504040204" pitchFamily="50" charset="-128"/>
-              </a:rPr>
-              <a:t>ある．</a:t>
-            </a:r>
-            <a:endParaRPr lang="ja-JP" altLang="en-US" dirty="0">
-              <a:latin typeface="メイリオ" panose="020B0604030504040204" pitchFamily="50" charset="-128"/>
-              <a:ea typeface="メイリオ" panose="020B0604030504040204" pitchFamily="50" charset="-128"/>
-              <a:cs typeface="メイリオ" panose="020B0604030504040204" pitchFamily="50" charset="-128"/>
-            </a:endParaRPr>
-          </a:p>
-        </p:txBody>
-      </p:sp>
-    </p:spTree>
-    <p:extLst>
-      <p:ext uri="{BB962C8B-B14F-4D97-AF65-F5344CB8AC3E}">
-        <p14:creationId xmlns:p14="http://schemas.microsoft.com/office/powerpoint/2010/main" val="2546480600"/>
-      </p:ext>
-    </p:extLst>
-  </p:cSld>
-  <p:clrMapOvr>
-    <a:masterClrMapping/>
-  </p:clrMapOvr>
-</p:sld>
-</file>
-
 <file path=ppt/slides/slide3.xml><?xml version="1.0" encoding="utf-8"?>
 <p:sld xmlns:a="http://schemas.openxmlformats.org/drawingml/2006/main" xmlns:r="http://schemas.openxmlformats.org/officeDocument/2006/relationships" xmlns:p="http://schemas.openxmlformats.org/presentationml/2006/main">
   <p:cSld>
@@ -6785,31 +7472,33 @@
         </p:nvSpPr>
         <p:spPr>
           <a:xfrm>
-            <a:off x="628650" y="1571624"/>
-            <a:ext cx="7886700" cy="5097400"/>
+            <a:off x="823976" y="1773936"/>
+            <a:ext cx="7564374" cy="4133088"/>
           </a:xfrm>
         </p:spPr>
         <p:txBody>
           <a:bodyPr>
-            <a:normAutofit fontScale="85000" lnSpcReduction="20000"/>
+            <a:normAutofit/>
           </a:bodyPr>
           <a:lstStyle/>
           <a:p>
-            <a:pPr>
+            <a:pPr marL="514350" indent="-514350">
               <a:lnSpc>
                 <a:spcPct val="150000"/>
               </a:lnSpc>
+              <a:buFont typeface="+mj-lt"/>
+              <a:buAutoNum type="arabicPeriod"/>
             </a:pPr>
             <a:r>
-              <a:rPr kumimoji="1" lang="ja-JP" altLang="en-US" dirty="0" smtClean="0">
-                <a:latin typeface="メイリオ" panose="020B0604030504040204" pitchFamily="50" charset="-128"/>
-                <a:ea typeface="メイリオ" panose="020B0604030504040204" pitchFamily="50" charset="-128"/>
-                <a:cs typeface="メイリオ" panose="020B0604030504040204" pitchFamily="50" charset="-128"/>
-              </a:rPr>
-              <a:t>複数名の</a:t>
-            </a:r>
-            <a:r>
-              <a:rPr kumimoji="1" lang="en-US" altLang="ja-JP" dirty="0" smtClean="0">
+              <a:rPr lang="ja-JP" altLang="en-US" dirty="0" smtClean="0">
+                <a:latin typeface="メイリオ" panose="020B0604030504040204" pitchFamily="50" charset="-128"/>
+                <a:ea typeface="メイリオ" panose="020B0604030504040204" pitchFamily="50" charset="-128"/>
+                <a:cs typeface="メイリオ" panose="020B0604030504040204" pitchFamily="50" charset="-128"/>
+              </a:rPr>
+              <a:t>ユーザひとりひとりがどれだけ違った　　情報を</a:t>
+            </a:r>
+            <a:r>
+              <a:rPr lang="en-US" altLang="ja-JP" dirty="0" smtClean="0">
                 <a:latin typeface="メイリオ" panose="020B0604030504040204" pitchFamily="50" charset="-128"/>
                 <a:ea typeface="メイリオ" panose="020B0604030504040204" pitchFamily="50" charset="-128"/>
                 <a:cs typeface="メイリオ" panose="020B0604030504040204" pitchFamily="50" charset="-128"/>
@@ -6817,40 +7506,12 @@
               <a:t>Twitter</a:t>
             </a:r>
             <a:r>
-              <a:rPr kumimoji="1" lang="ja-JP" altLang="en-US" dirty="0" smtClean="0">
-                <a:latin typeface="メイリオ" panose="020B0604030504040204" pitchFamily="50" charset="-128"/>
-                <a:ea typeface="メイリオ" panose="020B0604030504040204" pitchFamily="50" charset="-128"/>
-                <a:cs typeface="メイリオ" panose="020B0604030504040204" pitchFamily="50" charset="-128"/>
-              </a:rPr>
-              <a:t>アカウントよりタイムラインを取得</a:t>
-            </a:r>
-            <a:endParaRPr kumimoji="1" lang="en-US" altLang="ja-JP" dirty="0" smtClean="0">
-              <a:latin typeface="メイリオ" panose="020B0604030504040204" pitchFamily="50" charset="-128"/>
-              <a:ea typeface="メイリオ" panose="020B0604030504040204" pitchFamily="50" charset="-128"/>
-              <a:cs typeface="メイリオ" panose="020B0604030504040204" pitchFamily="50" charset="-128"/>
-            </a:endParaRPr>
-          </a:p>
-          <a:p>
-            <a:pPr>
-              <a:lnSpc>
-                <a:spcPct val="150000"/>
-              </a:lnSpc>
-            </a:pPr>
-            <a:r>
-              <a:rPr lang="ja-JP" altLang="en-US" dirty="0">
-                <a:latin typeface="メイリオ" panose="020B0604030504040204" pitchFamily="50" charset="-128"/>
-                <a:ea typeface="メイリオ" panose="020B0604030504040204" pitchFamily="50" charset="-128"/>
-                <a:cs typeface="メイリオ" panose="020B0604030504040204" pitchFamily="50" charset="-128"/>
-              </a:rPr>
-              <a:t>それぞれの</a:t>
-            </a:r>
-            <a:r>
               <a:rPr lang="ja-JP" altLang="en-US" dirty="0" smtClean="0">
                 <a:latin typeface="メイリオ" panose="020B0604030504040204" pitchFamily="50" charset="-128"/>
                 <a:ea typeface="メイリオ" panose="020B0604030504040204" pitchFamily="50" charset="-128"/>
                 <a:cs typeface="メイリオ" panose="020B0604030504040204" pitchFamily="50" charset="-128"/>
               </a:rPr>
-              <a:t>タイムラインを象徴する語（特徴語）を　抽出</a:t>
+              <a:t>上でやり取りしているかを見比べる</a:t>
             </a:r>
             <a:endParaRPr lang="en-US" altLang="ja-JP" dirty="0" smtClean="0">
               <a:latin typeface="メイリオ" panose="020B0604030504040204" pitchFamily="50" charset="-128"/>
@@ -6859,106 +7520,20 @@
             </a:endParaRPr>
           </a:p>
           <a:p>
-            <a:pPr>
+            <a:pPr marL="514350" indent="-514350">
               <a:lnSpc>
                 <a:spcPct val="150000"/>
               </a:lnSpc>
+              <a:buFont typeface="+mj-lt"/>
+              <a:buAutoNum type="arabicPeriod"/>
             </a:pPr>
             <a:r>
-              <a:rPr kumimoji="1" lang="ja-JP" altLang="en-US" dirty="0" smtClean="0">
-                <a:latin typeface="メイリオ" panose="020B0604030504040204" pitchFamily="50" charset="-128"/>
-                <a:ea typeface="メイリオ" panose="020B0604030504040204" pitchFamily="50" charset="-128"/>
-                <a:cs typeface="メイリオ" panose="020B0604030504040204" pitchFamily="50" charset="-128"/>
-              </a:rPr>
-              <a:t>抽出した特徴語よりワードクラウドを作成</a:t>
-            </a:r>
-            <a:endParaRPr lang="en-US" altLang="ja-JP" dirty="0">
-              <a:latin typeface="メイリオ" panose="020B0604030504040204" pitchFamily="50" charset="-128"/>
-              <a:ea typeface="メイリオ" panose="020B0604030504040204" pitchFamily="50" charset="-128"/>
-              <a:cs typeface="メイリオ" panose="020B0604030504040204" pitchFamily="50" charset="-128"/>
-            </a:endParaRPr>
-          </a:p>
-          <a:p>
-            <a:pPr>
-              <a:lnSpc>
-                <a:spcPct val="150000"/>
-              </a:lnSpc>
-            </a:pPr>
-            <a:r>
-              <a:rPr kumimoji="1" lang="ja-JP" altLang="en-US" dirty="0" smtClean="0">
-                <a:latin typeface="メイリオ" panose="020B0604030504040204" pitchFamily="50" charset="-128"/>
-                <a:ea typeface="メイリオ" panose="020B0604030504040204" pitchFamily="50" charset="-128"/>
-                <a:cs typeface="メイリオ" panose="020B0604030504040204" pitchFamily="50" charset="-128"/>
-              </a:rPr>
-              <a:t>各人の利用スタイルや関心事項と作成したワード　　クラウドを比較，</a:t>
-            </a:r>
-            <a:r>
-              <a:rPr kumimoji="1" lang="en-US" altLang="ja-JP" dirty="0" smtClean="0">
-                <a:latin typeface="メイリオ" panose="020B0604030504040204" pitchFamily="50" charset="-128"/>
-                <a:ea typeface="メイリオ" panose="020B0604030504040204" pitchFamily="50" charset="-128"/>
-                <a:cs typeface="メイリオ" panose="020B0604030504040204" pitchFamily="50" charset="-128"/>
-              </a:rPr>
-              <a:t>Twitter</a:t>
-            </a:r>
-            <a:r>
-              <a:rPr kumimoji="1" lang="ja-JP" altLang="en-US" dirty="0" err="1" smtClean="0">
-                <a:latin typeface="メイリオ" panose="020B0604030504040204" pitchFamily="50" charset="-128"/>
-                <a:ea typeface="メイリオ" panose="020B0604030504040204" pitchFamily="50" charset="-128"/>
-                <a:cs typeface="メイリオ" panose="020B0604030504040204" pitchFamily="50" charset="-128"/>
-              </a:rPr>
-              <a:t>への</a:t>
-            </a:r>
-            <a:r>
-              <a:rPr kumimoji="1" lang="ja-JP" altLang="en-US" dirty="0" smtClean="0">
-                <a:latin typeface="メイリオ" panose="020B0604030504040204" pitchFamily="50" charset="-128"/>
-                <a:ea typeface="メイリオ" panose="020B0604030504040204" pitchFamily="50" charset="-128"/>
-                <a:cs typeface="メイリオ" panose="020B0604030504040204" pitchFamily="50" charset="-128"/>
-              </a:rPr>
-              <a:t>顕在的・潜在的なニーズを</a:t>
-            </a:r>
-            <a:r>
-              <a:rPr kumimoji="1" lang="ja-JP" altLang="en-US" dirty="0" smtClean="0">
-                <a:latin typeface="メイリオ" panose="020B0604030504040204" pitchFamily="50" charset="-128"/>
-                <a:ea typeface="メイリオ" panose="020B0604030504040204" pitchFamily="50" charset="-128"/>
-                <a:cs typeface="メイリオ" panose="020B0604030504040204" pitchFamily="50" charset="-128"/>
-              </a:rPr>
-              <a:t>読み取る</a:t>
-            </a:r>
-            <a:endParaRPr kumimoji="1" lang="en-US" altLang="ja-JP" dirty="0" smtClean="0">
-              <a:latin typeface="メイリオ" panose="020B0604030504040204" pitchFamily="50" charset="-128"/>
-              <a:ea typeface="メイリオ" panose="020B0604030504040204" pitchFamily="50" charset="-128"/>
-              <a:cs typeface="メイリオ" panose="020B0604030504040204" pitchFamily="50" charset="-128"/>
-            </a:endParaRPr>
-          </a:p>
-          <a:p>
-            <a:pPr>
-              <a:lnSpc>
-                <a:spcPct val="150000"/>
-              </a:lnSpc>
-            </a:pPr>
-            <a:r>
               <a:rPr lang="ja-JP" altLang="en-US" dirty="0" smtClean="0">
                 <a:latin typeface="メイリオ" panose="020B0604030504040204" pitchFamily="50" charset="-128"/>
                 <a:ea typeface="メイリオ" panose="020B0604030504040204" pitchFamily="50" charset="-128"/>
                 <a:cs typeface="メイリオ" panose="020B0604030504040204" pitchFamily="50" charset="-128"/>
               </a:rPr>
-              <a:t>ユーザひとりひとりがどれだけ違った情報を</a:t>
-            </a:r>
-            <a:r>
-              <a:rPr lang="en-US" altLang="ja-JP" dirty="0" smtClean="0">
-                <a:latin typeface="メイリオ" panose="020B0604030504040204" pitchFamily="50" charset="-128"/>
-                <a:ea typeface="メイリオ" panose="020B0604030504040204" pitchFamily="50" charset="-128"/>
-                <a:cs typeface="メイリオ" panose="020B0604030504040204" pitchFamily="50" charset="-128"/>
-              </a:rPr>
-              <a:t>Twitter</a:t>
-            </a:r>
-            <a:r>
-              <a:rPr lang="ja-JP" altLang="en-US" dirty="0" smtClean="0">
-                <a:latin typeface="メイリオ" panose="020B0604030504040204" pitchFamily="50" charset="-128"/>
-                <a:ea typeface="メイリオ" panose="020B0604030504040204" pitchFamily="50" charset="-128"/>
-                <a:cs typeface="メイリオ" panose="020B0604030504040204" pitchFamily="50" charset="-128"/>
-              </a:rPr>
-              <a:t>上でやり取りしているかを見比べる</a:t>
+              <a:t>ユーザへのヒアリング（後述）では　　　得られない潜在的なニーズを表出化する</a:t>
             </a:r>
             <a:endParaRPr kumimoji="1" lang="en-US" altLang="ja-JP" dirty="0" smtClean="0">
               <a:latin typeface="メイリオ" panose="020B0604030504040204" pitchFamily="50" charset="-128"/>
@@ -7048,13 +7623,13 @@
         </p:nvSpPr>
         <p:spPr>
           <a:xfrm>
-            <a:off x="628650" y="1825624"/>
-            <a:ext cx="7886700" cy="4549050"/>
+            <a:off x="628650" y="1571624"/>
+            <a:ext cx="7886700" cy="5032376"/>
           </a:xfrm>
         </p:spPr>
         <p:txBody>
           <a:bodyPr>
-            <a:normAutofit fontScale="85000" lnSpcReduction="20000"/>
+            <a:normAutofit/>
           </a:bodyPr>
           <a:lstStyle/>
           <a:p>
@@ -7079,7 +7654,7 @@
                 <a:ea typeface="メイリオ" panose="020B0604030504040204" pitchFamily="50" charset="-128"/>
                 <a:cs typeface="メイリオ" panose="020B0604030504040204" pitchFamily="50" charset="-128"/>
               </a:rPr>
-              <a:t>アクティブユーザである</a:t>
+              <a:t>アクティブユーザ数名から，</a:t>
             </a:r>
             <a:r>
               <a:rPr lang="en-US" altLang="ja-JP" dirty="0" smtClean="0">
@@ -7087,7 +7662,7 @@
                 <a:ea typeface="メイリオ" panose="020B0604030504040204" pitchFamily="50" charset="-128"/>
                 <a:cs typeface="メイリオ" panose="020B0604030504040204" pitchFamily="50" charset="-128"/>
               </a:rPr>
-              <a:t>5</a:t>
+              <a:t>Twitter</a:t>
             </a:r>
             <a:r>
               <a:rPr lang="ja-JP" altLang="en-US" dirty="0" smtClean="0">
@@ -7095,39 +7670,7 @@
                 <a:ea typeface="メイリオ" panose="020B0604030504040204" pitchFamily="50" charset="-128"/>
                 <a:cs typeface="メイリオ" panose="020B0604030504040204" pitchFamily="50" charset="-128"/>
               </a:rPr>
-              <a:t>人の矢吹研究室　</a:t>
-            </a:r>
-            <a:r>
-              <a:rPr lang="en-US" altLang="ja-JP" dirty="0" smtClean="0">
-                <a:latin typeface="メイリオ" panose="020B0604030504040204" pitchFamily="50" charset="-128"/>
-                <a:ea typeface="メイリオ" panose="020B0604030504040204" pitchFamily="50" charset="-128"/>
-                <a:cs typeface="メイリオ" panose="020B0604030504040204" pitchFamily="50" charset="-128"/>
-              </a:rPr>
-              <a:t>3</a:t>
-            </a:r>
-            <a:r>
-              <a:rPr lang="ja-JP" altLang="en-US" dirty="0" smtClean="0">
-                <a:latin typeface="メイリオ" panose="020B0604030504040204" pitchFamily="50" charset="-128"/>
-                <a:ea typeface="メイリオ" panose="020B0604030504040204" pitchFamily="50" charset="-128"/>
-                <a:cs typeface="メイリオ" panose="020B0604030504040204" pitchFamily="50" charset="-128"/>
-              </a:rPr>
-              <a:t>年生から，</a:t>
-            </a:r>
-            <a:r>
-              <a:rPr lang="en-US" altLang="ja-JP" dirty="0" smtClean="0">
-                <a:latin typeface="メイリオ" panose="020B0604030504040204" pitchFamily="50" charset="-128"/>
-                <a:ea typeface="メイリオ" panose="020B0604030504040204" pitchFamily="50" charset="-128"/>
-                <a:cs typeface="メイリオ" panose="020B0604030504040204" pitchFamily="50" charset="-128"/>
-              </a:rPr>
-              <a:t>Twitter</a:t>
-            </a:r>
-            <a:r>
-              <a:rPr lang="ja-JP" altLang="en-US" dirty="0" smtClean="0">
-                <a:latin typeface="メイリオ" panose="020B0604030504040204" pitchFamily="50" charset="-128"/>
-                <a:ea typeface="メイリオ" panose="020B0604030504040204" pitchFamily="50" charset="-128"/>
-                <a:cs typeface="メイリオ" panose="020B0604030504040204" pitchFamily="50" charset="-128"/>
-              </a:rPr>
-              <a:t>に求める情報や利用スタイルを　ヒアリングする</a:t>
+              <a:t>に求める情報をヒアリングする</a:t>
             </a:r>
             <a:endParaRPr lang="en-US" altLang="ja-JP" dirty="0" smtClean="0">
               <a:latin typeface="メイリオ" panose="020B0604030504040204" pitchFamily="50" charset="-128"/>
@@ -7149,7 +7692,7 @@
                 <a:ea typeface="メイリオ" panose="020B0604030504040204" pitchFamily="50" charset="-128"/>
                 <a:cs typeface="メイリオ" panose="020B0604030504040204" pitchFamily="50" charset="-128"/>
               </a:rPr>
-              <a:t>研究室で利用する</a:t>
+              <a:t>各ユーザアカウントのタイムライン上にあるツイートの本文だけを</a:t>
             </a:r>
             <a:r>
               <a:rPr lang="en-US" altLang="ja-JP" dirty="0" smtClean="0">
@@ -7157,7 +7700,7 @@
                 <a:ea typeface="メイリオ" panose="020B0604030504040204" pitchFamily="50" charset="-128"/>
                 <a:cs typeface="メイリオ" panose="020B0604030504040204" pitchFamily="50" charset="-128"/>
               </a:rPr>
-              <a:t>PC</a:t>
+              <a:t>1</a:t>
             </a:r>
             <a:r>
               <a:rPr lang="ja-JP" altLang="en-US" dirty="0" smtClean="0">
@@ -7165,23 +7708,7 @@
                 <a:ea typeface="メイリオ" panose="020B0604030504040204" pitchFamily="50" charset="-128"/>
                 <a:cs typeface="メイリオ" panose="020B0604030504040204" pitchFamily="50" charset="-128"/>
               </a:rPr>
-              <a:t>上に仮想マシンを作成，</a:t>
-            </a:r>
-            <a:r>
-              <a:rPr lang="en-US" altLang="ja-JP" dirty="0" smtClean="0">
-                <a:latin typeface="メイリオ" panose="020B0604030504040204" pitchFamily="50" charset="-128"/>
-                <a:ea typeface="メイリオ" panose="020B0604030504040204" pitchFamily="50" charset="-128"/>
-                <a:cs typeface="メイリオ" panose="020B0604030504040204" pitchFamily="50" charset="-128"/>
-              </a:rPr>
-              <a:t>Ubuntu</a:t>
-            </a:r>
-            <a:r>
-              <a:rPr lang="ja-JP" altLang="en-US" dirty="0" smtClean="0">
-                <a:latin typeface="メイリオ" panose="020B0604030504040204" pitchFamily="50" charset="-128"/>
-                <a:ea typeface="メイリオ" panose="020B0604030504040204" pitchFamily="50" charset="-128"/>
-                <a:cs typeface="メイリオ" panose="020B0604030504040204" pitchFamily="50" charset="-128"/>
-              </a:rPr>
-              <a:t>をインストールする</a:t>
+              <a:t>日分取得する</a:t>
             </a:r>
             <a:endParaRPr lang="en-US" altLang="ja-JP" dirty="0" smtClean="0">
               <a:latin typeface="メイリオ" panose="020B0604030504040204" pitchFamily="50" charset="-128"/>
@@ -7198,54 +7725,22 @@
               <a:buAutoNum type="arabicPeriod"/>
             </a:pPr>
             <a:r>
-              <a:rPr kumimoji="1" lang="en-US" altLang="ja-JP" dirty="0" smtClean="0">
-                <a:latin typeface="メイリオ" panose="020B0604030504040204" pitchFamily="50" charset="-128"/>
-                <a:ea typeface="メイリオ" panose="020B0604030504040204" pitchFamily="50" charset="-128"/>
-                <a:cs typeface="メイリオ" panose="020B0604030504040204" pitchFamily="50" charset="-128"/>
-              </a:rPr>
-              <a:t>Ubuntu</a:t>
-            </a:r>
-            <a:r>
-              <a:rPr kumimoji="1" lang="ja-JP" altLang="en-US" dirty="0" smtClean="0">
-                <a:latin typeface="メイリオ" panose="020B0604030504040204" pitchFamily="50" charset="-128"/>
-                <a:ea typeface="メイリオ" panose="020B0604030504040204" pitchFamily="50" charset="-128"/>
-                <a:cs typeface="メイリオ" panose="020B0604030504040204" pitchFamily="50" charset="-128"/>
-              </a:rPr>
-              <a:t>上に</a:t>
-            </a:r>
-            <a:r>
-              <a:rPr kumimoji="1" lang="en-US" altLang="ja-JP" dirty="0" smtClean="0">
-                <a:latin typeface="メイリオ" panose="020B0604030504040204" pitchFamily="50" charset="-128"/>
-                <a:ea typeface="メイリオ" panose="020B0604030504040204" pitchFamily="50" charset="-128"/>
-                <a:cs typeface="メイリオ" panose="020B0604030504040204" pitchFamily="50" charset="-128"/>
-              </a:rPr>
-              <a:t>Python</a:t>
-            </a:r>
-            <a:r>
-              <a:rPr kumimoji="1" lang="ja-JP" altLang="en-US" dirty="0" smtClean="0">
-                <a:latin typeface="メイリオ" panose="020B0604030504040204" pitchFamily="50" charset="-128"/>
-                <a:ea typeface="メイリオ" panose="020B0604030504040204" pitchFamily="50" charset="-128"/>
-                <a:cs typeface="メイリオ" panose="020B0604030504040204" pitchFamily="50" charset="-128"/>
-              </a:rPr>
-              <a:t>と</a:t>
-            </a:r>
-            <a:r>
-              <a:rPr kumimoji="1" lang="en-US" altLang="ja-JP" dirty="0" err="1" smtClean="0">
-                <a:latin typeface="メイリオ" panose="020B0604030504040204" pitchFamily="50" charset="-128"/>
-                <a:ea typeface="メイリオ" panose="020B0604030504040204" pitchFamily="50" charset="-128"/>
-                <a:cs typeface="メイリオ" panose="020B0604030504040204" pitchFamily="50" charset="-128"/>
-              </a:rPr>
-              <a:t>Tweepy</a:t>
-            </a:r>
-            <a:r>
-              <a:rPr kumimoji="1" lang="ja-JP" altLang="en-US" dirty="0" smtClean="0">
-                <a:latin typeface="メイリオ" panose="020B0604030504040204" pitchFamily="50" charset="-128"/>
-                <a:ea typeface="メイリオ" panose="020B0604030504040204" pitchFamily="50" charset="-128"/>
-                <a:cs typeface="メイリオ" panose="020B0604030504040204" pitchFamily="50" charset="-128"/>
-              </a:rPr>
-              <a:t>をインストールする</a:t>
-            </a:r>
-            <a:endParaRPr kumimoji="1" lang="en-US" altLang="ja-JP" dirty="0" smtClean="0">
+              <a:rPr lang="ja-JP" altLang="en-US" dirty="0">
+                <a:latin typeface="メイリオ" panose="020B0604030504040204" pitchFamily="50" charset="-128"/>
+                <a:ea typeface="メイリオ" panose="020B0604030504040204" pitchFamily="50" charset="-128"/>
+                <a:cs typeface="メイリオ" panose="020B0604030504040204" pitchFamily="50" charset="-128"/>
+              </a:rPr>
+              <a:t>共起</a:t>
+            </a:r>
+            <a:r>
+              <a:rPr lang="ja-JP" altLang="en-US" dirty="0" smtClean="0">
+                <a:latin typeface="メイリオ" panose="020B0604030504040204" pitchFamily="50" charset="-128"/>
+                <a:ea typeface="メイリオ" panose="020B0604030504040204" pitchFamily="50" charset="-128"/>
+                <a:cs typeface="メイリオ" panose="020B0604030504040204" pitchFamily="50" charset="-128"/>
+              </a:rPr>
+              <a:t>ネットワークを描画する</a:t>
+            </a:r>
+            <a:endParaRPr lang="en-US" altLang="ja-JP" dirty="0" smtClean="0">
               <a:latin typeface="メイリオ" panose="020B0604030504040204" pitchFamily="50" charset="-128"/>
               <a:ea typeface="メイリオ" panose="020B0604030504040204" pitchFamily="50" charset="-128"/>
               <a:cs typeface="メイリオ" panose="020B0604030504040204" pitchFamily="50" charset="-128"/>
@@ -7265,7 +7760,7 @@
                 <a:ea typeface="メイリオ" panose="020B0604030504040204" pitchFamily="50" charset="-128"/>
                 <a:cs typeface="メイリオ" panose="020B0604030504040204" pitchFamily="50" charset="-128"/>
               </a:rPr>
-              <a:t>上記手順</a:t>
+              <a:t>他の</a:t>
             </a:r>
             <a:r>
               <a:rPr lang="ja-JP" altLang="en-US" dirty="0" smtClean="0">
@@ -7273,15 +7768,15 @@
                 <a:ea typeface="メイリオ" panose="020B0604030504040204" pitchFamily="50" charset="-128"/>
                 <a:cs typeface="メイリオ" panose="020B0604030504040204" pitchFamily="50" charset="-128"/>
               </a:rPr>
-              <a:t>を</a:t>
-            </a:r>
-            <a:r>
-              <a:rPr lang="en-US" altLang="ja-JP" dirty="0" smtClean="0">
-                <a:latin typeface="メイリオ" panose="020B0604030504040204" pitchFamily="50" charset="-128"/>
-                <a:ea typeface="メイリオ" panose="020B0604030504040204" pitchFamily="50" charset="-128"/>
-                <a:cs typeface="メイリオ" panose="020B0604030504040204" pitchFamily="50" charset="-128"/>
-              </a:rPr>
-              <a:t>3</a:t>
+              <a:t>ユーザ同士の共起ネットワークを比較</a:t>
+            </a:r>
+            <a:r>
+              <a:rPr lang="ja-JP" altLang="en-US" dirty="0">
+                <a:latin typeface="メイリオ" panose="020B0604030504040204" pitchFamily="50" charset="-128"/>
+                <a:ea typeface="メイリオ" panose="020B0604030504040204" pitchFamily="50" charset="-128"/>
+                <a:cs typeface="メイリオ" panose="020B0604030504040204" pitchFamily="50" charset="-128"/>
+              </a:rPr>
+              <a:t>　</a:t>
             </a:r>
             <a:r>
               <a:rPr lang="ja-JP" altLang="en-US" dirty="0" smtClean="0">
@@ -7289,39 +7784,7 @@
                 <a:ea typeface="メイリオ" panose="020B0604030504040204" pitchFamily="50" charset="-128"/>
                 <a:cs typeface="メイリオ" panose="020B0604030504040204" pitchFamily="50" charset="-128"/>
               </a:rPr>
-              <a:t>年生の各</a:t>
-            </a:r>
-            <a:r>
-              <a:rPr lang="en-US" altLang="ja-JP" dirty="0" smtClean="0">
-                <a:latin typeface="メイリオ" panose="020B0604030504040204" pitchFamily="50" charset="-128"/>
-                <a:ea typeface="メイリオ" panose="020B0604030504040204" pitchFamily="50" charset="-128"/>
-                <a:cs typeface="メイリオ" panose="020B0604030504040204" pitchFamily="50" charset="-128"/>
-              </a:rPr>
-              <a:t>PC</a:t>
-            </a:r>
-            <a:r>
-              <a:rPr lang="ja-JP" altLang="en-US" dirty="0" smtClean="0">
-                <a:latin typeface="メイリオ" panose="020B0604030504040204" pitchFamily="50" charset="-128"/>
-                <a:ea typeface="メイリオ" panose="020B0604030504040204" pitchFamily="50" charset="-128"/>
-                <a:cs typeface="メイリオ" panose="020B0604030504040204" pitchFamily="50" charset="-128"/>
-              </a:rPr>
-              <a:t>上でも行い，それぞれの　　アカウントのタイムラインを</a:t>
-            </a:r>
-            <a:r>
-              <a:rPr lang="en-US" altLang="ja-JP" dirty="0" smtClean="0">
-                <a:latin typeface="メイリオ" panose="020B0604030504040204" pitchFamily="50" charset="-128"/>
-                <a:ea typeface="メイリオ" panose="020B0604030504040204" pitchFamily="50" charset="-128"/>
-                <a:cs typeface="メイリオ" panose="020B0604030504040204" pitchFamily="50" charset="-128"/>
-              </a:rPr>
-              <a:t>1</a:t>
-            </a:r>
-            <a:r>
-              <a:rPr lang="ja-JP" altLang="en-US" dirty="0" smtClean="0">
-                <a:latin typeface="メイリオ" panose="020B0604030504040204" pitchFamily="50" charset="-128"/>
-                <a:ea typeface="メイリオ" panose="020B0604030504040204" pitchFamily="50" charset="-128"/>
-                <a:cs typeface="メイリオ" panose="020B0604030504040204" pitchFamily="50" charset="-128"/>
-              </a:rPr>
-              <a:t>日分取得する</a:t>
+              <a:t>する</a:t>
             </a:r>
             <a:endParaRPr lang="en-US" altLang="ja-JP" dirty="0" smtClean="0">
               <a:latin typeface="メイリオ" panose="020B0604030504040204" pitchFamily="50" charset="-128"/>
@@ -7341,6 +7804,13 @@
   <p:clrMapOvr>
     <a:masterClrMapping/>
   </p:clrMapOvr>
+  <p:timing>
+    <p:tnLst>
+      <p:par>
+        <p:cTn id="1" dur="indefinite" restart="never" nodeType="tmRoot"/>
+      </p:par>
+    </p:tnLst>
+  </p:timing>
 </p:sld>
 </file>
 
@@ -7402,89 +7872,63 @@
             <p:ph idx="1"/>
           </p:nvPr>
         </p:nvSpPr>
-        <p:spPr/>
+        <p:spPr>
+          <a:xfrm>
+            <a:off x="628650" y="1828800"/>
+            <a:ext cx="7886700" cy="4594352"/>
+          </a:xfrm>
+        </p:spPr>
         <p:txBody>
           <a:bodyPr>
-            <a:normAutofit fontScale="92500" lnSpcReduction="10000"/>
+            <a:normAutofit/>
           </a:bodyPr>
           <a:lstStyle/>
           <a:p>
-            <a:pPr marL="514350" indent="-514350">
+            <a:pPr marL="0" indent="0">
               <a:lnSpc>
                 <a:spcPct val="150000"/>
               </a:lnSpc>
-              <a:buFont typeface="+mj-lt"/>
-              <a:buAutoNum type="arabicPeriod" startAt="5"/>
+              <a:buNone/>
             </a:pPr>
             <a:r>
-              <a:rPr kumimoji="1" lang="ja-JP" altLang="en-US" dirty="0" smtClean="0">
-                <a:latin typeface="メイリオ" panose="020B0604030504040204" pitchFamily="50" charset="-128"/>
-                <a:ea typeface="メイリオ" panose="020B0604030504040204" pitchFamily="50" charset="-128"/>
-                <a:cs typeface="メイリオ" panose="020B0604030504040204" pitchFamily="50" charset="-128"/>
-              </a:rPr>
-              <a:t>取得したタイムラインが保存されたファイルを</a:t>
-            </a:r>
-            <a:r>
-              <a:rPr kumimoji="1" lang="en-US" altLang="ja-JP" dirty="0" err="1" smtClean="0">
-                <a:latin typeface="メイリオ" panose="020B0604030504040204" pitchFamily="50" charset="-128"/>
-                <a:ea typeface="メイリオ" panose="020B0604030504040204" pitchFamily="50" charset="-128"/>
-                <a:cs typeface="メイリオ" panose="020B0604030504040204" pitchFamily="50" charset="-128"/>
-              </a:rPr>
-              <a:t>MeCab</a:t>
-            </a:r>
-            <a:r>
-              <a:rPr kumimoji="1" lang="ja-JP" altLang="en-US" dirty="0" smtClean="0">
-                <a:latin typeface="メイリオ" panose="020B0604030504040204" pitchFamily="50" charset="-128"/>
-                <a:ea typeface="メイリオ" panose="020B0604030504040204" pitchFamily="50" charset="-128"/>
-                <a:cs typeface="メイリオ" panose="020B0604030504040204" pitchFamily="50" charset="-128"/>
-              </a:rPr>
-              <a:t>で解析し，頻出単語と</a:t>
-            </a:r>
-            <a:r>
-              <a:rPr kumimoji="1" lang="en-US" altLang="ja-JP" dirty="0" smtClean="0">
-                <a:latin typeface="メイリオ" panose="020B0604030504040204" pitchFamily="50" charset="-128"/>
-                <a:ea typeface="メイリオ" panose="020B0604030504040204" pitchFamily="50" charset="-128"/>
-                <a:cs typeface="メイリオ" panose="020B0604030504040204" pitchFamily="50" charset="-128"/>
-              </a:rPr>
-              <a:t>TF</a:t>
-            </a:r>
-            <a:r>
-              <a:rPr kumimoji="1" lang="ja-JP" altLang="en-US" dirty="0" err="1" smtClean="0">
-                <a:latin typeface="メイリオ" panose="020B0604030504040204" pitchFamily="50" charset="-128"/>
-                <a:ea typeface="メイリオ" panose="020B0604030504040204" pitchFamily="50" charset="-128"/>
-                <a:cs typeface="メイリオ" panose="020B0604030504040204" pitchFamily="50" charset="-128"/>
-              </a:rPr>
-              <a:t>を算</a:t>
-            </a:r>
-            <a:r>
-              <a:rPr kumimoji="1" lang="ja-JP" altLang="en-US" dirty="0" smtClean="0">
-                <a:latin typeface="メイリオ" panose="020B0604030504040204" pitchFamily="50" charset="-128"/>
-                <a:ea typeface="メイリオ" panose="020B0604030504040204" pitchFamily="50" charset="-128"/>
-                <a:cs typeface="メイリオ" panose="020B0604030504040204" pitchFamily="50" charset="-128"/>
-              </a:rPr>
-              <a:t>出する</a:t>
-            </a:r>
-            <a:endParaRPr kumimoji="1" lang="en-US" altLang="ja-JP" dirty="0" smtClean="0">
-              <a:latin typeface="メイリオ" panose="020B0604030504040204" pitchFamily="50" charset="-128"/>
-              <a:ea typeface="メイリオ" panose="020B0604030504040204" pitchFamily="50" charset="-128"/>
-              <a:cs typeface="メイリオ" panose="020B0604030504040204" pitchFamily="50" charset="-128"/>
-            </a:endParaRPr>
-          </a:p>
-          <a:p>
-            <a:pPr marL="514350" indent="-514350">
-              <a:lnSpc>
-                <a:spcPct val="150000"/>
-              </a:lnSpc>
-              <a:buFont typeface="+mj-lt"/>
-              <a:buAutoNum type="arabicPeriod" startAt="5"/>
-            </a:pPr>
+              <a:rPr lang="en-US" altLang="ja-JP" dirty="0" smtClean="0">
+                <a:latin typeface="メイリオ" panose="020B0604030504040204" pitchFamily="50" charset="-128"/>
+                <a:ea typeface="メイリオ" panose="020B0604030504040204" pitchFamily="50" charset="-128"/>
+                <a:cs typeface="メイリオ" panose="020B0604030504040204" pitchFamily="50" charset="-128"/>
+              </a:rPr>
+              <a:t>※</a:t>
+            </a:r>
+            <a:r>
+              <a:rPr lang="ja-JP" altLang="en-US" dirty="0" smtClean="0">
+                <a:latin typeface="メイリオ" panose="020B0604030504040204" pitchFamily="50" charset="-128"/>
+                <a:ea typeface="メイリオ" panose="020B0604030504040204" pitchFamily="50" charset="-128"/>
+                <a:cs typeface="メイリオ" panose="020B0604030504040204" pitchFamily="50" charset="-128"/>
+              </a:rPr>
+              <a:t>ヒアリングは対話形式で行い，「どのような情報を</a:t>
+            </a:r>
+            <a:r>
+              <a:rPr lang="en-US" altLang="ja-JP" dirty="0" smtClean="0">
+                <a:latin typeface="メイリオ" panose="020B0604030504040204" pitchFamily="50" charset="-128"/>
+                <a:ea typeface="メイリオ" panose="020B0604030504040204" pitchFamily="50" charset="-128"/>
+                <a:cs typeface="メイリオ" panose="020B0604030504040204" pitchFamily="50" charset="-128"/>
+              </a:rPr>
+              <a:t>Twitter</a:t>
+            </a:r>
+            <a:r>
+              <a:rPr lang="ja-JP" altLang="en-US" dirty="0" smtClean="0">
+                <a:latin typeface="メイリオ" panose="020B0604030504040204" pitchFamily="50" charset="-128"/>
+                <a:ea typeface="メイリオ" panose="020B0604030504040204" pitchFamily="50" charset="-128"/>
+                <a:cs typeface="メイリオ" panose="020B0604030504040204" pitchFamily="50" charset="-128"/>
+              </a:rPr>
+              <a:t>に求めるか」という質問に対する口頭での回答を</a:t>
+            </a:r>
             <a:r>
               <a:rPr lang="ja-JP" altLang="en-US" dirty="0">
                 <a:latin typeface="メイリオ" panose="020B0604030504040204" pitchFamily="50" charset="-128"/>
                 <a:ea typeface="メイリオ" panose="020B0604030504040204" pitchFamily="50" charset="-128"/>
                 <a:cs typeface="メイリオ" panose="020B0604030504040204" pitchFamily="50" charset="-128"/>
               </a:rPr>
-              <a:t>全員分</a:t>
+              <a:t>メモ</a:t>
             </a:r>
             <a:r>
               <a:rPr lang="ja-JP" altLang="en-US" dirty="0" smtClean="0">
@@ -7492,31 +7936,7 @@
                 <a:ea typeface="メイリオ" panose="020B0604030504040204" pitchFamily="50" charset="-128"/>
                 <a:cs typeface="メイリオ" panose="020B0604030504040204" pitchFamily="50" charset="-128"/>
               </a:rPr>
-              <a:t>の頻出単語を参照して</a:t>
-            </a:r>
-            <a:r>
-              <a:rPr lang="en-US" altLang="ja-JP" dirty="0" smtClean="0">
-                <a:latin typeface="メイリオ" panose="020B0604030504040204" pitchFamily="50" charset="-128"/>
-                <a:ea typeface="メイリオ" panose="020B0604030504040204" pitchFamily="50" charset="-128"/>
-                <a:cs typeface="メイリオ" panose="020B0604030504040204" pitchFamily="50" charset="-128"/>
-              </a:rPr>
-              <a:t>IDF</a:t>
-            </a:r>
-            <a:r>
-              <a:rPr lang="ja-JP" altLang="en-US" dirty="0" err="1" smtClean="0">
-                <a:latin typeface="メイリオ" panose="020B0604030504040204" pitchFamily="50" charset="-128"/>
-                <a:ea typeface="メイリオ" panose="020B0604030504040204" pitchFamily="50" charset="-128"/>
-                <a:cs typeface="メイリオ" panose="020B0604030504040204" pitchFamily="50" charset="-128"/>
-              </a:rPr>
-              <a:t>を算</a:t>
-            </a:r>
-            <a:r>
-              <a:rPr lang="ja-JP" altLang="en-US" dirty="0" smtClean="0">
-                <a:latin typeface="メイリオ" panose="020B0604030504040204" pitchFamily="50" charset="-128"/>
-                <a:ea typeface="メイリオ" panose="020B0604030504040204" pitchFamily="50" charset="-128"/>
-                <a:cs typeface="メイリオ" panose="020B0604030504040204" pitchFamily="50" charset="-128"/>
-              </a:rPr>
-              <a:t>出し，　　各単語の重み付けをする</a:t>
+              <a:t>した</a:t>
             </a:r>
             <a:endParaRPr lang="en-US" altLang="ja-JP" dirty="0" smtClean="0">
               <a:latin typeface="メイリオ" panose="020B0604030504040204" pitchFamily="50" charset="-128"/>
@@ -7525,12 +7945,11 @@
             </a:endParaRPr>
           </a:p>
           <a:p>
-            <a:pPr marL="514350" indent="-514350">
+            <a:pPr marL="0" indent="0">
               <a:lnSpc>
                 <a:spcPct val="150000"/>
               </a:lnSpc>
-              <a:buFont typeface="+mj-lt"/>
-              <a:buAutoNum type="arabicPeriod" startAt="5"/>
+              <a:buNone/>
             </a:pPr>
             <a:r>
               <a:rPr lang="en-US" altLang="ja-JP" dirty="0" smtClean="0">
@@ -7538,15 +7957,7 @@
                 <a:ea typeface="メイリオ" panose="020B0604030504040204" pitchFamily="50" charset="-128"/>
                 <a:cs typeface="メイリオ" panose="020B0604030504040204" pitchFamily="50" charset="-128"/>
               </a:rPr>
-              <a:t>4</a:t>
-            </a:r>
-            <a:r>
-              <a:rPr lang="ja-JP" altLang="en-US" dirty="0" err="1" smtClean="0">
-                <a:latin typeface="メイリオ" panose="020B0604030504040204" pitchFamily="50" charset="-128"/>
-                <a:ea typeface="メイリオ" panose="020B0604030504040204" pitchFamily="50" charset="-128"/>
-                <a:cs typeface="メイリオ" panose="020B0604030504040204" pitchFamily="50" charset="-128"/>
-              </a:rPr>
-              <a:t>．</a:t>
+              <a:t>※</a:t>
             </a:r>
             <a:r>
               <a:rPr lang="ja-JP" altLang="en-US" dirty="0" smtClean="0">
@@ -7554,15 +7965,15 @@
                 <a:ea typeface="メイリオ" panose="020B0604030504040204" pitchFamily="50" charset="-128"/>
                 <a:cs typeface="メイリオ" panose="020B0604030504040204" pitchFamily="50" charset="-128"/>
               </a:rPr>
-              <a:t>で出た頻出単語の</a:t>
-            </a:r>
-            <a:r>
-              <a:rPr lang="en-US" altLang="ja-JP" dirty="0" smtClean="0">
-                <a:latin typeface="メイリオ" panose="020B0604030504040204" pitchFamily="50" charset="-128"/>
-                <a:ea typeface="メイリオ" panose="020B0604030504040204" pitchFamily="50" charset="-128"/>
-                <a:cs typeface="メイリオ" panose="020B0604030504040204" pitchFamily="50" charset="-128"/>
-              </a:rPr>
-              <a:t>TF</a:t>
+              <a:t>解析</a:t>
+            </a:r>
+            <a:r>
+              <a:rPr lang="ja-JP" altLang="en-US" dirty="0">
+                <a:latin typeface="メイリオ" panose="020B0604030504040204" pitchFamily="50" charset="-128"/>
+                <a:ea typeface="メイリオ" panose="020B0604030504040204" pitchFamily="50" charset="-128"/>
+                <a:cs typeface="メイリオ" panose="020B0604030504040204" pitchFamily="50" charset="-128"/>
+              </a:rPr>
+              <a:t>の対象とするツイートは全員同じ期間の　</a:t>
             </a:r>
             <a:r>
               <a:rPr lang="ja-JP" altLang="en-US" dirty="0" smtClean="0">
@@ -7570,15 +7981,207 @@
                 <a:ea typeface="メイリオ" panose="020B0604030504040204" pitchFamily="50" charset="-128"/>
                 <a:cs typeface="メイリオ" panose="020B0604030504040204" pitchFamily="50" charset="-128"/>
               </a:rPr>
-              <a:t>に</a:t>
-            </a:r>
-            <a:r>
-              <a:rPr lang="en-US" altLang="ja-JP" dirty="0" smtClean="0">
-                <a:latin typeface="メイリオ" panose="020B0604030504040204" pitchFamily="50" charset="-128"/>
-                <a:ea typeface="メイリオ" panose="020B0604030504040204" pitchFamily="50" charset="-128"/>
-                <a:cs typeface="メイリオ" panose="020B0604030504040204" pitchFamily="50" charset="-128"/>
-              </a:rPr>
-              <a:t>IDF</a:t>
+              <a:t>ものにした</a:t>
+            </a:r>
+            <a:r>
+              <a:rPr lang="ja-JP" altLang="en-US" dirty="0">
+                <a:latin typeface="メイリオ" panose="020B0604030504040204" pitchFamily="50" charset="-128"/>
+                <a:ea typeface="メイリオ" panose="020B0604030504040204" pitchFamily="50" charset="-128"/>
+                <a:cs typeface="メイリオ" panose="020B0604030504040204" pitchFamily="50" charset="-128"/>
+              </a:rPr>
+              <a:t>（</a:t>
+            </a:r>
+            <a:r>
+              <a:rPr lang="en-US" altLang="ja-JP" dirty="0">
+                <a:latin typeface="メイリオ" panose="020B0604030504040204" pitchFamily="50" charset="-128"/>
+                <a:ea typeface="メイリオ" panose="020B0604030504040204" pitchFamily="50" charset="-128"/>
+                <a:cs typeface="メイリオ" panose="020B0604030504040204" pitchFamily="50" charset="-128"/>
+              </a:rPr>
+              <a:t>2015</a:t>
+            </a:r>
+            <a:r>
+              <a:rPr lang="ja-JP" altLang="en-US" dirty="0">
+                <a:latin typeface="メイリオ" panose="020B0604030504040204" pitchFamily="50" charset="-128"/>
+                <a:ea typeface="メイリオ" panose="020B0604030504040204" pitchFamily="50" charset="-128"/>
+                <a:cs typeface="メイリオ" panose="020B0604030504040204" pitchFamily="50" charset="-128"/>
+              </a:rPr>
+              <a:t>年</a:t>
+            </a:r>
+            <a:r>
+              <a:rPr lang="en-US" altLang="ja-JP" dirty="0">
+                <a:latin typeface="メイリオ" panose="020B0604030504040204" pitchFamily="50" charset="-128"/>
+                <a:ea typeface="メイリオ" panose="020B0604030504040204" pitchFamily="50" charset="-128"/>
+                <a:cs typeface="メイリオ" panose="020B0604030504040204" pitchFamily="50" charset="-128"/>
+              </a:rPr>
+              <a:t>10</a:t>
+            </a:r>
+            <a:r>
+              <a:rPr lang="ja-JP" altLang="en-US" dirty="0">
+                <a:latin typeface="メイリオ" panose="020B0604030504040204" pitchFamily="50" charset="-128"/>
+                <a:ea typeface="メイリオ" panose="020B0604030504040204" pitchFamily="50" charset="-128"/>
+                <a:cs typeface="メイリオ" panose="020B0604030504040204" pitchFamily="50" charset="-128"/>
+              </a:rPr>
+              <a:t>月</a:t>
+            </a:r>
+            <a:r>
+              <a:rPr lang="en-US" altLang="ja-JP" dirty="0">
+                <a:latin typeface="メイリオ" panose="020B0604030504040204" pitchFamily="50" charset="-128"/>
+                <a:ea typeface="メイリオ" panose="020B0604030504040204" pitchFamily="50" charset="-128"/>
+                <a:cs typeface="メイリオ" panose="020B0604030504040204" pitchFamily="50" charset="-128"/>
+              </a:rPr>
+              <a:t>23</a:t>
+            </a:r>
+            <a:r>
+              <a:rPr lang="ja-JP" altLang="en-US" dirty="0">
+                <a:latin typeface="メイリオ" panose="020B0604030504040204" pitchFamily="50" charset="-128"/>
+                <a:ea typeface="メイリオ" panose="020B0604030504040204" pitchFamily="50" charset="-128"/>
+                <a:cs typeface="メイリオ" panose="020B0604030504040204" pitchFamily="50" charset="-128"/>
+              </a:rPr>
+              <a:t>日</a:t>
+            </a:r>
+            <a:r>
+              <a:rPr lang="en-US" altLang="ja-JP" dirty="0">
+                <a:latin typeface="メイリオ" panose="020B0604030504040204" pitchFamily="50" charset="-128"/>
+                <a:ea typeface="メイリオ" panose="020B0604030504040204" pitchFamily="50" charset="-128"/>
+                <a:cs typeface="メイリオ" panose="020B0604030504040204" pitchFamily="50" charset="-128"/>
+              </a:rPr>
+              <a:t>19</a:t>
+            </a:r>
+            <a:r>
+              <a:rPr lang="ja-JP" altLang="en-US" dirty="0">
+                <a:latin typeface="メイリオ" panose="020B0604030504040204" pitchFamily="50" charset="-128"/>
+                <a:ea typeface="メイリオ" panose="020B0604030504040204" pitchFamily="50" charset="-128"/>
+                <a:cs typeface="メイリオ" panose="020B0604030504040204" pitchFamily="50" charset="-128"/>
+              </a:rPr>
+              <a:t>時</a:t>
+            </a:r>
+            <a:r>
+              <a:rPr lang="en-US" altLang="ja-JP" dirty="0">
+                <a:latin typeface="メイリオ" panose="020B0604030504040204" pitchFamily="50" charset="-128"/>
+                <a:ea typeface="メイリオ" panose="020B0604030504040204" pitchFamily="50" charset="-128"/>
+                <a:cs typeface="メイリオ" panose="020B0604030504040204" pitchFamily="50" charset="-128"/>
+              </a:rPr>
+              <a:t>40</a:t>
+            </a:r>
+            <a:r>
+              <a:rPr lang="ja-JP" altLang="en-US" dirty="0">
+                <a:latin typeface="メイリオ" panose="020B0604030504040204" pitchFamily="50" charset="-128"/>
+                <a:ea typeface="メイリオ" panose="020B0604030504040204" pitchFamily="50" charset="-128"/>
+                <a:cs typeface="メイリオ" panose="020B0604030504040204" pitchFamily="50" charset="-128"/>
+              </a:rPr>
+              <a:t>分</a:t>
+            </a:r>
+            <a:r>
+              <a:rPr lang="en-US" altLang="ja-JP" dirty="0">
+                <a:latin typeface="メイリオ" panose="020B0604030504040204" pitchFamily="50" charset="-128"/>
+                <a:ea typeface="メイリオ" panose="020B0604030504040204" pitchFamily="50" charset="-128"/>
+                <a:cs typeface="メイリオ" panose="020B0604030504040204" pitchFamily="50" charset="-128"/>
+              </a:rPr>
+              <a:t>00</a:t>
+            </a:r>
+            <a:r>
+              <a:rPr lang="ja-JP" altLang="en-US" dirty="0">
+                <a:latin typeface="メイリオ" panose="020B0604030504040204" pitchFamily="50" charset="-128"/>
+                <a:ea typeface="メイリオ" panose="020B0604030504040204" pitchFamily="50" charset="-128"/>
+                <a:cs typeface="メイリオ" panose="020B0604030504040204" pitchFamily="50" charset="-128"/>
+              </a:rPr>
+              <a:t>秒～</a:t>
+            </a:r>
+            <a:r>
+              <a:rPr lang="en-US" altLang="ja-JP" dirty="0">
+                <a:latin typeface="メイリオ" panose="020B0604030504040204" pitchFamily="50" charset="-128"/>
+                <a:ea typeface="メイリオ" panose="020B0604030504040204" pitchFamily="50" charset="-128"/>
+                <a:cs typeface="メイリオ" panose="020B0604030504040204" pitchFamily="50" charset="-128"/>
+              </a:rPr>
+              <a:t>2015</a:t>
+            </a:r>
+            <a:r>
+              <a:rPr lang="ja-JP" altLang="en-US" dirty="0">
+                <a:latin typeface="メイリオ" panose="020B0604030504040204" pitchFamily="50" charset="-128"/>
+                <a:ea typeface="メイリオ" panose="020B0604030504040204" pitchFamily="50" charset="-128"/>
+                <a:cs typeface="メイリオ" panose="020B0604030504040204" pitchFamily="50" charset="-128"/>
+              </a:rPr>
+              <a:t>年</a:t>
+            </a:r>
+            <a:r>
+              <a:rPr lang="en-US" altLang="ja-JP" dirty="0">
+                <a:latin typeface="メイリオ" panose="020B0604030504040204" pitchFamily="50" charset="-128"/>
+                <a:ea typeface="メイリオ" panose="020B0604030504040204" pitchFamily="50" charset="-128"/>
+                <a:cs typeface="メイリオ" panose="020B0604030504040204" pitchFamily="50" charset="-128"/>
+              </a:rPr>
+              <a:t>10</a:t>
+            </a:r>
+            <a:r>
+              <a:rPr lang="ja-JP" altLang="en-US" dirty="0">
+                <a:latin typeface="メイリオ" panose="020B0604030504040204" pitchFamily="50" charset="-128"/>
+                <a:ea typeface="メイリオ" panose="020B0604030504040204" pitchFamily="50" charset="-128"/>
+                <a:cs typeface="メイリオ" panose="020B0604030504040204" pitchFamily="50" charset="-128"/>
+              </a:rPr>
+              <a:t>月</a:t>
+            </a:r>
+            <a:r>
+              <a:rPr lang="en-US" altLang="ja-JP" dirty="0">
+                <a:latin typeface="メイリオ" panose="020B0604030504040204" pitchFamily="50" charset="-128"/>
+                <a:ea typeface="メイリオ" panose="020B0604030504040204" pitchFamily="50" charset="-128"/>
+                <a:cs typeface="メイリオ" panose="020B0604030504040204" pitchFamily="50" charset="-128"/>
+              </a:rPr>
+              <a:t>24</a:t>
+            </a:r>
+            <a:r>
+              <a:rPr lang="ja-JP" altLang="en-US" dirty="0">
+                <a:latin typeface="メイリオ" panose="020B0604030504040204" pitchFamily="50" charset="-128"/>
+                <a:ea typeface="メイリオ" panose="020B0604030504040204" pitchFamily="50" charset="-128"/>
+                <a:cs typeface="メイリオ" panose="020B0604030504040204" pitchFamily="50" charset="-128"/>
+              </a:rPr>
+              <a:t>日</a:t>
+            </a:r>
+            <a:r>
+              <a:rPr lang="en-US" altLang="ja-JP" dirty="0">
+                <a:latin typeface="メイリオ" panose="020B0604030504040204" pitchFamily="50" charset="-128"/>
+                <a:ea typeface="メイリオ" panose="020B0604030504040204" pitchFamily="50" charset="-128"/>
+                <a:cs typeface="メイリオ" panose="020B0604030504040204" pitchFamily="50" charset="-128"/>
+              </a:rPr>
+              <a:t>19</a:t>
+            </a:r>
+            <a:r>
+              <a:rPr lang="ja-JP" altLang="en-US" dirty="0">
+                <a:latin typeface="メイリオ" panose="020B0604030504040204" pitchFamily="50" charset="-128"/>
+                <a:ea typeface="メイリオ" panose="020B0604030504040204" pitchFamily="50" charset="-128"/>
+                <a:cs typeface="メイリオ" panose="020B0604030504040204" pitchFamily="50" charset="-128"/>
+              </a:rPr>
+              <a:t>時</a:t>
+            </a:r>
+            <a:r>
+              <a:rPr lang="en-US" altLang="ja-JP" dirty="0">
+                <a:latin typeface="メイリオ" panose="020B0604030504040204" pitchFamily="50" charset="-128"/>
+                <a:ea typeface="メイリオ" panose="020B0604030504040204" pitchFamily="50" charset="-128"/>
+                <a:cs typeface="メイリオ" panose="020B0604030504040204" pitchFamily="50" charset="-128"/>
+              </a:rPr>
+              <a:t>40</a:t>
+            </a:r>
+            <a:r>
+              <a:rPr lang="ja-JP" altLang="en-US" dirty="0">
+                <a:latin typeface="メイリオ" panose="020B0604030504040204" pitchFamily="50" charset="-128"/>
+                <a:ea typeface="メイリオ" panose="020B0604030504040204" pitchFamily="50" charset="-128"/>
+                <a:cs typeface="メイリオ" panose="020B0604030504040204" pitchFamily="50" charset="-128"/>
+              </a:rPr>
+              <a:t>分</a:t>
+            </a:r>
+            <a:r>
+              <a:rPr lang="en-US" altLang="ja-JP" dirty="0">
+                <a:latin typeface="メイリオ" panose="020B0604030504040204" pitchFamily="50" charset="-128"/>
+                <a:ea typeface="メイリオ" panose="020B0604030504040204" pitchFamily="50" charset="-128"/>
+                <a:cs typeface="メイリオ" panose="020B0604030504040204" pitchFamily="50" charset="-128"/>
+              </a:rPr>
+              <a:t>00</a:t>
+            </a:r>
+            <a:r>
+              <a:rPr lang="ja-JP" altLang="en-US" dirty="0">
+                <a:latin typeface="メイリオ" panose="020B0604030504040204" pitchFamily="50" charset="-128"/>
+                <a:ea typeface="メイリオ" panose="020B0604030504040204" pitchFamily="50" charset="-128"/>
+                <a:cs typeface="メイリオ" panose="020B0604030504040204" pitchFamily="50" charset="-128"/>
+              </a:rPr>
+              <a:t>秒</a:t>
             </a:r>
             <a:r>
               <a:rPr lang="ja-JP" altLang="en-US" dirty="0" smtClean="0">
@@ -7586,32 +8189,21 @@
                 <a:ea typeface="メイリオ" panose="020B0604030504040204" pitchFamily="50" charset="-128"/>
                 <a:cs typeface="メイリオ" panose="020B0604030504040204" pitchFamily="50" charset="-128"/>
               </a:rPr>
-              <a:t>をかけ合わせ，</a:t>
-            </a:r>
-            <a:r>
-              <a:rPr lang="en-US" altLang="ja-JP" dirty="0" smtClean="0">
-                <a:latin typeface="メイリオ" panose="020B0604030504040204" pitchFamily="50" charset="-128"/>
-                <a:ea typeface="メイリオ" panose="020B0604030504040204" pitchFamily="50" charset="-128"/>
-                <a:cs typeface="メイリオ" panose="020B0604030504040204" pitchFamily="50" charset="-128"/>
-              </a:rPr>
-              <a:t>TFIDF</a:t>
-            </a:r>
-            <a:r>
-              <a:rPr lang="ja-JP" altLang="en-US" dirty="0" err="1" smtClean="0">
-                <a:latin typeface="メイリオ" panose="020B0604030504040204" pitchFamily="50" charset="-128"/>
-                <a:ea typeface="メイリオ" panose="020B0604030504040204" pitchFamily="50" charset="-128"/>
-                <a:cs typeface="メイリオ" panose="020B0604030504040204" pitchFamily="50" charset="-128"/>
-              </a:rPr>
-              <a:t>を算</a:t>
-            </a:r>
-            <a:r>
-              <a:rPr lang="ja-JP" altLang="en-US" dirty="0" smtClean="0">
-                <a:latin typeface="メイリオ" panose="020B0604030504040204" pitchFamily="50" charset="-128"/>
-                <a:ea typeface="メイリオ" panose="020B0604030504040204" pitchFamily="50" charset="-128"/>
-                <a:cs typeface="メイリオ" panose="020B0604030504040204" pitchFamily="50" charset="-128"/>
-              </a:rPr>
-              <a:t>出，各タイムラインの特徴語と　　特徴の度合いを導き出す</a:t>
-            </a:r>
+              <a:t>）</a:t>
+            </a:r>
+            <a:endParaRPr lang="ja-JP" altLang="en-US" dirty="0">
+              <a:latin typeface="メイリオ" panose="020B0604030504040204" pitchFamily="50" charset="-128"/>
+              <a:ea typeface="メイリオ" panose="020B0604030504040204" pitchFamily="50" charset="-128"/>
+              <a:cs typeface="メイリオ" panose="020B0604030504040204" pitchFamily="50" charset="-128"/>
+            </a:endParaRPr>
+          </a:p>
+          <a:p>
+            <a:pPr marL="0" indent="0">
+              <a:lnSpc>
+                <a:spcPct val="150000"/>
+              </a:lnSpc>
+              <a:buNone/>
+            </a:pPr>
             <a:endParaRPr lang="en-US" altLang="ja-JP" dirty="0" smtClean="0">
               <a:latin typeface="メイリオ" panose="020B0604030504040204" pitchFamily="50" charset="-128"/>
               <a:ea typeface="メイリオ" panose="020B0604030504040204" pitchFamily="50" charset="-128"/>
@@ -7630,6 +8222,13 @@
   <p:clrMapOvr>
     <a:masterClrMapping/>
   </p:clrMapOvr>
+  <p:timing>
+    <p:tnLst>
+      <p:par>
+        <p:cTn id="1" dur="indefinite" restart="never" nodeType="tmRoot"/>
+      </p:par>
+    </p:tnLst>
+  </p:timing>
 </p:sld>
 </file>
 
@@ -7650,30 +8249,66 @@
           <a:chExt cx="0" cy="0"/>
         </a:xfrm>
       </p:grpSpPr>
-      <p:sp>
-        <p:nvSpPr>
-          <p:cNvPr id="2" name="タイトル 1"/>
-          <p:cNvSpPr>
-            <a:spLocks noGrp="1"/>
-          </p:cNvSpPr>
-          <p:nvPr>
-            <p:ph type="title"/>
-          </p:nvPr>
-        </p:nvSpPr>
-        <p:spPr/>
-        <p:txBody>
-          <a:bodyPr/>
-          <a:lstStyle/>
-          <a:p>
-            <a:r>
-              <a:rPr lang="ja-JP" altLang="en-US" dirty="0" smtClean="0">
-                <a:latin typeface="メイリオ" panose="020B0604030504040204" pitchFamily="50" charset="-128"/>
-                <a:ea typeface="メイリオ" panose="020B0604030504040204" pitchFamily="50" charset="-128"/>
-                <a:cs typeface="メイリオ" panose="020B0604030504040204" pitchFamily="50" charset="-128"/>
-              </a:rPr>
-              <a:t>手法</a:t>
-            </a:r>
-            <a:endParaRPr kumimoji="1" lang="ja-JP" altLang="en-US" dirty="0">
+      <p:pic>
+        <p:nvPicPr>
+          <p:cNvPr id="4" name="コンテンツ プレースホルダー 3"/>
+          <p:cNvPicPr>
+            <a:picLocks noGrp="1" noChangeAspect="1"/>
+          </p:cNvPicPr>
+          <p:nvPr>
+            <p:ph idx="1"/>
+          </p:nvPr>
+        </p:nvPicPr>
+        <p:blipFill>
+          <a:blip r:embed="rId3">
+            <a:extLst>
+              <a:ext uri="{28A0092B-C50C-407E-A947-70E740481C1C}">
+                <a14:useLocalDpi xmlns:a14="http://schemas.microsoft.com/office/drawing/2010/main" val="0"/>
+              </a:ext>
+            </a:extLst>
+          </a:blip>
+          <a:stretch>
+            <a:fillRect/>
+          </a:stretch>
+        </p:blipFill>
+        <p:spPr>
+          <a:xfrm>
+            <a:off x="869076" y="112266"/>
+            <a:ext cx="4358944" cy="6636005"/>
+          </a:xfrm>
+        </p:spPr>
+      </p:pic>
+      <p:sp>
+        <p:nvSpPr>
+          <p:cNvPr id="6" name="テキスト ボックス 5"/>
+          <p:cNvSpPr txBox="1"/>
+          <p:nvPr/>
+        </p:nvSpPr>
+        <p:spPr>
+          <a:xfrm>
+            <a:off x="5306568" y="201168"/>
+            <a:ext cx="3145536" cy="523220"/>
+          </a:xfrm>
+          <a:prstGeom prst="rect">
+            <a:avLst/>
+          </a:prstGeom>
+          <a:noFill/>
+        </p:spPr>
+        <p:txBody>
+          <a:bodyPr wrap="square" rtlCol="0">
+            <a:spAutoFit/>
+          </a:bodyPr>
+          <a:lstStyle/>
+          <a:p>
+            <a:r>
+              <a:rPr kumimoji="1" lang="ja-JP" altLang="en-US" sz="2800" dirty="0" smtClean="0">
+                <a:latin typeface="メイリオ" panose="020B0604030504040204" pitchFamily="50" charset="-128"/>
+                <a:ea typeface="メイリオ" panose="020B0604030504040204" pitchFamily="50" charset="-128"/>
+                <a:cs typeface="メイリオ" panose="020B0604030504040204" pitchFamily="50" charset="-128"/>
+              </a:rPr>
+              <a:t>←自分のツイート</a:t>
+            </a:r>
+            <a:endParaRPr kumimoji="1" lang="ja-JP" altLang="en-US" sz="2800" dirty="0">
               <a:latin typeface="メイリオ" panose="020B0604030504040204" pitchFamily="50" charset="-128"/>
               <a:ea typeface="メイリオ" panose="020B0604030504040204" pitchFamily="50" charset="-128"/>
               <a:cs typeface="メイリオ" panose="020B0604030504040204" pitchFamily="50" charset="-128"/>
@@ -7683,251 +8318,117 @@
       </p:sp>
       <p:sp>
         <p:nvSpPr>
-          <p:cNvPr id="3" name="コンテンツ プレースホルダー 2"/>
-          <p:cNvSpPr>
-            <a:spLocks noGrp="1"/>
-          </p:cNvSpPr>
-          <p:nvPr>
-            <p:ph idx="1"/>
-          </p:nvPr>
-        </p:nvSpPr>
-        <p:spPr/>
-        <p:txBody>
-          <a:bodyPr/>
-          <a:lstStyle/>
-          <a:p>
-            <a:pPr marL="0" indent="0">
-              <a:lnSpc>
-                <a:spcPct val="150000"/>
-              </a:lnSpc>
-              <a:buNone/>
-            </a:pPr>
-            <a:r>
-              <a:rPr kumimoji="1" lang="ja-JP" altLang="en-US" dirty="0" smtClean="0">
-                <a:latin typeface="メイリオ" panose="020B0604030504040204" pitchFamily="50" charset="-128"/>
-                <a:ea typeface="メイリオ" panose="020B0604030504040204" pitchFamily="50" charset="-128"/>
-                <a:cs typeface="メイリオ" panose="020B0604030504040204" pitchFamily="50" charset="-128"/>
-              </a:rPr>
-              <a:t>解析の対象とするツイートは全員同じ期間の　ものにした（</a:t>
-            </a:r>
-            <a:r>
-              <a:rPr kumimoji="1" lang="en-US" altLang="ja-JP" dirty="0" smtClean="0">
-                <a:latin typeface="メイリオ" panose="020B0604030504040204" pitchFamily="50" charset="-128"/>
-                <a:ea typeface="メイリオ" panose="020B0604030504040204" pitchFamily="50" charset="-128"/>
-                <a:cs typeface="メイリオ" panose="020B0604030504040204" pitchFamily="50" charset="-128"/>
-              </a:rPr>
-              <a:t>2015</a:t>
-            </a:r>
-            <a:r>
-              <a:rPr kumimoji="1" lang="ja-JP" altLang="en-US" dirty="0" smtClean="0">
-                <a:latin typeface="メイリオ" panose="020B0604030504040204" pitchFamily="50" charset="-128"/>
-                <a:ea typeface="メイリオ" panose="020B0604030504040204" pitchFamily="50" charset="-128"/>
-                <a:cs typeface="メイリオ" panose="020B0604030504040204" pitchFamily="50" charset="-128"/>
-              </a:rPr>
-              <a:t>年</a:t>
-            </a:r>
-            <a:r>
-              <a:rPr kumimoji="1" lang="en-US" altLang="ja-JP" dirty="0" smtClean="0">
-                <a:latin typeface="メイリオ" panose="020B0604030504040204" pitchFamily="50" charset="-128"/>
-                <a:ea typeface="メイリオ" panose="020B0604030504040204" pitchFamily="50" charset="-128"/>
-                <a:cs typeface="メイリオ" panose="020B0604030504040204" pitchFamily="50" charset="-128"/>
-              </a:rPr>
-              <a:t>10</a:t>
-            </a:r>
-            <a:r>
-              <a:rPr kumimoji="1" lang="ja-JP" altLang="en-US" dirty="0" smtClean="0">
-                <a:latin typeface="メイリオ" panose="020B0604030504040204" pitchFamily="50" charset="-128"/>
-                <a:ea typeface="メイリオ" panose="020B0604030504040204" pitchFamily="50" charset="-128"/>
-                <a:cs typeface="メイリオ" panose="020B0604030504040204" pitchFamily="50" charset="-128"/>
-              </a:rPr>
-              <a:t>月</a:t>
-            </a:r>
-            <a:r>
-              <a:rPr kumimoji="1" lang="en-US" altLang="ja-JP" dirty="0" smtClean="0">
-                <a:latin typeface="メイリオ" panose="020B0604030504040204" pitchFamily="50" charset="-128"/>
-                <a:ea typeface="メイリオ" panose="020B0604030504040204" pitchFamily="50" charset="-128"/>
-                <a:cs typeface="メイリオ" panose="020B0604030504040204" pitchFamily="50" charset="-128"/>
-              </a:rPr>
-              <a:t>23</a:t>
-            </a:r>
-            <a:r>
-              <a:rPr kumimoji="1" lang="ja-JP" altLang="en-US" dirty="0" smtClean="0">
-                <a:latin typeface="メイリオ" panose="020B0604030504040204" pitchFamily="50" charset="-128"/>
-                <a:ea typeface="メイリオ" panose="020B0604030504040204" pitchFamily="50" charset="-128"/>
-                <a:cs typeface="メイリオ" panose="020B0604030504040204" pitchFamily="50" charset="-128"/>
-              </a:rPr>
-              <a:t>日</a:t>
-            </a:r>
-            <a:r>
-              <a:rPr kumimoji="1" lang="en-US" altLang="ja-JP" dirty="0" smtClean="0">
-                <a:latin typeface="メイリオ" panose="020B0604030504040204" pitchFamily="50" charset="-128"/>
-                <a:ea typeface="メイリオ" panose="020B0604030504040204" pitchFamily="50" charset="-128"/>
-                <a:cs typeface="メイリオ" panose="020B0604030504040204" pitchFamily="50" charset="-128"/>
-              </a:rPr>
-              <a:t>19</a:t>
-            </a:r>
-            <a:r>
-              <a:rPr kumimoji="1" lang="ja-JP" altLang="en-US" dirty="0" smtClean="0">
-                <a:latin typeface="メイリオ" panose="020B0604030504040204" pitchFamily="50" charset="-128"/>
-                <a:ea typeface="メイリオ" panose="020B0604030504040204" pitchFamily="50" charset="-128"/>
-                <a:cs typeface="メイリオ" panose="020B0604030504040204" pitchFamily="50" charset="-128"/>
-              </a:rPr>
-              <a:t>時</a:t>
-            </a:r>
-            <a:r>
-              <a:rPr kumimoji="1" lang="en-US" altLang="ja-JP" dirty="0" smtClean="0">
-                <a:latin typeface="メイリオ" panose="020B0604030504040204" pitchFamily="50" charset="-128"/>
-                <a:ea typeface="メイリオ" panose="020B0604030504040204" pitchFamily="50" charset="-128"/>
-                <a:cs typeface="メイリオ" panose="020B0604030504040204" pitchFamily="50" charset="-128"/>
-              </a:rPr>
-              <a:t>40</a:t>
-            </a:r>
-            <a:r>
-              <a:rPr kumimoji="1" lang="ja-JP" altLang="en-US" dirty="0" smtClean="0">
-                <a:latin typeface="メイリオ" panose="020B0604030504040204" pitchFamily="50" charset="-128"/>
-                <a:ea typeface="メイリオ" panose="020B0604030504040204" pitchFamily="50" charset="-128"/>
-                <a:cs typeface="メイリオ" panose="020B0604030504040204" pitchFamily="50" charset="-128"/>
-              </a:rPr>
-              <a:t>分</a:t>
-            </a:r>
-            <a:r>
-              <a:rPr kumimoji="1" lang="en-US" altLang="ja-JP" dirty="0" smtClean="0">
-                <a:latin typeface="メイリオ" panose="020B0604030504040204" pitchFamily="50" charset="-128"/>
-                <a:ea typeface="メイリオ" panose="020B0604030504040204" pitchFamily="50" charset="-128"/>
-                <a:cs typeface="メイリオ" panose="020B0604030504040204" pitchFamily="50" charset="-128"/>
-              </a:rPr>
-              <a:t>00</a:t>
-            </a:r>
-            <a:r>
-              <a:rPr kumimoji="1" lang="ja-JP" altLang="en-US" dirty="0" smtClean="0">
-                <a:latin typeface="メイリオ" panose="020B0604030504040204" pitchFamily="50" charset="-128"/>
-                <a:ea typeface="メイリオ" panose="020B0604030504040204" pitchFamily="50" charset="-128"/>
-                <a:cs typeface="メイリオ" panose="020B0604030504040204" pitchFamily="50" charset="-128"/>
-              </a:rPr>
-              <a:t>秒～</a:t>
-            </a:r>
-            <a:r>
-              <a:rPr lang="en-US" altLang="ja-JP" dirty="0" smtClean="0">
-                <a:latin typeface="メイリオ" panose="020B0604030504040204" pitchFamily="50" charset="-128"/>
-                <a:ea typeface="メイリオ" panose="020B0604030504040204" pitchFamily="50" charset="-128"/>
-                <a:cs typeface="メイリオ" panose="020B0604030504040204" pitchFamily="50" charset="-128"/>
-              </a:rPr>
-              <a:t>2015</a:t>
-            </a:r>
-            <a:r>
-              <a:rPr lang="ja-JP" altLang="en-US" dirty="0">
-                <a:latin typeface="メイリオ" panose="020B0604030504040204" pitchFamily="50" charset="-128"/>
-                <a:ea typeface="メイリオ" panose="020B0604030504040204" pitchFamily="50" charset="-128"/>
-                <a:cs typeface="メイリオ" panose="020B0604030504040204" pitchFamily="50" charset="-128"/>
-              </a:rPr>
-              <a:t>年</a:t>
-            </a:r>
-            <a:r>
-              <a:rPr lang="en-US" altLang="ja-JP" dirty="0">
-                <a:latin typeface="メイリオ" panose="020B0604030504040204" pitchFamily="50" charset="-128"/>
-                <a:ea typeface="メイリオ" panose="020B0604030504040204" pitchFamily="50" charset="-128"/>
-                <a:cs typeface="メイリオ" panose="020B0604030504040204" pitchFamily="50" charset="-128"/>
-              </a:rPr>
-              <a:t>10</a:t>
-            </a:r>
-            <a:r>
-              <a:rPr lang="ja-JP" altLang="en-US" dirty="0">
-                <a:latin typeface="メイリオ" panose="020B0604030504040204" pitchFamily="50" charset="-128"/>
-                <a:ea typeface="メイリオ" panose="020B0604030504040204" pitchFamily="50" charset="-128"/>
-                <a:cs typeface="メイリオ" panose="020B0604030504040204" pitchFamily="50" charset="-128"/>
-              </a:rPr>
-              <a:t>月</a:t>
-            </a:r>
-            <a:r>
-              <a:rPr lang="en-US" altLang="ja-JP" dirty="0" smtClean="0">
-                <a:latin typeface="メイリオ" panose="020B0604030504040204" pitchFamily="50" charset="-128"/>
-                <a:ea typeface="メイリオ" panose="020B0604030504040204" pitchFamily="50" charset="-128"/>
-                <a:cs typeface="メイリオ" panose="020B0604030504040204" pitchFamily="50" charset="-128"/>
-              </a:rPr>
-              <a:t>24</a:t>
-            </a:r>
-            <a:r>
-              <a:rPr lang="ja-JP" altLang="en-US" dirty="0" smtClean="0">
-                <a:latin typeface="メイリオ" panose="020B0604030504040204" pitchFamily="50" charset="-128"/>
-                <a:ea typeface="メイリオ" panose="020B0604030504040204" pitchFamily="50" charset="-128"/>
-                <a:cs typeface="メイリオ" panose="020B0604030504040204" pitchFamily="50" charset="-128"/>
-              </a:rPr>
-              <a:t>日</a:t>
-            </a:r>
-            <a:r>
-              <a:rPr lang="en-US" altLang="ja-JP" dirty="0">
-                <a:latin typeface="メイリオ" panose="020B0604030504040204" pitchFamily="50" charset="-128"/>
-                <a:ea typeface="メイリオ" panose="020B0604030504040204" pitchFamily="50" charset="-128"/>
-                <a:cs typeface="メイリオ" panose="020B0604030504040204" pitchFamily="50" charset="-128"/>
-              </a:rPr>
-              <a:t>19</a:t>
-            </a:r>
-            <a:r>
-              <a:rPr lang="ja-JP" altLang="en-US" dirty="0">
-                <a:latin typeface="メイリオ" panose="020B0604030504040204" pitchFamily="50" charset="-128"/>
-                <a:ea typeface="メイリオ" panose="020B0604030504040204" pitchFamily="50" charset="-128"/>
-                <a:cs typeface="メイリオ" panose="020B0604030504040204" pitchFamily="50" charset="-128"/>
-              </a:rPr>
-              <a:t>時</a:t>
-            </a:r>
-            <a:r>
-              <a:rPr lang="en-US" altLang="ja-JP" dirty="0">
-                <a:latin typeface="メイリオ" panose="020B0604030504040204" pitchFamily="50" charset="-128"/>
-                <a:ea typeface="メイリオ" panose="020B0604030504040204" pitchFamily="50" charset="-128"/>
-                <a:cs typeface="メイリオ" panose="020B0604030504040204" pitchFamily="50" charset="-128"/>
-              </a:rPr>
-              <a:t>40</a:t>
-            </a:r>
-            <a:r>
-              <a:rPr lang="ja-JP" altLang="en-US" dirty="0">
-                <a:latin typeface="メイリオ" panose="020B0604030504040204" pitchFamily="50" charset="-128"/>
-                <a:ea typeface="メイリオ" panose="020B0604030504040204" pitchFamily="50" charset="-128"/>
-                <a:cs typeface="メイリオ" panose="020B0604030504040204" pitchFamily="50" charset="-128"/>
-              </a:rPr>
-              <a:t>分</a:t>
-            </a:r>
-            <a:r>
-              <a:rPr lang="en-US" altLang="ja-JP" dirty="0">
-                <a:latin typeface="メイリオ" panose="020B0604030504040204" pitchFamily="50" charset="-128"/>
-                <a:ea typeface="メイリオ" panose="020B0604030504040204" pitchFamily="50" charset="-128"/>
-                <a:cs typeface="メイリオ" panose="020B0604030504040204" pitchFamily="50" charset="-128"/>
-              </a:rPr>
-              <a:t>00</a:t>
-            </a:r>
-            <a:r>
-              <a:rPr lang="ja-JP" altLang="en-US" dirty="0">
-                <a:latin typeface="メイリオ" panose="020B0604030504040204" pitchFamily="50" charset="-128"/>
-                <a:ea typeface="メイリオ" panose="020B0604030504040204" pitchFamily="50" charset="-128"/>
-                <a:cs typeface="メイリオ" panose="020B0604030504040204" pitchFamily="50" charset="-128"/>
-              </a:rPr>
-              <a:t>秒</a:t>
-            </a:r>
-            <a:r>
-              <a:rPr kumimoji="1" lang="ja-JP" altLang="en-US" dirty="0" smtClean="0">
-                <a:latin typeface="メイリオ" panose="020B0604030504040204" pitchFamily="50" charset="-128"/>
-                <a:ea typeface="メイリオ" panose="020B0604030504040204" pitchFamily="50" charset="-128"/>
-                <a:cs typeface="メイリオ" panose="020B0604030504040204" pitchFamily="50" charset="-128"/>
-              </a:rPr>
-              <a:t>）．</a:t>
-            </a:r>
-            <a:endParaRPr kumimoji="1" lang="ja-JP" altLang="en-US" dirty="0">
+          <p:cNvPr id="8" name="右中かっこ 7"/>
+          <p:cNvSpPr/>
+          <p:nvPr/>
+        </p:nvSpPr>
+        <p:spPr>
+          <a:xfrm>
+            <a:off x="5379720" y="795527"/>
+            <a:ext cx="722376" cy="5952743"/>
+          </a:xfrm>
+          <a:prstGeom prst="rightBrace">
+            <a:avLst/>
+          </a:prstGeom>
+          <a:ln w="19050">
+            <a:solidFill>
+              <a:schemeClr val="tx1"/>
+            </a:solidFill>
+          </a:ln>
+        </p:spPr>
+        <p:style>
+          <a:lnRef idx="1">
+            <a:schemeClr val="accent1"/>
+          </a:lnRef>
+          <a:fillRef idx="0">
+            <a:schemeClr val="accent1"/>
+          </a:fillRef>
+          <a:effectRef idx="0">
+            <a:schemeClr val="accent1"/>
+          </a:effectRef>
+          <a:fontRef idx="minor">
+            <a:schemeClr val="tx1"/>
+          </a:fontRef>
+        </p:style>
+        <p:txBody>
+          <a:bodyPr rtlCol="0" anchor="ctr"/>
+          <a:lstStyle/>
+          <a:p>
+            <a:pPr algn="ctr"/>
+            <a:endParaRPr kumimoji="1" lang="ja-JP" altLang="en-US"/>
+          </a:p>
+        </p:txBody>
+      </p:sp>
+      <p:sp>
+        <p:nvSpPr>
+          <p:cNvPr id="9" name="テキスト ボックス 8"/>
+          <p:cNvSpPr txBox="1"/>
+          <p:nvPr/>
+        </p:nvSpPr>
+        <p:spPr>
+          <a:xfrm>
+            <a:off x="6102096" y="3294844"/>
+            <a:ext cx="3054796" cy="954107"/>
+          </a:xfrm>
+          <a:prstGeom prst="rect">
+            <a:avLst/>
+          </a:prstGeom>
+          <a:noFill/>
+        </p:spPr>
+        <p:txBody>
+          <a:bodyPr wrap="square" rtlCol="0">
+            <a:spAutoFit/>
+          </a:bodyPr>
+          <a:lstStyle/>
+          <a:p>
+            <a:r>
+              <a:rPr lang="ja-JP" altLang="en-US" sz="2800" dirty="0" smtClean="0">
+                <a:latin typeface="メイリオ" panose="020B0604030504040204" pitchFamily="50" charset="-128"/>
+                <a:ea typeface="メイリオ" panose="020B0604030504040204" pitchFamily="50" charset="-128"/>
+                <a:cs typeface="メイリオ" panose="020B0604030504040204" pitchFamily="50" charset="-128"/>
+              </a:rPr>
+              <a:t>フォローした</a:t>
+            </a:r>
+            <a:endParaRPr lang="en-US" altLang="ja-JP" sz="2800" dirty="0" smtClean="0">
               <a:latin typeface="メイリオ" panose="020B0604030504040204" pitchFamily="50" charset="-128"/>
               <a:ea typeface="メイリオ" panose="020B0604030504040204" pitchFamily="50" charset="-128"/>
               <a:cs typeface="メイリオ" panose="020B0604030504040204" pitchFamily="50" charset="-128"/>
             </a:endParaRPr>
           </a:p>
+          <a:p>
+            <a:r>
+              <a:rPr kumimoji="1" lang="ja-JP" altLang="en-US" sz="2800" dirty="0" smtClean="0">
+                <a:latin typeface="メイリオ" panose="020B0604030504040204" pitchFamily="50" charset="-128"/>
+                <a:ea typeface="メイリオ" panose="020B0604030504040204" pitchFamily="50" charset="-128"/>
+                <a:cs typeface="メイリオ" panose="020B0604030504040204" pitchFamily="50" charset="-128"/>
+              </a:rPr>
+              <a:t>ユーザのツイート</a:t>
+            </a:r>
+            <a:endParaRPr kumimoji="1" lang="ja-JP" altLang="en-US" sz="2800" dirty="0">
+              <a:latin typeface="メイリオ" panose="020B0604030504040204" pitchFamily="50" charset="-128"/>
+              <a:ea typeface="メイリオ" panose="020B0604030504040204" pitchFamily="50" charset="-128"/>
+              <a:cs typeface="メイリオ" panose="020B0604030504040204" pitchFamily="50" charset="-128"/>
+            </a:endParaRPr>
+          </a:p>
         </p:txBody>
       </p:sp>
     </p:spTree>
     <p:extLst>
       <p:ext uri="{BB962C8B-B14F-4D97-AF65-F5344CB8AC3E}">
-        <p14:creationId xmlns:p14="http://schemas.microsoft.com/office/powerpoint/2010/main" val="1698328653"/>
+        <p14:creationId xmlns:p14="http://schemas.microsoft.com/office/powerpoint/2010/main" val="3786190058"/>
       </p:ext>
     </p:extLst>
   </p:cSld>
   <p:clrMapOvr>
     <a:masterClrMapping/>
   </p:clrMapOvr>
+  <p:timing>
+    <p:tnLst>
+      <p:par>
+        <p:cTn id="1" dur="indefinite" restart="never" nodeType="tmRoot"/>
+      </p:par>
+    </p:tnLst>
+  </p:timing>
 </p:sld>
 </file>
 
@@ -7969,7 +8470,7 @@
                 <a:ea typeface="メイリオ" panose="020B0604030504040204" pitchFamily="50" charset="-128"/>
                 <a:cs typeface="メイリオ" panose="020B0604030504040204" pitchFamily="50" charset="-128"/>
               </a:rPr>
-              <a:t>結果</a:t>
+              <a:t>共起ネットワークとは</a:t>
             </a:r>
             <a:endParaRPr kumimoji="1" lang="ja-JP" altLang="en-US" dirty="0">
               <a:latin typeface="メイリオ" panose="020B0604030504040204" pitchFamily="50" charset="-128"/>
@@ -7989,16 +8490,9 @@
             <p:ph idx="1"/>
           </p:nvPr>
         </p:nvSpPr>
-        <p:spPr>
-          <a:xfrm>
-            <a:off x="628650" y="1571624"/>
-            <a:ext cx="7886700" cy="5032376"/>
-          </a:xfrm>
-        </p:spPr>
-        <p:txBody>
-          <a:bodyPr>
-            <a:normAutofit fontScale="92500" lnSpcReduction="10000"/>
-          </a:bodyPr>
+        <p:spPr/>
+        <p:txBody>
+          <a:bodyPr/>
           <a:lstStyle/>
           <a:p>
             <a:pPr>
@@ -8012,7 +8506,7 @@
                 <a:ea typeface="メイリオ" panose="020B0604030504040204" pitchFamily="50" charset="-128"/>
                 <a:cs typeface="メイリオ" panose="020B0604030504040204" pitchFamily="50" charset="-128"/>
               </a:rPr>
-              <a:t>自分</a:t>
+              <a:t>ある文字列と，それとは別の文字列が同時に　出現することを「共起」という</a:t>
             </a:r>
             <a:endParaRPr kumimoji="1" lang="en-US" altLang="ja-JP" dirty="0" smtClean="0">
               <a:latin typeface="メイリオ" panose="020B0604030504040204" pitchFamily="50" charset="-128"/>
@@ -8021,27 +8515,18 @@
             </a:endParaRPr>
           </a:p>
           <a:p>
-            <a:pPr marL="457200" lvl="1" indent="0">
+            <a:pPr>
               <a:lnSpc>
                 <a:spcPct val="150000"/>
               </a:lnSpc>
-              <a:buNone/>
             </a:pPr>
             <a:r>
-              <a:rPr lang="ja-JP" altLang="en-US" dirty="0">
-                <a:latin typeface="メイリオ" panose="020B0604030504040204" pitchFamily="50" charset="-128"/>
-                <a:ea typeface="メイリオ" panose="020B0604030504040204" pitchFamily="50" charset="-128"/>
-                <a:cs typeface="メイリオ" panose="020B0604030504040204" pitchFamily="50" charset="-128"/>
-              </a:rPr>
-              <a:t>利用</a:t>
-            </a:r>
-            <a:r>
               <a:rPr lang="ja-JP" altLang="en-US" dirty="0" smtClean="0">
                 <a:latin typeface="メイリオ" panose="020B0604030504040204" pitchFamily="50" charset="-128"/>
                 <a:ea typeface="メイリオ" panose="020B0604030504040204" pitchFamily="50" charset="-128"/>
                 <a:cs typeface="メイリオ" panose="020B0604030504040204" pitchFamily="50" charset="-128"/>
               </a:rPr>
-              <a:t>スタイル</a:t>
+              <a:t>「選挙」「出馬」が同時に出現すると「共起　している」と呼ぶ</a:t>
             </a:r>
             <a:endParaRPr lang="en-US" altLang="ja-JP" dirty="0" smtClean="0">
               <a:latin typeface="メイリオ" panose="020B0604030504040204" pitchFamily="50" charset="-128"/>
@@ -8050,182 +8535,52 @@
             </a:endParaRPr>
           </a:p>
           <a:p>
-            <a:pPr lvl="2">
+            <a:pPr>
               <a:lnSpc>
                 <a:spcPct val="150000"/>
               </a:lnSpc>
             </a:pPr>
             <a:r>
-              <a:rPr lang="ja-JP" altLang="en-US" dirty="0" smtClean="0">
-                <a:latin typeface="メイリオ" panose="020B0604030504040204" pitchFamily="50" charset="-128"/>
-                <a:ea typeface="メイリオ" panose="020B0604030504040204" pitchFamily="50" charset="-128"/>
-                <a:cs typeface="メイリオ" panose="020B0604030504040204" pitchFamily="50" charset="-128"/>
-              </a:rPr>
-              <a:t>タイムラインの閲覧とリツイートが多い</a:t>
-            </a:r>
-            <a:endParaRPr lang="en-US" altLang="ja-JP" dirty="0" smtClean="0">
+              <a:rPr kumimoji="1" lang="ja-JP" altLang="en-US" dirty="0">
+                <a:latin typeface="メイリオ" panose="020B0604030504040204" pitchFamily="50" charset="-128"/>
+                <a:ea typeface="メイリオ" panose="020B0604030504040204" pitchFamily="50" charset="-128"/>
+                <a:cs typeface="メイリオ" panose="020B0604030504040204" pitchFamily="50" charset="-128"/>
+              </a:rPr>
+              <a:t>共起関係</a:t>
+            </a:r>
+            <a:r>
+              <a:rPr kumimoji="1" lang="ja-JP" altLang="en-US" dirty="0" smtClean="0">
+                <a:latin typeface="メイリオ" panose="020B0604030504040204" pitchFamily="50" charset="-128"/>
+                <a:ea typeface="メイリオ" panose="020B0604030504040204" pitchFamily="50" charset="-128"/>
+                <a:cs typeface="メイリオ" panose="020B0604030504040204" pitchFamily="50" charset="-128"/>
+              </a:rPr>
+              <a:t>や共起の頻度をネットワーク図で　　表したものが共起ネットワーク</a:t>
+            </a:r>
+            <a:endParaRPr kumimoji="1" lang="en-US" altLang="ja-JP" dirty="0" smtClean="0">
               <a:latin typeface="メイリオ" panose="020B0604030504040204" pitchFamily="50" charset="-128"/>
               <a:ea typeface="メイリオ" panose="020B0604030504040204" pitchFamily="50" charset="-128"/>
               <a:cs typeface="メイリオ" panose="020B0604030504040204" pitchFamily="50" charset="-128"/>
             </a:endParaRPr>
           </a:p>
-          <a:p>
-            <a:pPr lvl="2">
-              <a:lnSpc>
-                <a:spcPct val="150000"/>
-              </a:lnSpc>
-            </a:pPr>
-            <a:r>
-              <a:rPr lang="ja-JP" altLang="en-US" dirty="0" smtClean="0">
-                <a:latin typeface="メイリオ" panose="020B0604030504040204" pitchFamily="50" charset="-128"/>
-                <a:ea typeface="メイリオ" panose="020B0604030504040204" pitchFamily="50" charset="-128"/>
-                <a:cs typeface="メイリオ" panose="020B0604030504040204" pitchFamily="50" charset="-128"/>
-              </a:rPr>
-              <a:t>自分のつぶやきは少なめ</a:t>
-            </a:r>
-            <a:endParaRPr lang="en-US" altLang="ja-JP" dirty="0">
-              <a:latin typeface="メイリオ" panose="020B0604030504040204" pitchFamily="50" charset="-128"/>
-              <a:ea typeface="メイリオ" panose="020B0604030504040204" pitchFamily="50" charset="-128"/>
-              <a:cs typeface="メイリオ" panose="020B0604030504040204" pitchFamily="50" charset="-128"/>
-            </a:endParaRPr>
-          </a:p>
-          <a:p>
-            <a:pPr marL="457200" lvl="1" indent="0">
-              <a:lnSpc>
-                <a:spcPct val="150000"/>
-              </a:lnSpc>
-              <a:buNone/>
-            </a:pPr>
-            <a:r>
-              <a:rPr lang="ja-JP" altLang="en-US" dirty="0">
-                <a:latin typeface="メイリオ" panose="020B0604030504040204" pitchFamily="50" charset="-128"/>
-                <a:ea typeface="メイリオ" panose="020B0604030504040204" pitchFamily="50" charset="-128"/>
-                <a:cs typeface="メイリオ" panose="020B0604030504040204" pitchFamily="50" charset="-128"/>
-              </a:rPr>
-              <a:t>関心</a:t>
-            </a:r>
-            <a:r>
-              <a:rPr lang="ja-JP" altLang="en-US" dirty="0" smtClean="0">
-                <a:latin typeface="メイリオ" panose="020B0604030504040204" pitchFamily="50" charset="-128"/>
-                <a:ea typeface="メイリオ" panose="020B0604030504040204" pitchFamily="50" charset="-128"/>
-                <a:cs typeface="メイリオ" panose="020B0604030504040204" pitchFamily="50" charset="-128"/>
-              </a:rPr>
-              <a:t>事項</a:t>
-            </a:r>
-            <a:endParaRPr lang="en-US" altLang="ja-JP" dirty="0" smtClean="0">
-              <a:latin typeface="メイリオ" panose="020B0604030504040204" pitchFamily="50" charset="-128"/>
-              <a:ea typeface="メイリオ" panose="020B0604030504040204" pitchFamily="50" charset="-128"/>
-              <a:cs typeface="メイリオ" panose="020B0604030504040204" pitchFamily="50" charset="-128"/>
-            </a:endParaRPr>
-          </a:p>
-          <a:p>
-            <a:pPr lvl="2">
-              <a:lnSpc>
-                <a:spcPct val="150000"/>
-              </a:lnSpc>
-            </a:pPr>
-            <a:r>
-              <a:rPr lang="en-US" altLang="ja-JP" dirty="0" smtClean="0">
-                <a:latin typeface="メイリオ" panose="020B0604030504040204" pitchFamily="50" charset="-128"/>
-                <a:ea typeface="メイリオ" panose="020B0604030504040204" pitchFamily="50" charset="-128"/>
-                <a:cs typeface="メイリオ" panose="020B0604030504040204" pitchFamily="50" charset="-128"/>
-              </a:rPr>
-              <a:t>VOCALOID</a:t>
-            </a:r>
-            <a:r>
-              <a:rPr lang="ja-JP" altLang="en-US" dirty="0" smtClean="0">
-                <a:latin typeface="メイリオ" panose="020B0604030504040204" pitchFamily="50" charset="-128"/>
-                <a:ea typeface="メイリオ" panose="020B0604030504040204" pitchFamily="50" charset="-128"/>
-                <a:cs typeface="メイリオ" panose="020B0604030504040204" pitchFamily="50" charset="-128"/>
-              </a:rPr>
-              <a:t>「初音ミク」に関する話題やイラスト，音楽等</a:t>
-            </a:r>
-            <a:endParaRPr lang="en-US" altLang="ja-JP" dirty="0" smtClean="0">
-              <a:latin typeface="メイリオ" panose="020B0604030504040204" pitchFamily="50" charset="-128"/>
-              <a:ea typeface="メイリオ" panose="020B0604030504040204" pitchFamily="50" charset="-128"/>
-              <a:cs typeface="メイリオ" panose="020B0604030504040204" pitchFamily="50" charset="-128"/>
-            </a:endParaRPr>
-          </a:p>
-          <a:p>
-            <a:pPr lvl="2">
-              <a:lnSpc>
-                <a:spcPct val="150000"/>
-              </a:lnSpc>
-            </a:pPr>
-            <a:r>
-              <a:rPr lang="ja-JP" altLang="en-US" dirty="0" smtClean="0">
-                <a:latin typeface="メイリオ" panose="020B0604030504040204" pitchFamily="50" charset="-128"/>
-                <a:ea typeface="メイリオ" panose="020B0604030504040204" pitchFamily="50" charset="-128"/>
-                <a:cs typeface="メイリオ" panose="020B0604030504040204" pitchFamily="50" charset="-128"/>
-              </a:rPr>
-              <a:t>スポーツカーに乗る人のつぶやきや写真</a:t>
-            </a:r>
-            <a:endParaRPr lang="en-US" altLang="ja-JP" dirty="0" smtClean="0">
-              <a:latin typeface="メイリオ" panose="020B0604030504040204" pitchFamily="50" charset="-128"/>
-              <a:ea typeface="メイリオ" panose="020B0604030504040204" pitchFamily="50" charset="-128"/>
-              <a:cs typeface="メイリオ" panose="020B0604030504040204" pitchFamily="50" charset="-128"/>
-            </a:endParaRPr>
-          </a:p>
-          <a:p>
-            <a:pPr lvl="2">
-              <a:lnSpc>
-                <a:spcPct val="150000"/>
-              </a:lnSpc>
-            </a:pPr>
-            <a:r>
-              <a:rPr lang="en-US" altLang="ja-JP" dirty="0" smtClean="0">
-                <a:latin typeface="メイリオ" panose="020B0604030504040204" pitchFamily="50" charset="-128"/>
-                <a:ea typeface="メイリオ" panose="020B0604030504040204" pitchFamily="50" charset="-128"/>
-                <a:cs typeface="メイリオ" panose="020B0604030504040204" pitchFamily="50" charset="-128"/>
-              </a:rPr>
-              <a:t>PC</a:t>
-            </a:r>
-            <a:r>
-              <a:rPr lang="ja-JP" altLang="en-US" dirty="0" smtClean="0">
-                <a:latin typeface="メイリオ" panose="020B0604030504040204" pitchFamily="50" charset="-128"/>
-                <a:ea typeface="メイリオ" panose="020B0604030504040204" pitchFamily="50" charset="-128"/>
-                <a:cs typeface="メイリオ" panose="020B0604030504040204" pitchFamily="50" charset="-128"/>
-              </a:rPr>
-              <a:t>やスマートフォン，タブレット端末などのガジェットに関する最新の情報</a:t>
-            </a:r>
-            <a:endParaRPr lang="en-US" altLang="ja-JP" dirty="0" smtClean="0">
-              <a:latin typeface="メイリオ" panose="020B0604030504040204" pitchFamily="50" charset="-128"/>
-              <a:ea typeface="メイリオ" panose="020B0604030504040204" pitchFamily="50" charset="-128"/>
-              <a:cs typeface="メイリオ" panose="020B0604030504040204" pitchFamily="50" charset="-128"/>
-            </a:endParaRPr>
-          </a:p>
-          <a:p>
-            <a:pPr lvl="2">
-              <a:lnSpc>
-                <a:spcPct val="150000"/>
-              </a:lnSpc>
-            </a:pPr>
-            <a:r>
-              <a:rPr lang="ja-JP" altLang="en-US" dirty="0" smtClean="0">
-                <a:latin typeface="メイリオ" panose="020B0604030504040204" pitchFamily="50" charset="-128"/>
-                <a:ea typeface="メイリオ" panose="020B0604030504040204" pitchFamily="50" charset="-128"/>
-                <a:cs typeface="メイリオ" panose="020B0604030504040204" pitchFamily="50" charset="-128"/>
-              </a:rPr>
-              <a:t>世界で起こる様々なニュース</a:t>
-            </a:r>
-            <a:endParaRPr lang="en-US" altLang="ja-JP" dirty="0" smtClean="0">
-              <a:latin typeface="メイリオ" panose="020B0604030504040204" pitchFamily="50" charset="-128"/>
-              <a:ea typeface="メイリオ" panose="020B0604030504040204" pitchFamily="50" charset="-128"/>
-              <a:cs typeface="メイリオ" panose="020B0604030504040204" pitchFamily="50" charset="-128"/>
-            </a:endParaRPr>
-          </a:p>
         </p:txBody>
       </p:sp>
     </p:spTree>
     <p:extLst>
       <p:ext uri="{BB962C8B-B14F-4D97-AF65-F5344CB8AC3E}">
-        <p14:creationId xmlns:p14="http://schemas.microsoft.com/office/powerpoint/2010/main" val="1389550754"/>
+        <p14:creationId xmlns:p14="http://schemas.microsoft.com/office/powerpoint/2010/main" val="709919093"/>
       </p:ext>
     </p:extLst>
   </p:cSld>
   <p:clrMapOvr>
     <a:masterClrMapping/>
   </p:clrMapOvr>
+  <p:timing>
+    <p:tnLst>
+      <p:par>
+        <p:cTn id="1" dur="indefinite" restart="never" nodeType="tmRoot"/>
+      </p:par>
+    </p:tnLst>
+  </p:timing>
 </p:sld>
 </file>
 
@@ -8277,45 +8632,219 @@
           </a:p>
         </p:txBody>
       </p:sp>
-      <p:pic>
-        <p:nvPicPr>
-          <p:cNvPr id="4" name="コンテンツ プレースホルダー 3"/>
-          <p:cNvPicPr>
-            <a:picLocks noGrp="1" noChangeAspect="1"/>
-          </p:cNvPicPr>
+      <p:sp>
+        <p:nvSpPr>
+          <p:cNvPr id="3" name="コンテンツ プレースホルダー 2"/>
+          <p:cNvSpPr>
+            <a:spLocks noGrp="1"/>
+          </p:cNvSpPr>
           <p:nvPr>
             <p:ph idx="1"/>
           </p:nvPr>
-        </p:nvPicPr>
-        <p:blipFill>
-          <a:blip r:embed="rId3" cstate="print">
-            <a:extLst>
-              <a:ext uri="{28A0092B-C50C-407E-A947-70E740481C1C}">
-                <a14:useLocalDpi xmlns:a14="http://schemas.microsoft.com/office/drawing/2010/main" val="0"/>
-              </a:ext>
-            </a:extLst>
-          </a:blip>
-          <a:stretch>
-            <a:fillRect/>
-          </a:stretch>
-        </p:blipFill>
+        </p:nvSpPr>
         <p:spPr>
           <a:xfrm>
-            <a:off x="143933" y="1532113"/>
-            <a:ext cx="8856133" cy="4981575"/>
+            <a:off x="628650" y="1698624"/>
+            <a:ext cx="7886700" cy="5032376"/>
           </a:xfrm>
         </p:spPr>
-      </p:pic>
+        <p:txBody>
+          <a:bodyPr>
+            <a:normAutofit/>
+          </a:bodyPr>
+          <a:lstStyle/>
+          <a:p>
+            <a:pPr marL="0" indent="0">
+              <a:lnSpc>
+                <a:spcPct val="150000"/>
+              </a:lnSpc>
+              <a:buNone/>
+            </a:pPr>
+            <a:r>
+              <a:rPr lang="ja-JP" altLang="en-US" dirty="0" smtClean="0">
+                <a:latin typeface="メイリオ" panose="020B0604030504040204" pitchFamily="50" charset="-128"/>
+                <a:ea typeface="メイリオ" panose="020B0604030504040204" pitchFamily="50" charset="-128"/>
+                <a:cs typeface="メイリオ" panose="020B0604030504040204" pitchFamily="50" charset="-128"/>
+              </a:rPr>
+              <a:t>ヒアリングで得られたユーザ</a:t>
+            </a:r>
+            <a:r>
+              <a:rPr lang="en-US" altLang="ja-JP" dirty="0" smtClean="0">
+                <a:latin typeface="メイリオ" panose="020B0604030504040204" pitchFamily="50" charset="-128"/>
+                <a:ea typeface="メイリオ" panose="020B0604030504040204" pitchFamily="50" charset="-128"/>
+                <a:cs typeface="メイリオ" panose="020B0604030504040204" pitchFamily="50" charset="-128"/>
+              </a:rPr>
+              <a:t>A</a:t>
+            </a:r>
+            <a:r>
+              <a:rPr lang="ja-JP" altLang="en-US" dirty="0">
+                <a:latin typeface="メイリオ" panose="020B0604030504040204" pitchFamily="50" charset="-128"/>
+                <a:ea typeface="メイリオ" panose="020B0604030504040204" pitchFamily="50" charset="-128"/>
+                <a:cs typeface="メイリオ" panose="020B0604030504040204" pitchFamily="50" charset="-128"/>
+              </a:rPr>
+              <a:t>の</a:t>
+            </a:r>
+            <a:r>
+              <a:rPr kumimoji="1" lang="ja-JP" altLang="en-US" dirty="0" smtClean="0">
+                <a:latin typeface="メイリオ" panose="020B0604030504040204" pitchFamily="50" charset="-128"/>
+                <a:ea typeface="メイリオ" panose="020B0604030504040204" pitchFamily="50" charset="-128"/>
+                <a:cs typeface="メイリオ" panose="020B0604030504040204" pitchFamily="50" charset="-128"/>
+              </a:rPr>
+              <a:t>関心事項</a:t>
+            </a:r>
+            <a:endParaRPr kumimoji="1" lang="en-US" altLang="ja-JP" dirty="0" smtClean="0">
+              <a:latin typeface="メイリオ" panose="020B0604030504040204" pitchFamily="50" charset="-128"/>
+              <a:ea typeface="メイリオ" panose="020B0604030504040204" pitchFamily="50" charset="-128"/>
+              <a:cs typeface="メイリオ" panose="020B0604030504040204" pitchFamily="50" charset="-128"/>
+            </a:endParaRPr>
+          </a:p>
+          <a:p>
+            <a:pPr lvl="1">
+              <a:lnSpc>
+                <a:spcPct val="150000"/>
+              </a:lnSpc>
+            </a:pPr>
+            <a:r>
+              <a:rPr kumimoji="1" lang="ja-JP" altLang="en-US" dirty="0" smtClean="0">
+                <a:latin typeface="メイリオ" panose="020B0604030504040204" pitchFamily="50" charset="-128"/>
+                <a:ea typeface="メイリオ" panose="020B0604030504040204" pitchFamily="50" charset="-128"/>
+                <a:cs typeface="メイリオ" panose="020B0604030504040204" pitchFamily="50" charset="-128"/>
+              </a:rPr>
+              <a:t>声優の</a:t>
+            </a:r>
+            <a:r>
+              <a:rPr lang="ja-JP" altLang="en-US" dirty="0" smtClean="0">
+                <a:latin typeface="メイリオ" panose="020B0604030504040204" pitchFamily="50" charset="-128"/>
+                <a:ea typeface="メイリオ" panose="020B0604030504040204" pitchFamily="50" charset="-128"/>
+                <a:cs typeface="メイリオ" panose="020B0604030504040204" pitchFamily="50" charset="-128"/>
+              </a:rPr>
+              <a:t>ツイート</a:t>
+            </a:r>
+            <a:endParaRPr kumimoji="1" lang="en-US" altLang="ja-JP" dirty="0" smtClean="0">
+              <a:latin typeface="メイリオ" panose="020B0604030504040204" pitchFamily="50" charset="-128"/>
+              <a:ea typeface="メイリオ" panose="020B0604030504040204" pitchFamily="50" charset="-128"/>
+              <a:cs typeface="メイリオ" panose="020B0604030504040204" pitchFamily="50" charset="-128"/>
+            </a:endParaRPr>
+          </a:p>
+          <a:p>
+            <a:pPr lvl="1">
+              <a:lnSpc>
+                <a:spcPct val="150000"/>
+              </a:lnSpc>
+            </a:pPr>
+            <a:r>
+              <a:rPr kumimoji="1" lang="ja-JP" altLang="en-US" dirty="0" smtClean="0">
+                <a:latin typeface="メイリオ" panose="020B0604030504040204" pitchFamily="50" charset="-128"/>
+                <a:ea typeface="メイリオ" panose="020B0604030504040204" pitchFamily="50" charset="-128"/>
+                <a:cs typeface="メイリオ" panose="020B0604030504040204" pitchFamily="50" charset="-128"/>
+              </a:rPr>
+              <a:t>マンガ家の</a:t>
+            </a:r>
+            <a:r>
+              <a:rPr lang="ja-JP" altLang="en-US" dirty="0">
+                <a:latin typeface="メイリオ" panose="020B0604030504040204" pitchFamily="50" charset="-128"/>
+                <a:ea typeface="メイリオ" panose="020B0604030504040204" pitchFamily="50" charset="-128"/>
+                <a:cs typeface="メイリオ" panose="020B0604030504040204" pitchFamily="50" charset="-128"/>
+              </a:rPr>
+              <a:t>ツイート</a:t>
+            </a:r>
+            <a:endParaRPr kumimoji="1" lang="en-US" altLang="ja-JP" dirty="0" smtClean="0">
+              <a:latin typeface="メイリオ" panose="020B0604030504040204" pitchFamily="50" charset="-128"/>
+              <a:ea typeface="メイリオ" panose="020B0604030504040204" pitchFamily="50" charset="-128"/>
+              <a:cs typeface="メイリオ" panose="020B0604030504040204" pitchFamily="50" charset="-128"/>
+            </a:endParaRPr>
+          </a:p>
+          <a:p>
+            <a:pPr lvl="1">
+              <a:lnSpc>
+                <a:spcPct val="150000"/>
+              </a:lnSpc>
+            </a:pPr>
+            <a:r>
+              <a:rPr kumimoji="1" lang="ja-JP" altLang="en-US" dirty="0" smtClean="0">
+                <a:latin typeface="メイリオ" panose="020B0604030504040204" pitchFamily="50" charset="-128"/>
+                <a:ea typeface="メイリオ" panose="020B0604030504040204" pitchFamily="50" charset="-128"/>
+                <a:cs typeface="メイリオ" panose="020B0604030504040204" pitchFamily="50" charset="-128"/>
+              </a:rPr>
+              <a:t>コスプレの写真</a:t>
+            </a:r>
+            <a:endParaRPr kumimoji="1" lang="en-US" altLang="ja-JP" dirty="0" smtClean="0">
+              <a:latin typeface="メイリオ" panose="020B0604030504040204" pitchFamily="50" charset="-128"/>
+              <a:ea typeface="メイリオ" panose="020B0604030504040204" pitchFamily="50" charset="-128"/>
+              <a:cs typeface="メイリオ" panose="020B0604030504040204" pitchFamily="50" charset="-128"/>
+            </a:endParaRPr>
+          </a:p>
+          <a:p>
+            <a:pPr lvl="1">
+              <a:lnSpc>
+                <a:spcPct val="150000"/>
+              </a:lnSpc>
+            </a:pPr>
+            <a:r>
+              <a:rPr lang="ja-JP" altLang="en-US" dirty="0" smtClean="0">
+                <a:latin typeface="メイリオ" panose="020B0604030504040204" pitchFamily="50" charset="-128"/>
+                <a:ea typeface="メイリオ" panose="020B0604030504040204" pitchFamily="50" charset="-128"/>
+                <a:cs typeface="メイリオ" panose="020B0604030504040204" pitchFamily="50" charset="-128"/>
+              </a:rPr>
+              <a:t>キャラクターのセリフを</a:t>
+            </a:r>
+            <a:r>
+              <a:rPr lang="ja-JP" altLang="en-US" dirty="0">
+                <a:latin typeface="メイリオ" panose="020B0604030504040204" pitchFamily="50" charset="-128"/>
+                <a:ea typeface="メイリオ" panose="020B0604030504040204" pitchFamily="50" charset="-128"/>
+                <a:cs typeface="メイリオ" panose="020B0604030504040204" pitchFamily="50" charset="-128"/>
+              </a:rPr>
+              <a:t>定期的に</a:t>
+            </a:r>
+            <a:r>
+              <a:rPr lang="ja-JP" altLang="en-US" dirty="0" smtClean="0">
+                <a:latin typeface="メイリオ" panose="020B0604030504040204" pitchFamily="50" charset="-128"/>
+                <a:ea typeface="メイリオ" panose="020B0604030504040204" pitchFamily="50" charset="-128"/>
+                <a:cs typeface="メイリオ" panose="020B0604030504040204" pitchFamily="50" charset="-128"/>
+              </a:rPr>
+              <a:t>つぶやくボット（</a:t>
+            </a:r>
+            <a:r>
+              <a:rPr lang="en-US" altLang="ja-JP" dirty="0" smtClean="0">
+                <a:latin typeface="メイリオ" panose="020B0604030504040204" pitchFamily="50" charset="-128"/>
+                <a:ea typeface="メイリオ" panose="020B0604030504040204" pitchFamily="50" charset="-128"/>
+                <a:cs typeface="メイリオ" panose="020B0604030504040204" pitchFamily="50" charset="-128"/>
+              </a:rPr>
+              <a:t>bot</a:t>
+            </a:r>
+            <a:r>
+              <a:rPr lang="ja-JP" altLang="en-US" dirty="0" smtClean="0">
+                <a:latin typeface="メイリオ" panose="020B0604030504040204" pitchFamily="50" charset="-128"/>
+                <a:ea typeface="メイリオ" panose="020B0604030504040204" pitchFamily="50" charset="-128"/>
+                <a:cs typeface="メイリオ" panose="020B0604030504040204" pitchFamily="50" charset="-128"/>
+              </a:rPr>
+              <a:t>）</a:t>
+            </a:r>
+            <a:endParaRPr kumimoji="1" lang="en-US" altLang="ja-JP" dirty="0" smtClean="0">
+              <a:latin typeface="メイリオ" panose="020B0604030504040204" pitchFamily="50" charset="-128"/>
+              <a:ea typeface="メイリオ" panose="020B0604030504040204" pitchFamily="50" charset="-128"/>
+              <a:cs typeface="メイリオ" panose="020B0604030504040204" pitchFamily="50" charset="-128"/>
+            </a:endParaRPr>
+          </a:p>
+        </p:txBody>
+      </p:sp>
     </p:spTree>
     <p:extLst>
       <p:ext uri="{BB962C8B-B14F-4D97-AF65-F5344CB8AC3E}">
-        <p14:creationId xmlns:p14="http://schemas.microsoft.com/office/powerpoint/2010/main" val="2386360259"/>
+        <p14:creationId xmlns:p14="http://schemas.microsoft.com/office/powerpoint/2010/main" val="2483017379"/>
       </p:ext>
     </p:extLst>
   </p:cSld>
   <p:clrMapOvr>
     <a:masterClrMapping/>
   </p:clrMapOvr>
+  <p:timing>
+    <p:tnLst>
+      <p:par>
+        <p:cTn id="1" dur="indefinite" restart="never" nodeType="tmRoot"/>
+      </p:par>
+    </p:tnLst>
+  </p:timing>
 </p:sld>
 </file>
 
@@ -8336,6 +8865,35 @@
           <a:chExt cx="0" cy="0"/>
         </a:xfrm>
       </p:grpSpPr>
+      <p:pic>
+        <p:nvPicPr>
+          <p:cNvPr id="4" name="コンテンツ プレースホルダー 3"/>
+          <p:cNvPicPr>
+            <a:picLocks noGrp="1" noChangeAspect="1"/>
+          </p:cNvPicPr>
+          <p:nvPr>
+            <p:ph idx="1"/>
+          </p:nvPr>
+        </p:nvPicPr>
+        <p:blipFill>
+          <a:blip r:embed="rId3">
+            <a:extLst>
+              <a:ext uri="{28A0092B-C50C-407E-A947-70E740481C1C}">
+                <a14:useLocalDpi xmlns:a14="http://schemas.microsoft.com/office/drawing/2010/main" val="0"/>
+              </a:ext>
+            </a:extLst>
+          </a:blip>
+          <a:stretch>
+            <a:fillRect/>
+          </a:stretch>
+        </p:blipFill>
+        <p:spPr>
+          <a:xfrm>
+            <a:off x="1149865" y="85344"/>
+            <a:ext cx="6844269" cy="6858000"/>
+          </a:xfrm>
+        </p:spPr>
+      </p:pic>
       <p:sp>
         <p:nvSpPr>
           <p:cNvPr id="2" name="タイトル 1"/>
@@ -8352,7 +8910,7 @@
           <a:lstStyle/>
           <a:p>
             <a:r>
-              <a:rPr kumimoji="1" lang="ja-JP" altLang="en-US" dirty="0" smtClean="0">
+              <a:rPr lang="ja-JP" altLang="en-US" dirty="0">
                 <a:latin typeface="メイリオ" panose="020B0604030504040204" pitchFamily="50" charset="-128"/>
                 <a:ea typeface="メイリオ" panose="020B0604030504040204" pitchFamily="50" charset="-128"/>
                 <a:cs typeface="メイリオ" panose="020B0604030504040204" pitchFamily="50" charset="-128"/>
@@ -8367,258 +8925,23 @@
           </a:p>
         </p:txBody>
       </p:sp>
-      <p:sp>
-        <p:nvSpPr>
-          <p:cNvPr id="3" name="コンテンツ プレースホルダー 2"/>
-          <p:cNvSpPr>
-            <a:spLocks noGrp="1"/>
-          </p:cNvSpPr>
-          <p:nvPr>
-            <p:ph idx="1"/>
-          </p:nvPr>
-        </p:nvSpPr>
-        <p:spPr>
-          <a:xfrm>
-            <a:off x="628650" y="1698624"/>
-            <a:ext cx="7886700" cy="5032376"/>
-          </a:xfrm>
-        </p:spPr>
-        <p:txBody>
-          <a:bodyPr>
-            <a:normAutofit/>
-          </a:bodyPr>
-          <a:lstStyle/>
-          <a:p>
-            <a:pPr>
-              <a:lnSpc>
-                <a:spcPct val="150000"/>
-              </a:lnSpc>
-            </a:pPr>
-            <a:r>
-              <a:rPr kumimoji="1" lang="ja-JP" altLang="en-US" dirty="0" smtClean="0">
-                <a:latin typeface="メイリオ" panose="020B0604030504040204" pitchFamily="50" charset="-128"/>
-                <a:ea typeface="メイリオ" panose="020B0604030504040204" pitchFamily="50" charset="-128"/>
-                <a:cs typeface="メイリオ" panose="020B0604030504040204" pitchFamily="50" charset="-128"/>
-              </a:rPr>
-              <a:t>協力者</a:t>
-            </a:r>
-            <a:r>
-              <a:rPr lang="en-US" altLang="ja-JP" dirty="0" smtClean="0">
-                <a:latin typeface="メイリオ" panose="020B0604030504040204" pitchFamily="50" charset="-128"/>
-                <a:ea typeface="メイリオ" panose="020B0604030504040204" pitchFamily="50" charset="-128"/>
-                <a:cs typeface="メイリオ" panose="020B0604030504040204" pitchFamily="50" charset="-128"/>
-              </a:rPr>
-              <a:t>A</a:t>
-            </a:r>
-            <a:endParaRPr kumimoji="1" lang="en-US" altLang="ja-JP" dirty="0" smtClean="0">
-              <a:latin typeface="メイリオ" panose="020B0604030504040204" pitchFamily="50" charset="-128"/>
-              <a:ea typeface="メイリオ" panose="020B0604030504040204" pitchFamily="50" charset="-128"/>
-              <a:cs typeface="メイリオ" panose="020B0604030504040204" pitchFamily="50" charset="-128"/>
-            </a:endParaRPr>
-          </a:p>
-          <a:p>
-            <a:pPr marL="457200" lvl="1" indent="0">
-              <a:lnSpc>
-                <a:spcPct val="150000"/>
-              </a:lnSpc>
-              <a:buNone/>
-            </a:pPr>
-            <a:r>
-              <a:rPr lang="ja-JP" altLang="en-US" dirty="0">
-                <a:latin typeface="メイリオ" panose="020B0604030504040204" pitchFamily="50" charset="-128"/>
-                <a:ea typeface="メイリオ" panose="020B0604030504040204" pitchFamily="50" charset="-128"/>
-                <a:cs typeface="メイリオ" panose="020B0604030504040204" pitchFamily="50" charset="-128"/>
-              </a:rPr>
-              <a:t>利用</a:t>
-            </a:r>
-            <a:r>
-              <a:rPr lang="ja-JP" altLang="en-US" dirty="0" smtClean="0">
-                <a:latin typeface="メイリオ" panose="020B0604030504040204" pitchFamily="50" charset="-128"/>
-                <a:ea typeface="メイリオ" panose="020B0604030504040204" pitchFamily="50" charset="-128"/>
-                <a:cs typeface="メイリオ" panose="020B0604030504040204" pitchFamily="50" charset="-128"/>
-              </a:rPr>
-              <a:t>スタイル</a:t>
-            </a:r>
-            <a:endParaRPr lang="en-US" altLang="ja-JP" dirty="0" smtClean="0">
-              <a:latin typeface="メイリオ" panose="020B0604030504040204" pitchFamily="50" charset="-128"/>
-              <a:ea typeface="メイリオ" panose="020B0604030504040204" pitchFamily="50" charset="-128"/>
-              <a:cs typeface="メイリオ" panose="020B0604030504040204" pitchFamily="50" charset="-128"/>
-            </a:endParaRPr>
-          </a:p>
-          <a:p>
-            <a:pPr marL="914400" lvl="2" indent="0">
-              <a:lnSpc>
-                <a:spcPct val="150000"/>
-              </a:lnSpc>
-              <a:buNone/>
-            </a:pPr>
-            <a:r>
-              <a:rPr lang="ja-JP" altLang="en-US" dirty="0" smtClean="0">
-                <a:latin typeface="メイリオ" panose="020B0604030504040204" pitchFamily="50" charset="-128"/>
-                <a:ea typeface="メイリオ" panose="020B0604030504040204" pitchFamily="50" charset="-128"/>
-                <a:cs typeface="メイリオ" panose="020B0604030504040204" pitchFamily="50" charset="-128"/>
-              </a:rPr>
-              <a:t>タイムラインを閲覧するのみで，自分はつぶやかない</a:t>
-            </a:r>
-            <a:endParaRPr lang="en-US" altLang="ja-JP" dirty="0" smtClean="0">
-              <a:latin typeface="メイリオ" panose="020B0604030504040204" pitchFamily="50" charset="-128"/>
-              <a:ea typeface="メイリオ" panose="020B0604030504040204" pitchFamily="50" charset="-128"/>
-              <a:cs typeface="メイリオ" panose="020B0604030504040204" pitchFamily="50" charset="-128"/>
-            </a:endParaRPr>
-          </a:p>
-          <a:p>
-            <a:pPr marL="457200" lvl="1" indent="0">
-              <a:lnSpc>
-                <a:spcPct val="150000"/>
-              </a:lnSpc>
-              <a:buNone/>
-            </a:pPr>
-            <a:r>
-              <a:rPr kumimoji="1" lang="ja-JP" altLang="en-US" dirty="0">
-                <a:latin typeface="メイリオ" panose="020B0604030504040204" pitchFamily="50" charset="-128"/>
-                <a:ea typeface="メイリオ" panose="020B0604030504040204" pitchFamily="50" charset="-128"/>
-                <a:cs typeface="メイリオ" panose="020B0604030504040204" pitchFamily="50" charset="-128"/>
-              </a:rPr>
-              <a:t>関心</a:t>
-            </a:r>
-            <a:r>
-              <a:rPr kumimoji="1" lang="ja-JP" altLang="en-US" dirty="0" smtClean="0">
-                <a:latin typeface="メイリオ" panose="020B0604030504040204" pitchFamily="50" charset="-128"/>
-                <a:ea typeface="メイリオ" panose="020B0604030504040204" pitchFamily="50" charset="-128"/>
-                <a:cs typeface="メイリオ" panose="020B0604030504040204" pitchFamily="50" charset="-128"/>
-              </a:rPr>
-              <a:t>事項</a:t>
-            </a:r>
-            <a:endParaRPr kumimoji="1" lang="en-US" altLang="ja-JP" dirty="0" smtClean="0">
-              <a:latin typeface="メイリオ" panose="020B0604030504040204" pitchFamily="50" charset="-128"/>
-              <a:ea typeface="メイリオ" panose="020B0604030504040204" pitchFamily="50" charset="-128"/>
-              <a:cs typeface="メイリオ" panose="020B0604030504040204" pitchFamily="50" charset="-128"/>
-            </a:endParaRPr>
-          </a:p>
-          <a:p>
-            <a:pPr lvl="2">
-              <a:lnSpc>
-                <a:spcPct val="150000"/>
-              </a:lnSpc>
-            </a:pPr>
-            <a:r>
-              <a:rPr kumimoji="1" lang="ja-JP" altLang="en-US" dirty="0" smtClean="0">
-                <a:latin typeface="メイリオ" panose="020B0604030504040204" pitchFamily="50" charset="-128"/>
-                <a:ea typeface="メイリオ" panose="020B0604030504040204" pitchFamily="50" charset="-128"/>
-                <a:cs typeface="メイリオ" panose="020B0604030504040204" pitchFamily="50" charset="-128"/>
-              </a:rPr>
-              <a:t>声優のつぶやき</a:t>
-            </a:r>
-            <a:endParaRPr kumimoji="1" lang="en-US" altLang="ja-JP" dirty="0" smtClean="0">
-              <a:latin typeface="メイリオ" panose="020B0604030504040204" pitchFamily="50" charset="-128"/>
-              <a:ea typeface="メイリオ" panose="020B0604030504040204" pitchFamily="50" charset="-128"/>
-              <a:cs typeface="メイリオ" panose="020B0604030504040204" pitchFamily="50" charset="-128"/>
-            </a:endParaRPr>
-          </a:p>
-          <a:p>
-            <a:pPr lvl="2">
-              <a:lnSpc>
-                <a:spcPct val="150000"/>
-              </a:lnSpc>
-            </a:pPr>
-            <a:r>
-              <a:rPr kumimoji="1" lang="ja-JP" altLang="en-US" dirty="0" smtClean="0">
-                <a:latin typeface="メイリオ" panose="020B0604030504040204" pitchFamily="50" charset="-128"/>
-                <a:ea typeface="メイリオ" panose="020B0604030504040204" pitchFamily="50" charset="-128"/>
-                <a:cs typeface="メイリオ" panose="020B0604030504040204" pitchFamily="50" charset="-128"/>
-              </a:rPr>
-              <a:t>マンガ家のつぶやき</a:t>
-            </a:r>
-            <a:endParaRPr kumimoji="1" lang="en-US" altLang="ja-JP" dirty="0" smtClean="0">
-              <a:latin typeface="メイリオ" panose="020B0604030504040204" pitchFamily="50" charset="-128"/>
-              <a:ea typeface="メイリオ" panose="020B0604030504040204" pitchFamily="50" charset="-128"/>
-              <a:cs typeface="メイリオ" panose="020B0604030504040204" pitchFamily="50" charset="-128"/>
-            </a:endParaRPr>
-          </a:p>
-          <a:p>
-            <a:pPr lvl="2">
-              <a:lnSpc>
-                <a:spcPct val="150000"/>
-              </a:lnSpc>
-            </a:pPr>
-            <a:r>
-              <a:rPr kumimoji="1" lang="ja-JP" altLang="en-US" dirty="0" smtClean="0">
-                <a:latin typeface="メイリオ" panose="020B0604030504040204" pitchFamily="50" charset="-128"/>
-                <a:ea typeface="メイリオ" panose="020B0604030504040204" pitchFamily="50" charset="-128"/>
-                <a:cs typeface="メイリオ" panose="020B0604030504040204" pitchFamily="50" charset="-128"/>
-              </a:rPr>
-              <a:t>コスプレの写真</a:t>
-            </a:r>
-            <a:endParaRPr kumimoji="1" lang="en-US" altLang="ja-JP" dirty="0" smtClean="0">
-              <a:latin typeface="メイリオ" panose="020B0604030504040204" pitchFamily="50" charset="-128"/>
-              <a:ea typeface="メイリオ" panose="020B0604030504040204" pitchFamily="50" charset="-128"/>
-              <a:cs typeface="メイリオ" panose="020B0604030504040204" pitchFamily="50" charset="-128"/>
-            </a:endParaRPr>
-          </a:p>
-          <a:p>
-            <a:pPr lvl="2">
-              <a:lnSpc>
-                <a:spcPct val="150000"/>
-              </a:lnSpc>
-            </a:pPr>
-            <a:r>
-              <a:rPr lang="ja-JP" altLang="en-US" dirty="0" smtClean="0">
-                <a:latin typeface="メイリオ" panose="020B0604030504040204" pitchFamily="50" charset="-128"/>
-                <a:ea typeface="メイリオ" panose="020B0604030504040204" pitchFamily="50" charset="-128"/>
-                <a:cs typeface="メイリオ" panose="020B0604030504040204" pitchFamily="50" charset="-128"/>
-              </a:rPr>
-              <a:t>キャラクターのセリフを</a:t>
-            </a:r>
-            <a:r>
-              <a:rPr lang="ja-JP" altLang="en-US" dirty="0">
-                <a:latin typeface="メイリオ" panose="020B0604030504040204" pitchFamily="50" charset="-128"/>
-                <a:ea typeface="メイリオ" panose="020B0604030504040204" pitchFamily="50" charset="-128"/>
-                <a:cs typeface="メイリオ" panose="020B0604030504040204" pitchFamily="50" charset="-128"/>
-              </a:rPr>
-              <a:t>定期的に</a:t>
-            </a:r>
-            <a:r>
-              <a:rPr lang="ja-JP" altLang="en-US" dirty="0" smtClean="0">
-                <a:latin typeface="メイリオ" panose="020B0604030504040204" pitchFamily="50" charset="-128"/>
-                <a:ea typeface="メイリオ" panose="020B0604030504040204" pitchFamily="50" charset="-128"/>
-                <a:cs typeface="メイリオ" panose="020B0604030504040204" pitchFamily="50" charset="-128"/>
-              </a:rPr>
-              <a:t>つぶやくボット（</a:t>
-            </a:r>
-            <a:r>
-              <a:rPr lang="en-US" altLang="ja-JP" dirty="0" smtClean="0">
-                <a:latin typeface="メイリオ" panose="020B0604030504040204" pitchFamily="50" charset="-128"/>
-                <a:ea typeface="メイリオ" panose="020B0604030504040204" pitchFamily="50" charset="-128"/>
-                <a:cs typeface="メイリオ" panose="020B0604030504040204" pitchFamily="50" charset="-128"/>
-              </a:rPr>
-              <a:t>bot</a:t>
-            </a:r>
-            <a:r>
-              <a:rPr lang="ja-JP" altLang="en-US" dirty="0" smtClean="0">
-                <a:latin typeface="メイリオ" panose="020B0604030504040204" pitchFamily="50" charset="-128"/>
-                <a:ea typeface="メイリオ" panose="020B0604030504040204" pitchFamily="50" charset="-128"/>
-                <a:cs typeface="メイリオ" panose="020B0604030504040204" pitchFamily="50" charset="-128"/>
-              </a:rPr>
-              <a:t>）</a:t>
-            </a:r>
-            <a:endParaRPr kumimoji="1" lang="en-US" altLang="ja-JP" dirty="0" smtClean="0">
-              <a:latin typeface="メイリオ" panose="020B0604030504040204" pitchFamily="50" charset="-128"/>
-              <a:ea typeface="メイリオ" panose="020B0604030504040204" pitchFamily="50" charset="-128"/>
-              <a:cs typeface="メイリオ" panose="020B0604030504040204" pitchFamily="50" charset="-128"/>
-            </a:endParaRPr>
-          </a:p>
-        </p:txBody>
-      </p:sp>
     </p:spTree>
     <p:extLst>
       <p:ext uri="{BB962C8B-B14F-4D97-AF65-F5344CB8AC3E}">
-        <p14:creationId xmlns:p14="http://schemas.microsoft.com/office/powerpoint/2010/main" val="2483017379"/>
+        <p14:creationId xmlns:p14="http://schemas.microsoft.com/office/powerpoint/2010/main" val="3183860694"/>
       </p:ext>
     </p:extLst>
   </p:cSld>
   <p:clrMapOvr>
     <a:masterClrMapping/>
   </p:clrMapOvr>
+  <p:timing>
+    <p:tnLst>
+      <p:par>
+        <p:cTn id="1" dur="indefinite" restart="never" nodeType="tmRoot"/>
+      </p:par>
+    </p:tnLst>
+  </p:timing>
 </p:sld>
 </file>
 

--- a/卒業論文/2014/吉野聡志/最終発表/最終発表スライド.pptx
+++ b/卒業論文/2014/吉野聡志/最終発表/最終発表スライド.pptx
@@ -5,26 +5,27 @@
     <p:sldMasterId id="2147483660" r:id="rId1"/>
   </p:sldMasterIdLst>
   <p:notesMasterIdLst>
-    <p:notesMasterId r:id="rId19"/>
+    <p:notesMasterId r:id="rId20"/>
   </p:notesMasterIdLst>
   <p:sldIdLst>
     <p:sldId id="256" r:id="rId2"/>
     <p:sldId id="258" r:id="rId3"/>
     <p:sldId id="260" r:id="rId4"/>
-    <p:sldId id="261" r:id="rId5"/>
-    <p:sldId id="262" r:id="rId6"/>
-    <p:sldId id="282" r:id="rId7"/>
-    <p:sldId id="283" r:id="rId8"/>
-    <p:sldId id="266" r:id="rId9"/>
-    <p:sldId id="278" r:id="rId10"/>
-    <p:sldId id="280" r:id="rId11"/>
-    <p:sldId id="274" r:id="rId12"/>
-    <p:sldId id="286" r:id="rId13"/>
-    <p:sldId id="279" r:id="rId14"/>
-    <p:sldId id="281" r:id="rId15"/>
-    <p:sldId id="287" r:id="rId16"/>
-    <p:sldId id="284" r:id="rId17"/>
-    <p:sldId id="285" r:id="rId18"/>
+    <p:sldId id="288" r:id="rId5"/>
+    <p:sldId id="261" r:id="rId6"/>
+    <p:sldId id="262" r:id="rId7"/>
+    <p:sldId id="282" r:id="rId8"/>
+    <p:sldId id="283" r:id="rId9"/>
+    <p:sldId id="266" r:id="rId10"/>
+    <p:sldId id="278" r:id="rId11"/>
+    <p:sldId id="280" r:id="rId12"/>
+    <p:sldId id="274" r:id="rId13"/>
+    <p:sldId id="286" r:id="rId14"/>
+    <p:sldId id="279" r:id="rId15"/>
+    <p:sldId id="281" r:id="rId16"/>
+    <p:sldId id="287" r:id="rId17"/>
+    <p:sldId id="284" r:id="rId18"/>
+    <p:sldId id="285" r:id="rId19"/>
   </p:sldIdLst>
   <p:sldSz cx="9144000" cy="6858000" type="screen4x3"/>
   <p:notesSz cx="6858000" cy="9144000"/>
@@ -125,7 +126,18 @@
   </p:defaultTextStyle>
   <p:extLst>
     <p:ext uri="{EFAFB233-063F-42B5-8137-9DF3F51BA10A}">
-      <p15:sldGuideLst xmlns:p15="http://schemas.microsoft.com/office/powerpoint/2012/main"/>
+      <p15:sldGuideLst xmlns:p15="http://schemas.microsoft.com/office/powerpoint/2012/main">
+        <p15:guide id="1" orient="horz" pos="2160">
+          <p15:clr>
+            <a:srgbClr val="A4A3A4"/>
+          </p15:clr>
+        </p15:guide>
+        <p15:guide id="2" pos="2880">
+          <p15:clr>
+            <a:srgbClr val="A4A3A4"/>
+          </p15:clr>
+        </p15:guide>
+      </p15:sldGuideLst>
     </p:ext>
   </p:extLst>
 </p:presentation>
@@ -213,7 +225,7 @@
           <a:p>
             <a:fld id="{826E46EC-C173-479E-AB21-DB129F19D8CA}" type="datetimeFigureOut">
               <a:rPr kumimoji="1" lang="ja-JP" altLang="en-US" smtClean="0"/>
-              <a:t>2016/2/4</a:t>
+              <a:t>2016/2/10</a:t>
             </a:fld>
             <a:endParaRPr kumimoji="1" lang="ja-JP" altLang="en-US"/>
           </a:p>
@@ -743,7 +755,7 @@
           <a:p>
             <a:fld id="{6E700183-32A0-4418-AA1B-34390FE871CB}" type="slidenum">
               <a:rPr kumimoji="1" lang="ja-JP" altLang="en-US" smtClean="0"/>
-              <a:t>11</a:t>
+              <a:t>12</a:t>
             </a:fld>
             <a:endParaRPr kumimoji="1" lang="ja-JP" altLang="en-US"/>
           </a:p>
@@ -831,7 +843,7 @@
           <a:p>
             <a:fld id="{6E700183-32A0-4418-AA1B-34390FE871CB}" type="slidenum">
               <a:rPr kumimoji="1" lang="ja-JP" altLang="en-US" smtClean="0"/>
-              <a:t>14</a:t>
+              <a:t>15</a:t>
             </a:fld>
             <a:endParaRPr kumimoji="1" lang="ja-JP" altLang="en-US"/>
           </a:p>
@@ -926,7 +938,7 @@
           <a:p>
             <a:fld id="{6E700183-32A0-4418-AA1B-34390FE871CB}" type="slidenum">
               <a:rPr kumimoji="1" lang="ja-JP" altLang="en-US" smtClean="0"/>
-              <a:t>15</a:t>
+              <a:t>16</a:t>
             </a:fld>
             <a:endParaRPr kumimoji="1" lang="ja-JP" altLang="en-US"/>
           </a:p>
@@ -1014,7 +1026,7 @@
           <a:p>
             <a:fld id="{6E700183-32A0-4418-AA1B-34390FE871CB}" type="slidenum">
               <a:rPr kumimoji="1" lang="ja-JP" altLang="en-US" smtClean="0"/>
-              <a:t>16</a:t>
+              <a:t>17</a:t>
             </a:fld>
             <a:endParaRPr kumimoji="1" lang="ja-JP" altLang="en-US"/>
           </a:p>
@@ -1102,7 +1114,7 @@
           <a:p>
             <a:fld id="{6E700183-32A0-4418-AA1B-34390FE871CB}" type="slidenum">
               <a:rPr kumimoji="1" lang="ja-JP" altLang="en-US" smtClean="0"/>
-              <a:t>17</a:t>
+              <a:t>18</a:t>
             </a:fld>
             <a:endParaRPr kumimoji="1" lang="ja-JP" altLang="en-US"/>
           </a:p>
@@ -1362,7 +1374,7 @@
           <a:p>
             <a:fld id="{6E700183-32A0-4418-AA1B-34390FE871CB}" type="slidenum">
               <a:rPr kumimoji="1" lang="ja-JP" altLang="en-US" smtClean="0"/>
-              <a:t>4</a:t>
+              <a:t>5</a:t>
             </a:fld>
             <a:endParaRPr kumimoji="1" lang="ja-JP" altLang="en-US"/>
           </a:p>
@@ -1481,7 +1493,7 @@
           <a:p>
             <a:fld id="{6E700183-32A0-4418-AA1B-34390FE871CB}" type="slidenum">
               <a:rPr kumimoji="1" lang="ja-JP" altLang="en-US" smtClean="0"/>
-              <a:t>5</a:t>
+              <a:t>6</a:t>
             </a:fld>
             <a:endParaRPr kumimoji="1" lang="ja-JP" altLang="en-US"/>
           </a:p>
@@ -1568,7 +1580,15 @@
           <a:p>
             <a:r>
               <a:rPr kumimoji="1" lang="ja-JP" altLang="en-US" dirty="0" smtClean="0"/>
-              <a:t>・自分のユーザとフォローしたユーザのつぶやきが時系列に表示される</a:t>
+              <a:t>・自分の</a:t>
+            </a:r>
+            <a:r>
+              <a:rPr kumimoji="1" lang="ja-JP" altLang="en-US" dirty="0" err="1" smtClean="0"/>
+              <a:t>と</a:t>
+            </a:r>
+            <a:r>
+              <a:rPr kumimoji="1" lang="ja-JP" altLang="en-US" dirty="0" smtClean="0"/>
+              <a:t>フォローしたユーザのつぶやきが時系列に表示される</a:t>
             </a:r>
             <a:endParaRPr kumimoji="1" lang="ja-JP" altLang="en-US" dirty="0"/>
           </a:p>
@@ -1591,7 +1611,7 @@
           <a:p>
             <a:fld id="{6E700183-32A0-4418-AA1B-34390FE871CB}" type="slidenum">
               <a:rPr kumimoji="1" lang="ja-JP" altLang="en-US" smtClean="0"/>
-              <a:t>6</a:t>
+              <a:t>7</a:t>
             </a:fld>
             <a:endParaRPr kumimoji="1" lang="ja-JP" altLang="en-US"/>
           </a:p>
@@ -1679,7 +1699,7 @@
           <a:p>
             <a:fld id="{6E700183-32A0-4418-AA1B-34390FE871CB}" type="slidenum">
               <a:rPr kumimoji="1" lang="ja-JP" altLang="en-US" smtClean="0"/>
-              <a:t>7</a:t>
+              <a:t>8</a:t>
             </a:fld>
             <a:endParaRPr kumimoji="1" lang="ja-JP" altLang="en-US"/>
           </a:p>
@@ -1815,7 +1835,7 @@
           <a:p>
             <a:fld id="{6E700183-32A0-4418-AA1B-34390FE871CB}" type="slidenum">
               <a:rPr kumimoji="1" lang="ja-JP" altLang="en-US" smtClean="0"/>
-              <a:t>8</a:t>
+              <a:t>9</a:t>
             </a:fld>
             <a:endParaRPr kumimoji="1" lang="ja-JP" altLang="en-US"/>
           </a:p>
@@ -1950,7 +1970,7 @@
           <a:p>
             <a:fld id="{6E700183-32A0-4418-AA1B-34390FE871CB}" type="slidenum">
               <a:rPr kumimoji="1" lang="ja-JP" altLang="en-US" smtClean="0"/>
-              <a:t>9</a:t>
+              <a:t>10</a:t>
             </a:fld>
             <a:endParaRPr kumimoji="1" lang="ja-JP" altLang="en-US"/>
           </a:p>
@@ -2038,7 +2058,7 @@
           <a:p>
             <a:fld id="{6E700183-32A0-4418-AA1B-34390FE871CB}" type="slidenum">
               <a:rPr kumimoji="1" lang="ja-JP" altLang="en-US" smtClean="0"/>
-              <a:t>10</a:t>
+              <a:t>11</a:t>
             </a:fld>
             <a:endParaRPr kumimoji="1" lang="ja-JP" altLang="en-US"/>
           </a:p>
@@ -2188,7 +2208,7 @@
           <a:p>
             <a:fld id="{09DBCCF7-DBC0-4846-851D-5E8954A432E4}" type="datetimeFigureOut">
               <a:rPr kumimoji="1" lang="ja-JP" altLang="en-US" smtClean="0"/>
-              <a:t>2016/2/4</a:t>
+              <a:t>2016/2/10</a:t>
             </a:fld>
             <a:endParaRPr kumimoji="1" lang="ja-JP" altLang="en-US"/>
           </a:p>
@@ -2390,7 +2410,7 @@
           <a:p>
             <a:fld id="{09DBCCF7-DBC0-4846-851D-5E8954A432E4}" type="datetimeFigureOut">
               <a:rPr kumimoji="1" lang="ja-JP" altLang="en-US" smtClean="0"/>
-              <a:t>2016/2/4</a:t>
+              <a:t>2016/2/10</a:t>
             </a:fld>
             <a:endParaRPr kumimoji="1" lang="ja-JP" altLang="en-US"/>
           </a:p>
@@ -2602,7 +2622,7 @@
           <a:p>
             <a:fld id="{09DBCCF7-DBC0-4846-851D-5E8954A432E4}" type="datetimeFigureOut">
               <a:rPr kumimoji="1" lang="ja-JP" altLang="en-US" smtClean="0"/>
-              <a:t>2016/2/4</a:t>
+              <a:t>2016/2/10</a:t>
             </a:fld>
             <a:endParaRPr kumimoji="1" lang="ja-JP" altLang="en-US"/>
           </a:p>
@@ -2804,7 +2824,7 @@
           <a:p>
             <a:fld id="{09DBCCF7-DBC0-4846-851D-5E8954A432E4}" type="datetimeFigureOut">
               <a:rPr kumimoji="1" lang="ja-JP" altLang="en-US" smtClean="0"/>
-              <a:t>2016/2/4</a:t>
+              <a:t>2016/2/10</a:t>
             </a:fld>
             <a:endParaRPr kumimoji="1" lang="ja-JP" altLang="en-US"/>
           </a:p>
@@ -3048,7 +3068,7 @@
           <a:p>
             <a:fld id="{09DBCCF7-DBC0-4846-851D-5E8954A432E4}" type="datetimeFigureOut">
               <a:rPr kumimoji="1" lang="ja-JP" altLang="en-US" smtClean="0"/>
-              <a:t>2016/2/4</a:t>
+              <a:t>2016/2/10</a:t>
             </a:fld>
             <a:endParaRPr kumimoji="1" lang="ja-JP" altLang="en-US"/>
           </a:p>
@@ -3344,7 +3364,7 @@
           <a:p>
             <a:fld id="{09DBCCF7-DBC0-4846-851D-5E8954A432E4}" type="datetimeFigureOut">
               <a:rPr kumimoji="1" lang="ja-JP" altLang="en-US" smtClean="0"/>
-              <a:t>2016/2/4</a:t>
+              <a:t>2016/2/10</a:t>
             </a:fld>
             <a:endParaRPr kumimoji="1" lang="ja-JP" altLang="en-US"/>
           </a:p>
@@ -3775,7 +3795,7 @@
           <a:p>
             <a:fld id="{09DBCCF7-DBC0-4846-851D-5E8954A432E4}" type="datetimeFigureOut">
               <a:rPr kumimoji="1" lang="ja-JP" altLang="en-US" smtClean="0"/>
-              <a:t>2016/2/4</a:t>
+              <a:t>2016/2/10</a:t>
             </a:fld>
             <a:endParaRPr kumimoji="1" lang="ja-JP" altLang="en-US"/>
           </a:p>
@@ -3893,7 +3913,7 @@
           <a:p>
             <a:fld id="{09DBCCF7-DBC0-4846-851D-5E8954A432E4}" type="datetimeFigureOut">
               <a:rPr kumimoji="1" lang="ja-JP" altLang="en-US" smtClean="0"/>
-              <a:t>2016/2/4</a:t>
+              <a:t>2016/2/10</a:t>
             </a:fld>
             <a:endParaRPr kumimoji="1" lang="ja-JP" altLang="en-US"/>
           </a:p>
@@ -3988,7 +4008,7 @@
           <a:p>
             <a:fld id="{09DBCCF7-DBC0-4846-851D-5E8954A432E4}" type="datetimeFigureOut">
               <a:rPr kumimoji="1" lang="ja-JP" altLang="en-US" smtClean="0"/>
-              <a:t>2016/2/4</a:t>
+              <a:t>2016/2/10</a:t>
             </a:fld>
             <a:endParaRPr kumimoji="1" lang="ja-JP" altLang="en-US"/>
           </a:p>
@@ -4297,7 +4317,7 @@
           <a:p>
             <a:fld id="{09DBCCF7-DBC0-4846-851D-5E8954A432E4}" type="datetimeFigureOut">
               <a:rPr kumimoji="1" lang="ja-JP" altLang="en-US" smtClean="0"/>
-              <a:t>2016/2/4</a:t>
+              <a:t>2016/2/10</a:t>
             </a:fld>
             <a:endParaRPr kumimoji="1" lang="ja-JP" altLang="en-US"/>
           </a:p>
@@ -4554,7 +4574,7 @@
           <a:p>
             <a:fld id="{09DBCCF7-DBC0-4846-851D-5E8954A432E4}" type="datetimeFigureOut">
               <a:rPr kumimoji="1" lang="ja-JP" altLang="en-US" smtClean="0"/>
-              <a:t>2016/2/4</a:t>
+              <a:t>2016/2/10</a:t>
             </a:fld>
             <a:endParaRPr kumimoji="1" lang="ja-JP" altLang="en-US"/>
           </a:p>
@@ -4799,7 +4819,7 @@
           <a:p>
             <a:fld id="{09DBCCF7-DBC0-4846-851D-5E8954A432E4}" type="datetimeFigureOut">
               <a:rPr kumimoji="1" lang="ja-JP" altLang="en-US" smtClean="0"/>
-              <a:t>2016/2/4</a:t>
+              <a:t>2016/2/10</a:t>
             </a:fld>
             <a:endParaRPr kumimoji="1" lang="ja-JP" altLang="en-US"/>
           </a:p>
@@ -5379,6 +5399,103 @@
           <a:chExt cx="0" cy="0"/>
         </a:xfrm>
       </p:grpSpPr>
+      <p:pic>
+        <p:nvPicPr>
+          <p:cNvPr id="4" name="コンテンツ プレースホルダー 3"/>
+          <p:cNvPicPr>
+            <a:picLocks noGrp="1" noChangeAspect="1"/>
+          </p:cNvPicPr>
+          <p:nvPr>
+            <p:ph idx="1"/>
+          </p:nvPr>
+        </p:nvPicPr>
+        <p:blipFill>
+          <a:blip r:embed="rId3">
+            <a:extLst>
+              <a:ext uri="{28A0092B-C50C-407E-A947-70E740481C1C}">
+                <a14:useLocalDpi xmlns:a14="http://schemas.microsoft.com/office/drawing/2010/main" val="0"/>
+              </a:ext>
+            </a:extLst>
+          </a:blip>
+          <a:stretch>
+            <a:fillRect/>
+          </a:stretch>
+        </p:blipFill>
+        <p:spPr>
+          <a:xfrm>
+            <a:off x="1149865" y="85344"/>
+            <a:ext cx="6844269" cy="6858000"/>
+          </a:xfrm>
+        </p:spPr>
+      </p:pic>
+      <p:sp>
+        <p:nvSpPr>
+          <p:cNvPr id="2" name="タイトル 1"/>
+          <p:cNvSpPr>
+            <a:spLocks noGrp="1"/>
+          </p:cNvSpPr>
+          <p:nvPr>
+            <p:ph type="title"/>
+          </p:nvPr>
+        </p:nvSpPr>
+        <p:spPr/>
+        <p:txBody>
+          <a:bodyPr/>
+          <a:lstStyle/>
+          <a:p>
+            <a:r>
+              <a:rPr lang="ja-JP" altLang="en-US" dirty="0">
+                <a:latin typeface="メイリオ" panose="020B0604030504040204" pitchFamily="50" charset="-128"/>
+                <a:ea typeface="メイリオ" panose="020B0604030504040204" pitchFamily="50" charset="-128"/>
+                <a:cs typeface="メイリオ" panose="020B0604030504040204" pitchFamily="50" charset="-128"/>
+              </a:rPr>
+              <a:t>結果</a:t>
+            </a:r>
+            <a:endParaRPr kumimoji="1" lang="ja-JP" altLang="en-US" dirty="0">
+              <a:latin typeface="メイリオ" panose="020B0604030504040204" pitchFamily="50" charset="-128"/>
+              <a:ea typeface="メイリオ" panose="020B0604030504040204" pitchFamily="50" charset="-128"/>
+              <a:cs typeface="メイリオ" panose="020B0604030504040204" pitchFamily="50" charset="-128"/>
+            </a:endParaRPr>
+          </a:p>
+        </p:txBody>
+      </p:sp>
+    </p:spTree>
+    <p:extLst>
+      <p:ext uri="{BB962C8B-B14F-4D97-AF65-F5344CB8AC3E}">
+        <p14:creationId xmlns:p14="http://schemas.microsoft.com/office/powerpoint/2010/main" val="3183860694"/>
+      </p:ext>
+    </p:extLst>
+  </p:cSld>
+  <p:clrMapOvr>
+    <a:masterClrMapping/>
+  </p:clrMapOvr>
+  <p:timing>
+    <p:tnLst>
+      <p:par>
+        <p:cTn id="1" dur="indefinite" restart="never" nodeType="tmRoot"/>
+      </p:par>
+    </p:tnLst>
+  </p:timing>
+</p:sld>
+</file>
+
+<file path=ppt/slides/slide11.xml><?xml version="1.0" encoding="utf-8"?>
+<p:sld xmlns:a="http://schemas.openxmlformats.org/drawingml/2006/main" xmlns:r="http://schemas.openxmlformats.org/officeDocument/2006/relationships" xmlns:p="http://schemas.openxmlformats.org/presentationml/2006/main">
+  <p:cSld>
+    <p:spTree>
+      <p:nvGrpSpPr>
+        <p:cNvPr id="1" name=""/>
+        <p:cNvGrpSpPr/>
+        <p:nvPr/>
+      </p:nvGrpSpPr>
+      <p:grpSpPr>
+        <a:xfrm>
+          <a:off x="0" y="0"/>
+          <a:ext cx="0" cy="0"/>
+          <a:chOff x="0" y="0"/>
+          <a:chExt cx="0" cy="0"/>
+        </a:xfrm>
+      </p:grpSpPr>
       <p:sp>
         <p:nvSpPr>
           <p:cNvPr id="2" name="タイトル 1"/>
@@ -5592,7 +5709,7 @@
 </p:sld>
 </file>
 
-<file path=ppt/slides/slide11.xml><?xml version="1.0" encoding="utf-8"?>
+<file path=ppt/slides/slide12.xml><?xml version="1.0" encoding="utf-8"?>
 <p:sld xmlns:a="http://schemas.openxmlformats.org/drawingml/2006/main" xmlns:r="http://schemas.openxmlformats.org/officeDocument/2006/relationships" xmlns:p="http://schemas.openxmlformats.org/presentationml/2006/main">
   <p:cSld>
     <p:spTree>
@@ -5766,7 +5883,7 @@
 </p:sld>
 </file>
 
-<file path=ppt/slides/slide12.xml><?xml version="1.0" encoding="utf-8"?>
+<file path=ppt/slides/slide13.xml><?xml version="1.0" encoding="utf-8"?>
 <p:sld xmlns:a="http://schemas.openxmlformats.org/drawingml/2006/main" xmlns:r="http://schemas.openxmlformats.org/officeDocument/2006/relationships" xmlns:p="http://schemas.openxmlformats.org/presentationml/2006/main">
   <p:cSld>
     <p:spTree>
@@ -6076,7 +6193,7 @@
 </p:sld>
 </file>
 
-<file path=ppt/slides/slide13.xml><?xml version="1.0" encoding="utf-8"?>
+<file path=ppt/slides/slide14.xml><?xml version="1.0" encoding="utf-8"?>
 <p:sld xmlns:a="http://schemas.openxmlformats.org/drawingml/2006/main" xmlns:r="http://schemas.openxmlformats.org/officeDocument/2006/relationships" xmlns:p="http://schemas.openxmlformats.org/presentationml/2006/main">
   <p:cSld>
     <p:spTree>
@@ -6173,7 +6290,7 @@
 </p:sld>
 </file>
 
-<file path=ppt/slides/slide14.xml><?xml version="1.0" encoding="utf-8"?>
+<file path=ppt/slides/slide15.xml><?xml version="1.0" encoding="utf-8"?>
 <p:sld xmlns:a="http://schemas.openxmlformats.org/drawingml/2006/main" xmlns:r="http://schemas.openxmlformats.org/officeDocument/2006/relationships" xmlns:p="http://schemas.openxmlformats.org/presentationml/2006/main">
   <p:cSld>
     <p:spTree>
@@ -6531,7 +6648,7 @@
 </p:sld>
 </file>
 
-<file path=ppt/slides/slide15.xml><?xml version="1.0" encoding="utf-8"?>
+<file path=ppt/slides/slide16.xml><?xml version="1.0" encoding="utf-8"?>
 <p:sld xmlns:a="http://schemas.openxmlformats.org/drawingml/2006/main" xmlns:r="http://schemas.openxmlformats.org/officeDocument/2006/relationships" xmlns:p="http://schemas.openxmlformats.org/presentationml/2006/main">
   <p:cSld>
     <p:spTree>
@@ -6761,7 +6878,7 @@
 </p:sld>
 </file>
 
-<file path=ppt/slides/slide16.xml><?xml version="1.0" encoding="utf-8"?>
+<file path=ppt/slides/slide17.xml><?xml version="1.0" encoding="utf-8"?>
 <p:sld xmlns:a="http://schemas.openxmlformats.org/drawingml/2006/main" xmlns:r="http://schemas.openxmlformats.org/officeDocument/2006/relationships" xmlns:p="http://schemas.openxmlformats.org/presentationml/2006/main">
   <p:cSld>
     <p:spTree>
@@ -6913,7 +7030,7 @@
 </p:sld>
 </file>
 
-<file path=ppt/slides/slide17.xml><?xml version="1.0" encoding="utf-8"?>
+<file path=ppt/slides/slide18.xml><?xml version="1.0" encoding="utf-8"?>
 <p:sld xmlns:a="http://schemas.openxmlformats.org/drawingml/2006/main" xmlns:r="http://schemas.openxmlformats.org/officeDocument/2006/relationships" xmlns:p="http://schemas.openxmlformats.org/presentationml/2006/main">
   <p:cSld>
     <p:spTree>
@@ -7599,218 +7716,765 @@
               <a:rPr kumimoji="1" lang="ja-JP" altLang="en-US" dirty="0" smtClean="0">
                 <a:latin typeface="メイリオ" panose="020B0604030504040204" pitchFamily="50" charset="-128"/>
                 <a:ea typeface="メイリオ" panose="020B0604030504040204" pitchFamily="50" charset="-128"/>
-                <a:cs typeface="メイリオ" panose="020B0604030504040204" pitchFamily="50" charset="-128"/>
-              </a:rPr>
-              <a:t>手法</a:t>
+              </a:rPr>
+              <a:t>目的</a:t>
             </a:r>
             <a:endParaRPr kumimoji="1" lang="ja-JP" altLang="en-US" dirty="0">
               <a:latin typeface="メイリオ" panose="020B0604030504040204" pitchFamily="50" charset="-128"/>
               <a:ea typeface="メイリオ" panose="020B0604030504040204" pitchFamily="50" charset="-128"/>
-              <a:cs typeface="メイリオ" panose="020B0604030504040204" pitchFamily="50" charset="-128"/>
             </a:endParaRPr>
           </a:p>
         </p:txBody>
       </p:sp>
       <p:sp>
         <p:nvSpPr>
-          <p:cNvPr id="3" name="コンテンツ プレースホルダー 2"/>
-          <p:cNvSpPr>
-            <a:spLocks noGrp="1"/>
-          </p:cNvSpPr>
-          <p:nvPr>
-            <p:ph idx="1"/>
-          </p:nvPr>
+          <p:cNvPr id="4" name="円/楕円 3"/>
+          <p:cNvSpPr/>
+          <p:nvPr/>
         </p:nvSpPr>
         <p:spPr>
           <a:xfrm>
-            <a:off x="628650" y="1571624"/>
-            <a:ext cx="7886700" cy="5032376"/>
+            <a:off x="1839685" y="555168"/>
+            <a:ext cx="5421086" cy="4245429"/>
           </a:xfrm>
+          <a:prstGeom prst="ellipse">
+            <a:avLst/>
+          </a:prstGeom>
+          <a:noFill/>
+          <a:ln>
+            <a:solidFill>
+              <a:schemeClr val="tx1"/>
+            </a:solidFill>
+          </a:ln>
         </p:spPr>
-        <p:txBody>
-          <a:bodyPr>
-            <a:normAutofit/>
+        <p:style>
+          <a:lnRef idx="2">
+            <a:schemeClr val="accent1">
+              <a:shade val="50000"/>
+            </a:schemeClr>
+          </a:lnRef>
+          <a:fillRef idx="1">
+            <a:schemeClr val="accent1"/>
+          </a:fillRef>
+          <a:effectRef idx="0">
+            <a:schemeClr val="accent1"/>
+          </a:effectRef>
+          <a:fontRef idx="minor">
+            <a:schemeClr val="lt1"/>
+          </a:fontRef>
+        </p:style>
+        <p:txBody>
+          <a:bodyPr rtlCol="0" anchor="ctr"/>
+          <a:lstStyle/>
+          <a:p>
+            <a:pPr algn="ctr"/>
+            <a:endParaRPr kumimoji="1" lang="ja-JP" altLang="en-US"/>
+          </a:p>
+        </p:txBody>
+      </p:sp>
+      <p:sp>
+        <p:nvSpPr>
+          <p:cNvPr id="5" name="円/楕円 4"/>
+          <p:cNvSpPr/>
+          <p:nvPr/>
+        </p:nvSpPr>
+        <p:spPr>
+          <a:xfrm>
+            <a:off x="212269" y="2383970"/>
+            <a:ext cx="5421086" cy="4245429"/>
+          </a:xfrm>
+          <a:prstGeom prst="ellipse">
+            <a:avLst/>
+          </a:prstGeom>
+          <a:noFill/>
+          <a:ln>
+            <a:solidFill>
+              <a:schemeClr val="tx1"/>
+            </a:solidFill>
+          </a:ln>
+        </p:spPr>
+        <p:style>
+          <a:lnRef idx="2">
+            <a:schemeClr val="accent1">
+              <a:shade val="50000"/>
+            </a:schemeClr>
+          </a:lnRef>
+          <a:fillRef idx="1">
+            <a:schemeClr val="accent1"/>
+          </a:fillRef>
+          <a:effectRef idx="0">
+            <a:schemeClr val="accent1"/>
+          </a:effectRef>
+          <a:fontRef idx="minor">
+            <a:schemeClr val="lt1"/>
+          </a:fontRef>
+        </p:style>
+        <p:txBody>
+          <a:bodyPr rtlCol="0" anchor="ctr"/>
+          <a:lstStyle/>
+          <a:p>
+            <a:pPr algn="ctr"/>
+            <a:endParaRPr kumimoji="1" lang="ja-JP" altLang="en-US"/>
+          </a:p>
+        </p:txBody>
+      </p:sp>
+      <p:sp>
+        <p:nvSpPr>
+          <p:cNvPr id="6" name="円/楕円 5"/>
+          <p:cNvSpPr/>
+          <p:nvPr/>
+        </p:nvSpPr>
+        <p:spPr>
+          <a:xfrm>
+            <a:off x="3483428" y="2383970"/>
+            <a:ext cx="5421086" cy="4245429"/>
+          </a:xfrm>
+          <a:prstGeom prst="ellipse">
+            <a:avLst/>
+          </a:prstGeom>
+          <a:noFill/>
+          <a:ln>
+            <a:solidFill>
+              <a:schemeClr val="tx1"/>
+            </a:solidFill>
+          </a:ln>
+        </p:spPr>
+        <p:style>
+          <a:lnRef idx="2">
+            <a:schemeClr val="accent1">
+              <a:shade val="50000"/>
+            </a:schemeClr>
+          </a:lnRef>
+          <a:fillRef idx="1">
+            <a:schemeClr val="accent1"/>
+          </a:fillRef>
+          <a:effectRef idx="0">
+            <a:schemeClr val="accent1"/>
+          </a:effectRef>
+          <a:fontRef idx="minor">
+            <a:schemeClr val="lt1"/>
+          </a:fontRef>
+        </p:style>
+        <p:txBody>
+          <a:bodyPr rtlCol="0" anchor="ctr"/>
+          <a:lstStyle/>
+          <a:p>
+            <a:pPr algn="ctr"/>
+            <a:endParaRPr kumimoji="1" lang="ja-JP" altLang="en-US"/>
+          </a:p>
+        </p:txBody>
+      </p:sp>
+      <p:sp>
+        <p:nvSpPr>
+          <p:cNvPr id="7" name="テキスト ボックス 6"/>
+          <p:cNvSpPr txBox="1"/>
+          <p:nvPr/>
+        </p:nvSpPr>
+        <p:spPr>
+          <a:xfrm>
+            <a:off x="3227614" y="1251857"/>
+            <a:ext cx="2688771" cy="646331"/>
+          </a:xfrm>
+          <a:prstGeom prst="rect">
+            <a:avLst/>
+          </a:prstGeom>
+          <a:noFill/>
+        </p:spPr>
+        <p:txBody>
+          <a:bodyPr wrap="square" rtlCol="0">
+            <a:spAutoFit/>
           </a:bodyPr>
           <a:lstStyle/>
           <a:p>
-            <a:pPr marL="514350" indent="-514350">
-              <a:lnSpc>
-                <a:spcPct val="150000"/>
-              </a:lnSpc>
-              <a:buFont typeface="+mj-lt"/>
-              <a:buAutoNum type="arabicPeriod"/>
-            </a:pPr>
-            <a:r>
-              <a:rPr lang="en-US" altLang="ja-JP" dirty="0" smtClean="0">
-                <a:latin typeface="メイリオ" panose="020B0604030504040204" pitchFamily="50" charset="-128"/>
-                <a:ea typeface="メイリオ" panose="020B0604030504040204" pitchFamily="50" charset="-128"/>
-                <a:cs typeface="メイリオ" panose="020B0604030504040204" pitchFamily="50" charset="-128"/>
-              </a:rPr>
-              <a:t>Twitter</a:t>
-            </a:r>
-            <a:r>
-              <a:rPr lang="ja-JP" altLang="en-US" dirty="0" smtClean="0">
-                <a:latin typeface="メイリオ" panose="020B0604030504040204" pitchFamily="50" charset="-128"/>
-                <a:ea typeface="メイリオ" panose="020B0604030504040204" pitchFamily="50" charset="-128"/>
-                <a:cs typeface="メイリオ" panose="020B0604030504040204" pitchFamily="50" charset="-128"/>
-              </a:rPr>
-              <a:t>アクティブユーザ数名から，</a:t>
-            </a:r>
-            <a:r>
-              <a:rPr lang="en-US" altLang="ja-JP" dirty="0" smtClean="0">
-                <a:latin typeface="メイリオ" panose="020B0604030504040204" pitchFamily="50" charset="-128"/>
-                <a:ea typeface="メイリオ" panose="020B0604030504040204" pitchFamily="50" charset="-128"/>
-                <a:cs typeface="メイリオ" panose="020B0604030504040204" pitchFamily="50" charset="-128"/>
-              </a:rPr>
-              <a:t>Twitter</a:t>
-            </a:r>
-            <a:r>
-              <a:rPr lang="ja-JP" altLang="en-US" dirty="0" smtClean="0">
-                <a:latin typeface="メイリオ" panose="020B0604030504040204" pitchFamily="50" charset="-128"/>
-                <a:ea typeface="メイリオ" panose="020B0604030504040204" pitchFamily="50" charset="-128"/>
-                <a:cs typeface="メイリオ" panose="020B0604030504040204" pitchFamily="50" charset="-128"/>
-              </a:rPr>
-              <a:t>に求める情報をヒアリングする</a:t>
-            </a:r>
-            <a:endParaRPr lang="en-US" altLang="ja-JP" dirty="0" smtClean="0">
+            <a:r>
+              <a:rPr kumimoji="1" lang="ja-JP" altLang="en-US" dirty="0" smtClean="0">
+                <a:latin typeface="メイリオ" panose="020B0604030504040204" pitchFamily="50" charset="-128"/>
+                <a:ea typeface="メイリオ" panose="020B0604030504040204" pitchFamily="50" charset="-128"/>
+              </a:rPr>
+              <a:t>タイムラインから得た不要と思われる情報</a:t>
+            </a:r>
+            <a:endParaRPr kumimoji="1" lang="ja-JP" altLang="en-US" dirty="0">
               <a:latin typeface="メイリオ" panose="020B0604030504040204" pitchFamily="50" charset="-128"/>
               <a:ea typeface="メイリオ" panose="020B0604030504040204" pitchFamily="50" charset="-128"/>
-              <a:cs typeface="メイリオ" panose="020B0604030504040204" pitchFamily="50" charset="-128"/>
             </a:endParaRPr>
           </a:p>
-          <a:p>
-            <a:pPr marL="514350" indent="-514350">
-              <a:lnSpc>
-                <a:spcPct val="150000"/>
-              </a:lnSpc>
-              <a:buFont typeface="+mj-lt"/>
-              <a:buAutoNum type="arabicPeriod"/>
-            </a:pPr>
-            <a:r>
-              <a:rPr lang="ja-JP" altLang="en-US" dirty="0" smtClean="0">
-                <a:latin typeface="メイリオ" panose="020B0604030504040204" pitchFamily="50" charset="-128"/>
-                <a:ea typeface="メイリオ" panose="020B0604030504040204" pitchFamily="50" charset="-128"/>
-                <a:cs typeface="メイリオ" panose="020B0604030504040204" pitchFamily="50" charset="-128"/>
-              </a:rPr>
-              <a:t>各ユーザアカウントのタイムライン上にあるツイートの本文だけを</a:t>
-            </a:r>
-            <a:r>
-              <a:rPr lang="en-US" altLang="ja-JP" dirty="0" smtClean="0">
-                <a:latin typeface="メイリオ" panose="020B0604030504040204" pitchFamily="50" charset="-128"/>
-                <a:ea typeface="メイリオ" panose="020B0604030504040204" pitchFamily="50" charset="-128"/>
-                <a:cs typeface="メイリオ" panose="020B0604030504040204" pitchFamily="50" charset="-128"/>
-              </a:rPr>
-              <a:t>1</a:t>
-            </a:r>
-            <a:r>
-              <a:rPr lang="ja-JP" altLang="en-US" dirty="0" smtClean="0">
-                <a:latin typeface="メイリオ" panose="020B0604030504040204" pitchFamily="50" charset="-128"/>
-                <a:ea typeface="メイリオ" panose="020B0604030504040204" pitchFamily="50" charset="-128"/>
-                <a:cs typeface="メイリオ" panose="020B0604030504040204" pitchFamily="50" charset="-128"/>
-              </a:rPr>
-              <a:t>日分取得する</a:t>
-            </a:r>
-            <a:endParaRPr lang="en-US" altLang="ja-JP" dirty="0" smtClean="0">
+        </p:txBody>
+      </p:sp>
+      <p:sp>
+        <p:nvSpPr>
+          <p:cNvPr id="8" name="テキスト ボックス 7"/>
+          <p:cNvSpPr txBox="1"/>
+          <p:nvPr/>
+        </p:nvSpPr>
+        <p:spPr>
+          <a:xfrm>
+            <a:off x="1202872" y="5372176"/>
+            <a:ext cx="2639786" cy="923330"/>
+          </a:xfrm>
+          <a:prstGeom prst="rect">
+            <a:avLst/>
+          </a:prstGeom>
+          <a:noFill/>
+        </p:spPr>
+        <p:txBody>
+          <a:bodyPr wrap="square" rtlCol="0">
+            <a:spAutoFit/>
+          </a:bodyPr>
+          <a:lstStyle/>
+          <a:p>
+            <a:r>
+              <a:rPr kumimoji="1" lang="ja-JP" altLang="en-US" dirty="0" smtClean="0">
+                <a:latin typeface="メイリオ" panose="020B0604030504040204" pitchFamily="50" charset="-128"/>
+                <a:ea typeface="メイリオ" panose="020B0604030504040204" pitchFamily="50" charset="-128"/>
+              </a:rPr>
+              <a:t>ヒアリングでは得られなかった潜在的な</a:t>
+            </a:r>
+            <a:endParaRPr kumimoji="1" lang="en-US" altLang="ja-JP" dirty="0" smtClean="0">
               <a:latin typeface="メイリオ" panose="020B0604030504040204" pitchFamily="50" charset="-128"/>
               <a:ea typeface="メイリオ" panose="020B0604030504040204" pitchFamily="50" charset="-128"/>
-              <a:cs typeface="メイリオ" panose="020B0604030504040204" pitchFamily="50" charset="-128"/>
             </a:endParaRPr>
           </a:p>
           <a:p>
-            <a:pPr marL="514350" indent="-514350">
-              <a:lnSpc>
-                <a:spcPct val="150000"/>
-              </a:lnSpc>
-              <a:buFont typeface="+mj-lt"/>
-              <a:buAutoNum type="arabicPeriod"/>
-            </a:pPr>
-            <a:r>
-              <a:rPr lang="ja-JP" altLang="en-US" dirty="0">
-                <a:latin typeface="メイリオ" panose="020B0604030504040204" pitchFamily="50" charset="-128"/>
-                <a:ea typeface="メイリオ" panose="020B0604030504040204" pitchFamily="50" charset="-128"/>
-                <a:cs typeface="メイリオ" panose="020B0604030504040204" pitchFamily="50" charset="-128"/>
-              </a:rPr>
-              <a:t>共起</a:t>
-            </a:r>
-            <a:r>
-              <a:rPr lang="ja-JP" altLang="en-US" dirty="0" smtClean="0">
-                <a:latin typeface="メイリオ" panose="020B0604030504040204" pitchFamily="50" charset="-128"/>
-                <a:ea typeface="メイリオ" panose="020B0604030504040204" pitchFamily="50" charset="-128"/>
-                <a:cs typeface="メイリオ" panose="020B0604030504040204" pitchFamily="50" charset="-128"/>
-              </a:rPr>
-              <a:t>ネットワークを描画する</a:t>
-            </a:r>
-            <a:endParaRPr lang="en-US" altLang="ja-JP" dirty="0" smtClean="0">
+            <a:r>
+              <a:rPr kumimoji="1" lang="ja-JP" altLang="en-US" dirty="0" smtClean="0">
+                <a:latin typeface="メイリオ" panose="020B0604030504040204" pitchFamily="50" charset="-128"/>
+                <a:ea typeface="メイリオ" panose="020B0604030504040204" pitchFamily="50" charset="-128"/>
+              </a:rPr>
+              <a:t>ニーズ</a:t>
+            </a:r>
+            <a:endParaRPr kumimoji="1" lang="ja-JP" altLang="en-US" dirty="0">
               <a:latin typeface="メイリオ" panose="020B0604030504040204" pitchFamily="50" charset="-128"/>
               <a:ea typeface="メイリオ" panose="020B0604030504040204" pitchFamily="50" charset="-128"/>
-              <a:cs typeface="メイリオ" panose="020B0604030504040204" pitchFamily="50" charset="-128"/>
             </a:endParaRPr>
           </a:p>
-          <a:p>
-            <a:pPr marL="514350" indent="-514350">
-              <a:lnSpc>
-                <a:spcPct val="150000"/>
-              </a:lnSpc>
-              <a:buFont typeface="+mj-lt"/>
-              <a:buAutoNum type="arabicPeriod"/>
-            </a:pPr>
-            <a:r>
-              <a:rPr lang="ja-JP" altLang="en-US" dirty="0">
-                <a:latin typeface="メイリオ" panose="020B0604030504040204" pitchFamily="50" charset="-128"/>
-                <a:ea typeface="メイリオ" panose="020B0604030504040204" pitchFamily="50" charset="-128"/>
-                <a:cs typeface="メイリオ" panose="020B0604030504040204" pitchFamily="50" charset="-128"/>
-              </a:rPr>
-              <a:t>他の</a:t>
-            </a:r>
+        </p:txBody>
+      </p:sp>
+      <p:sp>
+        <p:nvSpPr>
+          <p:cNvPr id="9" name="テキスト ボックス 8"/>
+          <p:cNvSpPr txBox="1"/>
+          <p:nvPr/>
+        </p:nvSpPr>
+        <p:spPr>
+          <a:xfrm>
+            <a:off x="5731328" y="4921397"/>
+            <a:ext cx="2803072" cy="646331"/>
+          </a:xfrm>
+          <a:prstGeom prst="rect">
+            <a:avLst/>
+          </a:prstGeom>
+          <a:noFill/>
+        </p:spPr>
+        <p:txBody>
+          <a:bodyPr wrap="square" rtlCol="0">
+            <a:spAutoFit/>
+          </a:bodyPr>
+          <a:lstStyle/>
+          <a:p>
             <a:r>
               <a:rPr lang="ja-JP" altLang="en-US" dirty="0" smtClean="0">
                 <a:latin typeface="メイリオ" panose="020B0604030504040204" pitchFamily="50" charset="-128"/>
                 <a:ea typeface="メイリオ" panose="020B0604030504040204" pitchFamily="50" charset="-128"/>
-                <a:cs typeface="メイリオ" panose="020B0604030504040204" pitchFamily="50" charset="-128"/>
-              </a:rPr>
-              <a:t>ユーザ同士の共起ネットワークを比較</a:t>
-            </a:r>
-            <a:r>
-              <a:rPr lang="ja-JP" altLang="en-US" dirty="0">
-                <a:latin typeface="メイリオ" panose="020B0604030504040204" pitchFamily="50" charset="-128"/>
-                <a:ea typeface="メイリオ" panose="020B0604030504040204" pitchFamily="50" charset="-128"/>
-                <a:cs typeface="メイリオ" panose="020B0604030504040204" pitchFamily="50" charset="-128"/>
-              </a:rPr>
-              <a:t>　</a:t>
-            </a:r>
-            <a:r>
-              <a:rPr lang="ja-JP" altLang="en-US" dirty="0" smtClean="0">
-                <a:latin typeface="メイリオ" panose="020B0604030504040204" pitchFamily="50" charset="-128"/>
-                <a:ea typeface="メイリオ" panose="020B0604030504040204" pitchFamily="50" charset="-128"/>
-                <a:cs typeface="メイリオ" panose="020B0604030504040204" pitchFamily="50" charset="-128"/>
-              </a:rPr>
-              <a:t>する</a:t>
-            </a:r>
-            <a:endParaRPr lang="en-US" altLang="ja-JP" dirty="0" smtClean="0">
+              </a:rPr>
+              <a:t>ヒアリングで自分が誤解してしまったニーズ</a:t>
+            </a:r>
+            <a:endParaRPr kumimoji="1" lang="ja-JP" altLang="en-US" dirty="0">
               <a:latin typeface="メイリオ" panose="020B0604030504040204" pitchFamily="50" charset="-128"/>
               <a:ea typeface="メイリオ" panose="020B0604030504040204" pitchFamily="50" charset="-128"/>
-              <a:cs typeface="メイリオ" panose="020B0604030504040204" pitchFamily="50" charset="-128"/>
             </a:endParaRPr>
           </a:p>
         </p:txBody>
       </p:sp>
+      <p:sp>
+        <p:nvSpPr>
+          <p:cNvPr id="10" name="テキスト ボックス 9"/>
+          <p:cNvSpPr txBox="1"/>
+          <p:nvPr/>
+        </p:nvSpPr>
+        <p:spPr>
+          <a:xfrm>
+            <a:off x="3755569" y="4772012"/>
+            <a:ext cx="1975759" cy="923330"/>
+          </a:xfrm>
+          <a:prstGeom prst="rect">
+            <a:avLst/>
+          </a:prstGeom>
+          <a:noFill/>
+        </p:spPr>
+        <p:txBody>
+          <a:bodyPr wrap="square" rtlCol="0">
+            <a:spAutoFit/>
+          </a:bodyPr>
+          <a:lstStyle/>
+          <a:p>
+            <a:r>
+              <a:rPr lang="ja-JP" altLang="en-US" dirty="0" smtClean="0">
+                <a:latin typeface="メイリオ" panose="020B0604030504040204" pitchFamily="50" charset="-128"/>
+                <a:ea typeface="メイリオ" panose="020B0604030504040204" pitchFamily="50" charset="-128"/>
+              </a:rPr>
+              <a:t>ユーザのニーズと自分の理解が一致した部分</a:t>
+            </a:r>
+            <a:endParaRPr kumimoji="1" lang="ja-JP" altLang="en-US" dirty="0">
+              <a:latin typeface="メイリオ" panose="020B0604030504040204" pitchFamily="50" charset="-128"/>
+              <a:ea typeface="メイリオ" panose="020B0604030504040204" pitchFamily="50" charset="-128"/>
+            </a:endParaRPr>
+          </a:p>
+        </p:txBody>
+      </p:sp>
+      <p:sp>
+        <p:nvSpPr>
+          <p:cNvPr id="11" name="テキスト ボックス 10"/>
+          <p:cNvSpPr txBox="1"/>
+          <p:nvPr/>
+        </p:nvSpPr>
+        <p:spPr>
+          <a:xfrm>
+            <a:off x="3581400" y="3767777"/>
+            <a:ext cx="2051955" cy="923330"/>
+          </a:xfrm>
+          <a:prstGeom prst="rect">
+            <a:avLst/>
+          </a:prstGeom>
+          <a:noFill/>
+        </p:spPr>
+        <p:txBody>
+          <a:bodyPr wrap="square" rtlCol="0">
+            <a:spAutoFit/>
+          </a:bodyPr>
+          <a:lstStyle/>
+          <a:p>
+            <a:r>
+              <a:rPr lang="ja-JP" altLang="en-US" dirty="0" smtClean="0">
+                <a:latin typeface="メイリオ" panose="020B0604030504040204" pitchFamily="50" charset="-128"/>
+                <a:ea typeface="メイリオ" panose="020B0604030504040204" pitchFamily="50" charset="-128"/>
+              </a:rPr>
+              <a:t>タイムラインから得た顕在的な　ニーズ</a:t>
+            </a:r>
+            <a:endParaRPr kumimoji="1" lang="ja-JP" altLang="en-US" dirty="0">
+              <a:latin typeface="メイリオ" panose="020B0604030504040204" pitchFamily="50" charset="-128"/>
+              <a:ea typeface="メイリオ" panose="020B0604030504040204" pitchFamily="50" charset="-128"/>
+            </a:endParaRPr>
+          </a:p>
+        </p:txBody>
+      </p:sp>
+      <p:cxnSp>
+        <p:nvCxnSpPr>
+          <p:cNvPr id="20" name="直線コネクタ 19"/>
+          <p:cNvCxnSpPr/>
+          <p:nvPr/>
+        </p:nvCxnSpPr>
+        <p:spPr>
+          <a:xfrm flipV="1">
+            <a:off x="1839685" y="2456094"/>
+            <a:ext cx="457200" cy="352420"/>
+          </a:xfrm>
+          <a:prstGeom prst="line">
+            <a:avLst/>
+          </a:prstGeom>
+          <a:ln w="19050">
+            <a:solidFill>
+              <a:srgbClr val="FF0000"/>
+            </a:solidFill>
+          </a:ln>
+        </p:spPr>
+        <p:style>
+          <a:lnRef idx="1">
+            <a:schemeClr val="accent1"/>
+          </a:lnRef>
+          <a:fillRef idx="0">
+            <a:schemeClr val="accent1"/>
+          </a:fillRef>
+          <a:effectRef idx="0">
+            <a:schemeClr val="accent1"/>
+          </a:effectRef>
+          <a:fontRef idx="minor">
+            <a:schemeClr val="tx1"/>
+          </a:fontRef>
+        </p:style>
+      </p:cxnSp>
+      <p:cxnSp>
+        <p:nvCxnSpPr>
+          <p:cNvPr id="26" name="直線コネクタ 25"/>
+          <p:cNvCxnSpPr/>
+          <p:nvPr/>
+        </p:nvCxnSpPr>
+        <p:spPr>
+          <a:xfrm flipV="1">
+            <a:off x="1915885" y="2407780"/>
+            <a:ext cx="914400" cy="681724"/>
+          </a:xfrm>
+          <a:prstGeom prst="line">
+            <a:avLst/>
+          </a:prstGeom>
+          <a:ln w="19050">
+            <a:solidFill>
+              <a:srgbClr val="FF0000"/>
+            </a:solidFill>
+          </a:ln>
+        </p:spPr>
+        <p:style>
+          <a:lnRef idx="1">
+            <a:schemeClr val="accent1"/>
+          </a:lnRef>
+          <a:fillRef idx="0">
+            <a:schemeClr val="accent1"/>
+          </a:fillRef>
+          <a:effectRef idx="0">
+            <a:schemeClr val="accent1"/>
+          </a:effectRef>
+          <a:fontRef idx="minor">
+            <a:schemeClr val="tx1"/>
+          </a:fontRef>
+        </p:style>
+      </p:cxnSp>
+      <p:cxnSp>
+        <p:nvCxnSpPr>
+          <p:cNvPr id="27" name="直線コネクタ 26"/>
+          <p:cNvCxnSpPr/>
+          <p:nvPr/>
+        </p:nvCxnSpPr>
+        <p:spPr>
+          <a:xfrm flipV="1">
+            <a:off x="2002970" y="2394856"/>
+            <a:ext cx="1344386" cy="986524"/>
+          </a:xfrm>
+          <a:prstGeom prst="line">
+            <a:avLst/>
+          </a:prstGeom>
+          <a:ln w="19050">
+            <a:solidFill>
+              <a:srgbClr val="FF0000"/>
+            </a:solidFill>
+          </a:ln>
+        </p:spPr>
+        <p:style>
+          <a:lnRef idx="1">
+            <a:schemeClr val="accent1"/>
+          </a:lnRef>
+          <a:fillRef idx="0">
+            <a:schemeClr val="accent1"/>
+          </a:fillRef>
+          <a:effectRef idx="0">
+            <a:schemeClr val="accent1"/>
+          </a:effectRef>
+          <a:fontRef idx="minor">
+            <a:schemeClr val="tx1"/>
+          </a:fontRef>
+        </p:style>
+      </p:cxnSp>
+      <p:cxnSp>
+        <p:nvCxnSpPr>
+          <p:cNvPr id="29" name="直線コネクタ 28"/>
+          <p:cNvCxnSpPr/>
+          <p:nvPr/>
+        </p:nvCxnSpPr>
+        <p:spPr>
+          <a:xfrm flipV="1">
+            <a:off x="2100942" y="2456094"/>
+            <a:ext cx="1567543" cy="1154905"/>
+          </a:xfrm>
+          <a:prstGeom prst="line">
+            <a:avLst/>
+          </a:prstGeom>
+          <a:ln w="19050">
+            <a:solidFill>
+              <a:srgbClr val="FF0000"/>
+            </a:solidFill>
+          </a:ln>
+        </p:spPr>
+        <p:style>
+          <a:lnRef idx="1">
+            <a:schemeClr val="accent1"/>
+          </a:lnRef>
+          <a:fillRef idx="0">
+            <a:schemeClr val="accent1"/>
+          </a:fillRef>
+          <a:effectRef idx="0">
+            <a:schemeClr val="accent1"/>
+          </a:effectRef>
+          <a:fontRef idx="minor">
+            <a:schemeClr val="tx1"/>
+          </a:fontRef>
+        </p:style>
+      </p:cxnSp>
+      <p:cxnSp>
+        <p:nvCxnSpPr>
+          <p:cNvPr id="30" name="直線コネクタ 29"/>
+          <p:cNvCxnSpPr/>
+          <p:nvPr/>
+        </p:nvCxnSpPr>
+        <p:spPr>
+          <a:xfrm flipV="1">
+            <a:off x="2285999" y="2558143"/>
+            <a:ext cx="1719944" cy="1280437"/>
+          </a:xfrm>
+          <a:prstGeom prst="line">
+            <a:avLst/>
+          </a:prstGeom>
+          <a:ln w="19050">
+            <a:solidFill>
+              <a:srgbClr val="FF0000"/>
+            </a:solidFill>
+          </a:ln>
+        </p:spPr>
+        <p:style>
+          <a:lnRef idx="1">
+            <a:schemeClr val="accent1"/>
+          </a:lnRef>
+          <a:fillRef idx="0">
+            <a:schemeClr val="accent1"/>
+          </a:fillRef>
+          <a:effectRef idx="0">
+            <a:schemeClr val="accent1"/>
+          </a:effectRef>
+          <a:fontRef idx="minor">
+            <a:schemeClr val="tx1"/>
+          </a:fontRef>
+        </p:style>
+      </p:cxnSp>
+      <p:cxnSp>
+        <p:nvCxnSpPr>
+          <p:cNvPr id="31" name="直線コネクタ 30"/>
+          <p:cNvCxnSpPr/>
+          <p:nvPr/>
+        </p:nvCxnSpPr>
+        <p:spPr>
+          <a:xfrm flipV="1">
+            <a:off x="2492829" y="2677882"/>
+            <a:ext cx="1774371" cy="1349832"/>
+          </a:xfrm>
+          <a:prstGeom prst="line">
+            <a:avLst/>
+          </a:prstGeom>
+          <a:ln w="19050">
+            <a:solidFill>
+              <a:srgbClr val="FF0000"/>
+            </a:solidFill>
+          </a:ln>
+        </p:spPr>
+        <p:style>
+          <a:lnRef idx="1">
+            <a:schemeClr val="accent1"/>
+          </a:lnRef>
+          <a:fillRef idx="0">
+            <a:schemeClr val="accent1"/>
+          </a:fillRef>
+          <a:effectRef idx="0">
+            <a:schemeClr val="accent1"/>
+          </a:effectRef>
+          <a:fontRef idx="minor">
+            <a:schemeClr val="tx1"/>
+          </a:fontRef>
+        </p:style>
+      </p:cxnSp>
+      <p:cxnSp>
+        <p:nvCxnSpPr>
+          <p:cNvPr id="33" name="直線コネクタ 32"/>
+          <p:cNvCxnSpPr/>
+          <p:nvPr/>
+        </p:nvCxnSpPr>
+        <p:spPr>
+          <a:xfrm flipV="1">
+            <a:off x="2718707" y="3187475"/>
+            <a:ext cx="1330780" cy="1031082"/>
+          </a:xfrm>
+          <a:prstGeom prst="line">
+            <a:avLst/>
+          </a:prstGeom>
+          <a:ln w="19050">
+            <a:solidFill>
+              <a:srgbClr val="FF0000"/>
+            </a:solidFill>
+          </a:ln>
+        </p:spPr>
+        <p:style>
+          <a:lnRef idx="1">
+            <a:schemeClr val="accent1"/>
+          </a:lnRef>
+          <a:fillRef idx="0">
+            <a:schemeClr val="accent1"/>
+          </a:fillRef>
+          <a:effectRef idx="0">
+            <a:schemeClr val="accent1"/>
+          </a:effectRef>
+          <a:fontRef idx="minor">
+            <a:schemeClr val="tx1"/>
+          </a:fontRef>
+        </p:style>
+      </p:cxnSp>
+      <p:cxnSp>
+        <p:nvCxnSpPr>
+          <p:cNvPr id="34" name="直線コネクタ 33"/>
+          <p:cNvCxnSpPr/>
+          <p:nvPr/>
+        </p:nvCxnSpPr>
+        <p:spPr>
+          <a:xfrm flipV="1">
+            <a:off x="2988128" y="3951515"/>
+            <a:ext cx="593272" cy="450391"/>
+          </a:xfrm>
+          <a:prstGeom prst="line">
+            <a:avLst/>
+          </a:prstGeom>
+          <a:ln w="19050">
+            <a:solidFill>
+              <a:srgbClr val="FF0000"/>
+            </a:solidFill>
+          </a:ln>
+        </p:spPr>
+        <p:style>
+          <a:lnRef idx="1">
+            <a:schemeClr val="accent1"/>
+          </a:lnRef>
+          <a:fillRef idx="0">
+            <a:schemeClr val="accent1"/>
+          </a:fillRef>
+          <a:effectRef idx="0">
+            <a:schemeClr val="accent1"/>
+          </a:effectRef>
+          <a:fontRef idx="minor">
+            <a:schemeClr val="tx1"/>
+          </a:fontRef>
+        </p:style>
+      </p:cxnSp>
+      <p:cxnSp>
+        <p:nvCxnSpPr>
+          <p:cNvPr id="58" name="直線コネクタ 57"/>
+          <p:cNvCxnSpPr/>
+          <p:nvPr/>
+        </p:nvCxnSpPr>
+        <p:spPr>
+          <a:xfrm flipV="1">
+            <a:off x="3242582" y="4333522"/>
+            <a:ext cx="251732" cy="205820"/>
+          </a:xfrm>
+          <a:prstGeom prst="line">
+            <a:avLst/>
+          </a:prstGeom>
+          <a:ln w="19050">
+            <a:solidFill>
+              <a:srgbClr val="FF0000"/>
+            </a:solidFill>
+          </a:ln>
+        </p:spPr>
+        <p:style>
+          <a:lnRef idx="1">
+            <a:schemeClr val="accent1"/>
+          </a:lnRef>
+          <a:fillRef idx="0">
+            <a:schemeClr val="accent1"/>
+          </a:fillRef>
+          <a:effectRef idx="0">
+            <a:schemeClr val="accent1"/>
+          </a:effectRef>
+          <a:fontRef idx="minor">
+            <a:schemeClr val="tx1"/>
+          </a:fontRef>
+        </p:style>
+      </p:cxnSp>
+      <p:sp>
+        <p:nvSpPr>
+          <p:cNvPr id="62" name="テキスト ボックス 61"/>
+          <p:cNvSpPr txBox="1"/>
+          <p:nvPr/>
+        </p:nvSpPr>
+        <p:spPr>
+          <a:xfrm>
+            <a:off x="408193" y="4555722"/>
+            <a:ext cx="2688771" cy="646331"/>
+          </a:xfrm>
+          <a:prstGeom prst="rect">
+            <a:avLst/>
+          </a:prstGeom>
+          <a:noFill/>
+          <a:ln>
+            <a:solidFill>
+              <a:srgbClr val="FF0000"/>
+            </a:solidFill>
+          </a:ln>
+        </p:spPr>
+        <p:txBody>
+          <a:bodyPr wrap="square" rtlCol="0">
+            <a:spAutoFit/>
+          </a:bodyPr>
+          <a:lstStyle/>
+          <a:p>
+            <a:r>
+              <a:rPr lang="ja-JP" altLang="en-US">
+                <a:latin typeface="メイリオ" panose="020B0604030504040204" pitchFamily="50" charset="-128"/>
+                <a:ea typeface="メイリオ" panose="020B0604030504040204" pitchFamily="50" charset="-128"/>
+              </a:rPr>
+              <a:t>本</a:t>
+            </a:r>
+            <a:r>
+              <a:rPr kumimoji="1" lang="ja-JP" altLang="en-US" smtClean="0">
+                <a:latin typeface="メイリオ" panose="020B0604030504040204" pitchFamily="50" charset="-128"/>
+                <a:ea typeface="メイリオ" panose="020B0604030504040204" pitchFamily="50" charset="-128"/>
+              </a:rPr>
+              <a:t>研究</a:t>
+            </a:r>
+            <a:r>
+              <a:rPr kumimoji="1" lang="ja-JP" altLang="en-US" dirty="0" smtClean="0">
+                <a:latin typeface="メイリオ" panose="020B0604030504040204" pitchFamily="50" charset="-128"/>
+                <a:ea typeface="メイリオ" panose="020B0604030504040204" pitchFamily="50" charset="-128"/>
+              </a:rPr>
+              <a:t>で明らかにする潜在的なニーズ</a:t>
+            </a:r>
+            <a:endParaRPr kumimoji="1" lang="ja-JP" altLang="en-US" dirty="0">
+              <a:latin typeface="メイリオ" panose="020B0604030504040204" pitchFamily="50" charset="-128"/>
+              <a:ea typeface="メイリオ" panose="020B0604030504040204" pitchFamily="50" charset="-128"/>
+            </a:endParaRPr>
+          </a:p>
+        </p:txBody>
+      </p:sp>
+      <p:cxnSp>
+        <p:nvCxnSpPr>
+          <p:cNvPr id="64" name="直線矢印コネクタ 63"/>
+          <p:cNvCxnSpPr>
+            <a:stCxn id="62" idx="0"/>
+          </p:cNvCxnSpPr>
+          <p:nvPr/>
+        </p:nvCxnSpPr>
+        <p:spPr>
+          <a:xfrm flipV="1">
+            <a:off x="1752579" y="3703016"/>
+            <a:ext cx="435450" cy="852706"/>
+          </a:xfrm>
+          <a:prstGeom prst="straightConnector1">
+            <a:avLst/>
+          </a:prstGeom>
+          <a:ln w="19050">
+            <a:solidFill>
+              <a:schemeClr val="tx1"/>
+            </a:solidFill>
+            <a:tailEnd type="arrow"/>
+          </a:ln>
+        </p:spPr>
+        <p:style>
+          <a:lnRef idx="1">
+            <a:schemeClr val="accent1"/>
+          </a:lnRef>
+          <a:fillRef idx="0">
+            <a:schemeClr val="accent1"/>
+          </a:fillRef>
+          <a:effectRef idx="0">
+            <a:schemeClr val="accent1"/>
+          </a:effectRef>
+          <a:fontRef idx="minor">
+            <a:schemeClr val="tx1"/>
+          </a:fontRef>
+        </p:style>
+      </p:cxnSp>
     </p:spTree>
     <p:extLst>
       <p:ext uri="{BB962C8B-B14F-4D97-AF65-F5344CB8AC3E}">
-        <p14:creationId xmlns:p14="http://schemas.microsoft.com/office/powerpoint/2010/main" val="1997064935"/>
+        <p14:creationId xmlns:p14="http://schemas.microsoft.com/office/powerpoint/2010/main" val="838702665"/>
       </p:ext>
     </p:extLst>
   </p:cSld>
   <p:clrMapOvr>
     <a:masterClrMapping/>
   </p:clrMapOvr>
-  <p:timing>
-    <p:tnLst>
-      <p:par>
-        <p:cTn id="1" dur="indefinite" restart="never" nodeType="tmRoot"/>
-      </p:par>
-    </p:tnLst>
-  </p:timing>
 </p:sld>
 </file>
 
@@ -7874,8 +8538,8 @@
         </p:nvSpPr>
         <p:spPr>
           <a:xfrm>
-            <a:off x="628650" y="1828800"/>
-            <a:ext cx="7886700" cy="4594352"/>
+            <a:off x="628650" y="1571624"/>
+            <a:ext cx="7886700" cy="5032376"/>
           </a:xfrm>
         </p:spPr>
         <p:txBody>
@@ -7884,11 +8548,12 @@
           </a:bodyPr>
           <a:lstStyle/>
           <a:p>
-            <a:pPr marL="0" indent="0">
+            <a:pPr marL="514350" indent="-514350">
               <a:lnSpc>
                 <a:spcPct val="150000"/>
               </a:lnSpc>
-              <a:buNone/>
+              <a:buFont typeface="+mj-lt"/>
+              <a:buAutoNum type="arabicPeriod"/>
             </a:pPr>
             <a:r>
               <a:rPr lang="en-US" altLang="ja-JP" dirty="0" smtClean="0">
@@ -7896,7 +8561,7 @@
                 <a:ea typeface="メイリオ" panose="020B0604030504040204" pitchFamily="50" charset="-128"/>
                 <a:cs typeface="メイリオ" panose="020B0604030504040204" pitchFamily="50" charset="-128"/>
               </a:rPr>
-              <a:t>※</a:t>
+              <a:t>Twitter</a:t>
             </a:r>
             <a:r>
               <a:rPr lang="ja-JP" altLang="en-US" dirty="0" smtClean="0">
@@ -7904,7 +8569,7 @@
                 <a:ea typeface="メイリオ" panose="020B0604030504040204" pitchFamily="50" charset="-128"/>
                 <a:cs typeface="メイリオ" panose="020B0604030504040204" pitchFamily="50" charset="-128"/>
               </a:rPr>
-              <a:t>ヒアリングは対話形式で行い，「どのような情報を</a:t>
+              <a:t>アクティブユーザ数名から，</a:t>
             </a:r>
             <a:r>
               <a:rPr lang="en-US" altLang="ja-JP" dirty="0" smtClean="0">
@@ -7920,23 +8585,7 @@
                 <a:ea typeface="メイリオ" panose="020B0604030504040204" pitchFamily="50" charset="-128"/>
                 <a:cs typeface="メイリオ" panose="020B0604030504040204" pitchFamily="50" charset="-128"/>
               </a:rPr>
-              <a:t>に求めるか」という質問に対する口頭での回答を</a:t>
-            </a:r>
-            <a:r>
-              <a:rPr lang="ja-JP" altLang="en-US" dirty="0">
-                <a:latin typeface="メイリオ" panose="020B0604030504040204" pitchFamily="50" charset="-128"/>
-                <a:ea typeface="メイリオ" panose="020B0604030504040204" pitchFamily="50" charset="-128"/>
-                <a:cs typeface="メイリオ" panose="020B0604030504040204" pitchFamily="50" charset="-128"/>
-              </a:rPr>
-              <a:t>メモ</a:t>
-            </a:r>
-            <a:r>
-              <a:rPr lang="ja-JP" altLang="en-US" dirty="0" smtClean="0">
-                <a:latin typeface="メイリオ" panose="020B0604030504040204" pitchFamily="50" charset="-128"/>
-                <a:ea typeface="メイリオ" panose="020B0604030504040204" pitchFamily="50" charset="-128"/>
-                <a:cs typeface="メイリオ" panose="020B0604030504040204" pitchFamily="50" charset="-128"/>
-              </a:rPr>
-              <a:t>した</a:t>
+              <a:t>に求める情報をヒアリングする</a:t>
             </a:r>
             <a:endParaRPr lang="en-US" altLang="ja-JP" dirty="0" smtClean="0">
               <a:latin typeface="メイリオ" panose="020B0604030504040204" pitchFamily="50" charset="-128"/>
@@ -7945,19 +8594,28 @@
             </a:endParaRPr>
           </a:p>
           <a:p>
-            <a:pPr marL="0" indent="0">
+            <a:pPr marL="514350" indent="-514350">
               <a:lnSpc>
                 <a:spcPct val="150000"/>
               </a:lnSpc>
-              <a:buNone/>
+              <a:buFont typeface="+mj-lt"/>
+              <a:buAutoNum type="arabicPeriod"/>
             </a:pPr>
             <a:r>
+              <a:rPr lang="ja-JP" altLang="en-US" dirty="0" smtClean="0">
+                <a:latin typeface="メイリオ" panose="020B0604030504040204" pitchFamily="50" charset="-128"/>
+                <a:ea typeface="メイリオ" panose="020B0604030504040204" pitchFamily="50" charset="-128"/>
+                <a:cs typeface="メイリオ" panose="020B0604030504040204" pitchFamily="50" charset="-128"/>
+              </a:rPr>
+              <a:t>各ユーザアカウントのタイムライン上にあるツイートの本文だけを</a:t>
+            </a:r>
+            <a:r>
               <a:rPr lang="en-US" altLang="ja-JP" dirty="0" smtClean="0">
                 <a:latin typeface="メイリオ" panose="020B0604030504040204" pitchFamily="50" charset="-128"/>
                 <a:ea typeface="メイリオ" panose="020B0604030504040204" pitchFamily="50" charset="-128"/>
                 <a:cs typeface="メイリオ" panose="020B0604030504040204" pitchFamily="50" charset="-128"/>
               </a:rPr>
-              <a:t>※</a:t>
+              <a:t>1</a:t>
             </a:r>
             <a:r>
               <a:rPr lang="ja-JP" altLang="en-US" dirty="0" smtClean="0">
@@ -7965,257 +8623,96 @@
                 <a:ea typeface="メイリオ" panose="020B0604030504040204" pitchFamily="50" charset="-128"/>
                 <a:cs typeface="メイリオ" panose="020B0604030504040204" pitchFamily="50" charset="-128"/>
               </a:rPr>
-              <a:t>解析</a:t>
-            </a:r>
-            <a:r>
-              <a:rPr lang="ja-JP" altLang="en-US" dirty="0">
-                <a:latin typeface="メイリオ" panose="020B0604030504040204" pitchFamily="50" charset="-128"/>
-                <a:ea typeface="メイリオ" panose="020B0604030504040204" pitchFamily="50" charset="-128"/>
-                <a:cs typeface="メイリオ" panose="020B0604030504040204" pitchFamily="50" charset="-128"/>
-              </a:rPr>
-              <a:t>の対象とするツイートは全員同じ期間の　</a:t>
-            </a:r>
-            <a:r>
-              <a:rPr lang="ja-JP" altLang="en-US" dirty="0" smtClean="0">
-                <a:latin typeface="メイリオ" panose="020B0604030504040204" pitchFamily="50" charset="-128"/>
-                <a:ea typeface="メイリオ" panose="020B0604030504040204" pitchFamily="50" charset="-128"/>
-                <a:cs typeface="メイリオ" panose="020B0604030504040204" pitchFamily="50" charset="-128"/>
-              </a:rPr>
-              <a:t>ものにした</a:t>
-            </a:r>
-            <a:r>
-              <a:rPr lang="ja-JP" altLang="en-US" dirty="0">
-                <a:latin typeface="メイリオ" panose="020B0604030504040204" pitchFamily="50" charset="-128"/>
-                <a:ea typeface="メイリオ" panose="020B0604030504040204" pitchFamily="50" charset="-128"/>
-                <a:cs typeface="メイリオ" panose="020B0604030504040204" pitchFamily="50" charset="-128"/>
-              </a:rPr>
-              <a:t>（</a:t>
-            </a:r>
-            <a:r>
-              <a:rPr lang="en-US" altLang="ja-JP" dirty="0">
-                <a:latin typeface="メイリオ" panose="020B0604030504040204" pitchFamily="50" charset="-128"/>
-                <a:ea typeface="メイリオ" panose="020B0604030504040204" pitchFamily="50" charset="-128"/>
-                <a:cs typeface="メイリオ" panose="020B0604030504040204" pitchFamily="50" charset="-128"/>
-              </a:rPr>
-              <a:t>2015</a:t>
-            </a:r>
-            <a:r>
-              <a:rPr lang="ja-JP" altLang="en-US" dirty="0">
-                <a:latin typeface="メイリオ" panose="020B0604030504040204" pitchFamily="50" charset="-128"/>
-                <a:ea typeface="メイリオ" panose="020B0604030504040204" pitchFamily="50" charset="-128"/>
-                <a:cs typeface="メイリオ" panose="020B0604030504040204" pitchFamily="50" charset="-128"/>
-              </a:rPr>
-              <a:t>年</a:t>
-            </a:r>
-            <a:r>
-              <a:rPr lang="en-US" altLang="ja-JP" dirty="0">
-                <a:latin typeface="メイリオ" panose="020B0604030504040204" pitchFamily="50" charset="-128"/>
-                <a:ea typeface="メイリオ" panose="020B0604030504040204" pitchFamily="50" charset="-128"/>
-                <a:cs typeface="メイリオ" panose="020B0604030504040204" pitchFamily="50" charset="-128"/>
-              </a:rPr>
-              <a:t>10</a:t>
-            </a:r>
-            <a:r>
-              <a:rPr lang="ja-JP" altLang="en-US" dirty="0">
-                <a:latin typeface="メイリオ" panose="020B0604030504040204" pitchFamily="50" charset="-128"/>
-                <a:ea typeface="メイリオ" panose="020B0604030504040204" pitchFamily="50" charset="-128"/>
-                <a:cs typeface="メイリオ" panose="020B0604030504040204" pitchFamily="50" charset="-128"/>
-              </a:rPr>
-              <a:t>月</a:t>
-            </a:r>
-            <a:r>
-              <a:rPr lang="en-US" altLang="ja-JP" dirty="0">
-                <a:latin typeface="メイリオ" panose="020B0604030504040204" pitchFamily="50" charset="-128"/>
-                <a:ea typeface="メイリオ" panose="020B0604030504040204" pitchFamily="50" charset="-128"/>
-                <a:cs typeface="メイリオ" panose="020B0604030504040204" pitchFamily="50" charset="-128"/>
-              </a:rPr>
-              <a:t>23</a:t>
-            </a:r>
-            <a:r>
-              <a:rPr lang="ja-JP" altLang="en-US" dirty="0">
-                <a:latin typeface="メイリオ" panose="020B0604030504040204" pitchFamily="50" charset="-128"/>
-                <a:ea typeface="メイリオ" panose="020B0604030504040204" pitchFamily="50" charset="-128"/>
-                <a:cs typeface="メイリオ" panose="020B0604030504040204" pitchFamily="50" charset="-128"/>
-              </a:rPr>
-              <a:t>日</a:t>
-            </a:r>
-            <a:r>
-              <a:rPr lang="en-US" altLang="ja-JP" dirty="0">
-                <a:latin typeface="メイリオ" panose="020B0604030504040204" pitchFamily="50" charset="-128"/>
-                <a:ea typeface="メイリオ" panose="020B0604030504040204" pitchFamily="50" charset="-128"/>
-                <a:cs typeface="メイリオ" panose="020B0604030504040204" pitchFamily="50" charset="-128"/>
-              </a:rPr>
-              <a:t>19</a:t>
-            </a:r>
-            <a:r>
-              <a:rPr lang="ja-JP" altLang="en-US" dirty="0">
-                <a:latin typeface="メイリオ" panose="020B0604030504040204" pitchFamily="50" charset="-128"/>
-                <a:ea typeface="メイリオ" panose="020B0604030504040204" pitchFamily="50" charset="-128"/>
-                <a:cs typeface="メイリオ" panose="020B0604030504040204" pitchFamily="50" charset="-128"/>
-              </a:rPr>
-              <a:t>時</a:t>
-            </a:r>
-            <a:r>
-              <a:rPr lang="en-US" altLang="ja-JP" dirty="0">
-                <a:latin typeface="メイリオ" panose="020B0604030504040204" pitchFamily="50" charset="-128"/>
-                <a:ea typeface="メイリオ" panose="020B0604030504040204" pitchFamily="50" charset="-128"/>
-                <a:cs typeface="メイリオ" panose="020B0604030504040204" pitchFamily="50" charset="-128"/>
-              </a:rPr>
-              <a:t>40</a:t>
-            </a:r>
-            <a:r>
-              <a:rPr lang="ja-JP" altLang="en-US" dirty="0">
-                <a:latin typeface="メイリオ" panose="020B0604030504040204" pitchFamily="50" charset="-128"/>
-                <a:ea typeface="メイリオ" panose="020B0604030504040204" pitchFamily="50" charset="-128"/>
-                <a:cs typeface="メイリオ" panose="020B0604030504040204" pitchFamily="50" charset="-128"/>
-              </a:rPr>
-              <a:t>分</a:t>
-            </a:r>
-            <a:r>
-              <a:rPr lang="en-US" altLang="ja-JP" dirty="0">
-                <a:latin typeface="メイリオ" panose="020B0604030504040204" pitchFamily="50" charset="-128"/>
-                <a:ea typeface="メイリオ" panose="020B0604030504040204" pitchFamily="50" charset="-128"/>
-                <a:cs typeface="メイリオ" panose="020B0604030504040204" pitchFamily="50" charset="-128"/>
-              </a:rPr>
-              <a:t>00</a:t>
-            </a:r>
-            <a:r>
-              <a:rPr lang="ja-JP" altLang="en-US" dirty="0">
-                <a:latin typeface="メイリオ" panose="020B0604030504040204" pitchFamily="50" charset="-128"/>
-                <a:ea typeface="メイリオ" panose="020B0604030504040204" pitchFamily="50" charset="-128"/>
-                <a:cs typeface="メイリオ" panose="020B0604030504040204" pitchFamily="50" charset="-128"/>
-              </a:rPr>
-              <a:t>秒～</a:t>
-            </a:r>
-            <a:r>
-              <a:rPr lang="en-US" altLang="ja-JP" dirty="0">
-                <a:latin typeface="メイリオ" panose="020B0604030504040204" pitchFamily="50" charset="-128"/>
-                <a:ea typeface="メイリオ" panose="020B0604030504040204" pitchFamily="50" charset="-128"/>
-                <a:cs typeface="メイリオ" panose="020B0604030504040204" pitchFamily="50" charset="-128"/>
-              </a:rPr>
-              <a:t>2015</a:t>
-            </a:r>
-            <a:r>
-              <a:rPr lang="ja-JP" altLang="en-US" dirty="0">
-                <a:latin typeface="メイリオ" panose="020B0604030504040204" pitchFamily="50" charset="-128"/>
-                <a:ea typeface="メイリオ" panose="020B0604030504040204" pitchFamily="50" charset="-128"/>
-                <a:cs typeface="メイリオ" panose="020B0604030504040204" pitchFamily="50" charset="-128"/>
-              </a:rPr>
-              <a:t>年</a:t>
-            </a:r>
-            <a:r>
-              <a:rPr lang="en-US" altLang="ja-JP" dirty="0">
-                <a:latin typeface="メイリオ" panose="020B0604030504040204" pitchFamily="50" charset="-128"/>
-                <a:ea typeface="メイリオ" panose="020B0604030504040204" pitchFamily="50" charset="-128"/>
-                <a:cs typeface="メイリオ" panose="020B0604030504040204" pitchFamily="50" charset="-128"/>
-              </a:rPr>
-              <a:t>10</a:t>
-            </a:r>
-            <a:r>
-              <a:rPr lang="ja-JP" altLang="en-US" dirty="0">
-                <a:latin typeface="メイリオ" panose="020B0604030504040204" pitchFamily="50" charset="-128"/>
-                <a:ea typeface="メイリオ" panose="020B0604030504040204" pitchFamily="50" charset="-128"/>
-                <a:cs typeface="メイリオ" panose="020B0604030504040204" pitchFamily="50" charset="-128"/>
-              </a:rPr>
-              <a:t>月</a:t>
-            </a:r>
-            <a:r>
-              <a:rPr lang="en-US" altLang="ja-JP" dirty="0">
-                <a:latin typeface="メイリオ" panose="020B0604030504040204" pitchFamily="50" charset="-128"/>
-                <a:ea typeface="メイリオ" panose="020B0604030504040204" pitchFamily="50" charset="-128"/>
-                <a:cs typeface="メイリオ" panose="020B0604030504040204" pitchFamily="50" charset="-128"/>
-              </a:rPr>
-              <a:t>24</a:t>
-            </a:r>
-            <a:r>
-              <a:rPr lang="ja-JP" altLang="en-US" dirty="0">
-                <a:latin typeface="メイリオ" panose="020B0604030504040204" pitchFamily="50" charset="-128"/>
-                <a:ea typeface="メイリオ" panose="020B0604030504040204" pitchFamily="50" charset="-128"/>
-                <a:cs typeface="メイリオ" panose="020B0604030504040204" pitchFamily="50" charset="-128"/>
-              </a:rPr>
-              <a:t>日</a:t>
-            </a:r>
-            <a:r>
-              <a:rPr lang="en-US" altLang="ja-JP" dirty="0">
-                <a:latin typeface="メイリオ" panose="020B0604030504040204" pitchFamily="50" charset="-128"/>
-                <a:ea typeface="メイリオ" panose="020B0604030504040204" pitchFamily="50" charset="-128"/>
-                <a:cs typeface="メイリオ" panose="020B0604030504040204" pitchFamily="50" charset="-128"/>
-              </a:rPr>
-              <a:t>19</a:t>
-            </a:r>
-            <a:r>
-              <a:rPr lang="ja-JP" altLang="en-US" dirty="0">
-                <a:latin typeface="メイリオ" panose="020B0604030504040204" pitchFamily="50" charset="-128"/>
-                <a:ea typeface="メイリオ" panose="020B0604030504040204" pitchFamily="50" charset="-128"/>
-                <a:cs typeface="メイリオ" panose="020B0604030504040204" pitchFamily="50" charset="-128"/>
-              </a:rPr>
-              <a:t>時</a:t>
-            </a:r>
-            <a:r>
-              <a:rPr lang="en-US" altLang="ja-JP" dirty="0">
-                <a:latin typeface="メイリオ" panose="020B0604030504040204" pitchFamily="50" charset="-128"/>
-                <a:ea typeface="メイリオ" panose="020B0604030504040204" pitchFamily="50" charset="-128"/>
-                <a:cs typeface="メイリオ" panose="020B0604030504040204" pitchFamily="50" charset="-128"/>
-              </a:rPr>
-              <a:t>40</a:t>
-            </a:r>
-            <a:r>
-              <a:rPr lang="ja-JP" altLang="en-US" dirty="0">
-                <a:latin typeface="メイリオ" panose="020B0604030504040204" pitchFamily="50" charset="-128"/>
-                <a:ea typeface="メイリオ" panose="020B0604030504040204" pitchFamily="50" charset="-128"/>
-                <a:cs typeface="メイリオ" panose="020B0604030504040204" pitchFamily="50" charset="-128"/>
-              </a:rPr>
-              <a:t>分</a:t>
-            </a:r>
-            <a:r>
-              <a:rPr lang="en-US" altLang="ja-JP" dirty="0">
-                <a:latin typeface="メイリオ" panose="020B0604030504040204" pitchFamily="50" charset="-128"/>
-                <a:ea typeface="メイリオ" panose="020B0604030504040204" pitchFamily="50" charset="-128"/>
-                <a:cs typeface="メイリオ" panose="020B0604030504040204" pitchFamily="50" charset="-128"/>
-              </a:rPr>
-              <a:t>00</a:t>
-            </a:r>
-            <a:r>
-              <a:rPr lang="ja-JP" altLang="en-US" dirty="0">
-                <a:latin typeface="メイリオ" panose="020B0604030504040204" pitchFamily="50" charset="-128"/>
-                <a:ea typeface="メイリオ" panose="020B0604030504040204" pitchFamily="50" charset="-128"/>
-                <a:cs typeface="メイリオ" panose="020B0604030504040204" pitchFamily="50" charset="-128"/>
-              </a:rPr>
-              <a:t>秒</a:t>
-            </a:r>
-            <a:r>
-              <a:rPr lang="ja-JP" altLang="en-US" dirty="0" smtClean="0">
-                <a:latin typeface="メイリオ" panose="020B0604030504040204" pitchFamily="50" charset="-128"/>
-                <a:ea typeface="メイリオ" panose="020B0604030504040204" pitchFamily="50" charset="-128"/>
-                <a:cs typeface="メイリオ" panose="020B0604030504040204" pitchFamily="50" charset="-128"/>
-              </a:rPr>
-              <a:t>）</a:t>
-            </a:r>
-            <a:endParaRPr lang="ja-JP" altLang="en-US" dirty="0">
-              <a:latin typeface="メイリオ" panose="020B0604030504040204" pitchFamily="50" charset="-128"/>
-              <a:ea typeface="メイリオ" panose="020B0604030504040204" pitchFamily="50" charset="-128"/>
-              <a:cs typeface="メイリオ" panose="020B0604030504040204" pitchFamily="50" charset="-128"/>
-            </a:endParaRPr>
-          </a:p>
-          <a:p>
-            <a:pPr marL="0" indent="0">
-              <a:lnSpc>
-                <a:spcPct val="150000"/>
-              </a:lnSpc>
-              <a:buNone/>
-            </a:pPr>
+              <a:t>日分取得する</a:t>
+            </a:r>
             <a:endParaRPr lang="en-US" altLang="ja-JP" dirty="0" smtClean="0">
               <a:latin typeface="メイリオ" panose="020B0604030504040204" pitchFamily="50" charset="-128"/>
               <a:ea typeface="メイリオ" panose="020B0604030504040204" pitchFamily="50" charset="-128"/>
               <a:cs typeface="メイリオ" panose="020B0604030504040204" pitchFamily="50" charset="-128"/>
             </a:endParaRPr>
           </a:p>
+          <a:p>
+            <a:pPr marL="514350" indent="-514350">
+              <a:lnSpc>
+                <a:spcPct val="150000"/>
+              </a:lnSpc>
+              <a:buFont typeface="+mj-lt"/>
+              <a:buAutoNum type="arabicPeriod"/>
+            </a:pPr>
+            <a:r>
+              <a:rPr lang="ja-JP" altLang="en-US" dirty="0">
+                <a:latin typeface="メイリオ" panose="020B0604030504040204" pitchFamily="50" charset="-128"/>
+                <a:ea typeface="メイリオ" panose="020B0604030504040204" pitchFamily="50" charset="-128"/>
+                <a:cs typeface="メイリオ" panose="020B0604030504040204" pitchFamily="50" charset="-128"/>
+              </a:rPr>
+              <a:t>共起</a:t>
+            </a:r>
+            <a:r>
+              <a:rPr lang="ja-JP" altLang="en-US" dirty="0" smtClean="0">
+                <a:latin typeface="メイリオ" panose="020B0604030504040204" pitchFamily="50" charset="-128"/>
+                <a:ea typeface="メイリオ" panose="020B0604030504040204" pitchFamily="50" charset="-128"/>
+                <a:cs typeface="メイリオ" panose="020B0604030504040204" pitchFamily="50" charset="-128"/>
+              </a:rPr>
+              <a:t>ネットワークを描画する</a:t>
+            </a:r>
+            <a:endParaRPr lang="en-US" altLang="ja-JP" dirty="0" smtClean="0">
+              <a:latin typeface="メイリオ" panose="020B0604030504040204" pitchFamily="50" charset="-128"/>
+              <a:ea typeface="メイリオ" panose="020B0604030504040204" pitchFamily="50" charset="-128"/>
+              <a:cs typeface="メイリオ" panose="020B0604030504040204" pitchFamily="50" charset="-128"/>
+            </a:endParaRPr>
+          </a:p>
+          <a:p>
+            <a:pPr marL="514350" indent="-514350">
+              <a:lnSpc>
+                <a:spcPct val="150000"/>
+              </a:lnSpc>
+              <a:buFont typeface="+mj-lt"/>
+              <a:buAutoNum type="arabicPeriod"/>
+            </a:pPr>
+            <a:r>
+              <a:rPr lang="ja-JP" altLang="en-US" dirty="0">
+                <a:latin typeface="メイリオ" panose="020B0604030504040204" pitchFamily="50" charset="-128"/>
+                <a:ea typeface="メイリオ" panose="020B0604030504040204" pitchFamily="50" charset="-128"/>
+                <a:cs typeface="メイリオ" panose="020B0604030504040204" pitchFamily="50" charset="-128"/>
+              </a:rPr>
+              <a:t>他の</a:t>
+            </a:r>
+            <a:r>
+              <a:rPr lang="ja-JP" altLang="en-US" dirty="0" smtClean="0">
+                <a:latin typeface="メイリオ" panose="020B0604030504040204" pitchFamily="50" charset="-128"/>
+                <a:ea typeface="メイリオ" panose="020B0604030504040204" pitchFamily="50" charset="-128"/>
+                <a:cs typeface="メイリオ" panose="020B0604030504040204" pitchFamily="50" charset="-128"/>
+              </a:rPr>
+              <a:t>ユーザ同士の共起ネットワークを比較</a:t>
+            </a:r>
+            <a:r>
+              <a:rPr lang="ja-JP" altLang="en-US" dirty="0">
+                <a:latin typeface="メイリオ" panose="020B0604030504040204" pitchFamily="50" charset="-128"/>
+                <a:ea typeface="メイリオ" panose="020B0604030504040204" pitchFamily="50" charset="-128"/>
+                <a:cs typeface="メイリオ" panose="020B0604030504040204" pitchFamily="50" charset="-128"/>
+              </a:rPr>
+              <a:t>　</a:t>
+            </a:r>
+            <a:r>
+              <a:rPr lang="ja-JP" altLang="en-US" dirty="0" smtClean="0">
+                <a:latin typeface="メイリオ" panose="020B0604030504040204" pitchFamily="50" charset="-128"/>
+                <a:ea typeface="メイリオ" panose="020B0604030504040204" pitchFamily="50" charset="-128"/>
+                <a:cs typeface="メイリオ" panose="020B0604030504040204" pitchFamily="50" charset="-128"/>
+              </a:rPr>
+              <a:t>する</a:t>
+            </a:r>
+            <a:endParaRPr lang="en-US" altLang="ja-JP" dirty="0" smtClean="0">
+              <a:latin typeface="メイリオ" panose="020B0604030504040204" pitchFamily="50" charset="-128"/>
+              <a:ea typeface="メイリオ" panose="020B0604030504040204" pitchFamily="50" charset="-128"/>
+              <a:cs typeface="メイリオ" panose="020B0604030504040204" pitchFamily="50" charset="-128"/>
+            </a:endParaRPr>
+          </a:p>
         </p:txBody>
       </p:sp>
     </p:spTree>
     <p:extLst>
       <p:ext uri="{BB962C8B-B14F-4D97-AF65-F5344CB8AC3E}">
-        <p14:creationId xmlns:p14="http://schemas.microsoft.com/office/powerpoint/2010/main" val="3109448656"/>
+        <p14:creationId xmlns:p14="http://schemas.microsoft.com/office/powerpoint/2010/main" val="1997064935"/>
       </p:ext>
     </p:extLst>
   </p:cSld>
@@ -8249,66 +8746,30 @@
           <a:chExt cx="0" cy="0"/>
         </a:xfrm>
       </p:grpSpPr>
-      <p:pic>
-        <p:nvPicPr>
-          <p:cNvPr id="4" name="コンテンツ プレースホルダー 3"/>
-          <p:cNvPicPr>
-            <a:picLocks noGrp="1" noChangeAspect="1"/>
-          </p:cNvPicPr>
-          <p:nvPr>
-            <p:ph idx="1"/>
-          </p:nvPr>
-        </p:nvPicPr>
-        <p:blipFill>
-          <a:blip r:embed="rId3">
-            <a:extLst>
-              <a:ext uri="{28A0092B-C50C-407E-A947-70E740481C1C}">
-                <a14:useLocalDpi xmlns:a14="http://schemas.microsoft.com/office/drawing/2010/main" val="0"/>
-              </a:ext>
-            </a:extLst>
-          </a:blip>
-          <a:stretch>
-            <a:fillRect/>
-          </a:stretch>
-        </p:blipFill>
-        <p:spPr>
-          <a:xfrm>
-            <a:off x="869076" y="112266"/>
-            <a:ext cx="4358944" cy="6636005"/>
-          </a:xfrm>
-        </p:spPr>
-      </p:pic>
-      <p:sp>
-        <p:nvSpPr>
-          <p:cNvPr id="6" name="テキスト ボックス 5"/>
-          <p:cNvSpPr txBox="1"/>
-          <p:nvPr/>
-        </p:nvSpPr>
-        <p:spPr>
-          <a:xfrm>
-            <a:off x="5306568" y="201168"/>
-            <a:ext cx="3145536" cy="523220"/>
-          </a:xfrm>
-          <a:prstGeom prst="rect">
-            <a:avLst/>
-          </a:prstGeom>
-          <a:noFill/>
-        </p:spPr>
-        <p:txBody>
-          <a:bodyPr wrap="square" rtlCol="0">
-            <a:spAutoFit/>
-          </a:bodyPr>
-          <a:lstStyle/>
-          <a:p>
-            <a:r>
-              <a:rPr kumimoji="1" lang="ja-JP" altLang="en-US" sz="2800" dirty="0" smtClean="0">
-                <a:latin typeface="メイリオ" panose="020B0604030504040204" pitchFamily="50" charset="-128"/>
-                <a:ea typeface="メイリオ" panose="020B0604030504040204" pitchFamily="50" charset="-128"/>
-                <a:cs typeface="メイリオ" panose="020B0604030504040204" pitchFamily="50" charset="-128"/>
-              </a:rPr>
-              <a:t>←自分のツイート</a:t>
-            </a:r>
-            <a:endParaRPr kumimoji="1" lang="ja-JP" altLang="en-US" sz="2800" dirty="0">
+      <p:sp>
+        <p:nvSpPr>
+          <p:cNvPr id="2" name="タイトル 1"/>
+          <p:cNvSpPr>
+            <a:spLocks noGrp="1"/>
+          </p:cNvSpPr>
+          <p:nvPr>
+            <p:ph type="title"/>
+          </p:nvPr>
+        </p:nvSpPr>
+        <p:spPr/>
+        <p:txBody>
+          <a:bodyPr/>
+          <a:lstStyle/>
+          <a:p>
+            <a:r>
+              <a:rPr kumimoji="1" lang="ja-JP" altLang="en-US" dirty="0" smtClean="0">
+                <a:latin typeface="メイリオ" panose="020B0604030504040204" pitchFamily="50" charset="-128"/>
+                <a:ea typeface="メイリオ" panose="020B0604030504040204" pitchFamily="50" charset="-128"/>
+                <a:cs typeface="メイリオ" panose="020B0604030504040204" pitchFamily="50" charset="-128"/>
+              </a:rPr>
+              <a:t>手法</a:t>
+            </a:r>
+            <a:endParaRPr kumimoji="1" lang="ja-JP" altLang="en-US" dirty="0">
               <a:latin typeface="メイリオ" panose="020B0604030504040204" pitchFamily="50" charset="-128"/>
               <a:ea typeface="メイリオ" panose="020B0604030504040204" pitchFamily="50" charset="-128"/>
               <a:cs typeface="メイリオ" panose="020B0604030504040204" pitchFamily="50" charset="-128"/>
@@ -8318,104 +8779,358 @@
       </p:sp>
       <p:sp>
         <p:nvSpPr>
-          <p:cNvPr id="8" name="右中かっこ 7"/>
-          <p:cNvSpPr/>
-          <p:nvPr/>
+          <p:cNvPr id="3" name="コンテンツ プレースホルダー 2"/>
+          <p:cNvSpPr>
+            <a:spLocks noGrp="1"/>
+          </p:cNvSpPr>
+          <p:nvPr>
+            <p:ph idx="1"/>
+          </p:nvPr>
         </p:nvSpPr>
         <p:spPr>
           <a:xfrm>
-            <a:off x="5379720" y="795527"/>
-            <a:ext cx="722376" cy="5952743"/>
+            <a:off x="628650" y="1828800"/>
+            <a:ext cx="7886700" cy="4594352"/>
           </a:xfrm>
-          <a:prstGeom prst="rightBrace">
-            <a:avLst/>
-          </a:prstGeom>
-          <a:ln w="19050">
-            <a:solidFill>
-              <a:schemeClr val="tx1"/>
-            </a:solidFill>
-          </a:ln>
         </p:spPr>
-        <p:style>
-          <a:lnRef idx="1">
-            <a:schemeClr val="accent1"/>
-          </a:lnRef>
-          <a:fillRef idx="0">
-            <a:schemeClr val="accent1"/>
-          </a:fillRef>
-          <a:effectRef idx="0">
-            <a:schemeClr val="accent1"/>
-          </a:effectRef>
-          <a:fontRef idx="minor">
-            <a:schemeClr val="tx1"/>
-          </a:fontRef>
-        </p:style>
-        <p:txBody>
-          <a:bodyPr rtlCol="0" anchor="ctr"/>
-          <a:lstStyle/>
-          <a:p>
-            <a:pPr algn="ctr"/>
-            <a:endParaRPr kumimoji="1" lang="ja-JP" altLang="en-US"/>
-          </a:p>
-        </p:txBody>
-      </p:sp>
-      <p:sp>
-        <p:nvSpPr>
-          <p:cNvPr id="9" name="テキスト ボックス 8"/>
-          <p:cNvSpPr txBox="1"/>
-          <p:nvPr/>
-        </p:nvSpPr>
-        <p:spPr>
-          <a:xfrm>
-            <a:off x="6102096" y="3294844"/>
-            <a:ext cx="3054796" cy="954107"/>
-          </a:xfrm>
-          <a:prstGeom prst="rect">
-            <a:avLst/>
-          </a:prstGeom>
-          <a:noFill/>
-        </p:spPr>
-        <p:txBody>
-          <a:bodyPr wrap="square" rtlCol="0">
-            <a:spAutoFit/>
+        <p:txBody>
+          <a:bodyPr>
+            <a:normAutofit/>
           </a:bodyPr>
           <a:lstStyle/>
           <a:p>
-            <a:r>
-              <a:rPr lang="ja-JP" altLang="en-US" sz="2800" dirty="0" smtClean="0">
-                <a:latin typeface="メイリオ" panose="020B0604030504040204" pitchFamily="50" charset="-128"/>
-                <a:ea typeface="メイリオ" panose="020B0604030504040204" pitchFamily="50" charset="-128"/>
-                <a:cs typeface="メイリオ" panose="020B0604030504040204" pitchFamily="50" charset="-128"/>
-              </a:rPr>
-              <a:t>フォローした</a:t>
-            </a:r>
-            <a:endParaRPr lang="en-US" altLang="ja-JP" sz="2800" dirty="0" smtClean="0">
+            <a:pPr marL="0" indent="0">
+              <a:lnSpc>
+                <a:spcPct val="150000"/>
+              </a:lnSpc>
+              <a:buNone/>
+            </a:pPr>
+            <a:r>
+              <a:rPr lang="en-US" altLang="ja-JP" dirty="0" smtClean="0">
+                <a:latin typeface="メイリオ" panose="020B0604030504040204" pitchFamily="50" charset="-128"/>
+                <a:ea typeface="メイリオ" panose="020B0604030504040204" pitchFamily="50" charset="-128"/>
+                <a:cs typeface="メイリオ" panose="020B0604030504040204" pitchFamily="50" charset="-128"/>
+              </a:rPr>
+              <a:t>※</a:t>
+            </a:r>
+            <a:r>
+              <a:rPr lang="ja-JP" altLang="en-US" dirty="0" smtClean="0">
+                <a:latin typeface="メイリオ" panose="020B0604030504040204" pitchFamily="50" charset="-128"/>
+                <a:ea typeface="メイリオ" panose="020B0604030504040204" pitchFamily="50" charset="-128"/>
+                <a:cs typeface="メイリオ" panose="020B0604030504040204" pitchFamily="50" charset="-128"/>
+              </a:rPr>
+              <a:t>ヒアリングは対話形式で行い，「どのような情報を</a:t>
+            </a:r>
+            <a:r>
+              <a:rPr lang="en-US" altLang="ja-JP" dirty="0" smtClean="0">
+                <a:latin typeface="メイリオ" panose="020B0604030504040204" pitchFamily="50" charset="-128"/>
+                <a:ea typeface="メイリオ" panose="020B0604030504040204" pitchFamily="50" charset="-128"/>
+                <a:cs typeface="メイリオ" panose="020B0604030504040204" pitchFamily="50" charset="-128"/>
+              </a:rPr>
+              <a:t>Twitter</a:t>
+            </a:r>
+            <a:r>
+              <a:rPr lang="ja-JP" altLang="en-US" dirty="0" smtClean="0">
+                <a:latin typeface="メイリオ" panose="020B0604030504040204" pitchFamily="50" charset="-128"/>
+                <a:ea typeface="メイリオ" panose="020B0604030504040204" pitchFamily="50" charset="-128"/>
+                <a:cs typeface="メイリオ" panose="020B0604030504040204" pitchFamily="50" charset="-128"/>
+              </a:rPr>
+              <a:t>に求めるか」という質問に対する口頭での回答を</a:t>
+            </a:r>
+            <a:r>
+              <a:rPr lang="ja-JP" altLang="en-US" dirty="0">
+                <a:latin typeface="メイリオ" panose="020B0604030504040204" pitchFamily="50" charset="-128"/>
+                <a:ea typeface="メイリオ" panose="020B0604030504040204" pitchFamily="50" charset="-128"/>
+                <a:cs typeface="メイリオ" panose="020B0604030504040204" pitchFamily="50" charset="-128"/>
+              </a:rPr>
+              <a:t>メモ</a:t>
+            </a:r>
+            <a:r>
+              <a:rPr lang="ja-JP" altLang="en-US" dirty="0" smtClean="0">
+                <a:latin typeface="メイリオ" panose="020B0604030504040204" pitchFamily="50" charset="-128"/>
+                <a:ea typeface="メイリオ" panose="020B0604030504040204" pitchFamily="50" charset="-128"/>
+                <a:cs typeface="メイリオ" panose="020B0604030504040204" pitchFamily="50" charset="-128"/>
+              </a:rPr>
+              <a:t>した</a:t>
+            </a:r>
+            <a:endParaRPr lang="en-US" altLang="ja-JP" dirty="0" smtClean="0">
               <a:latin typeface="メイリオ" panose="020B0604030504040204" pitchFamily="50" charset="-128"/>
               <a:ea typeface="メイリオ" panose="020B0604030504040204" pitchFamily="50" charset="-128"/>
               <a:cs typeface="メイリオ" panose="020B0604030504040204" pitchFamily="50" charset="-128"/>
             </a:endParaRPr>
           </a:p>
           <a:p>
-            <a:r>
-              <a:rPr kumimoji="1" lang="ja-JP" altLang="en-US" sz="2800" dirty="0" smtClean="0">
-                <a:latin typeface="メイリオ" panose="020B0604030504040204" pitchFamily="50" charset="-128"/>
-                <a:ea typeface="メイリオ" panose="020B0604030504040204" pitchFamily="50" charset="-128"/>
-                <a:cs typeface="メイリオ" panose="020B0604030504040204" pitchFamily="50" charset="-128"/>
-              </a:rPr>
-              <a:t>ユーザのツイート</a:t>
-            </a:r>
-            <a:endParaRPr kumimoji="1" lang="ja-JP" altLang="en-US" sz="2800" dirty="0">
+            <a:pPr marL="0" indent="0">
+              <a:lnSpc>
+                <a:spcPct val="150000"/>
+              </a:lnSpc>
+              <a:buNone/>
+            </a:pPr>
+            <a:r>
+              <a:rPr lang="en-US" altLang="ja-JP" dirty="0" smtClean="0">
+                <a:latin typeface="メイリオ" panose="020B0604030504040204" pitchFamily="50" charset="-128"/>
+                <a:ea typeface="メイリオ" panose="020B0604030504040204" pitchFamily="50" charset="-128"/>
+                <a:cs typeface="メイリオ" panose="020B0604030504040204" pitchFamily="50" charset="-128"/>
+              </a:rPr>
+              <a:t>※</a:t>
+            </a:r>
+            <a:r>
+              <a:rPr lang="ja-JP" altLang="en-US" dirty="0" smtClean="0">
+                <a:latin typeface="メイリオ" panose="020B0604030504040204" pitchFamily="50" charset="-128"/>
+                <a:ea typeface="メイリオ" panose="020B0604030504040204" pitchFamily="50" charset="-128"/>
+                <a:cs typeface="メイリオ" panose="020B0604030504040204" pitchFamily="50" charset="-128"/>
+              </a:rPr>
+              <a:t>解析</a:t>
+            </a:r>
+            <a:r>
+              <a:rPr lang="ja-JP" altLang="en-US" dirty="0">
+                <a:latin typeface="メイリオ" panose="020B0604030504040204" pitchFamily="50" charset="-128"/>
+                <a:ea typeface="メイリオ" panose="020B0604030504040204" pitchFamily="50" charset="-128"/>
+                <a:cs typeface="メイリオ" panose="020B0604030504040204" pitchFamily="50" charset="-128"/>
+              </a:rPr>
+              <a:t>の対象とするツイートは全員同じ期間の　</a:t>
+            </a:r>
+            <a:r>
+              <a:rPr lang="ja-JP" altLang="en-US" dirty="0" smtClean="0">
+                <a:latin typeface="メイリオ" panose="020B0604030504040204" pitchFamily="50" charset="-128"/>
+                <a:ea typeface="メイリオ" panose="020B0604030504040204" pitchFamily="50" charset="-128"/>
+                <a:cs typeface="メイリオ" panose="020B0604030504040204" pitchFamily="50" charset="-128"/>
+              </a:rPr>
+              <a:t>ものにした</a:t>
+            </a:r>
+            <a:r>
+              <a:rPr lang="ja-JP" altLang="en-US" dirty="0">
+                <a:latin typeface="メイリオ" panose="020B0604030504040204" pitchFamily="50" charset="-128"/>
+                <a:ea typeface="メイリオ" panose="020B0604030504040204" pitchFamily="50" charset="-128"/>
+                <a:cs typeface="メイリオ" panose="020B0604030504040204" pitchFamily="50" charset="-128"/>
+              </a:rPr>
+              <a:t>（</a:t>
+            </a:r>
+            <a:r>
+              <a:rPr lang="en-US" altLang="ja-JP" dirty="0">
+                <a:latin typeface="メイリオ" panose="020B0604030504040204" pitchFamily="50" charset="-128"/>
+                <a:ea typeface="メイリオ" panose="020B0604030504040204" pitchFamily="50" charset="-128"/>
+                <a:cs typeface="メイリオ" panose="020B0604030504040204" pitchFamily="50" charset="-128"/>
+              </a:rPr>
+              <a:t>2015</a:t>
+            </a:r>
+            <a:r>
+              <a:rPr lang="ja-JP" altLang="en-US" dirty="0">
+                <a:latin typeface="メイリオ" panose="020B0604030504040204" pitchFamily="50" charset="-128"/>
+                <a:ea typeface="メイリオ" panose="020B0604030504040204" pitchFamily="50" charset="-128"/>
+                <a:cs typeface="メイリオ" panose="020B0604030504040204" pitchFamily="50" charset="-128"/>
+              </a:rPr>
+              <a:t>年</a:t>
+            </a:r>
+            <a:r>
+              <a:rPr lang="en-US" altLang="ja-JP" dirty="0">
+                <a:latin typeface="メイリオ" panose="020B0604030504040204" pitchFamily="50" charset="-128"/>
+                <a:ea typeface="メイリオ" panose="020B0604030504040204" pitchFamily="50" charset="-128"/>
+                <a:cs typeface="メイリオ" panose="020B0604030504040204" pitchFamily="50" charset="-128"/>
+              </a:rPr>
+              <a:t>10</a:t>
+            </a:r>
+            <a:r>
+              <a:rPr lang="ja-JP" altLang="en-US" dirty="0">
+                <a:latin typeface="メイリオ" panose="020B0604030504040204" pitchFamily="50" charset="-128"/>
+                <a:ea typeface="メイリオ" panose="020B0604030504040204" pitchFamily="50" charset="-128"/>
+                <a:cs typeface="メイリオ" panose="020B0604030504040204" pitchFamily="50" charset="-128"/>
+              </a:rPr>
+              <a:t>月</a:t>
+            </a:r>
+            <a:r>
+              <a:rPr lang="en-US" altLang="ja-JP" dirty="0">
+                <a:latin typeface="メイリオ" panose="020B0604030504040204" pitchFamily="50" charset="-128"/>
+                <a:ea typeface="メイリオ" panose="020B0604030504040204" pitchFamily="50" charset="-128"/>
+                <a:cs typeface="メイリオ" panose="020B0604030504040204" pitchFamily="50" charset="-128"/>
+              </a:rPr>
+              <a:t>23</a:t>
+            </a:r>
+            <a:r>
+              <a:rPr lang="ja-JP" altLang="en-US" dirty="0">
+                <a:latin typeface="メイリオ" panose="020B0604030504040204" pitchFamily="50" charset="-128"/>
+                <a:ea typeface="メイリオ" panose="020B0604030504040204" pitchFamily="50" charset="-128"/>
+                <a:cs typeface="メイリオ" panose="020B0604030504040204" pitchFamily="50" charset="-128"/>
+              </a:rPr>
+              <a:t>日</a:t>
+            </a:r>
+            <a:r>
+              <a:rPr lang="en-US" altLang="ja-JP" dirty="0">
+                <a:latin typeface="メイリオ" panose="020B0604030504040204" pitchFamily="50" charset="-128"/>
+                <a:ea typeface="メイリオ" panose="020B0604030504040204" pitchFamily="50" charset="-128"/>
+                <a:cs typeface="メイリオ" panose="020B0604030504040204" pitchFamily="50" charset="-128"/>
+              </a:rPr>
+              <a:t>19</a:t>
+            </a:r>
+            <a:r>
+              <a:rPr lang="ja-JP" altLang="en-US" dirty="0">
+                <a:latin typeface="メイリオ" panose="020B0604030504040204" pitchFamily="50" charset="-128"/>
+                <a:ea typeface="メイリオ" panose="020B0604030504040204" pitchFamily="50" charset="-128"/>
+                <a:cs typeface="メイリオ" panose="020B0604030504040204" pitchFamily="50" charset="-128"/>
+              </a:rPr>
+              <a:t>時</a:t>
+            </a:r>
+            <a:r>
+              <a:rPr lang="en-US" altLang="ja-JP" dirty="0">
+                <a:latin typeface="メイリオ" panose="020B0604030504040204" pitchFamily="50" charset="-128"/>
+                <a:ea typeface="メイリオ" panose="020B0604030504040204" pitchFamily="50" charset="-128"/>
+                <a:cs typeface="メイリオ" panose="020B0604030504040204" pitchFamily="50" charset="-128"/>
+              </a:rPr>
+              <a:t>40</a:t>
+            </a:r>
+            <a:r>
+              <a:rPr lang="ja-JP" altLang="en-US" dirty="0">
+                <a:latin typeface="メイリオ" panose="020B0604030504040204" pitchFamily="50" charset="-128"/>
+                <a:ea typeface="メイリオ" panose="020B0604030504040204" pitchFamily="50" charset="-128"/>
+                <a:cs typeface="メイリオ" panose="020B0604030504040204" pitchFamily="50" charset="-128"/>
+              </a:rPr>
+              <a:t>分</a:t>
+            </a:r>
+            <a:r>
+              <a:rPr lang="en-US" altLang="ja-JP" dirty="0">
+                <a:latin typeface="メイリオ" panose="020B0604030504040204" pitchFamily="50" charset="-128"/>
+                <a:ea typeface="メイリオ" panose="020B0604030504040204" pitchFamily="50" charset="-128"/>
+                <a:cs typeface="メイリオ" panose="020B0604030504040204" pitchFamily="50" charset="-128"/>
+              </a:rPr>
+              <a:t>00</a:t>
+            </a:r>
+            <a:r>
+              <a:rPr lang="ja-JP" altLang="en-US" dirty="0">
+                <a:latin typeface="メイリオ" panose="020B0604030504040204" pitchFamily="50" charset="-128"/>
+                <a:ea typeface="メイリオ" panose="020B0604030504040204" pitchFamily="50" charset="-128"/>
+                <a:cs typeface="メイリオ" panose="020B0604030504040204" pitchFamily="50" charset="-128"/>
+              </a:rPr>
+              <a:t>秒～</a:t>
+            </a:r>
+            <a:r>
+              <a:rPr lang="en-US" altLang="ja-JP" dirty="0">
+                <a:latin typeface="メイリオ" panose="020B0604030504040204" pitchFamily="50" charset="-128"/>
+                <a:ea typeface="メイリオ" panose="020B0604030504040204" pitchFamily="50" charset="-128"/>
+                <a:cs typeface="メイリオ" panose="020B0604030504040204" pitchFamily="50" charset="-128"/>
+              </a:rPr>
+              <a:t>2015</a:t>
+            </a:r>
+            <a:r>
+              <a:rPr lang="ja-JP" altLang="en-US" dirty="0">
+                <a:latin typeface="メイリオ" panose="020B0604030504040204" pitchFamily="50" charset="-128"/>
+                <a:ea typeface="メイリオ" panose="020B0604030504040204" pitchFamily="50" charset="-128"/>
+                <a:cs typeface="メイリオ" panose="020B0604030504040204" pitchFamily="50" charset="-128"/>
+              </a:rPr>
+              <a:t>年</a:t>
+            </a:r>
+            <a:r>
+              <a:rPr lang="en-US" altLang="ja-JP" dirty="0">
+                <a:latin typeface="メイリオ" panose="020B0604030504040204" pitchFamily="50" charset="-128"/>
+                <a:ea typeface="メイリオ" panose="020B0604030504040204" pitchFamily="50" charset="-128"/>
+                <a:cs typeface="メイリオ" panose="020B0604030504040204" pitchFamily="50" charset="-128"/>
+              </a:rPr>
+              <a:t>10</a:t>
+            </a:r>
+            <a:r>
+              <a:rPr lang="ja-JP" altLang="en-US" dirty="0">
+                <a:latin typeface="メイリオ" panose="020B0604030504040204" pitchFamily="50" charset="-128"/>
+                <a:ea typeface="メイリオ" panose="020B0604030504040204" pitchFamily="50" charset="-128"/>
+                <a:cs typeface="メイリオ" panose="020B0604030504040204" pitchFamily="50" charset="-128"/>
+              </a:rPr>
+              <a:t>月</a:t>
+            </a:r>
+            <a:r>
+              <a:rPr lang="en-US" altLang="ja-JP" dirty="0">
+                <a:latin typeface="メイリオ" panose="020B0604030504040204" pitchFamily="50" charset="-128"/>
+                <a:ea typeface="メイリオ" panose="020B0604030504040204" pitchFamily="50" charset="-128"/>
+                <a:cs typeface="メイリオ" panose="020B0604030504040204" pitchFamily="50" charset="-128"/>
+              </a:rPr>
+              <a:t>24</a:t>
+            </a:r>
+            <a:r>
+              <a:rPr lang="ja-JP" altLang="en-US" dirty="0">
+                <a:latin typeface="メイリオ" panose="020B0604030504040204" pitchFamily="50" charset="-128"/>
+                <a:ea typeface="メイリオ" panose="020B0604030504040204" pitchFamily="50" charset="-128"/>
+                <a:cs typeface="メイリオ" panose="020B0604030504040204" pitchFamily="50" charset="-128"/>
+              </a:rPr>
+              <a:t>日</a:t>
+            </a:r>
+            <a:r>
+              <a:rPr lang="en-US" altLang="ja-JP" dirty="0">
+                <a:latin typeface="メイリオ" panose="020B0604030504040204" pitchFamily="50" charset="-128"/>
+                <a:ea typeface="メイリオ" panose="020B0604030504040204" pitchFamily="50" charset="-128"/>
+                <a:cs typeface="メイリオ" panose="020B0604030504040204" pitchFamily="50" charset="-128"/>
+              </a:rPr>
+              <a:t>19</a:t>
+            </a:r>
+            <a:r>
+              <a:rPr lang="ja-JP" altLang="en-US" dirty="0">
+                <a:latin typeface="メイリオ" panose="020B0604030504040204" pitchFamily="50" charset="-128"/>
+                <a:ea typeface="メイリオ" panose="020B0604030504040204" pitchFamily="50" charset="-128"/>
+                <a:cs typeface="メイリオ" panose="020B0604030504040204" pitchFamily="50" charset="-128"/>
+              </a:rPr>
+              <a:t>時</a:t>
+            </a:r>
+            <a:r>
+              <a:rPr lang="en-US" altLang="ja-JP" dirty="0">
+                <a:latin typeface="メイリオ" panose="020B0604030504040204" pitchFamily="50" charset="-128"/>
+                <a:ea typeface="メイリオ" panose="020B0604030504040204" pitchFamily="50" charset="-128"/>
+                <a:cs typeface="メイリオ" panose="020B0604030504040204" pitchFamily="50" charset="-128"/>
+              </a:rPr>
+              <a:t>40</a:t>
+            </a:r>
+            <a:r>
+              <a:rPr lang="ja-JP" altLang="en-US" dirty="0">
+                <a:latin typeface="メイリオ" panose="020B0604030504040204" pitchFamily="50" charset="-128"/>
+                <a:ea typeface="メイリオ" panose="020B0604030504040204" pitchFamily="50" charset="-128"/>
+                <a:cs typeface="メイリオ" panose="020B0604030504040204" pitchFamily="50" charset="-128"/>
+              </a:rPr>
+              <a:t>分</a:t>
+            </a:r>
+            <a:r>
+              <a:rPr lang="en-US" altLang="ja-JP" dirty="0">
+                <a:latin typeface="メイリオ" panose="020B0604030504040204" pitchFamily="50" charset="-128"/>
+                <a:ea typeface="メイリオ" panose="020B0604030504040204" pitchFamily="50" charset="-128"/>
+                <a:cs typeface="メイリオ" panose="020B0604030504040204" pitchFamily="50" charset="-128"/>
+              </a:rPr>
+              <a:t>00</a:t>
+            </a:r>
+            <a:r>
+              <a:rPr lang="ja-JP" altLang="en-US" dirty="0">
+                <a:latin typeface="メイリオ" panose="020B0604030504040204" pitchFamily="50" charset="-128"/>
+                <a:ea typeface="メイリオ" panose="020B0604030504040204" pitchFamily="50" charset="-128"/>
+                <a:cs typeface="メイリオ" panose="020B0604030504040204" pitchFamily="50" charset="-128"/>
+              </a:rPr>
+              <a:t>秒</a:t>
+            </a:r>
+            <a:r>
+              <a:rPr lang="ja-JP" altLang="en-US" dirty="0" smtClean="0">
+                <a:latin typeface="メイリオ" panose="020B0604030504040204" pitchFamily="50" charset="-128"/>
+                <a:ea typeface="メイリオ" panose="020B0604030504040204" pitchFamily="50" charset="-128"/>
+                <a:cs typeface="メイリオ" panose="020B0604030504040204" pitchFamily="50" charset="-128"/>
+              </a:rPr>
+              <a:t>）</a:t>
+            </a:r>
+            <a:endParaRPr lang="ja-JP" altLang="en-US" dirty="0">
               <a:latin typeface="メイリオ" panose="020B0604030504040204" pitchFamily="50" charset="-128"/>
               <a:ea typeface="メイリオ" panose="020B0604030504040204" pitchFamily="50" charset="-128"/>
               <a:cs typeface="メイリオ" panose="020B0604030504040204" pitchFamily="50" charset="-128"/>
             </a:endParaRPr>
           </a:p>
+          <a:p>
+            <a:pPr marL="0" indent="0">
+              <a:lnSpc>
+                <a:spcPct val="150000"/>
+              </a:lnSpc>
+              <a:buNone/>
+            </a:pPr>
+            <a:endParaRPr lang="en-US" altLang="ja-JP" dirty="0" smtClean="0">
+              <a:latin typeface="メイリオ" panose="020B0604030504040204" pitchFamily="50" charset="-128"/>
+              <a:ea typeface="メイリオ" panose="020B0604030504040204" pitchFamily="50" charset="-128"/>
+              <a:cs typeface="メイリオ" panose="020B0604030504040204" pitchFamily="50" charset="-128"/>
+            </a:endParaRPr>
+          </a:p>
         </p:txBody>
       </p:sp>
     </p:spTree>
     <p:extLst>
       <p:ext uri="{BB962C8B-B14F-4D97-AF65-F5344CB8AC3E}">
-        <p14:creationId xmlns:p14="http://schemas.microsoft.com/office/powerpoint/2010/main" val="3786190058"/>
+        <p14:creationId xmlns:p14="http://schemas.microsoft.com/office/powerpoint/2010/main" val="3109448656"/>
       </p:ext>
     </p:extLst>
   </p:cSld>
@@ -8449,30 +9164,66 @@
           <a:chExt cx="0" cy="0"/>
         </a:xfrm>
       </p:grpSpPr>
-      <p:sp>
-        <p:nvSpPr>
-          <p:cNvPr id="2" name="タイトル 1"/>
-          <p:cNvSpPr>
-            <a:spLocks noGrp="1"/>
-          </p:cNvSpPr>
-          <p:nvPr>
-            <p:ph type="title"/>
-          </p:nvPr>
-        </p:nvSpPr>
-        <p:spPr/>
-        <p:txBody>
-          <a:bodyPr/>
-          <a:lstStyle/>
-          <a:p>
-            <a:r>
-              <a:rPr kumimoji="1" lang="ja-JP" altLang="en-US" dirty="0" smtClean="0">
-                <a:latin typeface="メイリオ" panose="020B0604030504040204" pitchFamily="50" charset="-128"/>
-                <a:ea typeface="メイリオ" panose="020B0604030504040204" pitchFamily="50" charset="-128"/>
-                <a:cs typeface="メイリオ" panose="020B0604030504040204" pitchFamily="50" charset="-128"/>
-              </a:rPr>
-              <a:t>共起ネットワークとは</a:t>
-            </a:r>
-            <a:endParaRPr kumimoji="1" lang="ja-JP" altLang="en-US" dirty="0">
+      <p:pic>
+        <p:nvPicPr>
+          <p:cNvPr id="4" name="コンテンツ プレースホルダー 3"/>
+          <p:cNvPicPr>
+            <a:picLocks noGrp="1" noChangeAspect="1"/>
+          </p:cNvPicPr>
+          <p:nvPr>
+            <p:ph idx="1"/>
+          </p:nvPr>
+        </p:nvPicPr>
+        <p:blipFill>
+          <a:blip r:embed="rId3">
+            <a:extLst>
+              <a:ext uri="{28A0092B-C50C-407E-A947-70E740481C1C}">
+                <a14:useLocalDpi xmlns:a14="http://schemas.microsoft.com/office/drawing/2010/main" val="0"/>
+              </a:ext>
+            </a:extLst>
+          </a:blip>
+          <a:stretch>
+            <a:fillRect/>
+          </a:stretch>
+        </p:blipFill>
+        <p:spPr>
+          <a:xfrm>
+            <a:off x="869076" y="112266"/>
+            <a:ext cx="4358944" cy="6636005"/>
+          </a:xfrm>
+        </p:spPr>
+      </p:pic>
+      <p:sp>
+        <p:nvSpPr>
+          <p:cNvPr id="6" name="テキスト ボックス 5"/>
+          <p:cNvSpPr txBox="1"/>
+          <p:nvPr/>
+        </p:nvSpPr>
+        <p:spPr>
+          <a:xfrm>
+            <a:off x="5306568" y="201168"/>
+            <a:ext cx="3145536" cy="523220"/>
+          </a:xfrm>
+          <a:prstGeom prst="rect">
+            <a:avLst/>
+          </a:prstGeom>
+          <a:noFill/>
+        </p:spPr>
+        <p:txBody>
+          <a:bodyPr wrap="square" rtlCol="0">
+            <a:spAutoFit/>
+          </a:bodyPr>
+          <a:lstStyle/>
+          <a:p>
+            <a:r>
+              <a:rPr kumimoji="1" lang="ja-JP" altLang="en-US" sz="2800" dirty="0" smtClean="0">
+                <a:latin typeface="メイリオ" panose="020B0604030504040204" pitchFamily="50" charset="-128"/>
+                <a:ea typeface="メイリオ" panose="020B0604030504040204" pitchFamily="50" charset="-128"/>
+                <a:cs typeface="メイリオ" panose="020B0604030504040204" pitchFamily="50" charset="-128"/>
+              </a:rPr>
+              <a:t>←自分のツイート</a:t>
+            </a:r>
+            <a:endParaRPr kumimoji="1" lang="ja-JP" altLang="en-US" sz="2800" dirty="0">
               <a:latin typeface="メイリオ" panose="020B0604030504040204" pitchFamily="50" charset="-128"/>
               <a:ea typeface="メイリオ" panose="020B0604030504040204" pitchFamily="50" charset="-128"/>
               <a:cs typeface="メイリオ" panose="020B0604030504040204" pitchFamily="50" charset="-128"/>
@@ -8482,92 +9233,104 @@
       </p:sp>
       <p:sp>
         <p:nvSpPr>
-          <p:cNvPr id="3" name="コンテンツ プレースホルダー 2"/>
-          <p:cNvSpPr>
-            <a:spLocks noGrp="1"/>
-          </p:cNvSpPr>
-          <p:nvPr>
-            <p:ph idx="1"/>
-          </p:nvPr>
-        </p:nvSpPr>
-        <p:spPr/>
-        <p:txBody>
-          <a:bodyPr/>
-          <a:lstStyle/>
-          <a:p>
-            <a:pPr>
-              <a:lnSpc>
-                <a:spcPct val="150000"/>
-              </a:lnSpc>
-            </a:pPr>
-            <a:r>
-              <a:rPr kumimoji="1" lang="ja-JP" altLang="en-US" dirty="0" smtClean="0">
-                <a:latin typeface="メイリオ" panose="020B0604030504040204" pitchFamily="50" charset="-128"/>
-                <a:ea typeface="メイリオ" panose="020B0604030504040204" pitchFamily="50" charset="-128"/>
-                <a:cs typeface="メイリオ" panose="020B0604030504040204" pitchFamily="50" charset="-128"/>
-              </a:rPr>
-              <a:t>ある文字列と，それとは別の文字列が同時に　出現することを「共起」という</a:t>
-            </a:r>
-            <a:endParaRPr kumimoji="1" lang="en-US" altLang="ja-JP" dirty="0" smtClean="0">
+          <p:cNvPr id="8" name="右中かっこ 7"/>
+          <p:cNvSpPr/>
+          <p:nvPr/>
+        </p:nvSpPr>
+        <p:spPr>
+          <a:xfrm>
+            <a:off x="5379720" y="795527"/>
+            <a:ext cx="722376" cy="5952743"/>
+          </a:xfrm>
+          <a:prstGeom prst="rightBrace">
+            <a:avLst/>
+          </a:prstGeom>
+          <a:ln w="19050">
+            <a:solidFill>
+              <a:schemeClr val="tx1"/>
+            </a:solidFill>
+          </a:ln>
+        </p:spPr>
+        <p:style>
+          <a:lnRef idx="1">
+            <a:schemeClr val="accent1"/>
+          </a:lnRef>
+          <a:fillRef idx="0">
+            <a:schemeClr val="accent1"/>
+          </a:fillRef>
+          <a:effectRef idx="0">
+            <a:schemeClr val="accent1"/>
+          </a:effectRef>
+          <a:fontRef idx="minor">
+            <a:schemeClr val="tx1"/>
+          </a:fontRef>
+        </p:style>
+        <p:txBody>
+          <a:bodyPr rtlCol="0" anchor="ctr"/>
+          <a:lstStyle/>
+          <a:p>
+            <a:pPr algn="ctr"/>
+            <a:endParaRPr kumimoji="1" lang="ja-JP" altLang="en-US"/>
+          </a:p>
+        </p:txBody>
+      </p:sp>
+      <p:sp>
+        <p:nvSpPr>
+          <p:cNvPr id="9" name="テキスト ボックス 8"/>
+          <p:cNvSpPr txBox="1"/>
+          <p:nvPr/>
+        </p:nvSpPr>
+        <p:spPr>
+          <a:xfrm>
+            <a:off x="6102096" y="3294844"/>
+            <a:ext cx="3054796" cy="954107"/>
+          </a:xfrm>
+          <a:prstGeom prst="rect">
+            <a:avLst/>
+          </a:prstGeom>
+          <a:noFill/>
+        </p:spPr>
+        <p:txBody>
+          <a:bodyPr wrap="square" rtlCol="0">
+            <a:spAutoFit/>
+          </a:bodyPr>
+          <a:lstStyle/>
+          <a:p>
+            <a:r>
+              <a:rPr lang="ja-JP" altLang="en-US" sz="2800" dirty="0" smtClean="0">
+                <a:latin typeface="メイリオ" panose="020B0604030504040204" pitchFamily="50" charset="-128"/>
+                <a:ea typeface="メイリオ" panose="020B0604030504040204" pitchFamily="50" charset="-128"/>
+                <a:cs typeface="メイリオ" panose="020B0604030504040204" pitchFamily="50" charset="-128"/>
+              </a:rPr>
+              <a:t>フォローした</a:t>
+            </a:r>
+            <a:endParaRPr lang="en-US" altLang="ja-JP" sz="2800" dirty="0" smtClean="0">
               <a:latin typeface="メイリオ" panose="020B0604030504040204" pitchFamily="50" charset="-128"/>
               <a:ea typeface="メイリオ" panose="020B0604030504040204" pitchFamily="50" charset="-128"/>
               <a:cs typeface="メイリオ" panose="020B0604030504040204" pitchFamily="50" charset="-128"/>
             </a:endParaRPr>
           </a:p>
           <a:p>
-            <a:pPr>
-              <a:lnSpc>
-                <a:spcPct val="150000"/>
-              </a:lnSpc>
-            </a:pPr>
-            <a:r>
-              <a:rPr lang="ja-JP" altLang="en-US" dirty="0" smtClean="0">
-                <a:latin typeface="メイリオ" panose="020B0604030504040204" pitchFamily="50" charset="-128"/>
-                <a:ea typeface="メイリオ" panose="020B0604030504040204" pitchFamily="50" charset="-128"/>
-                <a:cs typeface="メイリオ" panose="020B0604030504040204" pitchFamily="50" charset="-128"/>
-              </a:rPr>
-              <a:t>「選挙」「出馬」が同時に出現すると「共起　している」と呼ぶ</a:t>
-            </a:r>
-            <a:endParaRPr lang="en-US" altLang="ja-JP" dirty="0" smtClean="0">
+            <a:r>
+              <a:rPr kumimoji="1" lang="ja-JP" altLang="en-US" sz="2800" dirty="0" smtClean="0">
+                <a:latin typeface="メイリオ" panose="020B0604030504040204" pitchFamily="50" charset="-128"/>
+                <a:ea typeface="メイリオ" panose="020B0604030504040204" pitchFamily="50" charset="-128"/>
+                <a:cs typeface="メイリオ" panose="020B0604030504040204" pitchFamily="50" charset="-128"/>
+              </a:rPr>
+              <a:t>ユーザのツイート</a:t>
+            </a:r>
+            <a:endParaRPr kumimoji="1" lang="ja-JP" altLang="en-US" sz="2800" dirty="0">
               <a:latin typeface="メイリオ" panose="020B0604030504040204" pitchFamily="50" charset="-128"/>
               <a:ea typeface="メイリオ" panose="020B0604030504040204" pitchFamily="50" charset="-128"/>
               <a:cs typeface="メイリオ" panose="020B0604030504040204" pitchFamily="50" charset="-128"/>
             </a:endParaRPr>
           </a:p>
-          <a:p>
-            <a:pPr>
-              <a:lnSpc>
-                <a:spcPct val="150000"/>
-              </a:lnSpc>
-            </a:pPr>
-            <a:r>
-              <a:rPr kumimoji="1" lang="ja-JP" altLang="en-US" dirty="0">
-                <a:latin typeface="メイリオ" panose="020B0604030504040204" pitchFamily="50" charset="-128"/>
-                <a:ea typeface="メイリオ" panose="020B0604030504040204" pitchFamily="50" charset="-128"/>
-                <a:cs typeface="メイリオ" panose="020B0604030504040204" pitchFamily="50" charset="-128"/>
-              </a:rPr>
-              <a:t>共起関係</a:t>
-            </a:r>
-            <a:r>
-              <a:rPr kumimoji="1" lang="ja-JP" altLang="en-US" dirty="0" smtClean="0">
-                <a:latin typeface="メイリオ" panose="020B0604030504040204" pitchFamily="50" charset="-128"/>
-                <a:ea typeface="メイリオ" panose="020B0604030504040204" pitchFamily="50" charset="-128"/>
-                <a:cs typeface="メイリオ" panose="020B0604030504040204" pitchFamily="50" charset="-128"/>
-              </a:rPr>
-              <a:t>や共起の頻度をネットワーク図で　　表したものが共起ネットワーク</a:t>
-            </a:r>
-            <a:endParaRPr kumimoji="1" lang="en-US" altLang="ja-JP" dirty="0" smtClean="0">
-              <a:latin typeface="メイリオ" panose="020B0604030504040204" pitchFamily="50" charset="-128"/>
-              <a:ea typeface="メイリオ" panose="020B0604030504040204" pitchFamily="50" charset="-128"/>
-              <a:cs typeface="メイリオ" panose="020B0604030504040204" pitchFamily="50" charset="-128"/>
-            </a:endParaRPr>
-          </a:p>
         </p:txBody>
       </p:sp>
     </p:spTree>
     <p:extLst>
       <p:ext uri="{BB962C8B-B14F-4D97-AF65-F5344CB8AC3E}">
-        <p14:creationId xmlns:p14="http://schemas.microsoft.com/office/powerpoint/2010/main" val="709919093"/>
+        <p14:creationId xmlns:p14="http://schemas.microsoft.com/office/powerpoint/2010/main" val="3786190058"/>
       </p:ext>
     </p:extLst>
   </p:cSld>
@@ -8622,7 +9385,7 @@
                 <a:ea typeface="メイリオ" panose="020B0604030504040204" pitchFamily="50" charset="-128"/>
                 <a:cs typeface="メイリオ" panose="020B0604030504040204" pitchFamily="50" charset="-128"/>
               </a:rPr>
-              <a:t>結果</a:t>
+              <a:t>共起ネットワークとは</a:t>
             </a:r>
             <a:endParaRPr kumimoji="1" lang="ja-JP" altLang="en-US" dirty="0">
               <a:latin typeface="メイリオ" panose="020B0604030504040204" pitchFamily="50" charset="-128"/>
@@ -8642,55 +9405,23 @@
             <p:ph idx="1"/>
           </p:nvPr>
         </p:nvSpPr>
-        <p:spPr>
-          <a:xfrm>
-            <a:off x="628650" y="1698624"/>
-            <a:ext cx="7886700" cy="5032376"/>
-          </a:xfrm>
-        </p:spPr>
-        <p:txBody>
-          <a:bodyPr>
-            <a:normAutofit/>
-          </a:bodyPr>
-          <a:lstStyle/>
-          <a:p>
-            <a:pPr marL="0" indent="0">
+        <p:spPr/>
+        <p:txBody>
+          <a:bodyPr/>
+          <a:lstStyle/>
+          <a:p>
+            <a:pPr>
               <a:lnSpc>
                 <a:spcPct val="150000"/>
               </a:lnSpc>
-              <a:buNone/>
             </a:pPr>
             <a:r>
-              <a:rPr lang="ja-JP" altLang="en-US" dirty="0" smtClean="0">
-                <a:latin typeface="メイリオ" panose="020B0604030504040204" pitchFamily="50" charset="-128"/>
-                <a:ea typeface="メイリオ" panose="020B0604030504040204" pitchFamily="50" charset="-128"/>
-                <a:cs typeface="メイリオ" panose="020B0604030504040204" pitchFamily="50" charset="-128"/>
-              </a:rPr>
-              <a:t>ヒアリングで得られたユーザ</a:t>
-            </a:r>
-            <a:r>
-              <a:rPr lang="en-US" altLang="ja-JP" dirty="0" smtClean="0">
-                <a:latin typeface="メイリオ" panose="020B0604030504040204" pitchFamily="50" charset="-128"/>
-                <a:ea typeface="メイリオ" panose="020B0604030504040204" pitchFamily="50" charset="-128"/>
-                <a:cs typeface="メイリオ" panose="020B0604030504040204" pitchFamily="50" charset="-128"/>
-              </a:rPr>
-              <a:t>A</a:t>
-            </a:r>
-            <a:r>
-              <a:rPr lang="ja-JP" altLang="en-US" dirty="0">
-                <a:latin typeface="メイリオ" panose="020B0604030504040204" pitchFamily="50" charset="-128"/>
-                <a:ea typeface="メイリオ" panose="020B0604030504040204" pitchFamily="50" charset="-128"/>
-                <a:cs typeface="メイリオ" panose="020B0604030504040204" pitchFamily="50" charset="-128"/>
-              </a:rPr>
-              <a:t>の</a:t>
-            </a:r>
-            <a:r>
               <a:rPr kumimoji="1" lang="ja-JP" altLang="en-US" dirty="0" smtClean="0">
                 <a:latin typeface="メイリオ" panose="020B0604030504040204" pitchFamily="50" charset="-128"/>
                 <a:ea typeface="メイリオ" panose="020B0604030504040204" pitchFamily="50" charset="-128"/>
                 <a:cs typeface="メイリオ" panose="020B0604030504040204" pitchFamily="50" charset="-128"/>
               </a:rPr>
-              <a:t>関心事項</a:t>
+              <a:t>ある文字列と，それとは別の文字列が同時に　出現することを「共起」という</a:t>
             </a:r>
             <a:endParaRPr kumimoji="1" lang="en-US" altLang="ja-JP" dirty="0" smtClean="0">
               <a:latin typeface="メイリオ" panose="020B0604030504040204" pitchFamily="50" charset="-128"/>
@@ -8699,26 +9430,46 @@
             </a:endParaRPr>
           </a:p>
           <a:p>
-            <a:pPr lvl="1">
+            <a:pPr>
               <a:lnSpc>
                 <a:spcPct val="150000"/>
               </a:lnSpc>
             </a:pPr>
             <a:r>
+              <a:rPr lang="ja-JP" altLang="en-US" dirty="0" smtClean="0">
+                <a:latin typeface="メイリオ" panose="020B0604030504040204" pitchFamily="50" charset="-128"/>
+                <a:ea typeface="メイリオ" panose="020B0604030504040204" pitchFamily="50" charset="-128"/>
+                <a:cs typeface="メイリオ" panose="020B0604030504040204" pitchFamily="50" charset="-128"/>
+              </a:rPr>
+              <a:t>「選挙」「出馬」が同時に出現すると「共起　している」と呼ぶ</a:t>
+            </a:r>
+            <a:endParaRPr lang="en-US" altLang="ja-JP" dirty="0" smtClean="0">
+              <a:latin typeface="メイリオ" panose="020B0604030504040204" pitchFamily="50" charset="-128"/>
+              <a:ea typeface="メイリオ" panose="020B0604030504040204" pitchFamily="50" charset="-128"/>
+              <a:cs typeface="メイリオ" panose="020B0604030504040204" pitchFamily="50" charset="-128"/>
+            </a:endParaRPr>
+          </a:p>
+          <a:p>
+            <a:pPr>
+              <a:lnSpc>
+                <a:spcPct val="150000"/>
+              </a:lnSpc>
+            </a:pPr>
+            <a:r>
+              <a:rPr kumimoji="1" lang="ja-JP" altLang="en-US" dirty="0">
+                <a:latin typeface="メイリオ" panose="020B0604030504040204" pitchFamily="50" charset="-128"/>
+                <a:ea typeface="メイリオ" panose="020B0604030504040204" pitchFamily="50" charset="-128"/>
+                <a:cs typeface="メイリオ" panose="020B0604030504040204" pitchFamily="50" charset="-128"/>
+              </a:rPr>
+              <a:t>共起関係</a:t>
+            </a:r>
+            <a:r>
               <a:rPr kumimoji="1" lang="ja-JP" altLang="en-US" dirty="0" smtClean="0">
                 <a:latin typeface="メイリオ" panose="020B0604030504040204" pitchFamily="50" charset="-128"/>
                 <a:ea typeface="メイリオ" panose="020B0604030504040204" pitchFamily="50" charset="-128"/>
                 <a:cs typeface="メイリオ" panose="020B0604030504040204" pitchFamily="50" charset="-128"/>
               </a:rPr>
-              <a:t>声優の</a:t>
-            </a:r>
-            <a:r>
-              <a:rPr lang="ja-JP" altLang="en-US" dirty="0" smtClean="0">
-                <a:latin typeface="メイリオ" panose="020B0604030504040204" pitchFamily="50" charset="-128"/>
-                <a:ea typeface="メイリオ" panose="020B0604030504040204" pitchFamily="50" charset="-128"/>
-                <a:cs typeface="メイリオ" panose="020B0604030504040204" pitchFamily="50" charset="-128"/>
-              </a:rPr>
-              <a:t>ツイート</a:t>
+              <a:t>や共起の頻度をネットワーク図で　　表したものが共起ネットワーク</a:t>
             </a:r>
             <a:endParaRPr kumimoji="1" lang="en-US" altLang="ja-JP" dirty="0" smtClean="0">
               <a:latin typeface="メイリオ" panose="020B0604030504040204" pitchFamily="50" charset="-128"/>
@@ -8726,112 +9477,12 @@
               <a:cs typeface="メイリオ" panose="020B0604030504040204" pitchFamily="50" charset="-128"/>
             </a:endParaRPr>
           </a:p>
-          <a:p>
-            <a:pPr lvl="1">
-              <a:lnSpc>
-                <a:spcPct val="150000"/>
-              </a:lnSpc>
-            </a:pPr>
-            <a:r>
-              <a:rPr kumimoji="1" lang="ja-JP" altLang="en-US" dirty="0" smtClean="0">
-                <a:latin typeface="メイリオ" panose="020B0604030504040204" pitchFamily="50" charset="-128"/>
-                <a:ea typeface="メイリオ" panose="020B0604030504040204" pitchFamily="50" charset="-128"/>
-                <a:cs typeface="メイリオ" panose="020B0604030504040204" pitchFamily="50" charset="-128"/>
-              </a:rPr>
-              <a:t>マンガ家の</a:t>
-            </a:r>
-            <a:r>
-              <a:rPr lang="ja-JP" altLang="en-US" dirty="0">
-                <a:latin typeface="メイリオ" panose="020B0604030504040204" pitchFamily="50" charset="-128"/>
-                <a:ea typeface="メイリオ" panose="020B0604030504040204" pitchFamily="50" charset="-128"/>
-                <a:cs typeface="メイリオ" panose="020B0604030504040204" pitchFamily="50" charset="-128"/>
-              </a:rPr>
-              <a:t>ツイート</a:t>
-            </a:r>
-            <a:endParaRPr kumimoji="1" lang="en-US" altLang="ja-JP" dirty="0" smtClean="0">
-              <a:latin typeface="メイリオ" panose="020B0604030504040204" pitchFamily="50" charset="-128"/>
-              <a:ea typeface="メイリオ" panose="020B0604030504040204" pitchFamily="50" charset="-128"/>
-              <a:cs typeface="メイリオ" panose="020B0604030504040204" pitchFamily="50" charset="-128"/>
-            </a:endParaRPr>
-          </a:p>
-          <a:p>
-            <a:pPr lvl="1">
-              <a:lnSpc>
-                <a:spcPct val="150000"/>
-              </a:lnSpc>
-            </a:pPr>
-            <a:r>
-              <a:rPr kumimoji="1" lang="ja-JP" altLang="en-US" dirty="0" smtClean="0">
-                <a:latin typeface="メイリオ" panose="020B0604030504040204" pitchFamily="50" charset="-128"/>
-                <a:ea typeface="メイリオ" panose="020B0604030504040204" pitchFamily="50" charset="-128"/>
-                <a:cs typeface="メイリオ" panose="020B0604030504040204" pitchFamily="50" charset="-128"/>
-              </a:rPr>
-              <a:t>コスプレの写真</a:t>
-            </a:r>
-            <a:endParaRPr kumimoji="1" lang="en-US" altLang="ja-JP" dirty="0" smtClean="0">
-              <a:latin typeface="メイリオ" panose="020B0604030504040204" pitchFamily="50" charset="-128"/>
-              <a:ea typeface="メイリオ" panose="020B0604030504040204" pitchFamily="50" charset="-128"/>
-              <a:cs typeface="メイリオ" panose="020B0604030504040204" pitchFamily="50" charset="-128"/>
-            </a:endParaRPr>
-          </a:p>
-          <a:p>
-            <a:pPr lvl="1">
-              <a:lnSpc>
-                <a:spcPct val="150000"/>
-              </a:lnSpc>
-            </a:pPr>
-            <a:r>
-              <a:rPr lang="ja-JP" altLang="en-US" dirty="0" smtClean="0">
-                <a:latin typeface="メイリオ" panose="020B0604030504040204" pitchFamily="50" charset="-128"/>
-                <a:ea typeface="メイリオ" panose="020B0604030504040204" pitchFamily="50" charset="-128"/>
-                <a:cs typeface="メイリオ" panose="020B0604030504040204" pitchFamily="50" charset="-128"/>
-              </a:rPr>
-              <a:t>キャラクターのセリフを</a:t>
-            </a:r>
-            <a:r>
-              <a:rPr lang="ja-JP" altLang="en-US" dirty="0">
-                <a:latin typeface="メイリオ" panose="020B0604030504040204" pitchFamily="50" charset="-128"/>
-                <a:ea typeface="メイリオ" panose="020B0604030504040204" pitchFamily="50" charset="-128"/>
-                <a:cs typeface="メイリオ" panose="020B0604030504040204" pitchFamily="50" charset="-128"/>
-              </a:rPr>
-              <a:t>定期的に</a:t>
-            </a:r>
-            <a:r>
-              <a:rPr lang="ja-JP" altLang="en-US" dirty="0" smtClean="0">
-                <a:latin typeface="メイリオ" panose="020B0604030504040204" pitchFamily="50" charset="-128"/>
-                <a:ea typeface="メイリオ" panose="020B0604030504040204" pitchFamily="50" charset="-128"/>
-                <a:cs typeface="メイリオ" panose="020B0604030504040204" pitchFamily="50" charset="-128"/>
-              </a:rPr>
-              <a:t>つぶやくボット（</a:t>
-            </a:r>
-            <a:r>
-              <a:rPr lang="en-US" altLang="ja-JP" dirty="0" smtClean="0">
-                <a:latin typeface="メイリオ" panose="020B0604030504040204" pitchFamily="50" charset="-128"/>
-                <a:ea typeface="メイリオ" panose="020B0604030504040204" pitchFamily="50" charset="-128"/>
-                <a:cs typeface="メイリオ" panose="020B0604030504040204" pitchFamily="50" charset="-128"/>
-              </a:rPr>
-              <a:t>bot</a:t>
-            </a:r>
-            <a:r>
-              <a:rPr lang="ja-JP" altLang="en-US" dirty="0" smtClean="0">
-                <a:latin typeface="メイリオ" panose="020B0604030504040204" pitchFamily="50" charset="-128"/>
-                <a:ea typeface="メイリオ" panose="020B0604030504040204" pitchFamily="50" charset="-128"/>
-                <a:cs typeface="メイリオ" panose="020B0604030504040204" pitchFamily="50" charset="-128"/>
-              </a:rPr>
-              <a:t>）</a:t>
-            </a:r>
-            <a:endParaRPr kumimoji="1" lang="en-US" altLang="ja-JP" dirty="0" smtClean="0">
-              <a:latin typeface="メイリオ" panose="020B0604030504040204" pitchFamily="50" charset="-128"/>
-              <a:ea typeface="メイリオ" panose="020B0604030504040204" pitchFamily="50" charset="-128"/>
-              <a:cs typeface="メイリオ" panose="020B0604030504040204" pitchFamily="50" charset="-128"/>
-            </a:endParaRPr>
-          </a:p>
         </p:txBody>
       </p:sp>
     </p:spTree>
     <p:extLst>
       <p:ext uri="{BB962C8B-B14F-4D97-AF65-F5344CB8AC3E}">
-        <p14:creationId xmlns:p14="http://schemas.microsoft.com/office/powerpoint/2010/main" val="2483017379"/>
+        <p14:creationId xmlns:p14="http://schemas.microsoft.com/office/powerpoint/2010/main" val="709919093"/>
       </p:ext>
     </p:extLst>
   </p:cSld>
@@ -8865,35 +9516,6 @@
           <a:chExt cx="0" cy="0"/>
         </a:xfrm>
       </p:grpSpPr>
-      <p:pic>
-        <p:nvPicPr>
-          <p:cNvPr id="4" name="コンテンツ プレースホルダー 3"/>
-          <p:cNvPicPr>
-            <a:picLocks noGrp="1" noChangeAspect="1"/>
-          </p:cNvPicPr>
-          <p:nvPr>
-            <p:ph idx="1"/>
-          </p:nvPr>
-        </p:nvPicPr>
-        <p:blipFill>
-          <a:blip r:embed="rId3">
-            <a:extLst>
-              <a:ext uri="{28A0092B-C50C-407E-A947-70E740481C1C}">
-                <a14:useLocalDpi xmlns:a14="http://schemas.microsoft.com/office/drawing/2010/main" val="0"/>
-              </a:ext>
-            </a:extLst>
-          </a:blip>
-          <a:stretch>
-            <a:fillRect/>
-          </a:stretch>
-        </p:blipFill>
-        <p:spPr>
-          <a:xfrm>
-            <a:off x="1149865" y="85344"/>
-            <a:ext cx="6844269" cy="6858000"/>
-          </a:xfrm>
-        </p:spPr>
-      </p:pic>
       <p:sp>
         <p:nvSpPr>
           <p:cNvPr id="2" name="タイトル 1"/>
@@ -8910,7 +9532,7 @@
           <a:lstStyle/>
           <a:p>
             <a:r>
-              <a:rPr lang="ja-JP" altLang="en-US" dirty="0">
+              <a:rPr kumimoji="1" lang="ja-JP" altLang="en-US" dirty="0" smtClean="0">
                 <a:latin typeface="メイリオ" panose="020B0604030504040204" pitchFamily="50" charset="-128"/>
                 <a:ea typeface="メイリオ" panose="020B0604030504040204" pitchFamily="50" charset="-128"/>
                 <a:cs typeface="メイリオ" panose="020B0604030504040204" pitchFamily="50" charset="-128"/>
@@ -8925,10 +9547,206 @@
           </a:p>
         </p:txBody>
       </p:sp>
+      <p:sp>
+        <p:nvSpPr>
+          <p:cNvPr id="3" name="コンテンツ プレースホルダー 2"/>
+          <p:cNvSpPr>
+            <a:spLocks noGrp="1"/>
+          </p:cNvSpPr>
+          <p:nvPr>
+            <p:ph idx="1"/>
+          </p:nvPr>
+        </p:nvSpPr>
+        <p:spPr>
+          <a:xfrm>
+            <a:off x="628650" y="1698624"/>
+            <a:ext cx="7886700" cy="5032376"/>
+          </a:xfrm>
+        </p:spPr>
+        <p:txBody>
+          <a:bodyPr>
+            <a:normAutofit/>
+          </a:bodyPr>
+          <a:lstStyle/>
+          <a:p>
+            <a:pPr marL="0" indent="0">
+              <a:lnSpc>
+                <a:spcPct val="150000"/>
+              </a:lnSpc>
+              <a:buNone/>
+            </a:pPr>
+            <a:r>
+              <a:rPr lang="ja-JP" altLang="en-US" dirty="0" smtClean="0">
+                <a:latin typeface="メイリオ" panose="020B0604030504040204" pitchFamily="50" charset="-128"/>
+                <a:ea typeface="メイリオ" panose="020B0604030504040204" pitchFamily="50" charset="-128"/>
+                <a:cs typeface="メイリオ" panose="020B0604030504040204" pitchFamily="50" charset="-128"/>
+              </a:rPr>
+              <a:t>ヒアリングで得られたユーザ</a:t>
+            </a:r>
+            <a:r>
+              <a:rPr lang="en-US" altLang="ja-JP" dirty="0" smtClean="0">
+                <a:latin typeface="メイリオ" panose="020B0604030504040204" pitchFamily="50" charset="-128"/>
+                <a:ea typeface="メイリオ" panose="020B0604030504040204" pitchFamily="50" charset="-128"/>
+                <a:cs typeface="メイリオ" panose="020B0604030504040204" pitchFamily="50" charset="-128"/>
+              </a:rPr>
+              <a:t>A</a:t>
+            </a:r>
+            <a:r>
+              <a:rPr lang="ja-JP" altLang="en-US" dirty="0">
+                <a:latin typeface="メイリオ" panose="020B0604030504040204" pitchFamily="50" charset="-128"/>
+                <a:ea typeface="メイリオ" panose="020B0604030504040204" pitchFamily="50" charset="-128"/>
+                <a:cs typeface="メイリオ" panose="020B0604030504040204" pitchFamily="50" charset="-128"/>
+              </a:rPr>
+              <a:t>の</a:t>
+            </a:r>
+            <a:r>
+              <a:rPr kumimoji="1" lang="ja-JP" altLang="en-US" dirty="0" smtClean="0">
+                <a:latin typeface="メイリオ" panose="020B0604030504040204" pitchFamily="50" charset="-128"/>
+                <a:ea typeface="メイリオ" panose="020B0604030504040204" pitchFamily="50" charset="-128"/>
+                <a:cs typeface="メイリオ" panose="020B0604030504040204" pitchFamily="50" charset="-128"/>
+              </a:rPr>
+              <a:t>関心事項</a:t>
+            </a:r>
+            <a:endParaRPr kumimoji="1" lang="en-US" altLang="ja-JP" dirty="0" smtClean="0">
+              <a:latin typeface="メイリオ" panose="020B0604030504040204" pitchFamily="50" charset="-128"/>
+              <a:ea typeface="メイリオ" panose="020B0604030504040204" pitchFamily="50" charset="-128"/>
+              <a:cs typeface="メイリオ" panose="020B0604030504040204" pitchFamily="50" charset="-128"/>
+            </a:endParaRPr>
+          </a:p>
+          <a:p>
+            <a:pPr lvl="1">
+              <a:lnSpc>
+                <a:spcPct val="150000"/>
+              </a:lnSpc>
+            </a:pPr>
+            <a:r>
+              <a:rPr kumimoji="1" lang="ja-JP" altLang="en-US" dirty="0" smtClean="0">
+                <a:latin typeface="メイリオ" panose="020B0604030504040204" pitchFamily="50" charset="-128"/>
+                <a:ea typeface="メイリオ" panose="020B0604030504040204" pitchFamily="50" charset="-128"/>
+                <a:cs typeface="メイリオ" panose="020B0604030504040204" pitchFamily="50" charset="-128"/>
+              </a:rPr>
+              <a:t>声優の</a:t>
+            </a:r>
+            <a:r>
+              <a:rPr lang="ja-JP" altLang="en-US" dirty="0" smtClean="0">
+                <a:latin typeface="メイリオ" panose="020B0604030504040204" pitchFamily="50" charset="-128"/>
+                <a:ea typeface="メイリオ" panose="020B0604030504040204" pitchFamily="50" charset="-128"/>
+                <a:cs typeface="メイリオ" panose="020B0604030504040204" pitchFamily="50" charset="-128"/>
+              </a:rPr>
+              <a:t>ツイート</a:t>
+            </a:r>
+            <a:endParaRPr kumimoji="1" lang="en-US" altLang="ja-JP" dirty="0" smtClean="0">
+              <a:latin typeface="メイリオ" panose="020B0604030504040204" pitchFamily="50" charset="-128"/>
+              <a:ea typeface="メイリオ" panose="020B0604030504040204" pitchFamily="50" charset="-128"/>
+              <a:cs typeface="メイリオ" panose="020B0604030504040204" pitchFamily="50" charset="-128"/>
+            </a:endParaRPr>
+          </a:p>
+          <a:p>
+            <a:pPr lvl="1">
+              <a:lnSpc>
+                <a:spcPct val="150000"/>
+              </a:lnSpc>
+            </a:pPr>
+            <a:r>
+              <a:rPr kumimoji="1" lang="ja-JP" altLang="en-US" dirty="0" smtClean="0">
+                <a:latin typeface="メイリオ" panose="020B0604030504040204" pitchFamily="50" charset="-128"/>
+                <a:ea typeface="メイリオ" panose="020B0604030504040204" pitchFamily="50" charset="-128"/>
+                <a:cs typeface="メイリオ" panose="020B0604030504040204" pitchFamily="50" charset="-128"/>
+              </a:rPr>
+              <a:t>マンガ家の</a:t>
+            </a:r>
+            <a:r>
+              <a:rPr lang="ja-JP" altLang="en-US" dirty="0">
+                <a:latin typeface="メイリオ" panose="020B0604030504040204" pitchFamily="50" charset="-128"/>
+                <a:ea typeface="メイリオ" panose="020B0604030504040204" pitchFamily="50" charset="-128"/>
+                <a:cs typeface="メイリオ" panose="020B0604030504040204" pitchFamily="50" charset="-128"/>
+              </a:rPr>
+              <a:t>ツイート</a:t>
+            </a:r>
+            <a:endParaRPr kumimoji="1" lang="en-US" altLang="ja-JP" dirty="0" smtClean="0">
+              <a:latin typeface="メイリオ" panose="020B0604030504040204" pitchFamily="50" charset="-128"/>
+              <a:ea typeface="メイリオ" panose="020B0604030504040204" pitchFamily="50" charset="-128"/>
+              <a:cs typeface="メイリオ" panose="020B0604030504040204" pitchFamily="50" charset="-128"/>
+            </a:endParaRPr>
+          </a:p>
+          <a:p>
+            <a:pPr lvl="1">
+              <a:lnSpc>
+                <a:spcPct val="150000"/>
+              </a:lnSpc>
+            </a:pPr>
+            <a:r>
+              <a:rPr kumimoji="1" lang="ja-JP" altLang="en-US" dirty="0" smtClean="0">
+                <a:latin typeface="メイリオ" panose="020B0604030504040204" pitchFamily="50" charset="-128"/>
+                <a:ea typeface="メイリオ" panose="020B0604030504040204" pitchFamily="50" charset="-128"/>
+                <a:cs typeface="メイリオ" panose="020B0604030504040204" pitchFamily="50" charset="-128"/>
+              </a:rPr>
+              <a:t>コスプレの写真</a:t>
+            </a:r>
+            <a:endParaRPr kumimoji="1" lang="en-US" altLang="ja-JP" dirty="0" smtClean="0">
+              <a:latin typeface="メイリオ" panose="020B0604030504040204" pitchFamily="50" charset="-128"/>
+              <a:ea typeface="メイリオ" panose="020B0604030504040204" pitchFamily="50" charset="-128"/>
+              <a:cs typeface="メイリオ" panose="020B0604030504040204" pitchFamily="50" charset="-128"/>
+            </a:endParaRPr>
+          </a:p>
+          <a:p>
+            <a:pPr lvl="1">
+              <a:lnSpc>
+                <a:spcPct val="150000"/>
+              </a:lnSpc>
+            </a:pPr>
+            <a:r>
+              <a:rPr lang="ja-JP" altLang="en-US" dirty="0" smtClean="0">
+                <a:latin typeface="メイリオ" panose="020B0604030504040204" pitchFamily="50" charset="-128"/>
+                <a:ea typeface="メイリオ" panose="020B0604030504040204" pitchFamily="50" charset="-128"/>
+                <a:cs typeface="メイリオ" panose="020B0604030504040204" pitchFamily="50" charset="-128"/>
+              </a:rPr>
+              <a:t>キャラクターのセリフを</a:t>
+            </a:r>
+            <a:r>
+              <a:rPr lang="ja-JP" altLang="en-US" dirty="0">
+                <a:latin typeface="メイリオ" panose="020B0604030504040204" pitchFamily="50" charset="-128"/>
+                <a:ea typeface="メイリオ" panose="020B0604030504040204" pitchFamily="50" charset="-128"/>
+                <a:cs typeface="メイリオ" panose="020B0604030504040204" pitchFamily="50" charset="-128"/>
+              </a:rPr>
+              <a:t>定期的に</a:t>
+            </a:r>
+            <a:r>
+              <a:rPr lang="ja-JP" altLang="en-US" dirty="0" smtClean="0">
+                <a:latin typeface="メイリオ" panose="020B0604030504040204" pitchFamily="50" charset="-128"/>
+                <a:ea typeface="メイリオ" panose="020B0604030504040204" pitchFamily="50" charset="-128"/>
+                <a:cs typeface="メイリオ" panose="020B0604030504040204" pitchFamily="50" charset="-128"/>
+              </a:rPr>
+              <a:t>つぶやくボット（</a:t>
+            </a:r>
+            <a:r>
+              <a:rPr lang="en-US" altLang="ja-JP" dirty="0" smtClean="0">
+                <a:latin typeface="メイリオ" panose="020B0604030504040204" pitchFamily="50" charset="-128"/>
+                <a:ea typeface="メイリオ" panose="020B0604030504040204" pitchFamily="50" charset="-128"/>
+                <a:cs typeface="メイリオ" panose="020B0604030504040204" pitchFamily="50" charset="-128"/>
+              </a:rPr>
+              <a:t>bot</a:t>
+            </a:r>
+            <a:r>
+              <a:rPr lang="ja-JP" altLang="en-US" dirty="0" smtClean="0">
+                <a:latin typeface="メイリオ" panose="020B0604030504040204" pitchFamily="50" charset="-128"/>
+                <a:ea typeface="メイリオ" panose="020B0604030504040204" pitchFamily="50" charset="-128"/>
+                <a:cs typeface="メイリオ" panose="020B0604030504040204" pitchFamily="50" charset="-128"/>
+              </a:rPr>
+              <a:t>）</a:t>
+            </a:r>
+            <a:endParaRPr kumimoji="1" lang="en-US" altLang="ja-JP" dirty="0" smtClean="0">
+              <a:latin typeface="メイリオ" panose="020B0604030504040204" pitchFamily="50" charset="-128"/>
+              <a:ea typeface="メイリオ" panose="020B0604030504040204" pitchFamily="50" charset="-128"/>
+              <a:cs typeface="メイリオ" panose="020B0604030504040204" pitchFamily="50" charset="-128"/>
+            </a:endParaRPr>
+          </a:p>
+        </p:txBody>
+      </p:sp>
     </p:spTree>
     <p:extLst>
       <p:ext uri="{BB962C8B-B14F-4D97-AF65-F5344CB8AC3E}">
-        <p14:creationId xmlns:p14="http://schemas.microsoft.com/office/powerpoint/2010/main" val="3183860694"/>
+        <p14:creationId xmlns:p14="http://schemas.microsoft.com/office/powerpoint/2010/main" val="2483017379"/>
       </p:ext>
     </p:extLst>
   </p:cSld>

--- a/卒業論文/2014/吉野聡志/最終発表/最終発表スライド.pptx
+++ b/卒業論文/2014/吉野聡志/最終発表/最終発表スライド.pptx
@@ -11,7 +11,7 @@
     <p:sldId id="256" r:id="rId2"/>
     <p:sldId id="258" r:id="rId3"/>
     <p:sldId id="260" r:id="rId4"/>
-    <p:sldId id="288" r:id="rId5"/>
+    <p:sldId id="289" r:id="rId5"/>
     <p:sldId id="261" r:id="rId6"/>
     <p:sldId id="262" r:id="rId7"/>
     <p:sldId id="282" r:id="rId8"/>
@@ -126,7 +126,7 @@
   </p:defaultTextStyle>
   <p:extLst>
     <p:ext uri="{EFAFB233-063F-42B5-8137-9DF3F51BA10A}">
-      <p15:sldGuideLst xmlns:p15="http://schemas.microsoft.com/office/powerpoint/2012/main">
+      <p15:sldGuideLst xmlns:p15="http://schemas.microsoft.com/office/powerpoint/2012/main" xmlns="">
         <p15:guide id="1" orient="horz" pos="2160">
           <p15:clr>
             <a:srgbClr val="A4A3A4"/>
@@ -141,6 +141,3223 @@
     </p:ext>
   </p:extLst>
 </p:presentation>
+</file>
+
+<file path=ppt/diagrams/colors1.xml><?xml version="1.0" encoding="utf-8"?>
+<dgm:colorsDef xmlns:dgm="http://schemas.openxmlformats.org/drawingml/2006/diagram" xmlns:a="http://schemas.openxmlformats.org/drawingml/2006/main" uniqueId="urn:microsoft.com/office/officeart/2005/8/colors/colorful4">
+  <dgm:title val=""/>
+  <dgm:desc val=""/>
+  <dgm:catLst>
+    <dgm:cat type="colorful" pri="10400"/>
+  </dgm:catLst>
+  <dgm:styleLbl name="node0">
+    <dgm:fillClrLst meth="repeat">
+      <a:schemeClr val="accent3"/>
+    </dgm:fillClrLst>
+    <dgm:linClrLst meth="repeat">
+      <a:schemeClr val="lt1"/>
+    </dgm:linClrLst>
+    <dgm:effectClrLst/>
+    <dgm:txLinClrLst/>
+    <dgm:txFillClrLst/>
+    <dgm:txEffectClrLst/>
+  </dgm:styleLbl>
+  <dgm:styleLbl name="node1">
+    <dgm:fillClrLst>
+      <a:schemeClr val="accent4"/>
+      <a:schemeClr val="accent5"/>
+    </dgm:fillClrLst>
+    <dgm:linClrLst meth="repeat">
+      <a:schemeClr val="lt1"/>
+    </dgm:linClrLst>
+    <dgm:effectClrLst/>
+    <dgm:txLinClrLst/>
+    <dgm:txFillClrLst/>
+    <dgm:txEffectClrLst/>
+  </dgm:styleLbl>
+  <dgm:styleLbl name="alignNode1">
+    <dgm:fillClrLst>
+      <a:schemeClr val="accent4"/>
+      <a:schemeClr val="accent5"/>
+    </dgm:fillClrLst>
+    <dgm:linClrLst>
+      <a:schemeClr val="accent4"/>
+      <a:schemeClr val="accent5"/>
+    </dgm:linClrLst>
+    <dgm:effectClrLst/>
+    <dgm:txLinClrLst/>
+    <dgm:txFillClrLst/>
+    <dgm:txEffectClrLst/>
+  </dgm:styleLbl>
+  <dgm:styleLbl name="lnNode1">
+    <dgm:fillClrLst>
+      <a:schemeClr val="accent4"/>
+      <a:schemeClr val="accent5"/>
+    </dgm:fillClrLst>
+    <dgm:linClrLst meth="repeat">
+      <a:schemeClr val="lt1"/>
+    </dgm:linClrLst>
+    <dgm:effectClrLst/>
+    <dgm:txLinClrLst/>
+    <dgm:txFillClrLst/>
+    <dgm:txEffectClrLst/>
+  </dgm:styleLbl>
+  <dgm:styleLbl name="vennNode1">
+    <dgm:fillClrLst>
+      <a:schemeClr val="accent4">
+        <a:alpha val="50000"/>
+      </a:schemeClr>
+      <a:schemeClr val="accent5">
+        <a:alpha val="50000"/>
+      </a:schemeClr>
+    </dgm:fillClrLst>
+    <dgm:linClrLst meth="repeat">
+      <a:schemeClr val="lt1"/>
+    </dgm:linClrLst>
+    <dgm:effectClrLst/>
+    <dgm:txLinClrLst/>
+    <dgm:txFillClrLst/>
+    <dgm:txEffectClrLst/>
+  </dgm:styleLbl>
+  <dgm:styleLbl name="node2">
+    <dgm:fillClrLst>
+      <a:schemeClr val="accent5"/>
+    </dgm:fillClrLst>
+    <dgm:linClrLst meth="repeat">
+      <a:schemeClr val="lt1"/>
+    </dgm:linClrLst>
+    <dgm:effectClrLst/>
+    <dgm:txLinClrLst/>
+    <dgm:txFillClrLst/>
+    <dgm:txEffectClrLst/>
+  </dgm:styleLbl>
+  <dgm:styleLbl name="node3">
+    <dgm:fillClrLst>
+      <a:schemeClr val="accent6"/>
+    </dgm:fillClrLst>
+    <dgm:linClrLst meth="repeat">
+      <a:schemeClr val="lt1"/>
+    </dgm:linClrLst>
+    <dgm:effectClrLst/>
+    <dgm:txLinClrLst/>
+    <dgm:txFillClrLst/>
+    <dgm:txEffectClrLst/>
+  </dgm:styleLbl>
+  <dgm:styleLbl name="node4">
+    <dgm:fillClrLst>
+      <a:schemeClr val="accent1"/>
+    </dgm:fillClrLst>
+    <dgm:linClrLst meth="repeat">
+      <a:schemeClr val="lt1"/>
+    </dgm:linClrLst>
+    <dgm:effectClrLst/>
+    <dgm:txLinClrLst/>
+    <dgm:txFillClrLst/>
+    <dgm:txEffectClrLst/>
+  </dgm:styleLbl>
+  <dgm:styleLbl name="fgImgPlace1">
+    <dgm:fillClrLst>
+      <a:schemeClr val="accent4">
+        <a:tint val="50000"/>
+      </a:schemeClr>
+      <a:schemeClr val="accent5">
+        <a:tint val="50000"/>
+      </a:schemeClr>
+    </dgm:fillClrLst>
+    <dgm:linClrLst meth="repeat">
+      <a:schemeClr val="lt1"/>
+    </dgm:linClrLst>
+    <dgm:effectClrLst/>
+    <dgm:txLinClrLst/>
+    <dgm:txFillClrLst meth="repeat">
+      <a:schemeClr val="lt1"/>
+    </dgm:txFillClrLst>
+    <dgm:txEffectClrLst/>
+  </dgm:styleLbl>
+  <dgm:styleLbl name="alignImgPlace1">
+    <dgm:fillClrLst>
+      <a:schemeClr val="accent4">
+        <a:tint val="50000"/>
+      </a:schemeClr>
+      <a:schemeClr val="accent5">
+        <a:tint val="20000"/>
+      </a:schemeClr>
+    </dgm:fillClrLst>
+    <dgm:linClrLst meth="repeat">
+      <a:schemeClr val="lt1"/>
+    </dgm:linClrLst>
+    <dgm:effectClrLst/>
+    <dgm:txLinClrLst/>
+    <dgm:txFillClrLst meth="repeat">
+      <a:schemeClr val="lt1"/>
+    </dgm:txFillClrLst>
+    <dgm:txEffectClrLst/>
+  </dgm:styleLbl>
+  <dgm:styleLbl name="bgImgPlace1">
+    <dgm:fillClrLst>
+      <a:schemeClr val="accent4">
+        <a:tint val="50000"/>
+      </a:schemeClr>
+      <a:schemeClr val="accent5">
+        <a:tint val="20000"/>
+      </a:schemeClr>
+    </dgm:fillClrLst>
+    <dgm:linClrLst meth="repeat">
+      <a:schemeClr val="lt1"/>
+    </dgm:linClrLst>
+    <dgm:effectClrLst/>
+    <dgm:txLinClrLst/>
+    <dgm:txFillClrLst meth="repeat">
+      <a:schemeClr val="lt1"/>
+    </dgm:txFillClrLst>
+    <dgm:txEffectClrLst/>
+  </dgm:styleLbl>
+  <dgm:styleLbl name="sibTrans2D1">
+    <dgm:fillClrLst>
+      <a:schemeClr val="accent4"/>
+      <a:schemeClr val="accent5"/>
+    </dgm:fillClrLst>
+    <dgm:linClrLst meth="repeat">
+      <a:schemeClr val="lt1"/>
+    </dgm:linClrLst>
+    <dgm:effectClrLst/>
+    <dgm:txLinClrLst/>
+    <dgm:txFillClrLst/>
+    <dgm:txEffectClrLst/>
+  </dgm:styleLbl>
+  <dgm:styleLbl name="fgSibTrans2D1">
+    <dgm:fillClrLst>
+      <a:schemeClr val="accent4"/>
+      <a:schemeClr val="accent5"/>
+    </dgm:fillClrLst>
+    <dgm:linClrLst meth="repeat">
+      <a:schemeClr val="lt1"/>
+    </dgm:linClrLst>
+    <dgm:effectClrLst/>
+    <dgm:txLinClrLst/>
+    <dgm:txFillClrLst meth="repeat">
+      <a:schemeClr val="lt1"/>
+    </dgm:txFillClrLst>
+    <dgm:txEffectClrLst/>
+  </dgm:styleLbl>
+  <dgm:styleLbl name="bgSibTrans2D1">
+    <dgm:fillClrLst>
+      <a:schemeClr val="accent4"/>
+      <a:schemeClr val="accent5"/>
+    </dgm:fillClrLst>
+    <dgm:linClrLst meth="repeat">
+      <a:schemeClr val="lt1"/>
+    </dgm:linClrLst>
+    <dgm:effectClrLst/>
+    <dgm:txLinClrLst/>
+    <dgm:txFillClrLst meth="repeat">
+      <a:schemeClr val="lt1"/>
+    </dgm:txFillClrLst>
+    <dgm:txEffectClrLst/>
+  </dgm:styleLbl>
+  <dgm:styleLbl name="sibTrans1D1">
+    <dgm:fillClrLst/>
+    <dgm:linClrLst>
+      <a:schemeClr val="accent4"/>
+      <a:schemeClr val="accent5"/>
+    </dgm:linClrLst>
+    <dgm:effectClrLst/>
+    <dgm:txLinClrLst/>
+    <dgm:txFillClrLst meth="repeat">
+      <a:schemeClr val="tx1"/>
+    </dgm:txFillClrLst>
+    <dgm:txEffectClrLst/>
+  </dgm:styleLbl>
+  <dgm:styleLbl name="callout">
+    <dgm:fillClrLst meth="repeat">
+      <a:schemeClr val="accent4"/>
+    </dgm:fillClrLst>
+    <dgm:linClrLst meth="repeat">
+      <a:schemeClr val="accent4">
+        <a:tint val="50000"/>
+      </a:schemeClr>
+    </dgm:linClrLst>
+    <dgm:effectClrLst/>
+    <dgm:txLinClrLst/>
+    <dgm:txFillClrLst meth="repeat">
+      <a:schemeClr val="tx1"/>
+    </dgm:txFillClrLst>
+    <dgm:txEffectClrLst/>
+  </dgm:styleLbl>
+  <dgm:styleLbl name="asst0">
+    <dgm:fillClrLst meth="repeat">
+      <a:schemeClr val="accent4"/>
+    </dgm:fillClrLst>
+    <dgm:linClrLst meth="repeat">
+      <a:schemeClr val="lt1">
+        <a:shade val="80000"/>
+      </a:schemeClr>
+    </dgm:linClrLst>
+    <dgm:effectClrLst/>
+    <dgm:txLinClrLst/>
+    <dgm:txFillClrLst/>
+    <dgm:txEffectClrLst/>
+  </dgm:styleLbl>
+  <dgm:styleLbl name="asst1">
+    <dgm:fillClrLst meth="repeat">
+      <a:schemeClr val="accent5"/>
+    </dgm:fillClrLst>
+    <dgm:linClrLst meth="repeat">
+      <a:schemeClr val="lt1">
+        <a:shade val="80000"/>
+      </a:schemeClr>
+    </dgm:linClrLst>
+    <dgm:effectClrLst/>
+    <dgm:txLinClrLst/>
+    <dgm:txFillClrLst/>
+    <dgm:txEffectClrLst/>
+  </dgm:styleLbl>
+  <dgm:styleLbl name="asst2">
+    <dgm:fillClrLst>
+      <a:schemeClr val="accent6"/>
+    </dgm:fillClrLst>
+    <dgm:linClrLst meth="repeat">
+      <a:schemeClr val="lt1"/>
+    </dgm:linClrLst>
+    <dgm:effectClrLst/>
+    <dgm:txLinClrLst/>
+    <dgm:txFillClrLst/>
+    <dgm:txEffectClrLst/>
+  </dgm:styleLbl>
+  <dgm:styleLbl name="asst3">
+    <dgm:fillClrLst>
+      <a:schemeClr val="accent1"/>
+    </dgm:fillClrLst>
+    <dgm:linClrLst meth="repeat">
+      <a:schemeClr val="lt1"/>
+    </dgm:linClrLst>
+    <dgm:effectClrLst/>
+    <dgm:txLinClrLst/>
+    <dgm:txFillClrLst/>
+    <dgm:txEffectClrLst/>
+  </dgm:styleLbl>
+  <dgm:styleLbl name="asst4">
+    <dgm:fillClrLst>
+      <a:schemeClr val="accent2"/>
+    </dgm:fillClrLst>
+    <dgm:linClrLst meth="repeat">
+      <a:schemeClr val="lt1"/>
+    </dgm:linClrLst>
+    <dgm:effectClrLst/>
+    <dgm:txLinClrLst/>
+    <dgm:txFillClrLst/>
+    <dgm:txEffectClrLst/>
+  </dgm:styleLbl>
+  <dgm:styleLbl name="parChTrans2D1">
+    <dgm:fillClrLst meth="repeat">
+      <a:schemeClr val="accent4"/>
+    </dgm:fillClrLst>
+    <dgm:linClrLst meth="repeat">
+      <a:schemeClr val="lt1"/>
+    </dgm:linClrLst>
+    <dgm:effectClrLst/>
+    <dgm:txLinClrLst/>
+    <dgm:txFillClrLst meth="repeat">
+      <a:schemeClr val="lt1"/>
+    </dgm:txFillClrLst>
+    <dgm:txEffectClrLst/>
+  </dgm:styleLbl>
+  <dgm:styleLbl name="parChTrans2D2">
+    <dgm:fillClrLst meth="repeat">
+      <a:schemeClr val="accent5"/>
+    </dgm:fillClrLst>
+    <dgm:linClrLst meth="repeat">
+      <a:schemeClr val="lt1"/>
+    </dgm:linClrLst>
+    <dgm:effectClrLst/>
+    <dgm:txLinClrLst/>
+    <dgm:txFillClrLst/>
+    <dgm:txEffectClrLst/>
+  </dgm:styleLbl>
+  <dgm:styleLbl name="parChTrans2D3">
+    <dgm:fillClrLst meth="repeat">
+      <a:schemeClr val="accent5"/>
+    </dgm:fillClrLst>
+    <dgm:linClrLst meth="repeat">
+      <a:schemeClr val="lt1"/>
+    </dgm:linClrLst>
+    <dgm:effectClrLst/>
+    <dgm:txLinClrLst/>
+    <dgm:txFillClrLst/>
+    <dgm:txEffectClrLst/>
+  </dgm:styleLbl>
+  <dgm:styleLbl name="parChTrans2D4">
+    <dgm:fillClrLst meth="repeat">
+      <a:schemeClr val="accent6"/>
+    </dgm:fillClrLst>
+    <dgm:linClrLst meth="repeat">
+      <a:schemeClr val="lt1"/>
+    </dgm:linClrLst>
+    <dgm:effectClrLst/>
+    <dgm:txLinClrLst/>
+    <dgm:txFillClrLst meth="repeat">
+      <a:schemeClr val="lt1"/>
+    </dgm:txFillClrLst>
+    <dgm:txEffectClrLst/>
+  </dgm:styleLbl>
+  <dgm:styleLbl name="parChTrans1D1">
+    <dgm:fillClrLst meth="repeat">
+      <a:schemeClr val="accent4"/>
+    </dgm:fillClrLst>
+    <dgm:linClrLst meth="repeat">
+      <a:schemeClr val="accent4"/>
+    </dgm:linClrLst>
+    <dgm:effectClrLst/>
+    <dgm:txLinClrLst/>
+    <dgm:txFillClrLst meth="repeat">
+      <a:schemeClr val="tx1"/>
+    </dgm:txFillClrLst>
+    <dgm:txEffectClrLst/>
+  </dgm:styleLbl>
+  <dgm:styleLbl name="parChTrans1D2">
+    <dgm:fillClrLst meth="repeat">
+      <a:schemeClr val="accent4">
+        <a:tint val="90000"/>
+      </a:schemeClr>
+    </dgm:fillClrLst>
+    <dgm:linClrLst meth="repeat">
+      <a:schemeClr val="accent5"/>
+    </dgm:linClrLst>
+    <dgm:effectClrLst/>
+    <dgm:txLinClrLst/>
+    <dgm:txFillClrLst meth="repeat">
+      <a:schemeClr val="tx1"/>
+    </dgm:txFillClrLst>
+    <dgm:txEffectClrLst/>
+  </dgm:styleLbl>
+  <dgm:styleLbl name="parChTrans1D3">
+    <dgm:fillClrLst meth="repeat">
+      <a:schemeClr val="accent4">
+        <a:tint val="70000"/>
+      </a:schemeClr>
+    </dgm:fillClrLst>
+    <dgm:linClrLst meth="repeat">
+      <a:schemeClr val="accent6"/>
+    </dgm:linClrLst>
+    <dgm:effectClrLst/>
+    <dgm:txLinClrLst/>
+    <dgm:txFillClrLst meth="repeat">
+      <a:schemeClr val="tx1"/>
+    </dgm:txFillClrLst>
+    <dgm:txEffectClrLst/>
+  </dgm:styleLbl>
+  <dgm:styleLbl name="parChTrans1D4">
+    <dgm:fillClrLst meth="repeat">
+      <a:schemeClr val="accent4">
+        <a:tint val="50000"/>
+      </a:schemeClr>
+    </dgm:fillClrLst>
+    <dgm:linClrLst meth="repeat">
+      <a:schemeClr val="accent1"/>
+    </dgm:linClrLst>
+    <dgm:effectClrLst/>
+    <dgm:txLinClrLst/>
+    <dgm:txFillClrLst meth="repeat">
+      <a:schemeClr val="tx1"/>
+    </dgm:txFillClrLst>
+    <dgm:txEffectClrLst/>
+  </dgm:styleLbl>
+  <dgm:styleLbl name="fgAcc1">
+    <dgm:fillClrLst meth="repeat">
+      <a:schemeClr val="lt1">
+        <a:alpha val="90000"/>
+      </a:schemeClr>
+    </dgm:fillClrLst>
+    <dgm:linClrLst>
+      <a:schemeClr val="accent4"/>
+      <a:schemeClr val="accent5"/>
+    </dgm:linClrLst>
+    <dgm:effectClrLst/>
+    <dgm:txLinClrLst/>
+    <dgm:txFillClrLst meth="repeat">
+      <a:schemeClr val="dk1"/>
+    </dgm:txFillClrLst>
+    <dgm:txEffectClrLst/>
+  </dgm:styleLbl>
+  <dgm:styleLbl name="conFgAcc1">
+    <dgm:fillClrLst meth="repeat">
+      <a:schemeClr val="lt1">
+        <a:alpha val="90000"/>
+      </a:schemeClr>
+    </dgm:fillClrLst>
+    <dgm:linClrLst>
+      <a:schemeClr val="accent4"/>
+      <a:schemeClr val="accent5"/>
+    </dgm:linClrLst>
+    <dgm:effectClrLst/>
+    <dgm:txLinClrLst/>
+    <dgm:txFillClrLst meth="repeat">
+      <a:schemeClr val="dk1"/>
+    </dgm:txFillClrLst>
+    <dgm:txEffectClrLst/>
+  </dgm:styleLbl>
+  <dgm:styleLbl name="alignAcc1">
+    <dgm:fillClrLst meth="repeat">
+      <a:schemeClr val="lt1">
+        <a:alpha val="90000"/>
+      </a:schemeClr>
+    </dgm:fillClrLst>
+    <dgm:linClrLst>
+      <a:schemeClr val="accent4"/>
+      <a:schemeClr val="accent5"/>
+    </dgm:linClrLst>
+    <dgm:effectClrLst/>
+    <dgm:txLinClrLst/>
+    <dgm:txFillClrLst meth="repeat">
+      <a:schemeClr val="dk1"/>
+    </dgm:txFillClrLst>
+    <dgm:txEffectClrLst/>
+  </dgm:styleLbl>
+  <dgm:styleLbl name="trAlignAcc1">
+    <dgm:fillClrLst meth="repeat">
+      <a:schemeClr val="lt1">
+        <a:alpha val="40000"/>
+      </a:schemeClr>
+    </dgm:fillClrLst>
+    <dgm:linClrLst meth="repeat">
+      <a:schemeClr val="accent4"/>
+    </dgm:linClrLst>
+    <dgm:effectClrLst/>
+    <dgm:txLinClrLst/>
+    <dgm:txFillClrLst meth="repeat">
+      <a:schemeClr val="dk1"/>
+    </dgm:txFillClrLst>
+    <dgm:txEffectClrLst/>
+  </dgm:styleLbl>
+  <dgm:styleLbl name="bgAcc1">
+    <dgm:fillClrLst meth="repeat">
+      <a:schemeClr val="lt1">
+        <a:alpha val="90000"/>
+      </a:schemeClr>
+    </dgm:fillClrLst>
+    <dgm:linClrLst>
+      <a:schemeClr val="accent4"/>
+      <a:schemeClr val="accent5"/>
+    </dgm:linClrLst>
+    <dgm:effectClrLst/>
+    <dgm:txLinClrLst/>
+    <dgm:txFillClrLst meth="repeat">
+      <a:schemeClr val="dk1"/>
+    </dgm:txFillClrLst>
+    <dgm:txEffectClrLst/>
+  </dgm:styleLbl>
+  <dgm:styleLbl name="solidFgAcc1">
+    <dgm:fillClrLst meth="repeat">
+      <a:schemeClr val="lt1"/>
+    </dgm:fillClrLst>
+    <dgm:linClrLst>
+      <a:schemeClr val="accent4"/>
+      <a:schemeClr val="accent5"/>
+    </dgm:linClrLst>
+    <dgm:effectClrLst/>
+    <dgm:txLinClrLst/>
+    <dgm:txFillClrLst meth="repeat">
+      <a:schemeClr val="dk1"/>
+    </dgm:txFillClrLst>
+    <dgm:txEffectClrLst/>
+  </dgm:styleLbl>
+  <dgm:styleLbl name="solidAlignAcc1">
+    <dgm:fillClrLst meth="repeat">
+      <a:schemeClr val="lt1"/>
+    </dgm:fillClrLst>
+    <dgm:linClrLst>
+      <a:schemeClr val="accent4"/>
+      <a:schemeClr val="accent5"/>
+    </dgm:linClrLst>
+    <dgm:effectClrLst/>
+    <dgm:txLinClrLst/>
+    <dgm:txFillClrLst meth="repeat">
+      <a:schemeClr val="dk1"/>
+    </dgm:txFillClrLst>
+    <dgm:txEffectClrLst/>
+  </dgm:styleLbl>
+  <dgm:styleLbl name="solidBgAcc1">
+    <dgm:fillClrLst meth="repeat">
+      <a:schemeClr val="lt1"/>
+    </dgm:fillClrLst>
+    <dgm:linClrLst>
+      <a:schemeClr val="accent4"/>
+      <a:schemeClr val="accent5"/>
+    </dgm:linClrLst>
+    <dgm:effectClrLst/>
+    <dgm:txLinClrLst/>
+    <dgm:txFillClrLst meth="repeat">
+      <a:schemeClr val="dk1"/>
+    </dgm:txFillClrLst>
+    <dgm:txEffectClrLst/>
+  </dgm:styleLbl>
+  <dgm:styleLbl name="fgAccFollowNode1">
+    <dgm:fillClrLst>
+      <a:schemeClr val="accent4">
+        <a:tint val="40000"/>
+        <a:alpha val="90000"/>
+      </a:schemeClr>
+      <a:schemeClr val="accent5">
+        <a:tint val="40000"/>
+        <a:alpha val="90000"/>
+      </a:schemeClr>
+    </dgm:fillClrLst>
+    <dgm:linClrLst>
+      <a:schemeClr val="accent4">
+        <a:tint val="40000"/>
+        <a:alpha val="90000"/>
+      </a:schemeClr>
+      <a:schemeClr val="accent5">
+        <a:tint val="40000"/>
+        <a:alpha val="90000"/>
+      </a:schemeClr>
+    </dgm:linClrLst>
+    <dgm:effectClrLst/>
+    <dgm:txLinClrLst/>
+    <dgm:txFillClrLst meth="repeat">
+      <a:schemeClr val="dk1"/>
+    </dgm:txFillClrLst>
+    <dgm:txEffectClrLst/>
+  </dgm:styleLbl>
+  <dgm:styleLbl name="alignAccFollowNode1">
+    <dgm:fillClrLst>
+      <a:schemeClr val="accent4">
+        <a:tint val="40000"/>
+        <a:alpha val="90000"/>
+      </a:schemeClr>
+      <a:schemeClr val="accent5">
+        <a:tint val="40000"/>
+        <a:alpha val="90000"/>
+      </a:schemeClr>
+    </dgm:fillClrLst>
+    <dgm:linClrLst>
+      <a:schemeClr val="accent4">
+        <a:tint val="40000"/>
+        <a:alpha val="90000"/>
+      </a:schemeClr>
+      <a:schemeClr val="accent5">
+        <a:tint val="40000"/>
+        <a:alpha val="90000"/>
+      </a:schemeClr>
+    </dgm:linClrLst>
+    <dgm:effectClrLst/>
+    <dgm:txLinClrLst/>
+    <dgm:txFillClrLst meth="repeat">
+      <a:schemeClr val="dk1"/>
+    </dgm:txFillClrLst>
+    <dgm:txEffectClrLst/>
+  </dgm:styleLbl>
+  <dgm:styleLbl name="bgAccFollowNode1">
+    <dgm:fillClrLst>
+      <a:schemeClr val="accent4">
+        <a:tint val="40000"/>
+        <a:alpha val="90000"/>
+      </a:schemeClr>
+      <a:schemeClr val="accent5">
+        <a:tint val="40000"/>
+        <a:alpha val="90000"/>
+      </a:schemeClr>
+    </dgm:fillClrLst>
+    <dgm:linClrLst>
+      <a:schemeClr val="accent4">
+        <a:tint val="40000"/>
+        <a:alpha val="90000"/>
+      </a:schemeClr>
+      <a:schemeClr val="accent5">
+        <a:tint val="40000"/>
+        <a:alpha val="90000"/>
+      </a:schemeClr>
+    </dgm:linClrLst>
+    <dgm:effectClrLst/>
+    <dgm:txLinClrLst/>
+    <dgm:txFillClrLst meth="repeat">
+      <a:schemeClr val="dk1"/>
+    </dgm:txFillClrLst>
+    <dgm:txEffectClrLst/>
+  </dgm:styleLbl>
+  <dgm:styleLbl name="fgAcc0">
+    <dgm:fillClrLst meth="repeat">
+      <a:schemeClr val="lt1">
+        <a:alpha val="90000"/>
+      </a:schemeClr>
+    </dgm:fillClrLst>
+    <dgm:linClrLst>
+      <a:schemeClr val="accent3"/>
+    </dgm:linClrLst>
+    <dgm:effectClrLst/>
+    <dgm:txLinClrLst/>
+    <dgm:txFillClrLst meth="repeat">
+      <a:schemeClr val="dk1"/>
+    </dgm:txFillClrLst>
+    <dgm:txEffectClrLst/>
+  </dgm:styleLbl>
+  <dgm:styleLbl name="fgAcc2">
+    <dgm:fillClrLst meth="repeat">
+      <a:schemeClr val="lt1">
+        <a:alpha val="90000"/>
+      </a:schemeClr>
+    </dgm:fillClrLst>
+    <dgm:linClrLst>
+      <a:schemeClr val="accent5"/>
+    </dgm:linClrLst>
+    <dgm:effectClrLst/>
+    <dgm:txLinClrLst/>
+    <dgm:txFillClrLst meth="repeat">
+      <a:schemeClr val="dk1"/>
+    </dgm:txFillClrLst>
+    <dgm:txEffectClrLst/>
+  </dgm:styleLbl>
+  <dgm:styleLbl name="fgAcc3">
+    <dgm:fillClrLst meth="repeat">
+      <a:schemeClr val="lt1">
+        <a:alpha val="90000"/>
+      </a:schemeClr>
+    </dgm:fillClrLst>
+    <dgm:linClrLst>
+      <a:schemeClr val="accent6"/>
+    </dgm:linClrLst>
+    <dgm:effectClrLst/>
+    <dgm:txLinClrLst/>
+    <dgm:txFillClrLst meth="repeat">
+      <a:schemeClr val="dk1"/>
+    </dgm:txFillClrLst>
+    <dgm:txEffectClrLst/>
+  </dgm:styleLbl>
+  <dgm:styleLbl name="fgAcc4">
+    <dgm:fillClrLst meth="repeat">
+      <a:schemeClr val="lt1">
+        <a:alpha val="90000"/>
+      </a:schemeClr>
+    </dgm:fillClrLst>
+    <dgm:linClrLst>
+      <a:schemeClr val="accent1"/>
+    </dgm:linClrLst>
+    <dgm:effectClrLst/>
+    <dgm:txLinClrLst/>
+    <dgm:txFillClrLst meth="repeat">
+      <a:schemeClr val="dk1"/>
+    </dgm:txFillClrLst>
+    <dgm:txEffectClrLst/>
+  </dgm:styleLbl>
+  <dgm:styleLbl name="bgShp">
+    <dgm:fillClrLst meth="repeat">
+      <a:schemeClr val="accent4">
+        <a:tint val="40000"/>
+      </a:schemeClr>
+    </dgm:fillClrLst>
+    <dgm:linClrLst meth="repeat">
+      <a:schemeClr val="dk1"/>
+    </dgm:linClrLst>
+    <dgm:effectClrLst/>
+    <dgm:txLinClrLst/>
+    <dgm:txFillClrLst meth="repeat">
+      <a:schemeClr val="dk1"/>
+    </dgm:txFillClrLst>
+    <dgm:txEffectClrLst/>
+  </dgm:styleLbl>
+  <dgm:styleLbl name="dkBgShp">
+    <dgm:fillClrLst meth="repeat">
+      <a:schemeClr val="accent4">
+        <a:shade val="90000"/>
+      </a:schemeClr>
+    </dgm:fillClrLst>
+    <dgm:linClrLst meth="repeat">
+      <a:schemeClr val="dk1"/>
+    </dgm:linClrLst>
+    <dgm:effectClrLst/>
+    <dgm:txLinClrLst/>
+    <dgm:txFillClrLst meth="repeat">
+      <a:schemeClr val="lt1"/>
+    </dgm:txFillClrLst>
+    <dgm:txEffectClrLst/>
+  </dgm:styleLbl>
+  <dgm:styleLbl name="trBgShp">
+    <dgm:fillClrLst meth="repeat">
+      <a:schemeClr val="accent4">
+        <a:tint val="50000"/>
+        <a:alpha val="40000"/>
+      </a:schemeClr>
+    </dgm:fillClrLst>
+    <dgm:linClrLst meth="repeat">
+      <a:schemeClr val="accent4"/>
+    </dgm:linClrLst>
+    <dgm:effectClrLst/>
+    <dgm:txLinClrLst/>
+    <dgm:txFillClrLst meth="repeat">
+      <a:schemeClr val="lt1"/>
+    </dgm:txFillClrLst>
+    <dgm:txEffectClrLst/>
+  </dgm:styleLbl>
+  <dgm:styleLbl name="fgShp">
+    <dgm:fillClrLst meth="repeat">
+      <a:schemeClr val="accent4">
+        <a:tint val="40000"/>
+      </a:schemeClr>
+    </dgm:fillClrLst>
+    <dgm:linClrLst meth="repeat">
+      <a:schemeClr val="lt1"/>
+    </dgm:linClrLst>
+    <dgm:effectClrLst/>
+    <dgm:txLinClrLst/>
+    <dgm:txFillClrLst meth="repeat">
+      <a:schemeClr val="dk1"/>
+    </dgm:txFillClrLst>
+    <dgm:txEffectClrLst/>
+  </dgm:styleLbl>
+  <dgm:styleLbl name="revTx">
+    <dgm:fillClrLst meth="repeat">
+      <a:schemeClr val="lt1">
+        <a:alpha val="0"/>
+      </a:schemeClr>
+    </dgm:fillClrLst>
+    <dgm:linClrLst meth="repeat">
+      <a:schemeClr val="dk1">
+        <a:alpha val="0"/>
+      </a:schemeClr>
+    </dgm:linClrLst>
+    <dgm:effectClrLst/>
+    <dgm:txLinClrLst/>
+    <dgm:txFillClrLst meth="repeat">
+      <a:schemeClr val="tx1"/>
+    </dgm:txFillClrLst>
+    <dgm:txEffectClrLst/>
+  </dgm:styleLbl>
+</dgm:colorsDef>
+</file>
+
+<file path=ppt/diagrams/data1.xml><?xml version="1.0" encoding="utf-8"?>
+<dgm:dataModel xmlns:dgm="http://schemas.openxmlformats.org/drawingml/2006/diagram" xmlns:a="http://schemas.openxmlformats.org/drawingml/2006/main">
+  <dgm:ptLst>
+    <dgm:pt modelId="{AC03D6D7-5EC4-4045-BFFF-DB04D3EC8765}" type="doc">
+      <dgm:prSet loTypeId="urn:microsoft.com/office/officeart/2005/8/layout/venn1" loCatId="relationship" qsTypeId="urn:microsoft.com/office/officeart/2005/8/quickstyle/simple1" qsCatId="simple" csTypeId="urn:microsoft.com/office/officeart/2005/8/colors/colorful4" csCatId="colorful" phldr="1"/>
+      <dgm:spPr/>
+    </dgm:pt>
+    <dgm:pt modelId="{E0AEE14F-2896-4821-B2EB-23B84D86DEE8}">
+      <dgm:prSet phldrT="[テキスト]" custT="1"/>
+      <dgm:spPr/>
+      <dgm:t>
+        <a:bodyPr/>
+        <a:lstStyle/>
+        <a:p>
+          <a:r>
+            <a:rPr kumimoji="1" lang="ja-JP" altLang="en-US" sz="2800" dirty="0" smtClean="0">
+              <a:latin typeface="メイリオ" panose="020B0604030504040204" pitchFamily="50" charset="-128"/>
+              <a:ea typeface="メイリオ" panose="020B0604030504040204" pitchFamily="50" charset="-128"/>
+            </a:rPr>
+            <a:t>本研究で分かるニーズ</a:t>
+          </a:r>
+          <a:endParaRPr kumimoji="1" lang="ja-JP" altLang="en-US" sz="2800" dirty="0">
+            <a:latin typeface="メイリオ" panose="020B0604030504040204" pitchFamily="50" charset="-128"/>
+            <a:ea typeface="メイリオ" panose="020B0604030504040204" pitchFamily="50" charset="-128"/>
+          </a:endParaRPr>
+        </a:p>
+      </dgm:t>
+    </dgm:pt>
+    <dgm:pt modelId="{BF386E1B-C613-4D30-AA6B-22F9C1CCE5F9}" type="parTrans" cxnId="{BC3650BF-FDE0-42EA-ACB3-FE6AFB46E6D7}">
+      <dgm:prSet/>
+      <dgm:spPr/>
+      <dgm:t>
+        <a:bodyPr/>
+        <a:lstStyle/>
+        <a:p>
+          <a:endParaRPr kumimoji="1" lang="ja-JP" altLang="en-US"/>
+        </a:p>
+      </dgm:t>
+    </dgm:pt>
+    <dgm:pt modelId="{43980166-989F-4AB9-AC31-2B0E9DC978F0}" type="sibTrans" cxnId="{BC3650BF-FDE0-42EA-ACB3-FE6AFB46E6D7}">
+      <dgm:prSet/>
+      <dgm:spPr/>
+      <dgm:t>
+        <a:bodyPr/>
+        <a:lstStyle/>
+        <a:p>
+          <a:endParaRPr kumimoji="1" lang="ja-JP" altLang="en-US"/>
+        </a:p>
+      </dgm:t>
+    </dgm:pt>
+    <dgm:pt modelId="{2CAC240D-3769-442E-8652-FC9817A95BD6}">
+      <dgm:prSet phldrT="[テキスト]" custT="1"/>
+      <dgm:spPr/>
+      <dgm:t>
+        <a:bodyPr/>
+        <a:lstStyle/>
+        <a:p>
+          <a:r>
+            <a:rPr kumimoji="1" lang="ja-JP" altLang="en-US" sz="2800" dirty="0" smtClean="0">
+              <a:latin typeface="メイリオ" panose="020B0604030504040204" pitchFamily="50" charset="-128"/>
+              <a:ea typeface="メイリオ" panose="020B0604030504040204" pitchFamily="50" charset="-128"/>
+            </a:rPr>
+            <a:t>ヒアリングで分かるニーズ</a:t>
+          </a:r>
+          <a:endParaRPr kumimoji="1" lang="ja-JP" altLang="en-US" sz="2800" dirty="0">
+            <a:latin typeface="メイリオ" panose="020B0604030504040204" pitchFamily="50" charset="-128"/>
+            <a:ea typeface="メイリオ" panose="020B0604030504040204" pitchFamily="50" charset="-128"/>
+          </a:endParaRPr>
+        </a:p>
+      </dgm:t>
+    </dgm:pt>
+    <dgm:pt modelId="{5C19B847-FFED-4F88-8375-099E0D716D3B}" type="parTrans" cxnId="{79CC92B5-2B5C-410A-965A-CBDA5BDB9470}">
+      <dgm:prSet/>
+      <dgm:spPr/>
+      <dgm:t>
+        <a:bodyPr/>
+        <a:lstStyle/>
+        <a:p>
+          <a:endParaRPr kumimoji="1" lang="ja-JP" altLang="en-US"/>
+        </a:p>
+      </dgm:t>
+    </dgm:pt>
+    <dgm:pt modelId="{F2DB4F06-241E-45BF-97D1-6109C51B4D44}" type="sibTrans" cxnId="{79CC92B5-2B5C-410A-965A-CBDA5BDB9470}">
+      <dgm:prSet/>
+      <dgm:spPr/>
+      <dgm:t>
+        <a:bodyPr/>
+        <a:lstStyle/>
+        <a:p>
+          <a:endParaRPr kumimoji="1" lang="ja-JP" altLang="en-US"/>
+        </a:p>
+      </dgm:t>
+    </dgm:pt>
+    <dgm:pt modelId="{68B94220-00DC-4178-A126-504E29FD4C7F}">
+      <dgm:prSet phldrT="[テキスト]" custT="1"/>
+      <dgm:spPr/>
+      <dgm:t>
+        <a:bodyPr/>
+        <a:lstStyle/>
+        <a:p>
+          <a:r>
+            <a:rPr kumimoji="1" lang="ja-JP" altLang="en-US" sz="3200" dirty="0" smtClean="0">
+              <a:latin typeface="メイリオ" panose="020B0604030504040204" pitchFamily="50" charset="-128"/>
+              <a:ea typeface="メイリオ" panose="020B0604030504040204" pitchFamily="50" charset="-128"/>
+            </a:rPr>
+            <a:t>ユーザのニーズ</a:t>
+          </a:r>
+          <a:endParaRPr kumimoji="1" lang="ja-JP" altLang="en-US" sz="3200" dirty="0">
+            <a:latin typeface="メイリオ" panose="020B0604030504040204" pitchFamily="50" charset="-128"/>
+            <a:ea typeface="メイリオ" panose="020B0604030504040204" pitchFamily="50" charset="-128"/>
+          </a:endParaRPr>
+        </a:p>
+      </dgm:t>
+    </dgm:pt>
+    <dgm:pt modelId="{7DA935BE-3765-4A27-9443-D462BC849FC7}" type="sibTrans" cxnId="{47FB37D0-2F16-4A48-9F30-2EF434180282}">
+      <dgm:prSet/>
+      <dgm:spPr/>
+      <dgm:t>
+        <a:bodyPr/>
+        <a:lstStyle/>
+        <a:p>
+          <a:endParaRPr kumimoji="1" lang="ja-JP" altLang="en-US"/>
+        </a:p>
+      </dgm:t>
+    </dgm:pt>
+    <dgm:pt modelId="{8BE51666-E96C-4FBD-96A0-3A8A9869B69D}" type="parTrans" cxnId="{47FB37D0-2F16-4A48-9F30-2EF434180282}">
+      <dgm:prSet/>
+      <dgm:spPr/>
+      <dgm:t>
+        <a:bodyPr/>
+        <a:lstStyle/>
+        <a:p>
+          <a:endParaRPr kumimoji="1" lang="ja-JP" altLang="en-US"/>
+        </a:p>
+      </dgm:t>
+    </dgm:pt>
+    <dgm:pt modelId="{BC55CBB6-66C3-40F1-9F38-0F6CE6E0930B}" type="pres">
+      <dgm:prSet presAssocID="{AC03D6D7-5EC4-4045-BFFF-DB04D3EC8765}" presName="compositeShape" presStyleCnt="0">
+        <dgm:presLayoutVars>
+          <dgm:chMax val="7"/>
+          <dgm:dir/>
+          <dgm:resizeHandles val="exact"/>
+        </dgm:presLayoutVars>
+      </dgm:prSet>
+      <dgm:spPr/>
+    </dgm:pt>
+    <dgm:pt modelId="{F616AA9D-2263-42E0-A15D-90E05BE6C6FB}" type="pres">
+      <dgm:prSet presAssocID="{E0AEE14F-2896-4821-B2EB-23B84D86DEE8}" presName="circ1" presStyleLbl="vennNode1" presStyleIdx="0" presStyleCnt="3"/>
+      <dgm:spPr/>
+      <dgm:t>
+        <a:bodyPr/>
+        <a:lstStyle/>
+        <a:p>
+          <a:endParaRPr kumimoji="1" lang="ja-JP" altLang="en-US"/>
+        </a:p>
+      </dgm:t>
+    </dgm:pt>
+    <dgm:pt modelId="{1A0F9374-F0CD-44C7-8F4A-205FFBD1C35D}" type="pres">
+      <dgm:prSet presAssocID="{E0AEE14F-2896-4821-B2EB-23B84D86DEE8}" presName="circ1Tx" presStyleLbl="revTx" presStyleIdx="0" presStyleCnt="0">
+        <dgm:presLayoutVars>
+          <dgm:chMax val="0"/>
+          <dgm:chPref val="0"/>
+          <dgm:bulletEnabled val="1"/>
+        </dgm:presLayoutVars>
+      </dgm:prSet>
+      <dgm:spPr/>
+      <dgm:t>
+        <a:bodyPr/>
+        <a:lstStyle/>
+        <a:p>
+          <a:endParaRPr kumimoji="1" lang="ja-JP" altLang="en-US"/>
+        </a:p>
+      </dgm:t>
+    </dgm:pt>
+    <dgm:pt modelId="{409D158A-1990-4B40-B54B-EDBF90B2A3FA}" type="pres">
+      <dgm:prSet presAssocID="{68B94220-00DC-4178-A126-504E29FD4C7F}" presName="circ2" presStyleLbl="vennNode1" presStyleIdx="1" presStyleCnt="3"/>
+      <dgm:spPr/>
+      <dgm:t>
+        <a:bodyPr/>
+        <a:lstStyle/>
+        <a:p>
+          <a:endParaRPr kumimoji="1" lang="ja-JP" altLang="en-US"/>
+        </a:p>
+      </dgm:t>
+    </dgm:pt>
+    <dgm:pt modelId="{3ABC5B87-A3A6-40FB-A733-C7DE8B88B68B}" type="pres">
+      <dgm:prSet presAssocID="{68B94220-00DC-4178-A126-504E29FD4C7F}" presName="circ2Tx" presStyleLbl="revTx" presStyleIdx="0" presStyleCnt="0">
+        <dgm:presLayoutVars>
+          <dgm:chMax val="0"/>
+          <dgm:chPref val="0"/>
+          <dgm:bulletEnabled val="1"/>
+        </dgm:presLayoutVars>
+      </dgm:prSet>
+      <dgm:spPr/>
+      <dgm:t>
+        <a:bodyPr/>
+        <a:lstStyle/>
+        <a:p>
+          <a:endParaRPr kumimoji="1" lang="ja-JP" altLang="en-US"/>
+        </a:p>
+      </dgm:t>
+    </dgm:pt>
+    <dgm:pt modelId="{1EEBE69D-8D38-4EDD-8469-AD6ADAB8C50B}" type="pres">
+      <dgm:prSet presAssocID="{2CAC240D-3769-442E-8652-FC9817A95BD6}" presName="circ3" presStyleLbl="vennNode1" presStyleIdx="2" presStyleCnt="3"/>
+      <dgm:spPr/>
+      <dgm:t>
+        <a:bodyPr/>
+        <a:lstStyle/>
+        <a:p>
+          <a:endParaRPr kumimoji="1" lang="ja-JP" altLang="en-US"/>
+        </a:p>
+      </dgm:t>
+    </dgm:pt>
+    <dgm:pt modelId="{382F10B1-0E12-4C85-BF93-C9924164CC96}" type="pres">
+      <dgm:prSet presAssocID="{2CAC240D-3769-442E-8652-FC9817A95BD6}" presName="circ3Tx" presStyleLbl="revTx" presStyleIdx="0" presStyleCnt="0">
+        <dgm:presLayoutVars>
+          <dgm:chMax val="0"/>
+          <dgm:chPref val="0"/>
+          <dgm:bulletEnabled val="1"/>
+        </dgm:presLayoutVars>
+      </dgm:prSet>
+      <dgm:spPr/>
+      <dgm:t>
+        <a:bodyPr/>
+        <a:lstStyle/>
+        <a:p>
+          <a:endParaRPr kumimoji="1" lang="ja-JP" altLang="en-US"/>
+        </a:p>
+      </dgm:t>
+    </dgm:pt>
+  </dgm:ptLst>
+  <dgm:cxnLst>
+    <dgm:cxn modelId="{BC3650BF-FDE0-42EA-ACB3-FE6AFB46E6D7}" srcId="{AC03D6D7-5EC4-4045-BFFF-DB04D3EC8765}" destId="{E0AEE14F-2896-4821-B2EB-23B84D86DEE8}" srcOrd="0" destOrd="0" parTransId="{BF386E1B-C613-4D30-AA6B-22F9C1CCE5F9}" sibTransId="{43980166-989F-4AB9-AC31-2B0E9DC978F0}"/>
+    <dgm:cxn modelId="{F259B2F2-5E10-49A0-A9C6-E464ABF35FCF}" type="presOf" srcId="{AC03D6D7-5EC4-4045-BFFF-DB04D3EC8765}" destId="{BC55CBB6-66C3-40F1-9F38-0F6CE6E0930B}" srcOrd="0" destOrd="0" presId="urn:microsoft.com/office/officeart/2005/8/layout/venn1"/>
+    <dgm:cxn modelId="{79CC92B5-2B5C-410A-965A-CBDA5BDB9470}" srcId="{AC03D6D7-5EC4-4045-BFFF-DB04D3EC8765}" destId="{2CAC240D-3769-442E-8652-FC9817A95BD6}" srcOrd="2" destOrd="0" parTransId="{5C19B847-FFED-4F88-8375-099E0D716D3B}" sibTransId="{F2DB4F06-241E-45BF-97D1-6109C51B4D44}"/>
+    <dgm:cxn modelId="{47FB37D0-2F16-4A48-9F30-2EF434180282}" srcId="{AC03D6D7-5EC4-4045-BFFF-DB04D3EC8765}" destId="{68B94220-00DC-4178-A126-504E29FD4C7F}" srcOrd="1" destOrd="0" parTransId="{8BE51666-E96C-4FBD-96A0-3A8A9869B69D}" sibTransId="{7DA935BE-3765-4A27-9443-D462BC849FC7}"/>
+    <dgm:cxn modelId="{7FF98F54-EB4B-429A-B87B-C9D605258A3E}" type="presOf" srcId="{68B94220-00DC-4178-A126-504E29FD4C7F}" destId="{3ABC5B87-A3A6-40FB-A733-C7DE8B88B68B}" srcOrd="1" destOrd="0" presId="urn:microsoft.com/office/officeart/2005/8/layout/venn1"/>
+    <dgm:cxn modelId="{58E22498-DB3D-4CDB-A8C2-DFF218341D4C}" type="presOf" srcId="{E0AEE14F-2896-4821-B2EB-23B84D86DEE8}" destId="{F616AA9D-2263-42E0-A15D-90E05BE6C6FB}" srcOrd="0" destOrd="0" presId="urn:microsoft.com/office/officeart/2005/8/layout/venn1"/>
+    <dgm:cxn modelId="{4D686BF9-EA3A-4D95-8ECC-784E0717E852}" type="presOf" srcId="{68B94220-00DC-4178-A126-504E29FD4C7F}" destId="{409D158A-1990-4B40-B54B-EDBF90B2A3FA}" srcOrd="0" destOrd="0" presId="urn:microsoft.com/office/officeart/2005/8/layout/venn1"/>
+    <dgm:cxn modelId="{FB3527A5-1869-4EB1-AF8B-12BE0757B59D}" type="presOf" srcId="{2CAC240D-3769-442E-8652-FC9817A95BD6}" destId="{1EEBE69D-8D38-4EDD-8469-AD6ADAB8C50B}" srcOrd="0" destOrd="0" presId="urn:microsoft.com/office/officeart/2005/8/layout/venn1"/>
+    <dgm:cxn modelId="{9374DE7D-E666-4008-B00D-1E637E2C9580}" type="presOf" srcId="{2CAC240D-3769-442E-8652-FC9817A95BD6}" destId="{382F10B1-0E12-4C85-BF93-C9924164CC96}" srcOrd="1" destOrd="0" presId="urn:microsoft.com/office/officeart/2005/8/layout/venn1"/>
+    <dgm:cxn modelId="{883AD665-7D5E-4846-A3B3-DD56AB98E768}" type="presOf" srcId="{E0AEE14F-2896-4821-B2EB-23B84D86DEE8}" destId="{1A0F9374-F0CD-44C7-8F4A-205FFBD1C35D}" srcOrd="1" destOrd="0" presId="urn:microsoft.com/office/officeart/2005/8/layout/venn1"/>
+    <dgm:cxn modelId="{610C67D9-4139-4690-8C02-4154FC744D74}" type="presParOf" srcId="{BC55CBB6-66C3-40F1-9F38-0F6CE6E0930B}" destId="{F616AA9D-2263-42E0-A15D-90E05BE6C6FB}" srcOrd="0" destOrd="0" presId="urn:microsoft.com/office/officeart/2005/8/layout/venn1"/>
+    <dgm:cxn modelId="{09F94B7E-5365-4C12-BDCB-6518C8162B91}" type="presParOf" srcId="{BC55CBB6-66C3-40F1-9F38-0F6CE6E0930B}" destId="{1A0F9374-F0CD-44C7-8F4A-205FFBD1C35D}" srcOrd="1" destOrd="0" presId="urn:microsoft.com/office/officeart/2005/8/layout/venn1"/>
+    <dgm:cxn modelId="{D9BF2AD9-7340-4AAC-B7EE-30D6BB49EC77}" type="presParOf" srcId="{BC55CBB6-66C3-40F1-9F38-0F6CE6E0930B}" destId="{409D158A-1990-4B40-B54B-EDBF90B2A3FA}" srcOrd="2" destOrd="0" presId="urn:microsoft.com/office/officeart/2005/8/layout/venn1"/>
+    <dgm:cxn modelId="{541E8DDB-75DD-439D-AA6E-DAD86978A307}" type="presParOf" srcId="{BC55CBB6-66C3-40F1-9F38-0F6CE6E0930B}" destId="{3ABC5B87-A3A6-40FB-A733-C7DE8B88B68B}" srcOrd="3" destOrd="0" presId="urn:microsoft.com/office/officeart/2005/8/layout/venn1"/>
+    <dgm:cxn modelId="{682CDDB1-A5B1-4715-98ED-0DE65AFA8E6A}" type="presParOf" srcId="{BC55CBB6-66C3-40F1-9F38-0F6CE6E0930B}" destId="{1EEBE69D-8D38-4EDD-8469-AD6ADAB8C50B}" srcOrd="4" destOrd="0" presId="urn:microsoft.com/office/officeart/2005/8/layout/venn1"/>
+    <dgm:cxn modelId="{DC68BF09-9C2E-4740-8B3F-618EA8EF93C9}" type="presParOf" srcId="{BC55CBB6-66C3-40F1-9F38-0F6CE6E0930B}" destId="{382F10B1-0E12-4C85-BF93-C9924164CC96}" srcOrd="5" destOrd="0" presId="urn:microsoft.com/office/officeart/2005/8/layout/venn1"/>
+  </dgm:cxnLst>
+  <dgm:bg/>
+  <dgm:whole/>
+  <dgm:extLst>
+    <a:ext uri="http://schemas.microsoft.com/office/drawing/2008/diagram">
+      <dsp:dataModelExt xmlns:dsp="http://schemas.microsoft.com/office/drawing/2008/diagram" relId="rId6" minVer="http://schemas.openxmlformats.org/drawingml/2006/diagram"/>
+    </a:ext>
+  </dgm:extLst>
+</dgm:dataModel>
+</file>
+
+<file path=ppt/diagrams/drawing1.xml><?xml version="1.0" encoding="utf-8"?>
+<dsp:drawing xmlns:dgm="http://schemas.openxmlformats.org/drawingml/2006/diagram" xmlns:dsp="http://schemas.microsoft.com/office/drawing/2008/diagram" xmlns:a="http://schemas.openxmlformats.org/drawingml/2006/main">
+  <dsp:spTree>
+    <dsp:nvGrpSpPr>
+      <dsp:cNvPr id="0" name=""/>
+      <dsp:cNvGrpSpPr/>
+    </dsp:nvGrpSpPr>
+    <dsp:grpSpPr/>
+    <dsp:sp modelId="{F616AA9D-2263-42E0-A15D-90E05BE6C6FB}">
+      <dsp:nvSpPr>
+        <dsp:cNvPr id="0" name=""/>
+        <dsp:cNvSpPr/>
+      </dsp:nvSpPr>
+      <dsp:spPr>
+        <a:xfrm>
+          <a:off x="2509663" y="74137"/>
+          <a:ext cx="3558616" cy="3558616"/>
+        </a:xfrm>
+        <a:prstGeom prst="ellipse">
+          <a:avLst/>
+        </a:prstGeom>
+        <a:solidFill>
+          <a:schemeClr val="accent4">
+            <a:alpha val="50000"/>
+            <a:hueOff val="0"/>
+            <a:satOff val="0"/>
+            <a:lumOff val="0"/>
+            <a:alphaOff val="0"/>
+          </a:schemeClr>
+        </a:solidFill>
+        <a:ln w="12700" cap="flat" cmpd="sng" algn="ctr">
+          <a:solidFill>
+            <a:schemeClr val="lt1">
+              <a:hueOff val="0"/>
+              <a:satOff val="0"/>
+              <a:lumOff val="0"/>
+              <a:alphaOff val="0"/>
+            </a:schemeClr>
+          </a:solidFill>
+          <a:prstDash val="solid"/>
+          <a:miter lim="800000"/>
+        </a:ln>
+        <a:effectLst/>
+      </dsp:spPr>
+      <dsp:style>
+        <a:lnRef idx="2">
+          <a:scrgbClr r="0" g="0" b="0"/>
+        </a:lnRef>
+        <a:fillRef idx="1">
+          <a:scrgbClr r="0" g="0" b="0"/>
+        </a:fillRef>
+        <a:effectRef idx="0">
+          <a:scrgbClr r="0" g="0" b="0"/>
+        </a:effectRef>
+        <a:fontRef idx="minor">
+          <a:schemeClr val="tx1"/>
+        </a:fontRef>
+      </dsp:style>
+      <dsp:txBody>
+        <a:bodyPr spcFirstLastPara="0" vert="horz" wrap="square" lIns="0" tIns="0" rIns="0" bIns="0" numCol="1" spcCol="1270" anchor="ctr" anchorCtr="0">
+          <a:noAutofit/>
+        </a:bodyPr>
+        <a:lstStyle/>
+        <a:p>
+          <a:pPr lvl="0" algn="ctr" defTabSz="1244600">
+            <a:lnSpc>
+              <a:spcPct val="90000"/>
+            </a:lnSpc>
+            <a:spcBef>
+              <a:spcPct val="0"/>
+            </a:spcBef>
+            <a:spcAft>
+              <a:spcPct val="35000"/>
+            </a:spcAft>
+          </a:pPr>
+          <a:r>
+            <a:rPr kumimoji="1" lang="ja-JP" altLang="en-US" sz="2800" kern="1200" dirty="0" smtClean="0">
+              <a:latin typeface="メイリオ" panose="020B0604030504040204" pitchFamily="50" charset="-128"/>
+              <a:ea typeface="メイリオ" panose="020B0604030504040204" pitchFamily="50" charset="-128"/>
+            </a:rPr>
+            <a:t>本研究で分かるニーズ</a:t>
+          </a:r>
+          <a:endParaRPr kumimoji="1" lang="ja-JP" altLang="en-US" sz="2800" kern="1200" dirty="0">
+            <a:latin typeface="メイリオ" panose="020B0604030504040204" pitchFamily="50" charset="-128"/>
+            <a:ea typeface="メイリオ" panose="020B0604030504040204" pitchFamily="50" charset="-128"/>
+          </a:endParaRPr>
+        </a:p>
+      </dsp:txBody>
+      <dsp:txXfrm>
+        <a:off x="2984145" y="696895"/>
+        <a:ext cx="2609652" cy="1601377"/>
+      </dsp:txXfrm>
+    </dsp:sp>
+    <dsp:sp modelId="{409D158A-1990-4B40-B54B-EDBF90B2A3FA}">
+      <dsp:nvSpPr>
+        <dsp:cNvPr id="0" name=""/>
+        <dsp:cNvSpPr/>
+      </dsp:nvSpPr>
+      <dsp:spPr>
+        <a:xfrm>
+          <a:off x="3793730" y="2298273"/>
+          <a:ext cx="3558616" cy="3558616"/>
+        </a:xfrm>
+        <a:prstGeom prst="ellipse">
+          <a:avLst/>
+        </a:prstGeom>
+        <a:solidFill>
+          <a:schemeClr val="accent4">
+            <a:alpha val="50000"/>
+            <a:hueOff val="5197847"/>
+            <a:satOff val="-23984"/>
+            <a:lumOff val="883"/>
+            <a:alphaOff val="0"/>
+          </a:schemeClr>
+        </a:solidFill>
+        <a:ln w="12700" cap="flat" cmpd="sng" algn="ctr">
+          <a:solidFill>
+            <a:schemeClr val="lt1">
+              <a:hueOff val="0"/>
+              <a:satOff val="0"/>
+              <a:lumOff val="0"/>
+              <a:alphaOff val="0"/>
+            </a:schemeClr>
+          </a:solidFill>
+          <a:prstDash val="solid"/>
+          <a:miter lim="800000"/>
+        </a:ln>
+        <a:effectLst/>
+      </dsp:spPr>
+      <dsp:style>
+        <a:lnRef idx="2">
+          <a:scrgbClr r="0" g="0" b="0"/>
+        </a:lnRef>
+        <a:fillRef idx="1">
+          <a:scrgbClr r="0" g="0" b="0"/>
+        </a:fillRef>
+        <a:effectRef idx="0">
+          <a:scrgbClr r="0" g="0" b="0"/>
+        </a:effectRef>
+        <a:fontRef idx="minor">
+          <a:schemeClr val="tx1"/>
+        </a:fontRef>
+      </dsp:style>
+      <dsp:txBody>
+        <a:bodyPr spcFirstLastPara="0" vert="horz" wrap="square" lIns="0" tIns="0" rIns="0" bIns="0" numCol="1" spcCol="1270" anchor="ctr" anchorCtr="0">
+          <a:noAutofit/>
+        </a:bodyPr>
+        <a:lstStyle/>
+        <a:p>
+          <a:pPr lvl="0" algn="ctr" defTabSz="1422400">
+            <a:lnSpc>
+              <a:spcPct val="90000"/>
+            </a:lnSpc>
+            <a:spcBef>
+              <a:spcPct val="0"/>
+            </a:spcBef>
+            <a:spcAft>
+              <a:spcPct val="35000"/>
+            </a:spcAft>
+          </a:pPr>
+          <a:r>
+            <a:rPr kumimoji="1" lang="ja-JP" altLang="en-US" sz="3200" kern="1200" dirty="0" smtClean="0">
+              <a:latin typeface="メイリオ" panose="020B0604030504040204" pitchFamily="50" charset="-128"/>
+              <a:ea typeface="メイリオ" panose="020B0604030504040204" pitchFamily="50" charset="-128"/>
+            </a:rPr>
+            <a:t>ユーザのニーズ</a:t>
+          </a:r>
+          <a:endParaRPr kumimoji="1" lang="ja-JP" altLang="en-US" sz="3200" kern="1200" dirty="0">
+            <a:latin typeface="メイリオ" panose="020B0604030504040204" pitchFamily="50" charset="-128"/>
+            <a:ea typeface="メイリオ" panose="020B0604030504040204" pitchFamily="50" charset="-128"/>
+          </a:endParaRPr>
+        </a:p>
+      </dsp:txBody>
+      <dsp:txXfrm>
+        <a:off x="4882074" y="3217582"/>
+        <a:ext cx="2135170" cy="1957239"/>
+      </dsp:txXfrm>
+    </dsp:sp>
+    <dsp:sp modelId="{1EEBE69D-8D38-4EDD-8469-AD6ADAB8C50B}">
+      <dsp:nvSpPr>
+        <dsp:cNvPr id="0" name=""/>
+        <dsp:cNvSpPr/>
+      </dsp:nvSpPr>
+      <dsp:spPr>
+        <a:xfrm>
+          <a:off x="1225595" y="2298273"/>
+          <a:ext cx="3558616" cy="3558616"/>
+        </a:xfrm>
+        <a:prstGeom prst="ellipse">
+          <a:avLst/>
+        </a:prstGeom>
+        <a:solidFill>
+          <a:schemeClr val="accent4">
+            <a:alpha val="50000"/>
+            <a:hueOff val="10395693"/>
+            <a:satOff val="-47968"/>
+            <a:lumOff val="1765"/>
+            <a:alphaOff val="0"/>
+          </a:schemeClr>
+        </a:solidFill>
+        <a:ln w="12700" cap="flat" cmpd="sng" algn="ctr">
+          <a:solidFill>
+            <a:schemeClr val="lt1">
+              <a:hueOff val="0"/>
+              <a:satOff val="0"/>
+              <a:lumOff val="0"/>
+              <a:alphaOff val="0"/>
+            </a:schemeClr>
+          </a:solidFill>
+          <a:prstDash val="solid"/>
+          <a:miter lim="800000"/>
+        </a:ln>
+        <a:effectLst/>
+      </dsp:spPr>
+      <dsp:style>
+        <a:lnRef idx="2">
+          <a:scrgbClr r="0" g="0" b="0"/>
+        </a:lnRef>
+        <a:fillRef idx="1">
+          <a:scrgbClr r="0" g="0" b="0"/>
+        </a:fillRef>
+        <a:effectRef idx="0">
+          <a:scrgbClr r="0" g="0" b="0"/>
+        </a:effectRef>
+        <a:fontRef idx="minor">
+          <a:schemeClr val="tx1"/>
+        </a:fontRef>
+      </dsp:style>
+      <dsp:txBody>
+        <a:bodyPr spcFirstLastPara="0" vert="horz" wrap="square" lIns="0" tIns="0" rIns="0" bIns="0" numCol="1" spcCol="1270" anchor="ctr" anchorCtr="0">
+          <a:noAutofit/>
+        </a:bodyPr>
+        <a:lstStyle/>
+        <a:p>
+          <a:pPr lvl="0" algn="ctr" defTabSz="1244600">
+            <a:lnSpc>
+              <a:spcPct val="90000"/>
+            </a:lnSpc>
+            <a:spcBef>
+              <a:spcPct val="0"/>
+            </a:spcBef>
+            <a:spcAft>
+              <a:spcPct val="35000"/>
+            </a:spcAft>
+          </a:pPr>
+          <a:r>
+            <a:rPr kumimoji="1" lang="ja-JP" altLang="en-US" sz="2800" kern="1200" dirty="0" smtClean="0">
+              <a:latin typeface="メイリオ" panose="020B0604030504040204" pitchFamily="50" charset="-128"/>
+              <a:ea typeface="メイリオ" panose="020B0604030504040204" pitchFamily="50" charset="-128"/>
+            </a:rPr>
+            <a:t>ヒアリングで分かるニーズ</a:t>
+          </a:r>
+          <a:endParaRPr kumimoji="1" lang="ja-JP" altLang="en-US" sz="2800" kern="1200" dirty="0">
+            <a:latin typeface="メイリオ" panose="020B0604030504040204" pitchFamily="50" charset="-128"/>
+            <a:ea typeface="メイリオ" panose="020B0604030504040204" pitchFamily="50" charset="-128"/>
+          </a:endParaRPr>
+        </a:p>
+      </dsp:txBody>
+      <dsp:txXfrm>
+        <a:off x="1560698" y="3217582"/>
+        <a:ext cx="2135170" cy="1957239"/>
+      </dsp:txXfrm>
+    </dsp:sp>
+  </dsp:spTree>
+</dsp:drawing>
+</file>
+
+<file path=ppt/diagrams/layout1.xml><?xml version="1.0" encoding="utf-8"?>
+<dgm:layoutDef xmlns:dgm="http://schemas.openxmlformats.org/drawingml/2006/diagram" xmlns:a="http://schemas.openxmlformats.org/drawingml/2006/main" uniqueId="urn:microsoft.com/office/officeart/2005/8/layout/venn1">
+  <dgm:title val=""/>
+  <dgm:desc val=""/>
+  <dgm:catLst>
+    <dgm:cat type="relationship" pri="28000"/>
+    <dgm:cat type="convert" pri="19000"/>
+  </dgm:catLst>
+  <dgm:sampData useDef="1">
+    <dgm:dataModel>
+      <dgm:ptLst/>
+      <dgm:bg/>
+      <dgm:whole/>
+    </dgm:dataModel>
+  </dgm:sampData>
+  <dgm:styleData useDef="1">
+    <dgm:dataModel>
+      <dgm:ptLst/>
+      <dgm:bg/>
+      <dgm:whole/>
+    </dgm:dataModel>
+  </dgm:styleData>
+  <dgm:clrData>
+    <dgm:dataModel>
+      <dgm:ptLst>
+        <dgm:pt modelId="0" type="doc"/>
+        <dgm:pt modelId="1"/>
+        <dgm:pt modelId="2"/>
+        <dgm:pt modelId="3"/>
+        <dgm:pt modelId="4"/>
+      </dgm:ptLst>
+      <dgm:cxnLst>
+        <dgm:cxn modelId="7" srcId="0" destId="1" srcOrd="0" destOrd="0"/>
+        <dgm:cxn modelId="8" srcId="0" destId="2" srcOrd="1" destOrd="0"/>
+        <dgm:cxn modelId="9" srcId="0" destId="3" srcOrd="2" destOrd="0"/>
+        <dgm:cxn modelId="10" srcId="0" destId="4" srcOrd="3" destOrd="0"/>
+      </dgm:cxnLst>
+      <dgm:bg/>
+      <dgm:whole/>
+    </dgm:dataModel>
+  </dgm:clrData>
+  <dgm:layoutNode name="compositeShape">
+    <dgm:varLst>
+      <dgm:chMax val="7"/>
+      <dgm:dir/>
+      <dgm:resizeHandles val="exact"/>
+    </dgm:varLst>
+    <dgm:choose name="Name0">
+      <dgm:if name="Name1" axis="ch" ptType="node" func="cnt" op="equ" val="1">
+        <dgm:alg type="composite">
+          <dgm:param type="ar" val="1"/>
+        </dgm:alg>
+      </dgm:if>
+      <dgm:if name="Name2" axis="ch" ptType="node" func="cnt" op="equ" val="2">
+        <dgm:alg type="composite">
+          <dgm:param type="ar" val="1.792"/>
+        </dgm:alg>
+      </dgm:if>
+      <dgm:if name="Name3" axis="ch" ptType="node" func="cnt" op="equ" val="3">
+        <dgm:alg type="composite">
+          <dgm:param type="ar" val="1"/>
+        </dgm:alg>
+      </dgm:if>
+      <dgm:if name="Name4" axis="ch" ptType="node" func="cnt" op="equ" val="4">
+        <dgm:alg type="composite">
+          <dgm:param type="ar" val="1"/>
+        </dgm:alg>
+      </dgm:if>
+      <dgm:if name="Name5" axis="ch" ptType="node" func="cnt" op="equ" val="5">
+        <dgm:alg type="composite">
+          <dgm:param type="ar" val="1.4"/>
+        </dgm:alg>
+      </dgm:if>
+      <dgm:if name="Name6" axis="ch" ptType="node" func="cnt" op="equ" val="6">
+        <dgm:alg type="composite">
+          <dgm:param type="ar" val="1.285"/>
+        </dgm:alg>
+      </dgm:if>
+      <dgm:if name="Name7" axis="ch" ptType="node" func="cnt" op="equ" val="7">
+        <dgm:alg type="composite">
+          <dgm:param type="ar" val="1.359"/>
+        </dgm:alg>
+      </dgm:if>
+      <dgm:else name="Name8">
+        <dgm:alg type="composite">
+          <dgm:param type="ar" val="1.359"/>
+        </dgm:alg>
+      </dgm:else>
+    </dgm:choose>
+    <dgm:shape xmlns:r="http://schemas.openxmlformats.org/officeDocument/2006/relationships" r:blip="">
+      <dgm:adjLst/>
+    </dgm:shape>
+    <dgm:presOf/>
+    <dgm:choose name="Name9">
+      <dgm:if name="Name10" axis="ch" ptType="node" func="cnt" op="equ" val="1">
+        <dgm:constrLst>
+          <dgm:constr type="ctrX" for="ch" forName="circ1TxSh" refType="w" fact="0.5"/>
+          <dgm:constr type="ctrY" for="ch" forName="circ1TxSh" refType="h" fact="0.5"/>
+          <dgm:constr type="w" for="ch" forName="circ1TxSh" refType="w"/>
+          <dgm:constr type="h" for="ch" forName="circ1TxSh" refType="h"/>
+          <dgm:constr type="primFontSz" for="ch" ptType="node" op="equ"/>
+        </dgm:constrLst>
+      </dgm:if>
+      <dgm:if name="Name11" axis="ch" ptType="node" func="cnt" op="equ" val="2">
+        <dgm:constrLst>
+          <dgm:constr type="ctrX" for="ch" forName="circ1" refType="w" fact="0.3"/>
+          <dgm:constr type="ctrY" for="ch" forName="circ1" refType="h" fact="0.5"/>
+          <dgm:constr type="w" for="ch" forName="circ1" refType="w" fact="0.555"/>
+          <dgm:constr type="h" for="ch" forName="circ1" refType="h" fact="0.99456"/>
+          <dgm:constr type="l" for="ch" forName="circ1Tx" refType="w" fact="0.1"/>
+          <dgm:constr type="t" for="ch" forName="circ1Tx" refType="h" fact="0.12"/>
+          <dgm:constr type="w" for="ch" forName="circ1Tx" refType="w" fact="0.32"/>
+          <dgm:constr type="h" for="ch" forName="circ1Tx" refType="h" fact="0.76"/>
+          <dgm:constr type="ctrX" for="ch" forName="circ2" refType="w" fact="0.7"/>
+          <dgm:constr type="ctrY" for="ch" forName="circ2" refType="h" fact="0.5"/>
+          <dgm:constr type="w" for="ch" forName="circ2" refType="w" fact="0.555"/>
+          <dgm:constr type="h" for="ch" forName="circ2" refType="h" fact="0.99456"/>
+          <dgm:constr type="l" for="ch" forName="circ2Tx" refType="w" fact="0.58"/>
+          <dgm:constr type="t" for="ch" forName="circ2Tx" refType="h" fact="0.12"/>
+          <dgm:constr type="w" for="ch" forName="circ2Tx" refType="w" fact="0.32"/>
+          <dgm:constr type="h" for="ch" forName="circ2Tx" refType="h" fact="0.76"/>
+          <dgm:constr type="primFontSz" for="ch" ptType="node" op="equ"/>
+        </dgm:constrLst>
+      </dgm:if>
+      <dgm:if name="Name12" axis="ch" ptType="node" func="cnt" op="equ" val="3">
+        <dgm:constrLst>
+          <dgm:constr type="ctrX" for="ch" forName="circ1" refType="w" fact="0.5"/>
+          <dgm:constr type="ctrY" for="ch" forName="circ1" refType="w" fact="0.25"/>
+          <dgm:constr type="w" for="ch" forName="circ1" refType="w" fact="0.6"/>
+          <dgm:constr type="h" for="ch" forName="circ1" refType="h" fact="0.6"/>
+          <dgm:constr type="l" for="ch" forName="circ1Tx" refType="w" fact="0.28"/>
+          <dgm:constr type="t" for="ch" forName="circ1Tx" refType="h" fact="0.055"/>
+          <dgm:constr type="w" for="ch" forName="circ1Tx" refType="w" fact="0.44"/>
+          <dgm:constr type="h" for="ch" forName="circ1Tx" refType="h" fact="0.27"/>
+          <dgm:constr type="ctrX" for="ch" forName="circ2" refType="w" fact="0.7165"/>
+          <dgm:constr type="ctrY" for="ch" forName="circ2" refType="w" fact="0.625"/>
+          <dgm:constr type="w" for="ch" forName="circ2" refType="w" fact="0.6"/>
+          <dgm:constr type="h" for="ch" forName="circ2" refType="h" fact="0.6"/>
+          <dgm:constr type="l" for="ch" forName="circ2Tx" refType="w" fact="0.6"/>
+          <dgm:constr type="t" for="ch" forName="circ2Tx" refType="h" fact="0.48"/>
+          <dgm:constr type="w" for="ch" forName="circ2Tx" refType="w" fact="0.36"/>
+          <dgm:constr type="h" for="ch" forName="circ2Tx" refType="h" fact="0.33"/>
+          <dgm:constr type="ctrX" for="ch" forName="circ3" refType="w" fact="0.2835"/>
+          <dgm:constr type="ctrY" for="ch" forName="circ3" refType="w" fact="0.625"/>
+          <dgm:constr type="w" for="ch" forName="circ3" refType="w" fact="0.6"/>
+          <dgm:constr type="h" for="ch" forName="circ3" refType="h" fact="0.6"/>
+          <dgm:constr type="l" for="ch" forName="circ3Tx" refType="w" fact="0.04"/>
+          <dgm:constr type="t" for="ch" forName="circ3Tx" refType="h" fact="0.48"/>
+          <dgm:constr type="w" for="ch" forName="circ3Tx" refType="w" fact="0.36"/>
+          <dgm:constr type="h" for="ch" forName="circ3Tx" refType="h" fact="0.33"/>
+          <dgm:constr type="primFontSz" for="ch" ptType="node" op="equ"/>
+        </dgm:constrLst>
+      </dgm:if>
+      <dgm:if name="Name13" axis="ch" ptType="node" func="cnt" op="equ" val="4">
+        <dgm:constrLst>
+          <dgm:constr type="ctrX" for="ch" forName="circ1" refType="w" fact="0.5"/>
+          <dgm:constr type="ctrY" for="ch" forName="circ1" refType="w" fact="0.27"/>
+          <dgm:constr type="w" for="ch" forName="circ1" refType="w" fact="0.52"/>
+          <dgm:constr type="h" for="ch" forName="circ1" refType="h" fact="0.52"/>
+          <dgm:constr type="l" for="ch" forName="circ1Tx" refType="w" fact="0.3"/>
+          <dgm:constr type="t" for="ch" forName="circ1Tx" refType="h" fact="0.08"/>
+          <dgm:constr type="w" for="ch" forName="circ1Tx" refType="w" fact="0.4"/>
+          <dgm:constr type="h" for="ch" forName="circ1Tx" refType="h" fact="0.165"/>
+          <dgm:constr type="ctrX" for="ch" forName="circ2" refType="w" fact="0.73"/>
+          <dgm:constr type="ctrY" for="ch" forName="circ2" refType="w" fact="0.5"/>
+          <dgm:constr type="w" for="ch" forName="circ2" refType="w" fact="0.52"/>
+          <dgm:constr type="h" for="ch" forName="circ2" refType="h" fact="0.52"/>
+          <dgm:constr type="r" for="ch" forName="circ2Tx" refType="w" fact="0.95"/>
+          <dgm:constr type="t" for="ch" forName="circ2Tx" refType="h" fact="0.3"/>
+          <dgm:constr type="w" for="ch" forName="circ2Tx" refType="w" fact="0.2"/>
+          <dgm:constr type="h" for="ch" forName="circ2Tx" refType="h" fact="0.4"/>
+          <dgm:constr type="ctrX" for="ch" forName="circ3" refType="w" fact="0.5"/>
+          <dgm:constr type="ctrY" for="ch" forName="circ3" refType="w" fact="0.73"/>
+          <dgm:constr type="w" for="ch" forName="circ3" refType="w" fact="0.52"/>
+          <dgm:constr type="h" for="ch" forName="circ3" refType="h" fact="0.52"/>
+          <dgm:constr type="l" for="ch" forName="circ3Tx" refType="w" fact="0.3"/>
+          <dgm:constr type="b" for="ch" forName="circ3Tx" refType="h" fact="0.92"/>
+          <dgm:constr type="w" for="ch" forName="circ3Tx" refType="w" fact="0.4"/>
+          <dgm:constr type="h" for="ch" forName="circ3Tx" refType="h" fact="0.165"/>
+          <dgm:constr type="ctrX" for="ch" forName="circ4" refType="w" fact="0.27"/>
+          <dgm:constr type="ctrY" for="ch" forName="circ4" refType="h" fact="0.5"/>
+          <dgm:constr type="w" for="ch" forName="circ4" refType="w" fact="0.52"/>
+          <dgm:constr type="h" for="ch" forName="circ4" refType="h" fact="0.52"/>
+          <dgm:constr type="l" for="ch" forName="circ4Tx" refType="w" fact="0.05"/>
+          <dgm:constr type="t" for="ch" forName="circ4Tx" refType="h" fact="0.3"/>
+          <dgm:constr type="w" for="ch" forName="circ4Tx" refType="w" fact="0.2"/>
+          <dgm:constr type="h" for="ch" forName="circ4Tx" refType="h" fact="0.4"/>
+          <dgm:constr type="primFontSz" for="ch" ptType="node" op="equ"/>
+        </dgm:constrLst>
+      </dgm:if>
+      <dgm:if name="Name14" axis="ch" ptType="node" func="cnt" op="equ" val="5">
+        <dgm:constrLst>
+          <dgm:constr type="ctrX" for="ch" forName="circ1" refType="w" fact="0.5"/>
+          <dgm:constr type="ctrY" for="ch" forName="circ1" refType="h" fact="0.46"/>
+          <dgm:constr type="w" for="ch" forName="circ1" refType="w" fact="0.25"/>
+          <dgm:constr type="h" for="ch" forName="circ1" refType="h" fact="0.35"/>
+          <dgm:constr type="l" for="ch" forName="circ1Tx" refType="w" fact="0.355"/>
+          <dgm:constr type="t" for="ch" forName="circ1Tx"/>
+          <dgm:constr type="w" for="ch" forName="circ1Tx" refType="w" fact="0.29"/>
+          <dgm:constr type="h" for="ch" forName="circ1Tx" refType="h" fact="0.235"/>
+          <dgm:constr type="ctrX" for="ch" forName="circ2" refType="w" fact="0.5951"/>
+          <dgm:constr type="ctrY" for="ch" forName="circ2" refType="h" fact="0.5567"/>
+          <dgm:constr type="w" for="ch" forName="circ2" refType="w" fact="0.25"/>
+          <dgm:constr type="h" for="ch" forName="circ2" refType="h" fact="0.35"/>
+          <dgm:constr type="l" for="ch" forName="circ2Tx" refType="w" fact="0.74"/>
+          <dgm:constr type="t" for="ch" forName="circ2Tx" refType="h" fact="0.31"/>
+          <dgm:constr type="w" for="ch" forName="circ2Tx" refType="w" fact="0.26"/>
+          <dgm:constr type="h" for="ch" forName="circ2Tx" refType="h" fact="0.255"/>
+          <dgm:constr type="ctrX" for="ch" forName="circ3" refType="w" fact="0.5588"/>
+          <dgm:constr type="ctrY" for="ch" forName="circ3" refType="h" fact="0.7133"/>
+          <dgm:constr type="w" for="ch" forName="circ3" refType="w" fact="0.25"/>
+          <dgm:constr type="h" for="ch" forName="circ3" refType="h" fact="0.35"/>
+          <dgm:constr type="l" for="ch" forName="circ3Tx" refType="w" fact="0.7"/>
+          <dgm:constr type="t" for="ch" forName="circ3Tx" refType="h" fact="0.745"/>
+          <dgm:constr type="w" for="ch" forName="circ3Tx" refType="w" fact="0.26"/>
+          <dgm:constr type="h" for="ch" forName="circ3Tx" refType="h" fact="0.255"/>
+          <dgm:constr type="ctrX" for="ch" forName="circ4" refType="w" fact="0.4412"/>
+          <dgm:constr type="ctrY" for="ch" forName="circ4" refType="h" fact="0.7133"/>
+          <dgm:constr type="w" for="ch" forName="circ4" refType="w" fact="0.25"/>
+          <dgm:constr type="h" for="ch" forName="circ4" refType="h" fact="0.35"/>
+          <dgm:constr type="l" for="ch" forName="circ4Tx" refType="w" fact="0.04"/>
+          <dgm:constr type="t" for="ch" forName="circ4Tx" refType="h" fact="0.745"/>
+          <dgm:constr type="w" for="ch" forName="circ4Tx" refType="w" fact="0.26"/>
+          <dgm:constr type="h" for="ch" forName="circ4Tx" refType="h" fact="0.255"/>
+          <dgm:constr type="ctrX" for="ch" forName="circ5" refType="w" fact="0.4049"/>
+          <dgm:constr type="ctrY" for="ch" forName="circ5" refType="h" fact="0.5567"/>
+          <dgm:constr type="w" for="ch" forName="circ5" refType="w" fact="0.25"/>
+          <dgm:constr type="h" for="ch" forName="circ5" refType="h" fact="0.35"/>
+          <dgm:constr type="l" for="ch" forName="circ5Tx"/>
+          <dgm:constr type="t" for="ch" forName="circ5Tx" refType="h" fact="0.31"/>
+          <dgm:constr type="w" for="ch" forName="circ5Tx" refType="w" fact="0.26"/>
+          <dgm:constr type="h" for="ch" forName="circ5Tx" refType="h" fact="0.255"/>
+          <dgm:constr type="primFontSz" for="ch" ptType="node" op="equ"/>
+        </dgm:constrLst>
+      </dgm:if>
+      <dgm:if name="Name15" axis="ch" ptType="node" func="cnt" op="equ" val="6">
+        <dgm:constrLst>
+          <dgm:constr type="ctrX" for="ch" forName="circ1" refType="w" fact="0.5"/>
+          <dgm:constr type="ctrY" for="ch" forName="circ1" refType="h" fact="0.3844"/>
+          <dgm:constr type="w" for="ch" forName="circ1" refType="w" fact="0.24"/>
+          <dgm:constr type="h" for="ch" forName="circ1" refType="h" fact="0.3084"/>
+          <dgm:constr type="l" for="ch" forName="circ1Tx" refType="w" fact="0.35"/>
+          <dgm:constr type="t" for="ch" forName="circ1Tx"/>
+          <dgm:constr type="w" for="ch" forName="circ1Tx" refType="w" fact="0.3"/>
+          <dgm:constr type="h" for="ch" forName="circ1Tx" refType="h" fact="0.21"/>
+          <dgm:constr type="ctrX" for="ch" forName="circ2" refType="w" fact="0.5779"/>
+          <dgm:constr type="ctrY" for="ch" forName="circ2" refType="h" fact="0.4422"/>
+          <dgm:constr type="w" for="ch" forName="circ2" refType="w" fact="0.24"/>
+          <dgm:constr type="h" for="ch" forName="circ2" refType="h" fact="0.3084"/>
+          <dgm:constr type="l" for="ch" forName="circ2Tx" refType="w" fact="0.7157"/>
+          <dgm:constr type="t" for="ch" forName="circ2Tx" refType="h" fact="0.2"/>
+          <dgm:constr type="w" for="ch" forName="circ2Tx" refType="w" fact="0.2843"/>
+          <dgm:constr type="h" for="ch" forName="circ2Tx" refType="h" fact="0.23"/>
+          <dgm:constr type="ctrX" for="ch" forName="circ3" refType="w" fact="0.5779"/>
+          <dgm:constr type="ctrY" for="ch" forName="circ3" refType="h" fact="0.5578"/>
+          <dgm:constr type="w" for="ch" forName="circ3" refType="w" fact="0.24"/>
+          <dgm:constr type="h" for="ch" forName="circ3" refType="h" fact="0.3084"/>
+          <dgm:constr type="l" for="ch" forName="circ3Tx" refType="w" fact="0.7157"/>
+          <dgm:constr type="t" for="ch" forName="circ3Tx" refType="h" fact="0.543"/>
+          <dgm:constr type="w" for="ch" forName="circ3Tx" refType="w" fact="0.2843"/>
+          <dgm:constr type="h" for="ch" forName="circ3Tx" refType="h" fact="0.257"/>
+          <dgm:constr type="ctrX" for="ch" forName="circ4" refType="w" fact="0.5"/>
+          <dgm:constr type="ctrY" for="ch" forName="circ4" refType="h" fact="0.6157"/>
+          <dgm:constr type="w" for="ch" forName="circ4" refType="w" fact="0.24"/>
+          <dgm:constr type="h" for="ch" forName="circ4" refType="h" fact="0.3084"/>
+          <dgm:constr type="l" for="ch" forName="circ4Tx" refType="w" fact="0.35"/>
+          <dgm:constr type="t" for="ch" forName="circ4Tx" refType="h" fact="0.79"/>
+          <dgm:constr type="w" for="ch" forName="circ4Tx" refType="w" fact="0.3"/>
+          <dgm:constr type="h" for="ch" forName="circ4Tx" refType="h" fact="0.21"/>
+          <dgm:constr type="ctrX" for="ch" forName="circ5" refType="w" fact="0.4221"/>
+          <dgm:constr type="ctrY" for="ch" forName="circ5" refType="h" fact="0.5578"/>
+          <dgm:constr type="w" for="ch" forName="circ5" refType="w" fact="0.24"/>
+          <dgm:constr type="h" for="ch" forName="circ5" refType="h" fact="0.3084"/>
+          <dgm:constr type="l" for="ch" forName="circ5Tx" refType="w" fact="0"/>
+          <dgm:constr type="t" for="ch" forName="circ5Tx" refType="h" fact="0.543"/>
+          <dgm:constr type="w" for="ch" forName="circ5Tx" refType="w" fact="0.2843"/>
+          <dgm:constr type="h" for="ch" forName="circ5Tx" refType="h" fact="0.257"/>
+          <dgm:constr type="ctrX" for="ch" forName="circ6" refType="w" fact="0.4221"/>
+          <dgm:constr type="ctrY" for="ch" forName="circ6" refType="h" fact="0.4422"/>
+          <dgm:constr type="w" for="ch" forName="circ6" refType="w" fact="0.24"/>
+          <dgm:constr type="h" for="ch" forName="circ6" refType="h" fact="0.3084"/>
+          <dgm:constr type="l" for="ch" forName="circ6Tx" refType="w" fact="0"/>
+          <dgm:constr type="t" for="ch" forName="circ6Tx" refType="h" fact="0.2"/>
+          <dgm:constr type="w" for="ch" forName="circ6Tx" refType="w" fact="0.2843"/>
+          <dgm:constr type="h" for="ch" forName="circ6Tx" refType="h" fact="0.257"/>
+          <dgm:constr type="primFontSz" for="ch" ptType="node" op="equ"/>
+        </dgm:constrLst>
+      </dgm:if>
+      <dgm:else name="Name16">
+        <dgm:constrLst>
+          <dgm:constr type="ctrX" for="ch" forName="circ1" refType="w" fact="0.5"/>
+          <dgm:constr type="ctrY" for="ch" forName="circ1" refType="h" fact="0.4177"/>
+          <dgm:constr type="w" for="ch" forName="circ1" refType="w" fact="0.24"/>
+          <dgm:constr type="h" for="ch" forName="circ1" refType="h" fact="0.3262"/>
+          <dgm:constr type="l" for="ch" forName="circ1Tx" refType="w" fact="0.3625"/>
+          <dgm:constr type="t" for="ch" forName="circ1Tx"/>
+          <dgm:constr type="w" for="ch" forName="circ1Tx" refType="w" fact="0.275"/>
+          <dgm:constr type="h" for="ch" forName="circ1Tx" refType="h" fact="0.2"/>
+          <dgm:constr type="ctrX" for="ch" forName="circ2" refType="w" fact="0.5704"/>
+          <dgm:constr type="ctrY" for="ch" forName="circ2" refType="h" fact="0.4637"/>
+          <dgm:constr type="w" for="ch" forName="circ2" refType="w" fact="0.24"/>
+          <dgm:constr type="h" for="ch" forName="circ2" refType="h" fact="0.3262"/>
+          <dgm:constr type="l" for="ch" forName="circ2Tx" refType="w" fact="0.72"/>
+          <dgm:constr type="t" for="ch" forName="circ2Tx" refType="h" fact="0.19"/>
+          <dgm:constr type="w" for="ch" forName="circ2Tx" refType="w" fact="0.26"/>
+          <dgm:constr type="h" for="ch" forName="circ2Tx" refType="h" fact="0.22"/>
+          <dgm:constr type="ctrX" for="ch" forName="circ3" refType="w" fact="0.5877"/>
+          <dgm:constr type="ctrY" for="ch" forName="circ3" refType="h" fact="0.5672"/>
+          <dgm:constr type="w" for="ch" forName="circ3" refType="w" fact="0.24"/>
+          <dgm:constr type="h" for="ch" forName="circ3" refType="h" fact="0.3262"/>
+          <dgm:constr type="l" for="ch" forName="circ3Tx" refType="w" fact="0.745"/>
+          <dgm:constr type="t" for="ch" forName="circ3Tx" refType="h" fact="0.47"/>
+          <dgm:constr type="w" for="ch" forName="circ3Tx" refType="w" fact="0.255"/>
+          <dgm:constr type="h" for="ch" forName="circ3Tx" refType="h" fact="0.235"/>
+          <dgm:constr type="ctrX" for="ch" forName="circ4" refType="w" fact="0.539"/>
+          <dgm:constr type="ctrY" for="ch" forName="circ4" refType="h" fact="0.6502"/>
+          <dgm:constr type="w" for="ch" forName="circ4" refType="w" fact="0.24"/>
+          <dgm:constr type="h" for="ch" forName="circ4" refType="h" fact="0.3262"/>
+          <dgm:constr type="l" for="ch" forName="circ4Tx" refType="w" fact="0.635"/>
+          <dgm:constr type="t" for="ch" forName="circ4Tx" refType="h" fact="0.785"/>
+          <dgm:constr type="w" for="ch" forName="circ4Tx" refType="w" fact="0.275"/>
+          <dgm:constr type="h" for="ch" forName="circ4Tx" refType="h" fact="0.215"/>
+          <dgm:constr type="ctrX" for="ch" forName="circ5" refType="w" fact="0.461"/>
+          <dgm:constr type="ctrY" for="ch" forName="circ5" refType="h" fact="0.6502"/>
+          <dgm:constr type="w" for="ch" forName="circ5" refType="w" fact="0.24"/>
+          <dgm:constr type="h" for="ch" forName="circ5" refType="h" fact="0.3262"/>
+          <dgm:constr type="l" for="ch" forName="circ5Tx" refType="w" fact="0.09"/>
+          <dgm:constr type="t" for="ch" forName="circ5Tx" refType="h" fact="0.785"/>
+          <dgm:constr type="w" for="ch" forName="circ5Tx" refType="w" fact="0.275"/>
+          <dgm:constr type="h" for="ch" forName="circ5Tx" refType="h" fact="0.215"/>
+          <dgm:constr type="ctrX" for="ch" forName="circ6" refType="w" fact="0.4123"/>
+          <dgm:constr type="ctrY" for="ch" forName="circ6" refType="h" fact="0.5672"/>
+          <dgm:constr type="w" for="ch" forName="circ6" refType="w" fact="0.24"/>
+          <dgm:constr type="h" for="ch" forName="circ6" refType="h" fact="0.3262"/>
+          <dgm:constr type="l" for="ch" forName="circ6Tx"/>
+          <dgm:constr type="t" for="ch" forName="circ6Tx" refType="h" fact="0.47"/>
+          <dgm:constr type="w" for="ch" forName="circ6Tx" refType="w" fact="0.255"/>
+          <dgm:constr type="h" for="ch" forName="circ6Tx" refType="h" fact="0.235"/>
+          <dgm:constr type="ctrX" for="ch" forName="circ7" refType="w" fact="0.4296"/>
+          <dgm:constr type="ctrY" for="ch" forName="circ7" refType="h" fact="0.4637"/>
+          <dgm:constr type="w" for="ch" forName="circ7" refType="w" fact="0.24"/>
+          <dgm:constr type="h" for="ch" forName="circ7" refType="h" fact="0.3262"/>
+          <dgm:constr type="l" for="ch" forName="circ7Tx" refType="w" fact="0.02"/>
+          <dgm:constr type="t" for="ch" forName="circ7Tx" refType="h" fact="0.19"/>
+          <dgm:constr type="w" for="ch" forName="circ7Tx" refType="w" fact="0.26"/>
+          <dgm:constr type="h" for="ch" forName="circ7Tx" refType="h" fact="0.22"/>
+          <dgm:constr type="primFontSz" for="ch" ptType="node" op="equ"/>
+        </dgm:constrLst>
+      </dgm:else>
+    </dgm:choose>
+    <dgm:ruleLst/>
+    <dgm:forEach name="Name17" axis="ch" ptType="node" cnt="1">
+      <dgm:choose name="Name18">
+        <dgm:if name="Name19" axis="root ch" ptType="all node" func="cnt" op="equ" val="1">
+          <dgm:layoutNode name="circ1TxSh" styleLbl="vennNode1">
+            <dgm:alg type="tx">
+              <dgm:param type="txAnchorHorzCh" val="ctr"/>
+              <dgm:param type="txAnchorVertCh" val="mid"/>
+            </dgm:alg>
+            <dgm:shape xmlns:r="http://schemas.openxmlformats.org/officeDocument/2006/relationships" type="ellipse" r:blip="">
+              <dgm:adjLst/>
+            </dgm:shape>
+            <dgm:choose name="Name20">
+              <dgm:if name="Name21" func="var" arg="dir" op="equ" val="norm">
+                <dgm:choose name="Name22">
+                  <dgm:if name="Name23" axis="root ch" ptType="all node" func="cnt" op="lte" val="4">
+                    <dgm:presOf axis="desOrSelf" ptType="node"/>
+                  </dgm:if>
+                  <dgm:else name="Name24">
+                    <dgm:presOf/>
+                  </dgm:else>
+                </dgm:choose>
+              </dgm:if>
+              <dgm:else name="Name25">
+                <dgm:choose name="Name26">
+                  <dgm:if name="Name27" axis="root ch" ptType="all node" func="cnt" op="equ" val="2">
+                    <dgm:presOf axis="root ch desOrSelf" ptType="all node node" st="1 2 1" cnt="1 1 0"/>
+                  </dgm:if>
+                  <dgm:else name="Name28">
+                    <dgm:presOf axis="desOrSelf" ptType="node"/>
+                  </dgm:else>
+                </dgm:choose>
+              </dgm:else>
+            </dgm:choose>
+            <dgm:constrLst>
+              <dgm:constr type="tMarg"/>
+              <dgm:constr type="bMarg"/>
+              <dgm:constr type="lMarg"/>
+              <dgm:constr type="rMarg"/>
+              <dgm:constr type="primFontSz" val="65"/>
+            </dgm:constrLst>
+            <dgm:ruleLst>
+              <dgm:rule type="primFontSz" val="5" fact="NaN" max="NaN"/>
+            </dgm:ruleLst>
+          </dgm:layoutNode>
+        </dgm:if>
+        <dgm:else name="Name29">
+          <dgm:layoutNode name="circ1" styleLbl="vennNode1">
+            <dgm:alg type="sp"/>
+            <dgm:shape xmlns:r="http://schemas.openxmlformats.org/officeDocument/2006/relationships" type="ellipse" r:blip="">
+              <dgm:adjLst/>
+            </dgm:shape>
+            <dgm:choose name="Name30">
+              <dgm:if name="Name31" func="var" arg="dir" op="equ" val="norm">
+                <dgm:choose name="Name32">
+                  <dgm:if name="Name33" axis="root ch" ptType="all node" func="cnt" op="lte" val="4">
+                    <dgm:presOf axis="desOrSelf" ptType="node"/>
+                  </dgm:if>
+                  <dgm:else name="Name34">
+                    <dgm:presOf/>
+                  </dgm:else>
+                </dgm:choose>
+              </dgm:if>
+              <dgm:else name="Name35">
+                <dgm:choose name="Name36">
+                  <dgm:if name="Name37" axis="root ch" ptType="all node" func="cnt" op="equ" val="2">
+                    <dgm:presOf axis="root ch desOrSelf" ptType="all node node" st="1 2 1" cnt="1 1 0"/>
+                  </dgm:if>
+                  <dgm:else name="Name38">
+                    <dgm:choose name="Name39">
+                      <dgm:if name="Name40" axis="root ch" ptType="all node" func="cnt" op="lte" val="4">
+                        <dgm:presOf axis="desOrSelf" ptType="node"/>
+                      </dgm:if>
+                      <dgm:else name="Name41">
+                        <dgm:presOf/>
+                      </dgm:else>
+                    </dgm:choose>
+                  </dgm:else>
+                </dgm:choose>
+              </dgm:else>
+            </dgm:choose>
+            <dgm:constrLst/>
+            <dgm:ruleLst/>
+          </dgm:layoutNode>
+          <dgm:layoutNode name="circ1Tx" styleLbl="revTx">
+            <dgm:varLst>
+              <dgm:chMax val="0"/>
+              <dgm:chPref val="0"/>
+              <dgm:bulletEnabled val="1"/>
+            </dgm:varLst>
+            <dgm:alg type="tx">
+              <dgm:param type="txAnchorHorzCh" val="ctr"/>
+              <dgm:param type="txAnchorVertCh" val="mid"/>
+            </dgm:alg>
+            <dgm:shape xmlns:r="http://schemas.openxmlformats.org/officeDocument/2006/relationships" type="rect" r:blip="" hideGeom="1">
+              <dgm:adjLst/>
+            </dgm:shape>
+            <dgm:choose name="Name42">
+              <dgm:if name="Name43" func="var" arg="dir" op="equ" val="norm">
+                <dgm:presOf axis="desOrSelf" ptType="node"/>
+              </dgm:if>
+              <dgm:else name="Name44">
+                <dgm:choose name="Name45">
+                  <dgm:if name="Name46" axis="root ch" ptType="all node" func="cnt" op="equ" val="2">
+                    <dgm:presOf axis="root ch desOrSelf" ptType="all node node" st="1 2 1" cnt="1 1 0"/>
+                  </dgm:if>
+                  <dgm:else name="Name47">
+                    <dgm:presOf axis="desOrSelf" ptType="node"/>
+                  </dgm:else>
+                </dgm:choose>
+              </dgm:else>
+            </dgm:choose>
+            <dgm:constrLst>
+              <dgm:constr type="tMarg"/>
+              <dgm:constr type="bMarg"/>
+              <dgm:constr type="lMarg"/>
+              <dgm:constr type="rMarg"/>
+              <dgm:constr type="primFontSz" val="65"/>
+            </dgm:constrLst>
+            <dgm:ruleLst>
+              <dgm:rule type="primFontSz" val="5" fact="NaN" max="NaN"/>
+            </dgm:ruleLst>
+          </dgm:layoutNode>
+        </dgm:else>
+      </dgm:choose>
+    </dgm:forEach>
+    <dgm:forEach name="Name48" axis="ch" ptType="node" st="2" cnt="1">
+      <dgm:layoutNode name="circ2" styleLbl="vennNode1">
+        <dgm:alg type="sp"/>
+        <dgm:shape xmlns:r="http://schemas.openxmlformats.org/officeDocument/2006/relationships" type="ellipse" r:blip="">
+          <dgm:adjLst/>
+        </dgm:shape>
+        <dgm:choose name="Name49">
+          <dgm:if name="Name50" func="var" arg="dir" op="equ" val="norm">
+            <dgm:choose name="Name51">
+              <dgm:if name="Name52" axis="root ch" ptType="all node" func="cnt" op="lte" val="4">
+                <dgm:presOf axis="desOrSelf" ptType="node"/>
+              </dgm:if>
+              <dgm:else name="Name53">
+                <dgm:presOf/>
+              </dgm:else>
+            </dgm:choose>
+          </dgm:if>
+          <dgm:else name="Name54">
+            <dgm:choose name="Name55">
+              <dgm:if name="Name56" axis="root ch" ptType="all node" func="cnt" op="equ" val="2">
+                <dgm:presOf axis="root ch desOrSelf" ptType="all node node" st="1 1 1" cnt="1 1 0"/>
+              </dgm:if>
+              <dgm:if name="Name57" axis="root ch" ptType="all node" func="cnt" op="equ" val="3">
+                <dgm:presOf axis="root ch desOrSelf" ptType="all node node" st="1 3 1" cnt="1 1 0"/>
+              </dgm:if>
+              <dgm:if name="Name58" axis="root ch" ptType="all node" func="cnt" op="equ" val="4">
+                <dgm:presOf axis="root ch desOrSelf" ptType="all node node" st="1 4 1" cnt="1 1 0"/>
+              </dgm:if>
+              <dgm:else name="Name59">
+                <dgm:presOf/>
+              </dgm:else>
+            </dgm:choose>
+          </dgm:else>
+        </dgm:choose>
+        <dgm:constrLst/>
+        <dgm:ruleLst/>
+      </dgm:layoutNode>
+      <dgm:layoutNode name="circ2Tx" styleLbl="revTx">
+        <dgm:varLst>
+          <dgm:chMax val="0"/>
+          <dgm:chPref val="0"/>
+          <dgm:bulletEnabled val="1"/>
+        </dgm:varLst>
+        <dgm:alg type="tx">
+          <dgm:param type="txAnchorHorzCh" val="ctr"/>
+          <dgm:param type="txAnchorVertCh" val="mid"/>
+        </dgm:alg>
+        <dgm:shape xmlns:r="http://schemas.openxmlformats.org/officeDocument/2006/relationships" type="rect" r:blip="" hideGeom="1">
+          <dgm:adjLst/>
+        </dgm:shape>
+        <dgm:choose name="Name60">
+          <dgm:if name="Name61" func="var" arg="dir" op="equ" val="norm">
+            <dgm:presOf axis="desOrSelf" ptType="node"/>
+          </dgm:if>
+          <dgm:else name="Name62">
+            <dgm:choose name="Name63">
+              <dgm:if name="Name64" axis="root ch" ptType="all node" func="cnt" op="equ" val="2">
+                <dgm:presOf axis="root ch desOrSelf" ptType="all node node" st="1 1 1" cnt="1 1 0"/>
+              </dgm:if>
+              <dgm:if name="Name65" axis="root ch" ptType="all node" func="cnt" op="equ" val="3">
+                <dgm:presOf axis="root ch desOrSelf" ptType="all node node" st="1 3 1" cnt="1 1 0"/>
+              </dgm:if>
+              <dgm:if name="Name66" axis="root ch" ptType="all node" func="cnt" op="equ" val="4">
+                <dgm:presOf axis="root ch desOrSelf" ptType="all node node" st="1 4 1" cnt="1 1 0"/>
+              </dgm:if>
+              <dgm:if name="Name67" axis="root ch" ptType="all node" func="cnt" op="equ" val="5">
+                <dgm:presOf axis="root ch desOrSelf" ptType="all node node" st="1 5 1" cnt="1 1 0"/>
+              </dgm:if>
+              <dgm:if name="Name68" axis="root ch" ptType="all node" func="cnt" op="equ" val="6">
+                <dgm:presOf axis="root ch desOrSelf" ptType="all node node" st="1 6 1" cnt="1 1 0"/>
+              </dgm:if>
+              <dgm:else name="Name69">
+                <dgm:presOf axis="root ch desOrSelf" ptType="all node node" st="1 7 1" cnt="1 1 0"/>
+              </dgm:else>
+            </dgm:choose>
+          </dgm:else>
+        </dgm:choose>
+        <dgm:constrLst>
+          <dgm:constr type="tMarg"/>
+          <dgm:constr type="bMarg"/>
+          <dgm:constr type="lMarg"/>
+          <dgm:constr type="rMarg"/>
+          <dgm:constr type="primFontSz" val="65"/>
+        </dgm:constrLst>
+        <dgm:ruleLst>
+          <dgm:rule type="primFontSz" val="5" fact="NaN" max="NaN"/>
+        </dgm:ruleLst>
+      </dgm:layoutNode>
+    </dgm:forEach>
+    <dgm:forEach name="Name70" axis="ch" ptType="node" st="3" cnt="1">
+      <dgm:layoutNode name="circ3" styleLbl="vennNode1">
+        <dgm:alg type="sp"/>
+        <dgm:shape xmlns:r="http://schemas.openxmlformats.org/officeDocument/2006/relationships" type="ellipse" r:blip="">
+          <dgm:adjLst/>
+        </dgm:shape>
+        <dgm:choose name="Name71">
+          <dgm:if name="Name72" func="var" arg="dir" op="equ" val="norm">
+            <dgm:choose name="Name73">
+              <dgm:if name="Name74" axis="root ch" ptType="all node" func="cnt" op="lte" val="4">
+                <dgm:presOf axis="desOrSelf" ptType="node"/>
+              </dgm:if>
+              <dgm:else name="Name75">
+                <dgm:presOf/>
+              </dgm:else>
+            </dgm:choose>
+          </dgm:if>
+          <dgm:else name="Name76">
+            <dgm:choose name="Name77">
+              <dgm:if name="Name78" axis="root ch" ptType="all node" func="cnt" op="equ" val="3">
+                <dgm:presOf axis="root ch desOrSelf" ptType="all node node" st="1 2 1" cnt="1 1 0"/>
+              </dgm:if>
+              <dgm:if name="Name79" axis="root ch" ptType="all node" func="cnt" op="equ" val="4">
+                <dgm:presOf axis="root ch desOrSelf" ptType="all node node" st="1 3 1" cnt="1 1 0"/>
+              </dgm:if>
+              <dgm:else name="Name80">
+                <dgm:presOf/>
+              </dgm:else>
+            </dgm:choose>
+          </dgm:else>
+        </dgm:choose>
+        <dgm:constrLst/>
+        <dgm:ruleLst/>
+      </dgm:layoutNode>
+      <dgm:layoutNode name="circ3Tx" styleLbl="revTx">
+        <dgm:varLst>
+          <dgm:chMax val="0"/>
+          <dgm:chPref val="0"/>
+          <dgm:bulletEnabled val="1"/>
+        </dgm:varLst>
+        <dgm:alg type="tx">
+          <dgm:param type="txAnchorHorzCh" val="ctr"/>
+          <dgm:param type="txAnchorVertCh" val="mid"/>
+        </dgm:alg>
+        <dgm:shape xmlns:r="http://schemas.openxmlformats.org/officeDocument/2006/relationships" type="rect" r:blip="" hideGeom="1">
+          <dgm:adjLst/>
+        </dgm:shape>
+        <dgm:choose name="Name81">
+          <dgm:if name="Name82" func="var" arg="dir" op="equ" val="norm">
+            <dgm:presOf axis="desOrSelf" ptType="node"/>
+          </dgm:if>
+          <dgm:else name="Name83">
+            <dgm:choose name="Name84">
+              <dgm:if name="Name85" axis="root ch" ptType="all node" func="cnt" op="equ" val="3">
+                <dgm:presOf axis="root ch desOrSelf" ptType="all node node" st="1 2 1" cnt="1 1 0"/>
+              </dgm:if>
+              <dgm:if name="Name86" axis="root ch" ptType="all node" func="cnt" op="equ" val="4">
+                <dgm:presOf axis="root ch desOrSelf" ptType="all node node" st="1 3 1" cnt="1 1 0"/>
+              </dgm:if>
+              <dgm:if name="Name87" axis="root ch" ptType="all node" func="cnt" op="equ" val="5">
+                <dgm:presOf axis="root ch desOrSelf" ptType="all node node" st="1 4 1" cnt="1 1 0"/>
+              </dgm:if>
+              <dgm:if name="Name88" axis="root ch" ptType="all node" func="cnt" op="equ" val="6">
+                <dgm:presOf axis="root ch desOrSelf" ptType="all node node" st="1 5 1" cnt="1 1 0"/>
+              </dgm:if>
+              <dgm:else name="Name89">
+                <dgm:presOf axis="root ch desOrSelf" ptType="all node node" st="1 6 1" cnt="1 1 0"/>
+              </dgm:else>
+            </dgm:choose>
+          </dgm:else>
+        </dgm:choose>
+        <dgm:constrLst>
+          <dgm:constr type="tMarg"/>
+          <dgm:constr type="bMarg"/>
+          <dgm:constr type="lMarg"/>
+          <dgm:constr type="rMarg"/>
+          <dgm:constr type="primFontSz" val="65"/>
+        </dgm:constrLst>
+        <dgm:ruleLst>
+          <dgm:rule type="primFontSz" val="5" fact="NaN" max="NaN"/>
+        </dgm:ruleLst>
+      </dgm:layoutNode>
+    </dgm:forEach>
+    <dgm:forEach name="Name90" axis="ch" ptType="node" st="4" cnt="1">
+      <dgm:layoutNode name="circ4" styleLbl="vennNode1">
+        <dgm:alg type="sp"/>
+        <dgm:shape xmlns:r="http://schemas.openxmlformats.org/officeDocument/2006/relationships" type="ellipse" r:blip="">
+          <dgm:adjLst/>
+        </dgm:shape>
+        <dgm:choose name="Name91">
+          <dgm:if name="Name92" func="var" arg="dir" op="equ" val="norm">
+            <dgm:choose name="Name93">
+              <dgm:if name="Name94" axis="root ch" ptType="all node" func="cnt" op="lte" val="4">
+                <dgm:presOf axis="desOrSelf" ptType="node"/>
+              </dgm:if>
+              <dgm:else name="Name95">
+                <dgm:presOf/>
+              </dgm:else>
+            </dgm:choose>
+          </dgm:if>
+          <dgm:else name="Name96">
+            <dgm:choose name="Name97">
+              <dgm:if name="Name98" axis="root ch" ptType="all node" func="cnt" op="equ" val="4">
+                <dgm:presOf axis="root ch desOrSelf" ptType="all node node" st="1 2 1" cnt="1 1 0"/>
+              </dgm:if>
+              <dgm:else name="Name99">
+                <dgm:presOf/>
+              </dgm:else>
+            </dgm:choose>
+          </dgm:else>
+        </dgm:choose>
+        <dgm:constrLst/>
+        <dgm:ruleLst/>
+      </dgm:layoutNode>
+      <dgm:layoutNode name="circ4Tx" styleLbl="revTx">
+        <dgm:varLst>
+          <dgm:chMax val="0"/>
+          <dgm:chPref val="0"/>
+          <dgm:bulletEnabled val="1"/>
+        </dgm:varLst>
+        <dgm:alg type="tx">
+          <dgm:param type="txAnchorHorzCh" val="ctr"/>
+          <dgm:param type="txAnchorVertCh" val="mid"/>
+        </dgm:alg>
+        <dgm:shape xmlns:r="http://schemas.openxmlformats.org/officeDocument/2006/relationships" type="rect" r:blip="" hideGeom="1">
+          <dgm:adjLst/>
+        </dgm:shape>
+        <dgm:choose name="Name100">
+          <dgm:if name="Name101" func="var" arg="dir" op="equ" val="norm">
+            <dgm:presOf axis="desOrSelf" ptType="node"/>
+          </dgm:if>
+          <dgm:else name="Name102">
+            <dgm:choose name="Name103">
+              <dgm:if name="Name104" axis="root ch" ptType="all node" func="cnt" op="equ" val="4">
+                <dgm:presOf axis="root ch desOrSelf" ptType="all node node" st="1 2 1" cnt="1 1 0"/>
+              </dgm:if>
+              <dgm:if name="Name105" axis="root ch" ptType="all node" func="cnt" op="equ" val="5">
+                <dgm:presOf axis="root ch desOrSelf" ptType="all node node" st="1 3 1" cnt="1 1 0"/>
+              </dgm:if>
+              <dgm:if name="Name106" axis="root ch" ptType="all node" func="cnt" op="equ" val="6">
+                <dgm:presOf axis="root ch desOrSelf" ptType="all node node" st="1 4 1" cnt="1 1 0"/>
+              </dgm:if>
+              <dgm:else name="Name107">
+                <dgm:presOf axis="root ch desOrSelf" ptType="all node node" st="1 5 1" cnt="1 1 0"/>
+              </dgm:else>
+            </dgm:choose>
+          </dgm:else>
+        </dgm:choose>
+        <dgm:constrLst>
+          <dgm:constr type="tMarg"/>
+          <dgm:constr type="bMarg"/>
+          <dgm:constr type="lMarg"/>
+          <dgm:constr type="rMarg"/>
+          <dgm:constr type="primFontSz" val="65"/>
+        </dgm:constrLst>
+        <dgm:ruleLst>
+          <dgm:rule type="primFontSz" val="5" fact="NaN" max="NaN"/>
+        </dgm:ruleLst>
+      </dgm:layoutNode>
+    </dgm:forEach>
+    <dgm:forEach name="Name108" axis="ch" ptType="node" st="5" cnt="1">
+      <dgm:layoutNode name="circ5" styleLbl="vennNode1">
+        <dgm:alg type="sp"/>
+        <dgm:shape xmlns:r="http://schemas.openxmlformats.org/officeDocument/2006/relationships" type="ellipse" r:blip="">
+          <dgm:adjLst/>
+        </dgm:shape>
+        <dgm:presOf/>
+        <dgm:constrLst/>
+        <dgm:ruleLst/>
+      </dgm:layoutNode>
+      <dgm:layoutNode name="circ5Tx" styleLbl="revTx">
+        <dgm:varLst>
+          <dgm:chMax val="0"/>
+          <dgm:chPref val="0"/>
+          <dgm:bulletEnabled val="1"/>
+        </dgm:varLst>
+        <dgm:alg type="tx">
+          <dgm:param type="txAnchorHorzCh" val="ctr"/>
+          <dgm:param type="txAnchorVertCh" val="mid"/>
+        </dgm:alg>
+        <dgm:shape xmlns:r="http://schemas.openxmlformats.org/officeDocument/2006/relationships" type="rect" r:blip="" hideGeom="1">
+          <dgm:adjLst/>
+        </dgm:shape>
+        <dgm:choose name="Name109">
+          <dgm:if name="Name110" func="var" arg="dir" op="equ" val="norm">
+            <dgm:presOf axis="desOrSelf" ptType="node"/>
+          </dgm:if>
+          <dgm:else name="Name111">
+            <dgm:choose name="Name112">
+              <dgm:if name="Name113" axis="root ch" ptType="all node" func="cnt" op="equ" val="5">
+                <dgm:presOf axis="root ch desOrSelf" ptType="all node node" st="1 2 1" cnt="1 1 0"/>
+              </dgm:if>
+              <dgm:if name="Name114" axis="root ch" ptType="all node" func="cnt" op="equ" val="6">
+                <dgm:presOf axis="root ch desOrSelf" ptType="all node node" st="1 3 1" cnt="1 1 0"/>
+              </dgm:if>
+              <dgm:else name="Name115">
+                <dgm:presOf axis="root ch desOrSelf" ptType="all node node" st="1 4 1" cnt="1 1 0"/>
+              </dgm:else>
+            </dgm:choose>
+          </dgm:else>
+        </dgm:choose>
+        <dgm:constrLst>
+          <dgm:constr type="tMarg"/>
+          <dgm:constr type="bMarg"/>
+          <dgm:constr type="lMarg"/>
+          <dgm:constr type="rMarg"/>
+          <dgm:constr type="primFontSz" val="65"/>
+        </dgm:constrLst>
+        <dgm:ruleLst>
+          <dgm:rule type="primFontSz" val="5" fact="NaN" max="NaN"/>
+        </dgm:ruleLst>
+      </dgm:layoutNode>
+    </dgm:forEach>
+    <dgm:forEach name="Name116" axis="ch" ptType="node" st="6" cnt="1">
+      <dgm:layoutNode name="circ6" styleLbl="vennNode1">
+        <dgm:alg type="sp"/>
+        <dgm:shape xmlns:r="http://schemas.openxmlformats.org/officeDocument/2006/relationships" type="ellipse" r:blip="">
+          <dgm:adjLst/>
+        </dgm:shape>
+        <dgm:presOf/>
+        <dgm:constrLst/>
+        <dgm:ruleLst/>
+      </dgm:layoutNode>
+      <dgm:layoutNode name="circ6Tx" styleLbl="revTx">
+        <dgm:varLst>
+          <dgm:chMax val="0"/>
+          <dgm:chPref val="0"/>
+          <dgm:bulletEnabled val="1"/>
+        </dgm:varLst>
+        <dgm:alg type="tx">
+          <dgm:param type="txAnchorHorzCh" val="ctr"/>
+          <dgm:param type="txAnchorVertCh" val="mid"/>
+        </dgm:alg>
+        <dgm:shape xmlns:r="http://schemas.openxmlformats.org/officeDocument/2006/relationships" type="rect" r:blip="" hideGeom="1">
+          <dgm:adjLst/>
+        </dgm:shape>
+        <dgm:choose name="Name117">
+          <dgm:if name="Name118" func="var" arg="dir" op="equ" val="norm">
+            <dgm:presOf axis="desOrSelf" ptType="node"/>
+          </dgm:if>
+          <dgm:else name="Name119">
+            <dgm:choose name="Name120">
+              <dgm:if name="Name121" axis="root ch" ptType="all node" func="cnt" op="equ" val="6">
+                <dgm:presOf axis="root ch desOrSelf" ptType="all node node" st="1 2 1" cnt="1 1 0"/>
+              </dgm:if>
+              <dgm:else name="Name122">
+                <dgm:presOf axis="root ch desOrSelf" ptType="all node node" st="1 3 1" cnt="1 1 0"/>
+              </dgm:else>
+            </dgm:choose>
+          </dgm:else>
+        </dgm:choose>
+        <dgm:constrLst>
+          <dgm:constr type="tMarg"/>
+          <dgm:constr type="bMarg"/>
+          <dgm:constr type="lMarg"/>
+          <dgm:constr type="rMarg"/>
+          <dgm:constr type="primFontSz" val="65"/>
+        </dgm:constrLst>
+        <dgm:ruleLst>
+          <dgm:rule type="primFontSz" val="5" fact="NaN" max="NaN"/>
+        </dgm:ruleLst>
+      </dgm:layoutNode>
+    </dgm:forEach>
+    <dgm:forEach name="Name123" axis="ch" ptType="node" st="7" cnt="1">
+      <dgm:layoutNode name="circ7" styleLbl="vennNode1">
+        <dgm:alg type="sp"/>
+        <dgm:shape xmlns:r="http://schemas.openxmlformats.org/officeDocument/2006/relationships" type="ellipse" r:blip="">
+          <dgm:adjLst/>
+        </dgm:shape>
+        <dgm:presOf/>
+        <dgm:constrLst/>
+        <dgm:ruleLst/>
+      </dgm:layoutNode>
+      <dgm:layoutNode name="circ7Tx" styleLbl="revTx">
+        <dgm:varLst>
+          <dgm:chMax val="0"/>
+          <dgm:chPref val="0"/>
+          <dgm:bulletEnabled val="1"/>
+        </dgm:varLst>
+        <dgm:alg type="tx">
+          <dgm:param type="txAnchorHorzCh" val="ctr"/>
+          <dgm:param type="txAnchorVertCh" val="mid"/>
+        </dgm:alg>
+        <dgm:shape xmlns:r="http://schemas.openxmlformats.org/officeDocument/2006/relationships" type="rect" r:blip="" hideGeom="1">
+          <dgm:adjLst/>
+        </dgm:shape>
+        <dgm:choose name="Name124">
+          <dgm:if name="Name125" func="var" arg="dir" op="equ" val="norm">
+            <dgm:presOf axis="desOrSelf" ptType="node"/>
+          </dgm:if>
+          <dgm:else name="Name126">
+            <dgm:presOf axis="root ch desOrSelf" ptType="all node node" st="1 2 1" cnt="1 1 0"/>
+          </dgm:else>
+        </dgm:choose>
+        <dgm:constrLst>
+          <dgm:constr type="tMarg"/>
+          <dgm:constr type="bMarg"/>
+          <dgm:constr type="lMarg"/>
+          <dgm:constr type="rMarg"/>
+          <dgm:constr type="primFontSz" val="65"/>
+        </dgm:constrLst>
+        <dgm:ruleLst>
+          <dgm:rule type="primFontSz" val="5" fact="NaN" max="NaN"/>
+        </dgm:ruleLst>
+      </dgm:layoutNode>
+    </dgm:forEach>
+  </dgm:layoutNode>
+</dgm:layoutDef>
+</file>
+
+<file path=ppt/diagrams/quickStyle1.xml><?xml version="1.0" encoding="utf-8"?>
+<dgm:styleDef xmlns:dgm="http://schemas.openxmlformats.org/drawingml/2006/diagram" xmlns:a="http://schemas.openxmlformats.org/drawingml/2006/main" uniqueId="urn:microsoft.com/office/officeart/2005/8/quickstyle/simple1">
+  <dgm:title val=""/>
+  <dgm:desc val=""/>
+  <dgm:catLst>
+    <dgm:cat type="simple" pri="10100"/>
+  </dgm:catLst>
+  <dgm:scene3d>
+    <a:camera prst="orthographicFront"/>
+    <a:lightRig rig="threePt" dir="t"/>
+  </dgm:scene3d>
+  <dgm:styleLbl name="node0">
+    <dgm:scene3d>
+      <a:camera prst="orthographicFront"/>
+      <a:lightRig rig="threePt" dir="t"/>
+    </dgm:scene3d>
+    <dgm:sp3d/>
+    <dgm:txPr/>
+    <dgm:style>
+      <a:lnRef idx="2">
+        <a:scrgbClr r="0" g="0" b="0"/>
+      </a:lnRef>
+      <a:fillRef idx="1">
+        <a:scrgbClr r="0" g="0" b="0"/>
+      </a:fillRef>
+      <a:effectRef idx="0">
+        <a:scrgbClr r="0" g="0" b="0"/>
+      </a:effectRef>
+      <a:fontRef idx="minor">
+        <a:schemeClr val="lt1"/>
+      </a:fontRef>
+    </dgm:style>
+  </dgm:styleLbl>
+  <dgm:styleLbl name="lnNode1">
+    <dgm:scene3d>
+      <a:camera prst="orthographicFront"/>
+      <a:lightRig rig="threePt" dir="t"/>
+    </dgm:scene3d>
+    <dgm:sp3d/>
+    <dgm:txPr/>
+    <dgm:style>
+      <a:lnRef idx="2">
+        <a:scrgbClr r="0" g="0" b="0"/>
+      </a:lnRef>
+      <a:fillRef idx="1">
+        <a:scrgbClr r="0" g="0" b="0"/>
+      </a:fillRef>
+      <a:effectRef idx="0">
+        <a:scrgbClr r="0" g="0" b="0"/>
+      </a:effectRef>
+      <a:fontRef idx="minor">
+        <a:schemeClr val="lt1"/>
+      </a:fontRef>
+    </dgm:style>
+  </dgm:styleLbl>
+  <dgm:styleLbl name="vennNode1">
+    <dgm:scene3d>
+      <a:camera prst="orthographicFront"/>
+      <a:lightRig rig="threePt" dir="t"/>
+    </dgm:scene3d>
+    <dgm:sp3d/>
+    <dgm:txPr/>
+    <dgm:style>
+      <a:lnRef idx="2">
+        <a:scrgbClr r="0" g="0" b="0"/>
+      </a:lnRef>
+      <a:fillRef idx="1">
+        <a:scrgbClr r="0" g="0" b="0"/>
+      </a:fillRef>
+      <a:effectRef idx="0">
+        <a:scrgbClr r="0" g="0" b="0"/>
+      </a:effectRef>
+      <a:fontRef idx="minor">
+        <a:schemeClr val="tx1"/>
+      </a:fontRef>
+    </dgm:style>
+  </dgm:styleLbl>
+  <dgm:styleLbl name="alignNode1">
+    <dgm:scene3d>
+      <a:camera prst="orthographicFront"/>
+      <a:lightRig rig="threePt" dir="t"/>
+    </dgm:scene3d>
+    <dgm:sp3d/>
+    <dgm:txPr/>
+    <dgm:style>
+      <a:lnRef idx="2">
+        <a:scrgbClr r="0" g="0" b="0"/>
+      </a:lnRef>
+      <a:fillRef idx="1">
+        <a:scrgbClr r="0" g="0" b="0"/>
+      </a:fillRef>
+      <a:effectRef idx="0">
+        <a:scrgbClr r="0" g="0" b="0"/>
+      </a:effectRef>
+      <a:fontRef idx="minor">
+        <a:schemeClr val="lt1"/>
+      </a:fontRef>
+    </dgm:style>
+  </dgm:styleLbl>
+  <dgm:styleLbl name="node1">
+    <dgm:scene3d>
+      <a:camera prst="orthographicFront"/>
+      <a:lightRig rig="threePt" dir="t"/>
+    </dgm:scene3d>
+    <dgm:sp3d/>
+    <dgm:txPr/>
+    <dgm:style>
+      <a:lnRef idx="2">
+        <a:scrgbClr r="0" g="0" b="0"/>
+      </a:lnRef>
+      <a:fillRef idx="1">
+        <a:scrgbClr r="0" g="0" b="0"/>
+      </a:fillRef>
+      <a:effectRef idx="0">
+        <a:scrgbClr r="0" g="0" b="0"/>
+      </a:effectRef>
+      <a:fontRef idx="minor">
+        <a:schemeClr val="lt1"/>
+      </a:fontRef>
+    </dgm:style>
+  </dgm:styleLbl>
+  <dgm:styleLbl name="node2">
+    <dgm:scene3d>
+      <a:camera prst="orthographicFront"/>
+      <a:lightRig rig="threePt" dir="t"/>
+    </dgm:scene3d>
+    <dgm:sp3d/>
+    <dgm:txPr/>
+    <dgm:style>
+      <a:lnRef idx="2">
+        <a:scrgbClr r="0" g="0" b="0"/>
+      </a:lnRef>
+      <a:fillRef idx="1">
+        <a:scrgbClr r="0" g="0" b="0"/>
+      </a:fillRef>
+      <a:effectRef idx="0">
+        <a:scrgbClr r="0" g="0" b="0"/>
+      </a:effectRef>
+      <a:fontRef idx="minor">
+        <a:schemeClr val="lt1"/>
+      </a:fontRef>
+    </dgm:style>
+  </dgm:styleLbl>
+  <dgm:styleLbl name="node3">
+    <dgm:scene3d>
+      <a:camera prst="orthographicFront"/>
+      <a:lightRig rig="threePt" dir="t"/>
+    </dgm:scene3d>
+    <dgm:sp3d/>
+    <dgm:txPr/>
+    <dgm:style>
+      <a:lnRef idx="2">
+        <a:scrgbClr r="0" g="0" b="0"/>
+      </a:lnRef>
+      <a:fillRef idx="1">
+        <a:scrgbClr r="0" g="0" b="0"/>
+      </a:fillRef>
+      <a:effectRef idx="0">
+        <a:scrgbClr r="0" g="0" b="0"/>
+      </a:effectRef>
+      <a:fontRef idx="minor">
+        <a:schemeClr val="lt1"/>
+      </a:fontRef>
+    </dgm:style>
+  </dgm:styleLbl>
+  <dgm:styleLbl name="node4">
+    <dgm:scene3d>
+      <a:camera prst="orthographicFront"/>
+      <a:lightRig rig="threePt" dir="t"/>
+    </dgm:scene3d>
+    <dgm:sp3d/>
+    <dgm:txPr/>
+    <dgm:style>
+      <a:lnRef idx="2">
+        <a:scrgbClr r="0" g="0" b="0"/>
+      </a:lnRef>
+      <a:fillRef idx="1">
+        <a:scrgbClr r="0" g="0" b="0"/>
+      </a:fillRef>
+      <a:effectRef idx="0">
+        <a:scrgbClr r="0" g="0" b="0"/>
+      </a:effectRef>
+      <a:fontRef idx="minor">
+        <a:schemeClr val="lt1"/>
+      </a:fontRef>
+    </dgm:style>
+  </dgm:styleLbl>
+  <dgm:styleLbl name="fgImgPlace1">
+    <dgm:scene3d>
+      <a:camera prst="orthographicFront"/>
+      <a:lightRig rig="threePt" dir="t"/>
+    </dgm:scene3d>
+    <dgm:sp3d/>
+    <dgm:txPr/>
+    <dgm:style>
+      <a:lnRef idx="2">
+        <a:scrgbClr r="0" g="0" b="0"/>
+      </a:lnRef>
+      <a:fillRef idx="1">
+        <a:scrgbClr r="0" g="0" b="0"/>
+      </a:fillRef>
+      <a:effectRef idx="0">
+        <a:scrgbClr r="0" g="0" b="0"/>
+      </a:effectRef>
+      <a:fontRef idx="minor"/>
+    </dgm:style>
+  </dgm:styleLbl>
+  <dgm:styleLbl name="alignImgPlace1">
+    <dgm:scene3d>
+      <a:camera prst="orthographicFront"/>
+      <a:lightRig rig="threePt" dir="t"/>
+    </dgm:scene3d>
+    <dgm:sp3d/>
+    <dgm:txPr/>
+    <dgm:style>
+      <a:lnRef idx="2">
+        <a:scrgbClr r="0" g="0" b="0"/>
+      </a:lnRef>
+      <a:fillRef idx="1">
+        <a:scrgbClr r="0" g="0" b="0"/>
+      </a:fillRef>
+      <a:effectRef idx="0">
+        <a:scrgbClr r="0" g="0" b="0"/>
+      </a:effectRef>
+      <a:fontRef idx="minor"/>
+    </dgm:style>
+  </dgm:styleLbl>
+  <dgm:styleLbl name="bgImgPlace1">
+    <dgm:scene3d>
+      <a:camera prst="orthographicFront"/>
+      <a:lightRig rig="threePt" dir="t"/>
+    </dgm:scene3d>
+    <dgm:sp3d/>
+    <dgm:txPr/>
+    <dgm:style>
+      <a:lnRef idx="2">
+        <a:scrgbClr r="0" g="0" b="0"/>
+      </a:lnRef>
+      <a:fillRef idx="1">
+        <a:scrgbClr r="0" g="0" b="0"/>
+      </a:fillRef>
+      <a:effectRef idx="0">
+        <a:scrgbClr r="0" g="0" b="0"/>
+      </a:effectRef>
+      <a:fontRef idx="minor"/>
+    </dgm:style>
+  </dgm:styleLbl>
+  <dgm:styleLbl name="sibTrans2D1">
+    <dgm:scene3d>
+      <a:camera prst="orthographicFront"/>
+      <a:lightRig rig="threePt" dir="t"/>
+    </dgm:scene3d>
+    <dgm:sp3d/>
+    <dgm:txPr/>
+    <dgm:style>
+      <a:lnRef idx="0">
+        <a:scrgbClr r="0" g="0" b="0"/>
+      </a:lnRef>
+      <a:fillRef idx="1">
+        <a:scrgbClr r="0" g="0" b="0"/>
+      </a:fillRef>
+      <a:effectRef idx="0">
+        <a:scrgbClr r="0" g="0" b="0"/>
+      </a:effectRef>
+      <a:fontRef idx="minor">
+        <a:schemeClr val="lt1"/>
+      </a:fontRef>
+    </dgm:style>
+  </dgm:styleLbl>
+  <dgm:styleLbl name="fgSibTrans2D1">
+    <dgm:scene3d>
+      <a:camera prst="orthographicFront"/>
+      <a:lightRig rig="threePt" dir="t"/>
+    </dgm:scene3d>
+    <dgm:sp3d/>
+    <dgm:txPr/>
+    <dgm:style>
+      <a:lnRef idx="0">
+        <a:scrgbClr r="0" g="0" b="0"/>
+      </a:lnRef>
+      <a:fillRef idx="1">
+        <a:scrgbClr r="0" g="0" b="0"/>
+      </a:fillRef>
+      <a:effectRef idx="0">
+        <a:scrgbClr r="0" g="0" b="0"/>
+      </a:effectRef>
+      <a:fontRef idx="minor">
+        <a:schemeClr val="lt1"/>
+      </a:fontRef>
+    </dgm:style>
+  </dgm:styleLbl>
+  <dgm:styleLbl name="bgSibTrans2D1">
+    <dgm:scene3d>
+      <a:camera prst="orthographicFront"/>
+      <a:lightRig rig="threePt" dir="t"/>
+    </dgm:scene3d>
+    <dgm:sp3d/>
+    <dgm:txPr/>
+    <dgm:style>
+      <a:lnRef idx="0">
+        <a:scrgbClr r="0" g="0" b="0"/>
+      </a:lnRef>
+      <a:fillRef idx="1">
+        <a:scrgbClr r="0" g="0" b="0"/>
+      </a:fillRef>
+      <a:effectRef idx="0">
+        <a:scrgbClr r="0" g="0" b="0"/>
+      </a:effectRef>
+      <a:fontRef idx="minor">
+        <a:schemeClr val="lt1"/>
+      </a:fontRef>
+    </dgm:style>
+  </dgm:styleLbl>
+  <dgm:styleLbl name="sibTrans1D1">
+    <dgm:scene3d>
+      <a:camera prst="orthographicFront"/>
+      <a:lightRig rig="threePt" dir="t"/>
+    </dgm:scene3d>
+    <dgm:sp3d/>
+    <dgm:txPr/>
+    <dgm:style>
+      <a:lnRef idx="1">
+        <a:scrgbClr r="0" g="0" b="0"/>
+      </a:lnRef>
+      <a:fillRef idx="0">
+        <a:scrgbClr r="0" g="0" b="0"/>
+      </a:fillRef>
+      <a:effectRef idx="0">
+        <a:scrgbClr r="0" g="0" b="0"/>
+      </a:effectRef>
+      <a:fontRef idx="minor"/>
+    </dgm:style>
+  </dgm:styleLbl>
+  <dgm:styleLbl name="callout">
+    <dgm:scene3d>
+      <a:camera prst="orthographicFront"/>
+      <a:lightRig rig="threePt" dir="t"/>
+    </dgm:scene3d>
+    <dgm:sp3d/>
+    <dgm:txPr/>
+    <dgm:style>
+      <a:lnRef idx="2">
+        <a:scrgbClr r="0" g="0" b="0"/>
+      </a:lnRef>
+      <a:fillRef idx="1">
+        <a:scrgbClr r="0" g="0" b="0"/>
+      </a:fillRef>
+      <a:effectRef idx="0">
+        <a:scrgbClr r="0" g="0" b="0"/>
+      </a:effectRef>
+      <a:fontRef idx="minor"/>
+    </dgm:style>
+  </dgm:styleLbl>
+  <dgm:styleLbl name="asst0">
+    <dgm:scene3d>
+      <a:camera prst="orthographicFront"/>
+      <a:lightRig rig="threePt" dir="t"/>
+    </dgm:scene3d>
+    <dgm:sp3d/>
+    <dgm:txPr/>
+    <dgm:style>
+      <a:lnRef idx="2">
+        <a:scrgbClr r="0" g="0" b="0"/>
+      </a:lnRef>
+      <a:fillRef idx="1">
+        <a:scrgbClr r="0" g="0" b="0"/>
+      </a:fillRef>
+      <a:effectRef idx="0">
+        <a:scrgbClr r="0" g="0" b="0"/>
+      </a:effectRef>
+      <a:fontRef idx="minor">
+        <a:schemeClr val="lt1"/>
+      </a:fontRef>
+    </dgm:style>
+  </dgm:styleLbl>
+  <dgm:styleLbl name="asst1">
+    <dgm:scene3d>
+      <a:camera prst="orthographicFront"/>
+      <a:lightRig rig="threePt" dir="t"/>
+    </dgm:scene3d>
+    <dgm:sp3d/>
+    <dgm:txPr/>
+    <dgm:style>
+      <a:lnRef idx="2">
+        <a:scrgbClr r="0" g="0" b="0"/>
+      </a:lnRef>
+      <a:fillRef idx="1">
+        <a:scrgbClr r="0" g="0" b="0"/>
+      </a:fillRef>
+      <a:effectRef idx="0">
+        <a:scrgbClr r="0" g="0" b="0"/>
+      </a:effectRef>
+      <a:fontRef idx="minor">
+        <a:schemeClr val="lt1"/>
+      </a:fontRef>
+    </dgm:style>
+  </dgm:styleLbl>
+  <dgm:styleLbl name="asst2">
+    <dgm:scene3d>
+      <a:camera prst="orthographicFront"/>
+      <a:lightRig rig="threePt" dir="t"/>
+    </dgm:scene3d>
+    <dgm:sp3d/>
+    <dgm:txPr/>
+    <dgm:style>
+      <a:lnRef idx="2">
+        <a:scrgbClr r="0" g="0" b="0"/>
+      </a:lnRef>
+      <a:fillRef idx="1">
+        <a:scrgbClr r="0" g="0" b="0"/>
+      </a:fillRef>
+      <a:effectRef idx="0">
+        <a:scrgbClr r="0" g="0" b="0"/>
+      </a:effectRef>
+      <a:fontRef idx="minor">
+        <a:schemeClr val="lt1"/>
+      </a:fontRef>
+    </dgm:style>
+  </dgm:styleLbl>
+  <dgm:styleLbl name="asst3">
+    <dgm:scene3d>
+      <a:camera prst="orthographicFront"/>
+      <a:lightRig rig="threePt" dir="t"/>
+    </dgm:scene3d>
+    <dgm:sp3d/>
+    <dgm:txPr/>
+    <dgm:style>
+      <a:lnRef idx="2">
+        <a:scrgbClr r="0" g="0" b="0"/>
+      </a:lnRef>
+      <a:fillRef idx="1">
+        <a:scrgbClr r="0" g="0" b="0"/>
+      </a:fillRef>
+      <a:effectRef idx="0">
+        <a:scrgbClr r="0" g="0" b="0"/>
+      </a:effectRef>
+      <a:fontRef idx="minor">
+        <a:schemeClr val="lt1"/>
+      </a:fontRef>
+    </dgm:style>
+  </dgm:styleLbl>
+  <dgm:styleLbl name="asst4">
+    <dgm:scene3d>
+      <a:camera prst="orthographicFront"/>
+      <a:lightRig rig="threePt" dir="t"/>
+    </dgm:scene3d>
+    <dgm:sp3d/>
+    <dgm:txPr/>
+    <dgm:style>
+      <a:lnRef idx="2">
+        <a:scrgbClr r="0" g="0" b="0"/>
+      </a:lnRef>
+      <a:fillRef idx="1">
+        <a:scrgbClr r="0" g="0" b="0"/>
+      </a:fillRef>
+      <a:effectRef idx="0">
+        <a:scrgbClr r="0" g="0" b="0"/>
+      </a:effectRef>
+      <a:fontRef idx="minor">
+        <a:schemeClr val="lt1"/>
+      </a:fontRef>
+    </dgm:style>
+  </dgm:styleLbl>
+  <dgm:styleLbl name="parChTrans2D1">
+    <dgm:scene3d>
+      <a:camera prst="orthographicFront"/>
+      <a:lightRig rig="threePt" dir="t"/>
+    </dgm:scene3d>
+    <dgm:sp3d/>
+    <dgm:txPr/>
+    <dgm:style>
+      <a:lnRef idx="2">
+        <a:scrgbClr r="0" g="0" b="0"/>
+      </a:lnRef>
+      <a:fillRef idx="1">
+        <a:scrgbClr r="0" g="0" b="0"/>
+      </a:fillRef>
+      <a:effectRef idx="0">
+        <a:scrgbClr r="0" g="0" b="0"/>
+      </a:effectRef>
+      <a:fontRef idx="minor">
+        <a:schemeClr val="lt1"/>
+      </a:fontRef>
+    </dgm:style>
+  </dgm:styleLbl>
+  <dgm:styleLbl name="parChTrans2D2">
+    <dgm:scene3d>
+      <a:camera prst="orthographicFront"/>
+      <a:lightRig rig="threePt" dir="t"/>
+    </dgm:scene3d>
+    <dgm:sp3d/>
+    <dgm:txPr/>
+    <dgm:style>
+      <a:lnRef idx="2">
+        <a:scrgbClr r="0" g="0" b="0"/>
+      </a:lnRef>
+      <a:fillRef idx="1">
+        <a:scrgbClr r="0" g="0" b="0"/>
+      </a:fillRef>
+      <a:effectRef idx="0">
+        <a:scrgbClr r="0" g="0" b="0"/>
+      </a:effectRef>
+      <a:fontRef idx="minor">
+        <a:schemeClr val="lt1"/>
+      </a:fontRef>
+    </dgm:style>
+  </dgm:styleLbl>
+  <dgm:styleLbl name="parChTrans2D3">
+    <dgm:scene3d>
+      <a:camera prst="orthographicFront"/>
+      <a:lightRig rig="threePt" dir="t"/>
+    </dgm:scene3d>
+    <dgm:sp3d/>
+    <dgm:txPr/>
+    <dgm:style>
+      <a:lnRef idx="2">
+        <a:scrgbClr r="0" g="0" b="0"/>
+      </a:lnRef>
+      <a:fillRef idx="1">
+        <a:scrgbClr r="0" g="0" b="0"/>
+      </a:fillRef>
+      <a:effectRef idx="0">
+        <a:scrgbClr r="0" g="0" b="0"/>
+      </a:effectRef>
+      <a:fontRef idx="minor">
+        <a:schemeClr val="lt1"/>
+      </a:fontRef>
+    </dgm:style>
+  </dgm:styleLbl>
+  <dgm:styleLbl name="parChTrans2D4">
+    <dgm:scene3d>
+      <a:camera prst="orthographicFront"/>
+      <a:lightRig rig="threePt" dir="t"/>
+    </dgm:scene3d>
+    <dgm:sp3d/>
+    <dgm:txPr/>
+    <dgm:style>
+      <a:lnRef idx="2">
+        <a:scrgbClr r="0" g="0" b="0"/>
+      </a:lnRef>
+      <a:fillRef idx="1">
+        <a:scrgbClr r="0" g="0" b="0"/>
+      </a:fillRef>
+      <a:effectRef idx="0">
+        <a:scrgbClr r="0" g="0" b="0"/>
+      </a:effectRef>
+      <a:fontRef idx="minor">
+        <a:schemeClr val="lt1"/>
+      </a:fontRef>
+    </dgm:style>
+  </dgm:styleLbl>
+  <dgm:styleLbl name="parChTrans1D1">
+    <dgm:scene3d>
+      <a:camera prst="orthographicFront"/>
+      <a:lightRig rig="threePt" dir="t"/>
+    </dgm:scene3d>
+    <dgm:sp3d/>
+    <dgm:txPr/>
+    <dgm:style>
+      <a:lnRef idx="2">
+        <a:scrgbClr r="0" g="0" b="0"/>
+      </a:lnRef>
+      <a:fillRef idx="0">
+        <a:scrgbClr r="0" g="0" b="0"/>
+      </a:fillRef>
+      <a:effectRef idx="0">
+        <a:scrgbClr r="0" g="0" b="0"/>
+      </a:effectRef>
+      <a:fontRef idx="minor"/>
+    </dgm:style>
+  </dgm:styleLbl>
+  <dgm:styleLbl name="parChTrans1D2">
+    <dgm:scene3d>
+      <a:camera prst="orthographicFront"/>
+      <a:lightRig rig="threePt" dir="t"/>
+    </dgm:scene3d>
+    <dgm:sp3d/>
+    <dgm:txPr/>
+    <dgm:style>
+      <a:lnRef idx="2">
+        <a:scrgbClr r="0" g="0" b="0"/>
+      </a:lnRef>
+      <a:fillRef idx="0">
+        <a:scrgbClr r="0" g="0" b="0"/>
+      </a:fillRef>
+      <a:effectRef idx="0">
+        <a:scrgbClr r="0" g="0" b="0"/>
+      </a:effectRef>
+      <a:fontRef idx="minor"/>
+    </dgm:style>
+  </dgm:styleLbl>
+  <dgm:styleLbl name="parChTrans1D3">
+    <dgm:scene3d>
+      <a:camera prst="orthographicFront"/>
+      <a:lightRig rig="threePt" dir="t"/>
+    </dgm:scene3d>
+    <dgm:sp3d/>
+    <dgm:txPr/>
+    <dgm:style>
+      <a:lnRef idx="2">
+        <a:scrgbClr r="0" g="0" b="0"/>
+      </a:lnRef>
+      <a:fillRef idx="0">
+        <a:scrgbClr r="0" g="0" b="0"/>
+      </a:fillRef>
+      <a:effectRef idx="0">
+        <a:scrgbClr r="0" g="0" b="0"/>
+      </a:effectRef>
+      <a:fontRef idx="minor"/>
+    </dgm:style>
+  </dgm:styleLbl>
+  <dgm:styleLbl name="parChTrans1D4">
+    <dgm:scene3d>
+      <a:camera prst="orthographicFront"/>
+      <a:lightRig rig="threePt" dir="t"/>
+    </dgm:scene3d>
+    <dgm:sp3d/>
+    <dgm:txPr/>
+    <dgm:style>
+      <a:lnRef idx="2">
+        <a:scrgbClr r="0" g="0" b="0"/>
+      </a:lnRef>
+      <a:fillRef idx="0">
+        <a:scrgbClr r="0" g="0" b="0"/>
+      </a:fillRef>
+      <a:effectRef idx="0">
+        <a:scrgbClr r="0" g="0" b="0"/>
+      </a:effectRef>
+      <a:fontRef idx="minor"/>
+    </dgm:style>
+  </dgm:styleLbl>
+  <dgm:styleLbl name="fgAcc1">
+    <dgm:scene3d>
+      <a:camera prst="orthographicFront"/>
+      <a:lightRig rig="threePt" dir="t"/>
+    </dgm:scene3d>
+    <dgm:sp3d/>
+    <dgm:txPr/>
+    <dgm:style>
+      <a:lnRef idx="2">
+        <a:scrgbClr r="0" g="0" b="0"/>
+      </a:lnRef>
+      <a:fillRef idx="1">
+        <a:scrgbClr r="0" g="0" b="0"/>
+      </a:fillRef>
+      <a:effectRef idx="0">
+        <a:scrgbClr r="0" g="0" b="0"/>
+      </a:effectRef>
+      <a:fontRef idx="minor"/>
+    </dgm:style>
+  </dgm:styleLbl>
+  <dgm:styleLbl name="conFgAcc1">
+    <dgm:scene3d>
+      <a:camera prst="orthographicFront"/>
+      <a:lightRig rig="threePt" dir="t"/>
+    </dgm:scene3d>
+    <dgm:sp3d/>
+    <dgm:txPr/>
+    <dgm:style>
+      <a:lnRef idx="2">
+        <a:scrgbClr r="0" g="0" b="0"/>
+      </a:lnRef>
+      <a:fillRef idx="1">
+        <a:scrgbClr r="0" g="0" b="0"/>
+      </a:fillRef>
+      <a:effectRef idx="0">
+        <a:scrgbClr r="0" g="0" b="0"/>
+      </a:effectRef>
+      <a:fontRef idx="minor"/>
+    </dgm:style>
+  </dgm:styleLbl>
+  <dgm:styleLbl name="alignAcc1">
+    <dgm:scene3d>
+      <a:camera prst="orthographicFront"/>
+      <a:lightRig rig="threePt" dir="t"/>
+    </dgm:scene3d>
+    <dgm:sp3d/>
+    <dgm:txPr/>
+    <dgm:style>
+      <a:lnRef idx="2">
+        <a:scrgbClr r="0" g="0" b="0"/>
+      </a:lnRef>
+      <a:fillRef idx="1">
+        <a:scrgbClr r="0" g="0" b="0"/>
+      </a:fillRef>
+      <a:effectRef idx="0">
+        <a:scrgbClr r="0" g="0" b="0"/>
+      </a:effectRef>
+      <a:fontRef idx="minor"/>
+    </dgm:style>
+  </dgm:styleLbl>
+  <dgm:styleLbl name="trAlignAcc1">
+    <dgm:scene3d>
+      <a:camera prst="orthographicFront"/>
+      <a:lightRig rig="threePt" dir="t"/>
+    </dgm:scene3d>
+    <dgm:sp3d/>
+    <dgm:txPr/>
+    <dgm:style>
+      <a:lnRef idx="1">
+        <a:scrgbClr r="0" g="0" b="0"/>
+      </a:lnRef>
+      <a:fillRef idx="1">
+        <a:scrgbClr r="0" g="0" b="0"/>
+      </a:fillRef>
+      <a:effectRef idx="0">
+        <a:scrgbClr r="0" g="0" b="0"/>
+      </a:effectRef>
+      <a:fontRef idx="minor"/>
+    </dgm:style>
+  </dgm:styleLbl>
+  <dgm:styleLbl name="bgAcc1">
+    <dgm:scene3d>
+      <a:camera prst="orthographicFront"/>
+      <a:lightRig rig="threePt" dir="t"/>
+    </dgm:scene3d>
+    <dgm:sp3d/>
+    <dgm:txPr/>
+    <dgm:style>
+      <a:lnRef idx="2">
+        <a:scrgbClr r="0" g="0" b="0"/>
+      </a:lnRef>
+      <a:fillRef idx="1">
+        <a:scrgbClr r="0" g="0" b="0"/>
+      </a:fillRef>
+      <a:effectRef idx="0">
+        <a:scrgbClr r="0" g="0" b="0"/>
+      </a:effectRef>
+      <a:fontRef idx="minor"/>
+    </dgm:style>
+  </dgm:styleLbl>
+  <dgm:styleLbl name="solidFgAcc1">
+    <dgm:scene3d>
+      <a:camera prst="orthographicFront"/>
+      <a:lightRig rig="threePt" dir="t"/>
+    </dgm:scene3d>
+    <dgm:sp3d/>
+    <dgm:txPr/>
+    <dgm:style>
+      <a:lnRef idx="2">
+        <a:scrgbClr r="0" g="0" b="0"/>
+      </a:lnRef>
+      <a:fillRef idx="1">
+        <a:scrgbClr r="0" g="0" b="0"/>
+      </a:fillRef>
+      <a:effectRef idx="0">
+        <a:scrgbClr r="0" g="0" b="0"/>
+      </a:effectRef>
+      <a:fontRef idx="minor"/>
+    </dgm:style>
+  </dgm:styleLbl>
+  <dgm:styleLbl name="solidAlignAcc1">
+    <dgm:scene3d>
+      <a:camera prst="orthographicFront"/>
+      <a:lightRig rig="threePt" dir="t"/>
+    </dgm:scene3d>
+    <dgm:sp3d/>
+    <dgm:txPr/>
+    <dgm:style>
+      <a:lnRef idx="2">
+        <a:scrgbClr r="0" g="0" b="0"/>
+      </a:lnRef>
+      <a:fillRef idx="1">
+        <a:scrgbClr r="0" g="0" b="0"/>
+      </a:fillRef>
+      <a:effectRef idx="0">
+        <a:scrgbClr r="0" g="0" b="0"/>
+      </a:effectRef>
+      <a:fontRef idx="minor"/>
+    </dgm:style>
+  </dgm:styleLbl>
+  <dgm:styleLbl name="solidBgAcc1">
+    <dgm:scene3d>
+      <a:camera prst="orthographicFront"/>
+      <a:lightRig rig="threePt" dir="t"/>
+    </dgm:scene3d>
+    <dgm:sp3d/>
+    <dgm:txPr/>
+    <dgm:style>
+      <a:lnRef idx="2">
+        <a:scrgbClr r="0" g="0" b="0"/>
+      </a:lnRef>
+      <a:fillRef idx="1">
+        <a:scrgbClr r="0" g="0" b="0"/>
+      </a:fillRef>
+      <a:effectRef idx="0">
+        <a:scrgbClr r="0" g="0" b="0"/>
+      </a:effectRef>
+      <a:fontRef idx="minor"/>
+    </dgm:style>
+  </dgm:styleLbl>
+  <dgm:styleLbl name="fgAccFollowNode1">
+    <dgm:scene3d>
+      <a:camera prst="orthographicFront"/>
+      <a:lightRig rig="threePt" dir="t"/>
+    </dgm:scene3d>
+    <dgm:sp3d/>
+    <dgm:txPr/>
+    <dgm:style>
+      <a:lnRef idx="2">
+        <a:scrgbClr r="0" g="0" b="0"/>
+      </a:lnRef>
+      <a:fillRef idx="1">
+        <a:scrgbClr r="0" g="0" b="0"/>
+      </a:fillRef>
+      <a:effectRef idx="0">
+        <a:scrgbClr r="0" g="0" b="0"/>
+      </a:effectRef>
+      <a:fontRef idx="minor"/>
+    </dgm:style>
+  </dgm:styleLbl>
+  <dgm:styleLbl name="alignAccFollowNode1">
+    <dgm:scene3d>
+      <a:camera prst="orthographicFront"/>
+      <a:lightRig rig="threePt" dir="t"/>
+    </dgm:scene3d>
+    <dgm:sp3d/>
+    <dgm:txPr/>
+    <dgm:style>
+      <a:lnRef idx="2">
+        <a:scrgbClr r="0" g="0" b="0"/>
+      </a:lnRef>
+      <a:fillRef idx="1">
+        <a:scrgbClr r="0" g="0" b="0"/>
+      </a:fillRef>
+      <a:effectRef idx="0">
+        <a:scrgbClr r="0" g="0" b="0"/>
+      </a:effectRef>
+      <a:fontRef idx="minor"/>
+    </dgm:style>
+  </dgm:styleLbl>
+  <dgm:styleLbl name="bgAccFollowNode1">
+    <dgm:scene3d>
+      <a:camera prst="orthographicFront"/>
+      <a:lightRig rig="threePt" dir="t"/>
+    </dgm:scene3d>
+    <dgm:sp3d/>
+    <dgm:txPr/>
+    <dgm:style>
+      <a:lnRef idx="2">
+        <a:scrgbClr r="0" g="0" b="0"/>
+      </a:lnRef>
+      <a:fillRef idx="1">
+        <a:scrgbClr r="0" g="0" b="0"/>
+      </a:fillRef>
+      <a:effectRef idx="0">
+        <a:scrgbClr r="0" g="0" b="0"/>
+      </a:effectRef>
+      <a:fontRef idx="minor"/>
+    </dgm:style>
+  </dgm:styleLbl>
+  <dgm:styleLbl name="fgAcc0">
+    <dgm:scene3d>
+      <a:camera prst="orthographicFront"/>
+      <a:lightRig rig="threePt" dir="t"/>
+    </dgm:scene3d>
+    <dgm:sp3d/>
+    <dgm:txPr/>
+    <dgm:style>
+      <a:lnRef idx="2">
+        <a:scrgbClr r="0" g="0" b="0"/>
+      </a:lnRef>
+      <a:fillRef idx="1">
+        <a:scrgbClr r="0" g="0" b="0"/>
+      </a:fillRef>
+      <a:effectRef idx="0">
+        <a:scrgbClr r="0" g="0" b="0"/>
+      </a:effectRef>
+      <a:fontRef idx="minor"/>
+    </dgm:style>
+  </dgm:styleLbl>
+  <dgm:styleLbl name="fgAcc2">
+    <dgm:scene3d>
+      <a:camera prst="orthographicFront"/>
+      <a:lightRig rig="threePt" dir="t"/>
+    </dgm:scene3d>
+    <dgm:sp3d/>
+    <dgm:txPr/>
+    <dgm:style>
+      <a:lnRef idx="2">
+        <a:scrgbClr r="0" g="0" b="0"/>
+      </a:lnRef>
+      <a:fillRef idx="1">
+        <a:scrgbClr r="0" g="0" b="0"/>
+      </a:fillRef>
+      <a:effectRef idx="0">
+        <a:scrgbClr r="0" g="0" b="0"/>
+      </a:effectRef>
+      <a:fontRef idx="minor"/>
+    </dgm:style>
+  </dgm:styleLbl>
+  <dgm:styleLbl name="fgAcc3">
+    <dgm:scene3d>
+      <a:camera prst="orthographicFront"/>
+      <a:lightRig rig="threePt" dir="t"/>
+    </dgm:scene3d>
+    <dgm:sp3d/>
+    <dgm:txPr/>
+    <dgm:style>
+      <a:lnRef idx="2">
+        <a:scrgbClr r="0" g="0" b="0"/>
+      </a:lnRef>
+      <a:fillRef idx="1">
+        <a:scrgbClr r="0" g="0" b="0"/>
+      </a:fillRef>
+      <a:effectRef idx="0">
+        <a:scrgbClr r="0" g="0" b="0"/>
+      </a:effectRef>
+      <a:fontRef idx="minor"/>
+    </dgm:style>
+  </dgm:styleLbl>
+  <dgm:styleLbl name="fgAcc4">
+    <dgm:scene3d>
+      <a:camera prst="orthographicFront"/>
+      <a:lightRig rig="threePt" dir="t"/>
+    </dgm:scene3d>
+    <dgm:sp3d/>
+    <dgm:txPr/>
+    <dgm:style>
+      <a:lnRef idx="2">
+        <a:scrgbClr r="0" g="0" b="0"/>
+      </a:lnRef>
+      <a:fillRef idx="1">
+        <a:scrgbClr r="0" g="0" b="0"/>
+      </a:fillRef>
+      <a:effectRef idx="0">
+        <a:scrgbClr r="0" g="0" b="0"/>
+      </a:effectRef>
+      <a:fontRef idx="minor"/>
+    </dgm:style>
+  </dgm:styleLbl>
+  <dgm:styleLbl name="bgShp">
+    <dgm:scene3d>
+      <a:camera prst="orthographicFront"/>
+      <a:lightRig rig="threePt" dir="t"/>
+    </dgm:scene3d>
+    <dgm:sp3d/>
+    <dgm:txPr/>
+    <dgm:style>
+      <a:lnRef idx="0">
+        <a:scrgbClr r="0" g="0" b="0"/>
+      </a:lnRef>
+      <a:fillRef idx="1">
+        <a:scrgbClr r="0" g="0" b="0"/>
+      </a:fillRef>
+      <a:effectRef idx="0">
+        <a:scrgbClr r="0" g="0" b="0"/>
+      </a:effectRef>
+      <a:fontRef idx="minor"/>
+    </dgm:style>
+  </dgm:styleLbl>
+  <dgm:styleLbl name="dkBgShp">
+    <dgm:scene3d>
+      <a:camera prst="orthographicFront"/>
+      <a:lightRig rig="threePt" dir="t"/>
+    </dgm:scene3d>
+    <dgm:sp3d/>
+    <dgm:txPr/>
+    <dgm:style>
+      <a:lnRef idx="0">
+        <a:scrgbClr r="0" g="0" b="0"/>
+      </a:lnRef>
+      <a:fillRef idx="1">
+        <a:scrgbClr r="0" g="0" b="0"/>
+      </a:fillRef>
+      <a:effectRef idx="0">
+        <a:scrgbClr r="0" g="0" b="0"/>
+      </a:effectRef>
+      <a:fontRef idx="minor"/>
+    </dgm:style>
+  </dgm:styleLbl>
+  <dgm:styleLbl name="trBgShp">
+    <dgm:scene3d>
+      <a:camera prst="orthographicFront"/>
+      <a:lightRig rig="threePt" dir="t"/>
+    </dgm:scene3d>
+    <dgm:sp3d/>
+    <dgm:txPr/>
+    <dgm:style>
+      <a:lnRef idx="0">
+        <a:scrgbClr r="0" g="0" b="0"/>
+      </a:lnRef>
+      <a:fillRef idx="1">
+        <a:scrgbClr r="0" g="0" b="0"/>
+      </a:fillRef>
+      <a:effectRef idx="0">
+        <a:scrgbClr r="0" g="0" b="0"/>
+      </a:effectRef>
+      <a:fontRef idx="minor"/>
+    </dgm:style>
+  </dgm:styleLbl>
+  <dgm:styleLbl name="fgShp">
+    <dgm:scene3d>
+      <a:camera prst="orthographicFront"/>
+      <a:lightRig rig="threePt" dir="t"/>
+    </dgm:scene3d>
+    <dgm:sp3d/>
+    <dgm:txPr/>
+    <dgm:style>
+      <a:lnRef idx="2">
+        <a:scrgbClr r="0" g="0" b="0"/>
+      </a:lnRef>
+      <a:fillRef idx="1">
+        <a:scrgbClr r="0" g="0" b="0"/>
+      </a:fillRef>
+      <a:effectRef idx="0">
+        <a:scrgbClr r="0" g="0" b="0"/>
+      </a:effectRef>
+      <a:fontRef idx="minor"/>
+    </dgm:style>
+  </dgm:styleLbl>
+  <dgm:styleLbl name="revTx">
+    <dgm:scene3d>
+      <a:camera prst="orthographicFront"/>
+      <a:lightRig rig="threePt" dir="t"/>
+    </dgm:scene3d>
+    <dgm:sp3d/>
+    <dgm:txPr/>
+    <dgm:style>
+      <a:lnRef idx="0">
+        <a:scrgbClr r="0" g="0" b="0"/>
+      </a:lnRef>
+      <a:fillRef idx="0">
+        <a:scrgbClr r="0" g="0" b="0"/>
+      </a:fillRef>
+      <a:effectRef idx="0">
+        <a:scrgbClr r="0" g="0" b="0"/>
+      </a:effectRef>
+      <a:fontRef idx="minor"/>
+    </dgm:style>
+  </dgm:styleLbl>
+</dgm:styleDef>
 </file>
 
 <file path=ppt/notesMasters/notesMaster1.xml><?xml version="1.0" encoding="utf-8"?>
@@ -225,7 +3442,7 @@
           <a:p>
             <a:fld id="{826E46EC-C173-479E-AB21-DB129F19D8CA}" type="datetimeFigureOut">
               <a:rPr kumimoji="1" lang="ja-JP" altLang="en-US" smtClean="0"/>
-              <a:t>2016/2/10</a:t>
+              <a:t>2016/2/12</a:t>
             </a:fld>
             <a:endParaRPr kumimoji="1" lang="ja-JP" altLang="en-US"/>
           </a:p>
@@ -2208,7 +5425,7 @@
           <a:p>
             <a:fld id="{09DBCCF7-DBC0-4846-851D-5E8954A432E4}" type="datetimeFigureOut">
               <a:rPr kumimoji="1" lang="ja-JP" altLang="en-US" smtClean="0"/>
-              <a:t>2016/2/10</a:t>
+              <a:t>2016/2/12</a:t>
             </a:fld>
             <a:endParaRPr kumimoji="1" lang="ja-JP" altLang="en-US"/>
           </a:p>
@@ -2410,7 +5627,7 @@
           <a:p>
             <a:fld id="{09DBCCF7-DBC0-4846-851D-5E8954A432E4}" type="datetimeFigureOut">
               <a:rPr kumimoji="1" lang="ja-JP" altLang="en-US" smtClean="0"/>
-              <a:t>2016/2/10</a:t>
+              <a:t>2016/2/12</a:t>
             </a:fld>
             <a:endParaRPr kumimoji="1" lang="ja-JP" altLang="en-US"/>
           </a:p>
@@ -2622,7 +5839,7 @@
           <a:p>
             <a:fld id="{09DBCCF7-DBC0-4846-851D-5E8954A432E4}" type="datetimeFigureOut">
               <a:rPr kumimoji="1" lang="ja-JP" altLang="en-US" smtClean="0"/>
-              <a:t>2016/2/10</a:t>
+              <a:t>2016/2/12</a:t>
             </a:fld>
             <a:endParaRPr kumimoji="1" lang="ja-JP" altLang="en-US"/>
           </a:p>
@@ -2824,7 +6041,7 @@
           <a:p>
             <a:fld id="{09DBCCF7-DBC0-4846-851D-5E8954A432E4}" type="datetimeFigureOut">
               <a:rPr kumimoji="1" lang="ja-JP" altLang="en-US" smtClean="0"/>
-              <a:t>2016/2/10</a:t>
+              <a:t>2016/2/12</a:t>
             </a:fld>
             <a:endParaRPr kumimoji="1" lang="ja-JP" altLang="en-US"/>
           </a:p>
@@ -3068,7 +6285,7 @@
           <a:p>
             <a:fld id="{09DBCCF7-DBC0-4846-851D-5E8954A432E4}" type="datetimeFigureOut">
               <a:rPr kumimoji="1" lang="ja-JP" altLang="en-US" smtClean="0"/>
-              <a:t>2016/2/10</a:t>
+              <a:t>2016/2/12</a:t>
             </a:fld>
             <a:endParaRPr kumimoji="1" lang="ja-JP" altLang="en-US"/>
           </a:p>
@@ -3364,7 +6581,7 @@
           <a:p>
             <a:fld id="{09DBCCF7-DBC0-4846-851D-5E8954A432E4}" type="datetimeFigureOut">
               <a:rPr kumimoji="1" lang="ja-JP" altLang="en-US" smtClean="0"/>
-              <a:t>2016/2/10</a:t>
+              <a:t>2016/2/12</a:t>
             </a:fld>
             <a:endParaRPr kumimoji="1" lang="ja-JP" altLang="en-US"/>
           </a:p>
@@ -3795,7 +7012,7 @@
           <a:p>
             <a:fld id="{09DBCCF7-DBC0-4846-851D-5E8954A432E4}" type="datetimeFigureOut">
               <a:rPr kumimoji="1" lang="ja-JP" altLang="en-US" smtClean="0"/>
-              <a:t>2016/2/10</a:t>
+              <a:t>2016/2/12</a:t>
             </a:fld>
             <a:endParaRPr kumimoji="1" lang="ja-JP" altLang="en-US"/>
           </a:p>
@@ -3913,7 +7130,7 @@
           <a:p>
             <a:fld id="{09DBCCF7-DBC0-4846-851D-5E8954A432E4}" type="datetimeFigureOut">
               <a:rPr kumimoji="1" lang="ja-JP" altLang="en-US" smtClean="0"/>
-              <a:t>2016/2/10</a:t>
+              <a:t>2016/2/12</a:t>
             </a:fld>
             <a:endParaRPr kumimoji="1" lang="ja-JP" altLang="en-US"/>
           </a:p>
@@ -4008,7 +7225,7 @@
           <a:p>
             <a:fld id="{09DBCCF7-DBC0-4846-851D-5E8954A432E4}" type="datetimeFigureOut">
               <a:rPr kumimoji="1" lang="ja-JP" altLang="en-US" smtClean="0"/>
-              <a:t>2016/2/10</a:t>
+              <a:t>2016/2/12</a:t>
             </a:fld>
             <a:endParaRPr kumimoji="1" lang="ja-JP" altLang="en-US"/>
           </a:p>
@@ -4317,7 +7534,7 @@
           <a:p>
             <a:fld id="{09DBCCF7-DBC0-4846-851D-5E8954A432E4}" type="datetimeFigureOut">
               <a:rPr kumimoji="1" lang="ja-JP" altLang="en-US" smtClean="0"/>
-              <a:t>2016/2/10</a:t>
+              <a:t>2016/2/12</a:t>
             </a:fld>
             <a:endParaRPr kumimoji="1" lang="ja-JP" altLang="en-US"/>
           </a:p>
@@ -4574,7 +7791,7 @@
           <a:p>
             <a:fld id="{09DBCCF7-DBC0-4846-851D-5E8954A432E4}" type="datetimeFigureOut">
               <a:rPr kumimoji="1" lang="ja-JP" altLang="en-US" smtClean="0"/>
-              <a:t>2016/2/10</a:t>
+              <a:t>2016/2/12</a:t>
             </a:fld>
             <a:endParaRPr kumimoji="1" lang="ja-JP" altLang="en-US"/>
           </a:p>
@@ -4819,7 +8036,7 @@
           <a:p>
             <a:fld id="{09DBCCF7-DBC0-4846-851D-5E8954A432E4}" type="datetimeFigureOut">
               <a:rPr kumimoji="1" lang="ja-JP" altLang="en-US" smtClean="0"/>
-              <a:t>2016/2/10</a:t>
+              <a:t>2016/2/12</a:t>
             </a:fld>
             <a:endParaRPr kumimoji="1" lang="ja-JP" altLang="en-US"/>
           </a:p>
@@ -7726,355 +10943,51 @@
           </a:p>
         </p:txBody>
       </p:sp>
-      <p:sp>
-        <p:nvSpPr>
-          <p:cNvPr id="4" name="円/楕円 3"/>
+      <p:graphicFrame>
+        <p:nvGraphicFramePr>
+          <p:cNvPr id="4" name="図表 3"/>
+          <p:cNvGraphicFramePr/>
+          <p:nvPr>
+            <p:extLst>
+              <p:ext uri="{D42A27DB-BD31-4B8C-83A1-F6EECF244321}">
+                <p14:modId xmlns:p14="http://schemas.microsoft.com/office/powerpoint/2010/main" val="4070052942"/>
+              </p:ext>
+            </p:extLst>
+          </p:nvPr>
+        </p:nvGraphicFramePr>
+        <p:xfrm>
+          <a:off x="-318292" y="618185"/>
+          <a:ext cx="8577943" cy="5931028"/>
+        </p:xfrm>
+        <a:graphic>
+          <a:graphicData uri="http://schemas.openxmlformats.org/drawingml/2006/diagram">
+            <dgm:relIds xmlns:dgm="http://schemas.openxmlformats.org/drawingml/2006/diagram" xmlns:r="http://schemas.openxmlformats.org/officeDocument/2006/relationships" r:dm="rId2" r:lo="rId3" r:qs="rId4" r:cs="rId5"/>
+          </a:graphicData>
+        </a:graphic>
+      </p:graphicFrame>
+      <p:sp>
+        <p:nvSpPr>
+          <p:cNvPr id="5" name="円弧 4"/>
           <p:cNvSpPr/>
           <p:nvPr/>
         </p:nvSpPr>
         <p:spPr>
-          <a:xfrm>
-            <a:off x="1839685" y="555168"/>
-            <a:ext cx="5421086" cy="4245429"/>
+          <a:xfrm rot="6954277" flipH="1" flipV="1">
+            <a:off x="4845169" y="2258633"/>
+            <a:ext cx="1973674" cy="1520720"/>
           </a:xfrm>
-          <a:prstGeom prst="ellipse">
-            <a:avLst/>
+          <a:prstGeom prst="arc">
+            <a:avLst>
+              <a:gd name="adj1" fmla="val 15090729"/>
+              <a:gd name="adj2" fmla="val 20638923"/>
+            </a:avLst>
           </a:prstGeom>
-          <a:noFill/>
-          <a:ln>
+          <a:ln w="57150">
             <a:solidFill>
-              <a:schemeClr val="tx1"/>
+              <a:srgbClr val="C00000"/>
             </a:solidFill>
-          </a:ln>
-        </p:spPr>
-        <p:style>
-          <a:lnRef idx="2">
-            <a:schemeClr val="accent1">
-              <a:shade val="50000"/>
-            </a:schemeClr>
-          </a:lnRef>
-          <a:fillRef idx="1">
-            <a:schemeClr val="accent1"/>
-          </a:fillRef>
-          <a:effectRef idx="0">
-            <a:schemeClr val="accent1"/>
-          </a:effectRef>
-          <a:fontRef idx="minor">
-            <a:schemeClr val="lt1"/>
-          </a:fontRef>
-        </p:style>
-        <p:txBody>
-          <a:bodyPr rtlCol="0" anchor="ctr"/>
-          <a:lstStyle/>
-          <a:p>
-            <a:pPr algn="ctr"/>
-            <a:endParaRPr kumimoji="1" lang="ja-JP" altLang="en-US"/>
-          </a:p>
-        </p:txBody>
-      </p:sp>
-      <p:sp>
-        <p:nvSpPr>
-          <p:cNvPr id="5" name="円/楕円 4"/>
-          <p:cNvSpPr/>
-          <p:nvPr/>
-        </p:nvSpPr>
-        <p:spPr>
-          <a:xfrm>
-            <a:off x="212269" y="2383970"/>
-            <a:ext cx="5421086" cy="4245429"/>
-          </a:xfrm>
-          <a:prstGeom prst="ellipse">
-            <a:avLst/>
-          </a:prstGeom>
-          <a:noFill/>
-          <a:ln>
-            <a:solidFill>
-              <a:schemeClr val="tx1"/>
-            </a:solidFill>
-          </a:ln>
-        </p:spPr>
-        <p:style>
-          <a:lnRef idx="2">
-            <a:schemeClr val="accent1">
-              <a:shade val="50000"/>
-            </a:schemeClr>
-          </a:lnRef>
-          <a:fillRef idx="1">
-            <a:schemeClr val="accent1"/>
-          </a:fillRef>
-          <a:effectRef idx="0">
-            <a:schemeClr val="accent1"/>
-          </a:effectRef>
-          <a:fontRef idx="minor">
-            <a:schemeClr val="lt1"/>
-          </a:fontRef>
-        </p:style>
-        <p:txBody>
-          <a:bodyPr rtlCol="0" anchor="ctr"/>
-          <a:lstStyle/>
-          <a:p>
-            <a:pPr algn="ctr"/>
-            <a:endParaRPr kumimoji="1" lang="ja-JP" altLang="en-US"/>
-          </a:p>
-        </p:txBody>
-      </p:sp>
-      <p:sp>
-        <p:nvSpPr>
-          <p:cNvPr id="6" name="円/楕円 5"/>
-          <p:cNvSpPr/>
-          <p:nvPr/>
-        </p:nvSpPr>
-        <p:spPr>
-          <a:xfrm>
-            <a:off x="3483428" y="2383970"/>
-            <a:ext cx="5421086" cy="4245429"/>
-          </a:xfrm>
-          <a:prstGeom prst="ellipse">
-            <a:avLst/>
-          </a:prstGeom>
-          <a:noFill/>
-          <a:ln>
-            <a:solidFill>
-              <a:schemeClr val="tx1"/>
-            </a:solidFill>
-          </a:ln>
-        </p:spPr>
-        <p:style>
-          <a:lnRef idx="2">
-            <a:schemeClr val="accent1">
-              <a:shade val="50000"/>
-            </a:schemeClr>
-          </a:lnRef>
-          <a:fillRef idx="1">
-            <a:schemeClr val="accent1"/>
-          </a:fillRef>
-          <a:effectRef idx="0">
-            <a:schemeClr val="accent1"/>
-          </a:effectRef>
-          <a:fontRef idx="minor">
-            <a:schemeClr val="lt1"/>
-          </a:fontRef>
-        </p:style>
-        <p:txBody>
-          <a:bodyPr rtlCol="0" anchor="ctr"/>
-          <a:lstStyle/>
-          <a:p>
-            <a:pPr algn="ctr"/>
-            <a:endParaRPr kumimoji="1" lang="ja-JP" altLang="en-US"/>
-          </a:p>
-        </p:txBody>
-      </p:sp>
-      <p:sp>
-        <p:nvSpPr>
-          <p:cNvPr id="7" name="テキスト ボックス 6"/>
-          <p:cNvSpPr txBox="1"/>
-          <p:nvPr/>
-        </p:nvSpPr>
-        <p:spPr>
-          <a:xfrm>
-            <a:off x="3227614" y="1251857"/>
-            <a:ext cx="2688771" cy="646331"/>
-          </a:xfrm>
-          <a:prstGeom prst="rect">
-            <a:avLst/>
-          </a:prstGeom>
-          <a:noFill/>
-        </p:spPr>
-        <p:txBody>
-          <a:bodyPr wrap="square" rtlCol="0">
-            <a:spAutoFit/>
-          </a:bodyPr>
-          <a:lstStyle/>
-          <a:p>
-            <a:r>
-              <a:rPr kumimoji="1" lang="ja-JP" altLang="en-US" dirty="0" smtClean="0">
-                <a:latin typeface="メイリオ" panose="020B0604030504040204" pitchFamily="50" charset="-128"/>
-                <a:ea typeface="メイリオ" panose="020B0604030504040204" pitchFamily="50" charset="-128"/>
-              </a:rPr>
-              <a:t>タイムラインから得た不要と思われる情報</a:t>
-            </a:r>
-            <a:endParaRPr kumimoji="1" lang="ja-JP" altLang="en-US" dirty="0">
-              <a:latin typeface="メイリオ" panose="020B0604030504040204" pitchFamily="50" charset="-128"/>
-              <a:ea typeface="メイリオ" panose="020B0604030504040204" pitchFamily="50" charset="-128"/>
-            </a:endParaRPr>
-          </a:p>
-        </p:txBody>
-      </p:sp>
-      <p:sp>
-        <p:nvSpPr>
-          <p:cNvPr id="8" name="テキスト ボックス 7"/>
-          <p:cNvSpPr txBox="1"/>
-          <p:nvPr/>
-        </p:nvSpPr>
-        <p:spPr>
-          <a:xfrm>
-            <a:off x="1202872" y="5372176"/>
-            <a:ext cx="2639786" cy="923330"/>
-          </a:xfrm>
-          <a:prstGeom prst="rect">
-            <a:avLst/>
-          </a:prstGeom>
-          <a:noFill/>
-        </p:spPr>
-        <p:txBody>
-          <a:bodyPr wrap="square" rtlCol="0">
-            <a:spAutoFit/>
-          </a:bodyPr>
-          <a:lstStyle/>
-          <a:p>
-            <a:r>
-              <a:rPr kumimoji="1" lang="ja-JP" altLang="en-US" dirty="0" smtClean="0">
-                <a:latin typeface="メイリオ" panose="020B0604030504040204" pitchFamily="50" charset="-128"/>
-                <a:ea typeface="メイリオ" panose="020B0604030504040204" pitchFamily="50" charset="-128"/>
-              </a:rPr>
-              <a:t>ヒアリングでは得られなかった潜在的な</a:t>
-            </a:r>
-            <a:endParaRPr kumimoji="1" lang="en-US" altLang="ja-JP" dirty="0" smtClean="0">
-              <a:latin typeface="メイリオ" panose="020B0604030504040204" pitchFamily="50" charset="-128"/>
-              <a:ea typeface="メイリオ" panose="020B0604030504040204" pitchFamily="50" charset="-128"/>
-            </a:endParaRPr>
-          </a:p>
-          <a:p>
-            <a:r>
-              <a:rPr kumimoji="1" lang="ja-JP" altLang="en-US" dirty="0" smtClean="0">
-                <a:latin typeface="メイリオ" panose="020B0604030504040204" pitchFamily="50" charset="-128"/>
-                <a:ea typeface="メイリオ" panose="020B0604030504040204" pitchFamily="50" charset="-128"/>
-              </a:rPr>
-              <a:t>ニーズ</a:t>
-            </a:r>
-            <a:endParaRPr kumimoji="1" lang="ja-JP" altLang="en-US" dirty="0">
-              <a:latin typeface="メイリオ" panose="020B0604030504040204" pitchFamily="50" charset="-128"/>
-              <a:ea typeface="メイリオ" panose="020B0604030504040204" pitchFamily="50" charset="-128"/>
-            </a:endParaRPr>
-          </a:p>
-        </p:txBody>
-      </p:sp>
-      <p:sp>
-        <p:nvSpPr>
-          <p:cNvPr id="9" name="テキスト ボックス 8"/>
-          <p:cNvSpPr txBox="1"/>
-          <p:nvPr/>
-        </p:nvSpPr>
-        <p:spPr>
-          <a:xfrm>
-            <a:off x="5731328" y="4921397"/>
-            <a:ext cx="2803072" cy="646331"/>
-          </a:xfrm>
-          <a:prstGeom prst="rect">
-            <a:avLst/>
-          </a:prstGeom>
-          <a:noFill/>
-        </p:spPr>
-        <p:txBody>
-          <a:bodyPr wrap="square" rtlCol="0">
-            <a:spAutoFit/>
-          </a:bodyPr>
-          <a:lstStyle/>
-          <a:p>
-            <a:r>
-              <a:rPr lang="ja-JP" altLang="en-US" dirty="0" smtClean="0">
-                <a:latin typeface="メイリオ" panose="020B0604030504040204" pitchFamily="50" charset="-128"/>
-                <a:ea typeface="メイリオ" panose="020B0604030504040204" pitchFamily="50" charset="-128"/>
-              </a:rPr>
-              <a:t>ヒアリングで自分が誤解してしまったニーズ</a:t>
-            </a:r>
-            <a:endParaRPr kumimoji="1" lang="ja-JP" altLang="en-US" dirty="0">
-              <a:latin typeface="メイリオ" panose="020B0604030504040204" pitchFamily="50" charset="-128"/>
-              <a:ea typeface="メイリオ" panose="020B0604030504040204" pitchFamily="50" charset="-128"/>
-            </a:endParaRPr>
-          </a:p>
-        </p:txBody>
-      </p:sp>
-      <p:sp>
-        <p:nvSpPr>
-          <p:cNvPr id="10" name="テキスト ボックス 9"/>
-          <p:cNvSpPr txBox="1"/>
-          <p:nvPr/>
-        </p:nvSpPr>
-        <p:spPr>
-          <a:xfrm>
-            <a:off x="3755569" y="4772012"/>
-            <a:ext cx="1975759" cy="923330"/>
-          </a:xfrm>
-          <a:prstGeom prst="rect">
-            <a:avLst/>
-          </a:prstGeom>
-          <a:noFill/>
-        </p:spPr>
-        <p:txBody>
-          <a:bodyPr wrap="square" rtlCol="0">
-            <a:spAutoFit/>
-          </a:bodyPr>
-          <a:lstStyle/>
-          <a:p>
-            <a:r>
-              <a:rPr lang="ja-JP" altLang="en-US" dirty="0" smtClean="0">
-                <a:latin typeface="メイリオ" panose="020B0604030504040204" pitchFamily="50" charset="-128"/>
-                <a:ea typeface="メイリオ" panose="020B0604030504040204" pitchFamily="50" charset="-128"/>
-              </a:rPr>
-              <a:t>ユーザのニーズと自分の理解が一致した部分</a:t>
-            </a:r>
-            <a:endParaRPr kumimoji="1" lang="ja-JP" altLang="en-US" dirty="0">
-              <a:latin typeface="メイリオ" panose="020B0604030504040204" pitchFamily="50" charset="-128"/>
-              <a:ea typeface="メイリオ" panose="020B0604030504040204" pitchFamily="50" charset="-128"/>
-            </a:endParaRPr>
-          </a:p>
-        </p:txBody>
-      </p:sp>
-      <p:sp>
-        <p:nvSpPr>
-          <p:cNvPr id="11" name="テキスト ボックス 10"/>
-          <p:cNvSpPr txBox="1"/>
-          <p:nvPr/>
-        </p:nvSpPr>
-        <p:spPr>
-          <a:xfrm>
-            <a:off x="3581400" y="3767777"/>
-            <a:ext cx="2051955" cy="923330"/>
-          </a:xfrm>
-          <a:prstGeom prst="rect">
-            <a:avLst/>
-          </a:prstGeom>
-          <a:noFill/>
-        </p:spPr>
-        <p:txBody>
-          <a:bodyPr wrap="square" rtlCol="0">
-            <a:spAutoFit/>
-          </a:bodyPr>
-          <a:lstStyle/>
-          <a:p>
-            <a:r>
-              <a:rPr lang="ja-JP" altLang="en-US" dirty="0" smtClean="0">
-                <a:latin typeface="メイリオ" panose="020B0604030504040204" pitchFamily="50" charset="-128"/>
-                <a:ea typeface="メイリオ" panose="020B0604030504040204" pitchFamily="50" charset="-128"/>
-              </a:rPr>
-              <a:t>タイムラインから得た顕在的な　ニーズ</a:t>
-            </a:r>
-            <a:endParaRPr kumimoji="1" lang="ja-JP" altLang="en-US" dirty="0">
-              <a:latin typeface="メイリオ" panose="020B0604030504040204" pitchFamily="50" charset="-128"/>
-              <a:ea typeface="メイリオ" panose="020B0604030504040204" pitchFamily="50" charset="-128"/>
-            </a:endParaRPr>
-          </a:p>
-        </p:txBody>
-      </p:sp>
-      <p:cxnSp>
-        <p:nvCxnSpPr>
-          <p:cNvPr id="20" name="直線コネクタ 19"/>
-          <p:cNvCxnSpPr/>
-          <p:nvPr/>
-        </p:nvCxnSpPr>
-        <p:spPr>
-          <a:xfrm flipV="1">
-            <a:off x="1839685" y="2456094"/>
-            <a:ext cx="457200" cy="352420"/>
-          </a:xfrm>
-          <a:prstGeom prst="line">
-            <a:avLst/>
-          </a:prstGeom>
-          <a:ln w="19050">
-            <a:solidFill>
-              <a:srgbClr val="FF0000"/>
-            </a:solidFill>
+            <a:headEnd type="arrow" w="med" len="med"/>
+            <a:tailEnd type="none" w="med" len="med"/>
           </a:ln>
         </p:spPr>
         <p:style>
@@ -8091,307 +11004,30 @@
             <a:schemeClr val="tx1"/>
           </a:fontRef>
         </p:style>
-      </p:cxnSp>
-      <p:cxnSp>
-        <p:nvCxnSpPr>
-          <p:cNvPr id="26" name="直線コネクタ 25"/>
-          <p:cNvCxnSpPr/>
-          <p:nvPr/>
-        </p:nvCxnSpPr>
-        <p:spPr>
-          <a:xfrm flipV="1">
-            <a:off x="1915885" y="2407780"/>
-            <a:ext cx="914400" cy="681724"/>
-          </a:xfrm>
-          <a:prstGeom prst="line">
-            <a:avLst/>
-          </a:prstGeom>
-          <a:ln w="19050">
-            <a:solidFill>
-              <a:srgbClr val="FF0000"/>
-            </a:solidFill>
-          </a:ln>
-        </p:spPr>
-        <p:style>
-          <a:lnRef idx="1">
-            <a:schemeClr val="accent1"/>
-          </a:lnRef>
-          <a:fillRef idx="0">
-            <a:schemeClr val="accent1"/>
-          </a:fillRef>
-          <a:effectRef idx="0">
-            <a:schemeClr val="accent1"/>
-          </a:effectRef>
-          <a:fontRef idx="minor">
-            <a:schemeClr val="tx1"/>
-          </a:fontRef>
-        </p:style>
-      </p:cxnSp>
-      <p:cxnSp>
-        <p:nvCxnSpPr>
-          <p:cNvPr id="27" name="直線コネクタ 26"/>
-          <p:cNvCxnSpPr/>
-          <p:nvPr/>
-        </p:nvCxnSpPr>
-        <p:spPr>
-          <a:xfrm flipV="1">
-            <a:off x="2002970" y="2394856"/>
-            <a:ext cx="1344386" cy="986524"/>
-          </a:xfrm>
-          <a:prstGeom prst="line">
-            <a:avLst/>
-          </a:prstGeom>
-          <a:ln w="19050">
-            <a:solidFill>
-              <a:srgbClr val="FF0000"/>
-            </a:solidFill>
-          </a:ln>
-        </p:spPr>
-        <p:style>
-          <a:lnRef idx="1">
-            <a:schemeClr val="accent1"/>
-          </a:lnRef>
-          <a:fillRef idx="0">
-            <a:schemeClr val="accent1"/>
-          </a:fillRef>
-          <a:effectRef idx="0">
-            <a:schemeClr val="accent1"/>
-          </a:effectRef>
-          <a:fontRef idx="minor">
-            <a:schemeClr val="tx1"/>
-          </a:fontRef>
-        </p:style>
-      </p:cxnSp>
-      <p:cxnSp>
-        <p:nvCxnSpPr>
-          <p:cNvPr id="29" name="直線コネクタ 28"/>
-          <p:cNvCxnSpPr/>
-          <p:nvPr/>
-        </p:nvCxnSpPr>
-        <p:spPr>
-          <a:xfrm flipV="1">
-            <a:off x="2100942" y="2456094"/>
-            <a:ext cx="1567543" cy="1154905"/>
-          </a:xfrm>
-          <a:prstGeom prst="line">
-            <a:avLst/>
-          </a:prstGeom>
-          <a:ln w="19050">
-            <a:solidFill>
-              <a:srgbClr val="FF0000"/>
-            </a:solidFill>
-          </a:ln>
-        </p:spPr>
-        <p:style>
-          <a:lnRef idx="1">
-            <a:schemeClr val="accent1"/>
-          </a:lnRef>
-          <a:fillRef idx="0">
-            <a:schemeClr val="accent1"/>
-          </a:fillRef>
-          <a:effectRef idx="0">
-            <a:schemeClr val="accent1"/>
-          </a:effectRef>
-          <a:fontRef idx="minor">
-            <a:schemeClr val="tx1"/>
-          </a:fontRef>
-        </p:style>
-      </p:cxnSp>
-      <p:cxnSp>
-        <p:nvCxnSpPr>
-          <p:cNvPr id="30" name="直線コネクタ 29"/>
-          <p:cNvCxnSpPr/>
-          <p:nvPr/>
-        </p:nvCxnSpPr>
-        <p:spPr>
-          <a:xfrm flipV="1">
-            <a:off x="2285999" y="2558143"/>
-            <a:ext cx="1719944" cy="1280437"/>
-          </a:xfrm>
-          <a:prstGeom prst="line">
-            <a:avLst/>
-          </a:prstGeom>
-          <a:ln w="19050">
-            <a:solidFill>
-              <a:srgbClr val="FF0000"/>
-            </a:solidFill>
-          </a:ln>
-        </p:spPr>
-        <p:style>
-          <a:lnRef idx="1">
-            <a:schemeClr val="accent1"/>
-          </a:lnRef>
-          <a:fillRef idx="0">
-            <a:schemeClr val="accent1"/>
-          </a:fillRef>
-          <a:effectRef idx="0">
-            <a:schemeClr val="accent1"/>
-          </a:effectRef>
-          <a:fontRef idx="minor">
-            <a:schemeClr val="tx1"/>
-          </a:fontRef>
-        </p:style>
-      </p:cxnSp>
-      <p:cxnSp>
-        <p:nvCxnSpPr>
-          <p:cNvPr id="31" name="直線コネクタ 30"/>
-          <p:cNvCxnSpPr/>
-          <p:nvPr/>
-        </p:nvCxnSpPr>
-        <p:spPr>
-          <a:xfrm flipV="1">
-            <a:off x="2492829" y="2677882"/>
-            <a:ext cx="1774371" cy="1349832"/>
-          </a:xfrm>
-          <a:prstGeom prst="line">
-            <a:avLst/>
-          </a:prstGeom>
-          <a:ln w="19050">
-            <a:solidFill>
-              <a:srgbClr val="FF0000"/>
-            </a:solidFill>
-          </a:ln>
-        </p:spPr>
-        <p:style>
-          <a:lnRef idx="1">
-            <a:schemeClr val="accent1"/>
-          </a:lnRef>
-          <a:fillRef idx="0">
-            <a:schemeClr val="accent1"/>
-          </a:fillRef>
-          <a:effectRef idx="0">
-            <a:schemeClr val="accent1"/>
-          </a:effectRef>
-          <a:fontRef idx="minor">
-            <a:schemeClr val="tx1"/>
-          </a:fontRef>
-        </p:style>
-      </p:cxnSp>
-      <p:cxnSp>
-        <p:nvCxnSpPr>
-          <p:cNvPr id="33" name="直線コネクタ 32"/>
-          <p:cNvCxnSpPr/>
-          <p:nvPr/>
-        </p:nvCxnSpPr>
-        <p:spPr>
-          <a:xfrm flipV="1">
-            <a:off x="2718707" y="3187475"/>
-            <a:ext cx="1330780" cy="1031082"/>
-          </a:xfrm>
-          <a:prstGeom prst="line">
-            <a:avLst/>
-          </a:prstGeom>
-          <a:ln w="19050">
-            <a:solidFill>
-              <a:srgbClr val="FF0000"/>
-            </a:solidFill>
-          </a:ln>
-        </p:spPr>
-        <p:style>
-          <a:lnRef idx="1">
-            <a:schemeClr val="accent1"/>
-          </a:lnRef>
-          <a:fillRef idx="0">
-            <a:schemeClr val="accent1"/>
-          </a:fillRef>
-          <a:effectRef idx="0">
-            <a:schemeClr val="accent1"/>
-          </a:effectRef>
-          <a:fontRef idx="minor">
-            <a:schemeClr val="tx1"/>
-          </a:fontRef>
-        </p:style>
-      </p:cxnSp>
-      <p:cxnSp>
-        <p:nvCxnSpPr>
-          <p:cNvPr id="34" name="直線コネクタ 33"/>
-          <p:cNvCxnSpPr/>
-          <p:nvPr/>
-        </p:nvCxnSpPr>
-        <p:spPr>
-          <a:xfrm flipV="1">
-            <a:off x="2988128" y="3951515"/>
-            <a:ext cx="593272" cy="450391"/>
-          </a:xfrm>
-          <a:prstGeom prst="line">
-            <a:avLst/>
-          </a:prstGeom>
-          <a:ln w="19050">
-            <a:solidFill>
-              <a:srgbClr val="FF0000"/>
-            </a:solidFill>
-          </a:ln>
-        </p:spPr>
-        <p:style>
-          <a:lnRef idx="1">
-            <a:schemeClr val="accent1"/>
-          </a:lnRef>
-          <a:fillRef idx="0">
-            <a:schemeClr val="accent1"/>
-          </a:fillRef>
-          <a:effectRef idx="0">
-            <a:schemeClr val="accent1"/>
-          </a:effectRef>
-          <a:fontRef idx="minor">
-            <a:schemeClr val="tx1"/>
-          </a:fontRef>
-        </p:style>
-      </p:cxnSp>
-      <p:cxnSp>
-        <p:nvCxnSpPr>
-          <p:cNvPr id="58" name="直線コネクタ 57"/>
-          <p:cNvCxnSpPr/>
-          <p:nvPr/>
-        </p:nvCxnSpPr>
-        <p:spPr>
-          <a:xfrm flipV="1">
-            <a:off x="3242582" y="4333522"/>
-            <a:ext cx="251732" cy="205820"/>
-          </a:xfrm>
-          <a:prstGeom prst="line">
-            <a:avLst/>
-          </a:prstGeom>
-          <a:ln w="19050">
-            <a:solidFill>
-              <a:srgbClr val="FF0000"/>
-            </a:solidFill>
-          </a:ln>
-        </p:spPr>
-        <p:style>
-          <a:lnRef idx="1">
-            <a:schemeClr val="accent1"/>
-          </a:lnRef>
-          <a:fillRef idx="0">
-            <a:schemeClr val="accent1"/>
-          </a:fillRef>
-          <a:effectRef idx="0">
-            <a:schemeClr val="accent1"/>
-          </a:effectRef>
-          <a:fontRef idx="minor">
-            <a:schemeClr val="tx1"/>
-          </a:fontRef>
-        </p:style>
-      </p:cxnSp>
-      <p:sp>
-        <p:nvSpPr>
-          <p:cNvPr id="62" name="テキスト ボックス 61"/>
+        <p:txBody>
+          <a:bodyPr rtlCol="0" anchor="ctr"/>
+          <a:lstStyle/>
+          <a:p>
+            <a:pPr algn="ctr"/>
+            <a:endParaRPr kumimoji="1" lang="ja-JP" altLang="en-US"/>
+          </a:p>
+        </p:txBody>
+      </p:sp>
+      <p:sp>
+        <p:nvSpPr>
+          <p:cNvPr id="6" name="テキスト ボックス 5"/>
           <p:cNvSpPr txBox="1"/>
           <p:nvPr/>
         </p:nvSpPr>
         <p:spPr>
           <a:xfrm>
-            <a:off x="408193" y="4555722"/>
-            <a:ext cx="2688771" cy="646331"/>
+            <a:off x="5937159" y="1687750"/>
+            <a:ext cx="2756080" cy="830997"/>
           </a:xfrm>
           <a:prstGeom prst="rect">
             <a:avLst/>
           </a:prstGeom>
           <a:noFill/>
-          <a:ln>
-            <a:solidFill>
-              <a:srgbClr val="FF0000"/>
-            </a:solidFill>
-          </a:ln>
         </p:spPr>
         <p:txBody>
           <a:bodyPr wrap="square" rtlCol="0">
@@ -8400,75 +11036,23 @@
           <a:lstStyle/>
           <a:p>
             <a:r>
-              <a:rPr lang="ja-JP" altLang="en-US">
-                <a:latin typeface="メイリオ" panose="020B0604030504040204" pitchFamily="50" charset="-128"/>
-                <a:ea typeface="メイリオ" panose="020B0604030504040204" pitchFamily="50" charset="-128"/>
-              </a:rPr>
-              <a:t>本</a:t>
-            </a:r>
-            <a:r>
-              <a:rPr kumimoji="1" lang="ja-JP" altLang="en-US" smtClean="0">
-                <a:latin typeface="メイリオ" panose="020B0604030504040204" pitchFamily="50" charset="-128"/>
-                <a:ea typeface="メイリオ" panose="020B0604030504040204" pitchFamily="50" charset="-128"/>
-              </a:rPr>
-              <a:t>研究</a:t>
-            </a:r>
-            <a:r>
-              <a:rPr kumimoji="1" lang="ja-JP" altLang="en-US" dirty="0" smtClean="0">
-                <a:latin typeface="メイリオ" panose="020B0604030504040204" pitchFamily="50" charset="-128"/>
-                <a:ea typeface="メイリオ" panose="020B0604030504040204" pitchFamily="50" charset="-128"/>
-              </a:rPr>
-              <a:t>で明らかにする潜在的なニーズ</a:t>
-            </a:r>
-            <a:endParaRPr kumimoji="1" lang="ja-JP" altLang="en-US" dirty="0">
+              <a:rPr kumimoji="1" lang="ja-JP" altLang="en-US" sz="2400" dirty="0" smtClean="0">
+                <a:latin typeface="メイリオ" panose="020B0604030504040204" pitchFamily="50" charset="-128"/>
+                <a:ea typeface="メイリオ" panose="020B0604030504040204" pitchFamily="50" charset="-128"/>
+              </a:rPr>
+              <a:t>この部分を表出化する</a:t>
+            </a:r>
+            <a:endParaRPr kumimoji="1" lang="ja-JP" altLang="en-US" sz="2400" dirty="0">
               <a:latin typeface="メイリオ" panose="020B0604030504040204" pitchFamily="50" charset="-128"/>
               <a:ea typeface="メイリオ" panose="020B0604030504040204" pitchFamily="50" charset="-128"/>
             </a:endParaRPr>
           </a:p>
         </p:txBody>
       </p:sp>
-      <p:cxnSp>
-        <p:nvCxnSpPr>
-          <p:cNvPr id="64" name="直線矢印コネクタ 63"/>
-          <p:cNvCxnSpPr>
-            <a:stCxn id="62" idx="0"/>
-          </p:cNvCxnSpPr>
-          <p:nvPr/>
-        </p:nvCxnSpPr>
-        <p:spPr>
-          <a:xfrm flipV="1">
-            <a:off x="1752579" y="3703016"/>
-            <a:ext cx="435450" cy="852706"/>
-          </a:xfrm>
-          <a:prstGeom prst="straightConnector1">
-            <a:avLst/>
-          </a:prstGeom>
-          <a:ln w="19050">
-            <a:solidFill>
-              <a:schemeClr val="tx1"/>
-            </a:solidFill>
-            <a:tailEnd type="arrow"/>
-          </a:ln>
-        </p:spPr>
-        <p:style>
-          <a:lnRef idx="1">
-            <a:schemeClr val="accent1"/>
-          </a:lnRef>
-          <a:fillRef idx="0">
-            <a:schemeClr val="accent1"/>
-          </a:fillRef>
-          <a:effectRef idx="0">
-            <a:schemeClr val="accent1"/>
-          </a:effectRef>
-          <a:fontRef idx="minor">
-            <a:schemeClr val="tx1"/>
-          </a:fontRef>
-        </p:style>
-      </p:cxnSp>
     </p:spTree>
     <p:extLst>
       <p:ext uri="{BB962C8B-B14F-4D97-AF65-F5344CB8AC3E}">
-        <p14:creationId xmlns:p14="http://schemas.microsoft.com/office/powerpoint/2010/main" val="838702665"/>
+        <p14:creationId xmlns:p14="http://schemas.microsoft.com/office/powerpoint/2010/main" val="2316800980"/>
       </p:ext>
     </p:extLst>
   </p:cSld>
@@ -10018,7 +12602,7 @@
   <a:extraClrSchemeLst/>
   <a:extLst>
     <a:ext uri="{05A4C25C-085E-4340-85A3-A5531E510DB2}">
-      <thm15:themeFamily xmlns:thm15="http://schemas.microsoft.com/office/thememl/2012/main" name="Office Theme" id="{62F939B6-93AF-4DB8-9C6B-D6C7DFDC589F}" vid="{4A3C46E8-61CC-4603-A589-7422A47A8E4A}"/>
+      <thm15:themeFamily xmlns:thm15="http://schemas.microsoft.com/office/thememl/2012/main" xmlns="" name="Office Theme" id="{62F939B6-93AF-4DB8-9C6B-D6C7DFDC589F}" vid="{4A3C46E8-61CC-4603-A589-7422A47A8E4A}"/>
     </a:ext>
   </a:extLst>
 </a:theme>
@@ -10279,7 +12863,7 @@
   <a:extraClrSchemeLst/>
   <a:extLst>
     <a:ext uri="{05A4C25C-085E-4340-85A3-A5531E510DB2}">
-      <thm15:themeFamily xmlns:thm15="http://schemas.microsoft.com/office/thememl/2012/main" name="Office Theme" id="{62F939B6-93AF-4DB8-9C6B-D6C7DFDC589F}" vid="{4A3C46E8-61CC-4603-A589-7422A47A8E4A}"/>
+      <thm15:themeFamily xmlns:thm15="http://schemas.microsoft.com/office/thememl/2012/main" xmlns="" name="Office Theme" id="{62F939B6-93AF-4DB8-9C6B-D6C7DFDC589F}" vid="{4A3C46E8-61CC-4603-A589-7422A47A8E4A}"/>
     </a:ext>
   </a:extLst>
 </a:theme>

--- a/卒業論文/2014/吉野聡志/最終発表/最終発表スライド.pptx
+++ b/卒業論文/2014/吉野聡志/最終発表/最終発表スライド.pptx
@@ -126,7 +126,7 @@
   </p:defaultTextStyle>
   <p:extLst>
     <p:ext uri="{EFAFB233-063F-42B5-8137-9DF3F51BA10A}">
-      <p15:sldGuideLst xmlns:p15="http://schemas.microsoft.com/office/powerpoint/2012/main" xmlns="">
+      <p15:sldGuideLst xmlns="" xmlns:p15="http://schemas.microsoft.com/office/powerpoint/2012/main">
         <p15:guide id="1" orient="horz" pos="2160">
           <p15:clr>
             <a:srgbClr val="A4A3A4"/>
@@ -1157,16 +1157,16 @@
     </dgm:pt>
   </dgm:ptLst>
   <dgm:cxnLst>
-    <dgm:cxn modelId="{BC3650BF-FDE0-42EA-ACB3-FE6AFB46E6D7}" srcId="{AC03D6D7-5EC4-4045-BFFF-DB04D3EC8765}" destId="{E0AEE14F-2896-4821-B2EB-23B84D86DEE8}" srcOrd="0" destOrd="0" parTransId="{BF386E1B-C613-4D30-AA6B-22F9C1CCE5F9}" sibTransId="{43980166-989F-4AB9-AC31-2B0E9DC978F0}"/>
-    <dgm:cxn modelId="{F259B2F2-5E10-49A0-A9C6-E464ABF35FCF}" type="presOf" srcId="{AC03D6D7-5EC4-4045-BFFF-DB04D3EC8765}" destId="{BC55CBB6-66C3-40F1-9F38-0F6CE6E0930B}" srcOrd="0" destOrd="0" presId="urn:microsoft.com/office/officeart/2005/8/layout/venn1"/>
-    <dgm:cxn modelId="{79CC92B5-2B5C-410A-965A-CBDA5BDB9470}" srcId="{AC03D6D7-5EC4-4045-BFFF-DB04D3EC8765}" destId="{2CAC240D-3769-442E-8652-FC9817A95BD6}" srcOrd="2" destOrd="0" parTransId="{5C19B847-FFED-4F88-8375-099E0D716D3B}" sibTransId="{F2DB4F06-241E-45BF-97D1-6109C51B4D44}"/>
-    <dgm:cxn modelId="{47FB37D0-2F16-4A48-9F30-2EF434180282}" srcId="{AC03D6D7-5EC4-4045-BFFF-DB04D3EC8765}" destId="{68B94220-00DC-4178-A126-504E29FD4C7F}" srcOrd="1" destOrd="0" parTransId="{8BE51666-E96C-4FBD-96A0-3A8A9869B69D}" sibTransId="{7DA935BE-3765-4A27-9443-D462BC849FC7}"/>
-    <dgm:cxn modelId="{7FF98F54-EB4B-429A-B87B-C9D605258A3E}" type="presOf" srcId="{68B94220-00DC-4178-A126-504E29FD4C7F}" destId="{3ABC5B87-A3A6-40FB-A733-C7DE8B88B68B}" srcOrd="1" destOrd="0" presId="urn:microsoft.com/office/officeart/2005/8/layout/venn1"/>
-    <dgm:cxn modelId="{58E22498-DB3D-4CDB-A8C2-DFF218341D4C}" type="presOf" srcId="{E0AEE14F-2896-4821-B2EB-23B84D86DEE8}" destId="{F616AA9D-2263-42E0-A15D-90E05BE6C6FB}" srcOrd="0" destOrd="0" presId="urn:microsoft.com/office/officeart/2005/8/layout/venn1"/>
+    <dgm:cxn modelId="{9374DE7D-E666-4008-B00D-1E637E2C9580}" type="presOf" srcId="{2CAC240D-3769-442E-8652-FC9817A95BD6}" destId="{382F10B1-0E12-4C85-BF93-C9924164CC96}" srcOrd="1" destOrd="0" presId="urn:microsoft.com/office/officeart/2005/8/layout/venn1"/>
     <dgm:cxn modelId="{4D686BF9-EA3A-4D95-8ECC-784E0717E852}" type="presOf" srcId="{68B94220-00DC-4178-A126-504E29FD4C7F}" destId="{409D158A-1990-4B40-B54B-EDBF90B2A3FA}" srcOrd="0" destOrd="0" presId="urn:microsoft.com/office/officeart/2005/8/layout/venn1"/>
     <dgm:cxn modelId="{FB3527A5-1869-4EB1-AF8B-12BE0757B59D}" type="presOf" srcId="{2CAC240D-3769-442E-8652-FC9817A95BD6}" destId="{1EEBE69D-8D38-4EDD-8469-AD6ADAB8C50B}" srcOrd="0" destOrd="0" presId="urn:microsoft.com/office/officeart/2005/8/layout/venn1"/>
-    <dgm:cxn modelId="{9374DE7D-E666-4008-B00D-1E637E2C9580}" type="presOf" srcId="{2CAC240D-3769-442E-8652-FC9817A95BD6}" destId="{382F10B1-0E12-4C85-BF93-C9924164CC96}" srcOrd="1" destOrd="0" presId="urn:microsoft.com/office/officeart/2005/8/layout/venn1"/>
+    <dgm:cxn modelId="{47FB37D0-2F16-4A48-9F30-2EF434180282}" srcId="{AC03D6D7-5EC4-4045-BFFF-DB04D3EC8765}" destId="{68B94220-00DC-4178-A126-504E29FD4C7F}" srcOrd="1" destOrd="0" parTransId="{8BE51666-E96C-4FBD-96A0-3A8A9869B69D}" sibTransId="{7DA935BE-3765-4A27-9443-D462BC849FC7}"/>
     <dgm:cxn modelId="{883AD665-7D5E-4846-A3B3-DD56AB98E768}" type="presOf" srcId="{E0AEE14F-2896-4821-B2EB-23B84D86DEE8}" destId="{1A0F9374-F0CD-44C7-8F4A-205FFBD1C35D}" srcOrd="1" destOrd="0" presId="urn:microsoft.com/office/officeart/2005/8/layout/venn1"/>
+    <dgm:cxn modelId="{58E22498-DB3D-4CDB-A8C2-DFF218341D4C}" type="presOf" srcId="{E0AEE14F-2896-4821-B2EB-23B84D86DEE8}" destId="{F616AA9D-2263-42E0-A15D-90E05BE6C6FB}" srcOrd="0" destOrd="0" presId="urn:microsoft.com/office/officeart/2005/8/layout/venn1"/>
+    <dgm:cxn modelId="{F259B2F2-5E10-49A0-A9C6-E464ABF35FCF}" type="presOf" srcId="{AC03D6D7-5EC4-4045-BFFF-DB04D3EC8765}" destId="{BC55CBB6-66C3-40F1-9F38-0F6CE6E0930B}" srcOrd="0" destOrd="0" presId="urn:microsoft.com/office/officeart/2005/8/layout/venn1"/>
+    <dgm:cxn modelId="{BC3650BF-FDE0-42EA-ACB3-FE6AFB46E6D7}" srcId="{AC03D6D7-5EC4-4045-BFFF-DB04D3EC8765}" destId="{E0AEE14F-2896-4821-B2EB-23B84D86DEE8}" srcOrd="0" destOrd="0" parTransId="{BF386E1B-C613-4D30-AA6B-22F9C1CCE5F9}" sibTransId="{43980166-989F-4AB9-AC31-2B0E9DC978F0}"/>
+    <dgm:cxn modelId="{7FF98F54-EB4B-429A-B87B-C9D605258A3E}" type="presOf" srcId="{68B94220-00DC-4178-A126-504E29FD4C7F}" destId="{3ABC5B87-A3A6-40FB-A733-C7DE8B88B68B}" srcOrd="1" destOrd="0" presId="urn:microsoft.com/office/officeart/2005/8/layout/venn1"/>
+    <dgm:cxn modelId="{79CC92B5-2B5C-410A-965A-CBDA5BDB9470}" srcId="{AC03D6D7-5EC4-4045-BFFF-DB04D3EC8765}" destId="{2CAC240D-3769-442E-8652-FC9817A95BD6}" srcOrd="2" destOrd="0" parTransId="{5C19B847-FFED-4F88-8375-099E0D716D3B}" sibTransId="{F2DB4F06-241E-45BF-97D1-6109C51B4D44}"/>
     <dgm:cxn modelId="{610C67D9-4139-4690-8C02-4154FC744D74}" type="presParOf" srcId="{BC55CBB6-66C3-40F1-9F38-0F6CE6E0930B}" destId="{F616AA9D-2263-42E0-A15D-90E05BE6C6FB}" srcOrd="0" destOrd="0" presId="urn:microsoft.com/office/officeart/2005/8/layout/venn1"/>
     <dgm:cxn modelId="{09F94B7E-5365-4C12-BDCB-6518C8162B91}" type="presParOf" srcId="{BC55CBB6-66C3-40F1-9F38-0F6CE6E0930B}" destId="{1A0F9374-F0CD-44C7-8F4A-205FFBD1C35D}" srcOrd="1" destOrd="0" presId="urn:microsoft.com/office/officeart/2005/8/layout/venn1"/>
     <dgm:cxn modelId="{D9BF2AD9-7340-4AAC-B7EE-30D6BB49EC77}" type="presParOf" srcId="{BC55CBB6-66C3-40F1-9F38-0F6CE6E0930B}" destId="{409D158A-1990-4B40-B54B-EDBF90B2A3FA}" srcOrd="2" destOrd="0" presId="urn:microsoft.com/office/officeart/2005/8/layout/venn1"/>
@@ -11021,8 +11021,8 @@
         </p:nvSpPr>
         <p:spPr>
           <a:xfrm>
-            <a:off x="5937159" y="1687750"/>
-            <a:ext cx="2756080" cy="830997"/>
+            <a:off x="6014431" y="1520325"/>
+            <a:ext cx="3039416" cy="1200329"/>
           </a:xfrm>
           <a:prstGeom prst="rect">
             <a:avLst/>
@@ -11036,11 +11036,11 @@
           <a:lstStyle/>
           <a:p>
             <a:r>
-              <a:rPr kumimoji="1" lang="ja-JP" altLang="en-US" sz="2400" dirty="0" smtClean="0">
-                <a:latin typeface="メイリオ" panose="020B0604030504040204" pitchFamily="50" charset="-128"/>
-                <a:ea typeface="メイリオ" panose="020B0604030504040204" pitchFamily="50" charset="-128"/>
-              </a:rPr>
-              <a:t>この部分を表出化する</a:t>
+              <a:rPr lang="ja-JP" altLang="en-US" sz="2400" dirty="0" smtClean="0">
+                <a:latin typeface="メイリオ" panose="020B0604030504040204" pitchFamily="50" charset="-128"/>
+                <a:ea typeface="メイリオ" panose="020B0604030504040204" pitchFamily="50" charset="-128"/>
+              </a:rPr>
+              <a:t>ヒアリングでは　　得られない潜在的なニーズを表出化</a:t>
             </a:r>
             <a:endParaRPr kumimoji="1" lang="ja-JP" altLang="en-US" sz="2400" dirty="0">
               <a:latin typeface="メイリオ" panose="020B0604030504040204" pitchFamily="50" charset="-128"/>
@@ -12602,7 +12602,7 @@
   <a:extraClrSchemeLst/>
   <a:extLst>
     <a:ext uri="{05A4C25C-085E-4340-85A3-A5531E510DB2}">
-      <thm15:themeFamily xmlns:thm15="http://schemas.microsoft.com/office/thememl/2012/main" xmlns="" name="Office Theme" id="{62F939B6-93AF-4DB8-9C6B-D6C7DFDC589F}" vid="{4A3C46E8-61CC-4603-A589-7422A47A8E4A}"/>
+      <thm15:themeFamily xmlns="" xmlns:thm15="http://schemas.microsoft.com/office/thememl/2012/main" name="Office Theme" id="{62F939B6-93AF-4DB8-9C6B-D6C7DFDC589F}" vid="{4A3C46E8-61CC-4603-A589-7422A47A8E4A}"/>
     </a:ext>
   </a:extLst>
 </a:theme>
@@ -12863,7 +12863,7 @@
   <a:extraClrSchemeLst/>
   <a:extLst>
     <a:ext uri="{05A4C25C-085E-4340-85A3-A5531E510DB2}">
-      <thm15:themeFamily xmlns:thm15="http://schemas.microsoft.com/office/thememl/2012/main" xmlns="" name="Office Theme" id="{62F939B6-93AF-4DB8-9C6B-D6C7DFDC589F}" vid="{4A3C46E8-61CC-4603-A589-7422A47A8E4A}"/>
+      <thm15:themeFamily xmlns="" xmlns:thm15="http://schemas.microsoft.com/office/thememl/2012/main" name="Office Theme" id="{62F939B6-93AF-4DB8-9C6B-D6C7DFDC589F}" vid="{4A3C46E8-61CC-4603-A589-7422A47A8E4A}"/>
     </a:ext>
   </a:extLst>
 </a:theme>
